--- a/Отчет_3_сем/speech.pptx
+++ b/Отчет_3_сем/speech.pptx
@@ -5,13 +5,22 @@
     <p:sldMasterId id="2147483648" r:id="rId1"/>
   </p:sldMasterIdLst>
   <p:notesMasterIdLst>
-    <p:notesMasterId r:id="rId6"/>
+    <p:notesMasterId r:id="rId15"/>
   </p:notesMasterIdLst>
   <p:sldIdLst>
     <p:sldId id="257" r:id="rId2"/>
     <p:sldId id="317" r:id="rId3"/>
     <p:sldId id="319" r:id="rId4"/>
     <p:sldId id="320" r:id="rId5"/>
+    <p:sldId id="321" r:id="rId6"/>
+    <p:sldId id="322" r:id="rId7"/>
+    <p:sldId id="323" r:id="rId8"/>
+    <p:sldId id="324" r:id="rId9"/>
+    <p:sldId id="325" r:id="rId10"/>
+    <p:sldId id="326" r:id="rId11"/>
+    <p:sldId id="327" r:id="rId12"/>
+    <p:sldId id="328" r:id="rId13"/>
+    <p:sldId id="329" r:id="rId14"/>
   </p:sldIdLst>
   <p:sldSz cx="12192000" cy="6858000"/>
   <p:notesSz cx="6858000" cy="9144000"/>
@@ -200,7 +209,7 @@
           <a:p>
             <a:fld id="{8B82A444-7A35-48DA-B328-982FA082261C}" type="datetimeFigureOut">
               <a:rPr lang="ru-RU" smtClean="0"/>
-              <a:t>15.12.2021</a:t>
+              <a:t>28.12.2022</a:t>
             </a:fld>
             <a:endParaRPr lang="ru-RU"/>
           </a:p>
@@ -532,15 +541,8 @@
             </a:r>
             <a:r>
               <a:rPr lang="ru-RU" dirty="0"/>
-              <a:t>стоит не дорого. Но что если база составляет миллион? А если несколько миллионов? Даже если у компании большой оборот выручки, каждая такая коммуникация будет ощутимо сказываться на общем бюджете. Поэтому коммуникацию можно использовать гораздо более оптимальным способом. Например, преждевременно предотвращать уход покупателя. </a:t>
-            </a:r>
-            <a:endParaRPr lang="en-US" dirty="0"/>
-          </a:p>
-          <a:p>
-            <a:pPr marL="685800" lvl="1" indent="-228600">
-              <a:buAutoNum type="arabicParenR"/>
-            </a:pPr>
-            <a:endParaRPr lang="ru-RU" dirty="0"/>
+              <a:t>стоит не дорого. Но что если база составляет миллион? А если несколько миллионов? Даже если у компании большой оборот выручки, каждая такая коммуникация будет ощутимо сказываться на общем бюджете. Поэтому коммуникацию можно организовать гораздо более оптимальным способом. Но как это сделать? Как можно предиктивно оценить, на какого клиента коммуникация окажет положительное влияния?</a:t>
+            </a:r>
           </a:p>
         </p:txBody>
       </p:sp>
@@ -624,118 +626,9 @@
           <a:bodyPr/>
           <a:lstStyle/>
           <a:p>
-            <a:pPr marL="228600" indent="-228600">
-              <a:buAutoNum type="arabicParenR"/>
-            </a:pPr>
-            <a:r>
-              <a:rPr lang="ru-RU" dirty="0"/>
-              <a:t>Источники</a:t>
-            </a:r>
-            <a:r>
-              <a:rPr lang="en-US" dirty="0"/>
-              <a:t>:</a:t>
-            </a:r>
-          </a:p>
-          <a:p>
-            <a:pPr marL="685800" lvl="1" indent="-228600">
-              <a:buAutoNum type="arabicParenR"/>
-            </a:pPr>
-            <a:r>
-              <a:rPr lang="en-US" dirty="0"/>
-              <a:t>Kaggle</a:t>
-            </a:r>
-          </a:p>
-          <a:p>
-            <a:pPr marL="685800" lvl="1" indent="-228600">
-              <a:buAutoNum type="arabicParenR"/>
-            </a:pPr>
-            <a:r>
-              <a:rPr lang="ru-RU" dirty="0"/>
-              <a:t>Работа</a:t>
-            </a:r>
-          </a:p>
-          <a:p>
-            <a:pPr marL="685800" lvl="1" indent="-228600">
-              <a:buAutoNum type="arabicParenR"/>
-            </a:pPr>
-            <a:r>
-              <a:rPr lang="ru-RU" dirty="0"/>
-              <a:t>Иные источники (данные работы двигателей с сайта </a:t>
-            </a:r>
-            <a:r>
-              <a:rPr lang="en-US" dirty="0"/>
-              <a:t>NASA)</a:t>
-            </a:r>
-            <a:endParaRPr lang="ru-RU" dirty="0"/>
-          </a:p>
-          <a:p>
-            <a:pPr marL="457200" lvl="1" indent="0">
+            <a:pPr marL="0" indent="0">
               <a:buNone/>
             </a:pPr>
-            <a:endParaRPr lang="ru-RU" dirty="0"/>
-          </a:p>
-          <a:p>
-            <a:pPr marL="457200" lvl="1" indent="0">
-              <a:buNone/>
-            </a:pPr>
-            <a:endParaRPr lang="en-US" dirty="0"/>
-          </a:p>
-          <a:p>
-            <a:pPr marL="228600" lvl="0" indent="-228600">
-              <a:buAutoNum type="arabicParenR"/>
-            </a:pPr>
-            <a:r>
-              <a:rPr lang="ru-RU" dirty="0"/>
-              <a:t>Методы решения</a:t>
-            </a:r>
-            <a:r>
-              <a:rPr lang="en-US" dirty="0"/>
-              <a:t>:</a:t>
-            </a:r>
-          </a:p>
-          <a:p>
-            <a:pPr marL="685800" lvl="1" indent="-228600">
-              <a:buAutoNum type="arabicParenR"/>
-            </a:pPr>
-            <a:r>
-              <a:rPr lang="ru-RU" dirty="0"/>
-              <a:t>Аналитически</a:t>
-            </a:r>
-            <a:r>
-              <a:rPr lang="en-US" dirty="0"/>
-              <a:t>:</a:t>
-            </a:r>
-          </a:p>
-          <a:p>
-            <a:pPr marL="1143000" lvl="2" indent="-228600">
-              <a:buAutoNum type="arabicParenR"/>
-            </a:pPr>
-            <a:r>
-              <a:rPr lang="ru-RU" dirty="0"/>
-              <a:t>Сегментация клиентов по признакам.</a:t>
-            </a:r>
-          </a:p>
-          <a:p>
-            <a:pPr marL="1143000" lvl="2" indent="-228600">
-              <a:buAutoNum type="arabicParenR"/>
-            </a:pPr>
-            <a:r>
-              <a:rPr lang="ru-RU" dirty="0"/>
-              <a:t>Статистическое время жизни клиентов (Например, средний срок пользования продукцией 2 года – следовательно нужно рассылать выгодные предложения каждые 1.5 года.</a:t>
-            </a:r>
-          </a:p>
-          <a:p>
-            <a:pPr marL="685800" lvl="1" indent="-228600">
-              <a:buAutoNum type="arabicParenR"/>
-            </a:pPr>
-            <a:r>
-              <a:rPr lang="ru-RU" dirty="0"/>
-              <a:t>С помощью  </a:t>
-            </a:r>
-            <a:r>
-              <a:rPr lang="ru-RU"/>
-              <a:t>машинного обучения.</a:t>
-            </a:r>
             <a:endParaRPr lang="en-US" dirty="0"/>
           </a:p>
         </p:txBody>
@@ -767,6 +660,1418 @@
     <p:extLst>
       <p:ext uri="{BB962C8B-B14F-4D97-AF65-F5344CB8AC3E}">
         <p14:creationId xmlns:p14="http://schemas.microsoft.com/office/powerpoint/2010/main" val="126096018"/>
+      </p:ext>
+    </p:extLst>
+  </p:cSld>
+  <p:clrMapOvr>
+    <a:masterClrMapping/>
+  </p:clrMapOvr>
+</p:notes>
+</file>
+
+<file path=ppt/notesSlides/notesSlide3.xml><?xml version="1.0" encoding="utf-8"?>
+<p:notes xmlns:a="http://schemas.openxmlformats.org/drawingml/2006/main" xmlns:r="http://schemas.openxmlformats.org/officeDocument/2006/relationships" xmlns:p="http://schemas.openxmlformats.org/presentationml/2006/main">
+  <p:cSld>
+    <p:spTree>
+      <p:nvGrpSpPr>
+        <p:cNvPr id="1" name=""/>
+        <p:cNvGrpSpPr/>
+        <p:nvPr/>
+      </p:nvGrpSpPr>
+      <p:grpSpPr>
+        <a:xfrm>
+          <a:off x="0" y="0"/>
+          <a:ext cx="0" cy="0"/>
+          <a:chOff x="0" y="0"/>
+          <a:chExt cx="0" cy="0"/>
+        </a:xfrm>
+      </p:grpSpPr>
+      <p:sp>
+        <p:nvSpPr>
+          <p:cNvPr id="2" name="Образ слайда 1"/>
+          <p:cNvSpPr>
+            <a:spLocks noGrp="1" noRot="1" noChangeAspect="1"/>
+          </p:cNvSpPr>
+          <p:nvPr>
+            <p:ph type="sldImg"/>
+          </p:nvPr>
+        </p:nvSpPr>
+        <p:spPr/>
+      </p:sp>
+      <mc:AlternateContent xmlns:mc="http://schemas.openxmlformats.org/markup-compatibility/2006">
+        <mc:Choice xmlns:a14="http://schemas.microsoft.com/office/drawing/2010/main" Requires="a14">
+          <p:sp>
+            <p:nvSpPr>
+              <p:cNvPr id="3" name="Заметки 2"/>
+              <p:cNvSpPr>
+                <a:spLocks noGrp="1"/>
+              </p:cNvSpPr>
+              <p:nvPr>
+                <p:ph type="body" idx="1"/>
+              </p:nvPr>
+            </p:nvSpPr>
+            <p:spPr/>
+            <p:txBody>
+              <a:bodyPr/>
+              <a:lstStyle/>
+              <a:p>
+                <a:pPr marL="0" marR="0" lvl="0" indent="0" algn="l" defTabSz="914400" rtl="0" eaLnBrk="1" fontAlgn="auto" latinLnBrk="0" hangingPunct="1">
+                  <a:lnSpc>
+                    <a:spcPct val="100000"/>
+                  </a:lnSpc>
+                  <a:spcBef>
+                    <a:spcPts val="0"/>
+                  </a:spcBef>
+                  <a:spcAft>
+                    <a:spcPts val="0"/>
+                  </a:spcAft>
+                  <a:buClrTx/>
+                  <a:buSzTx/>
+                  <a:buFontTx/>
+                  <a:buNone/>
+                  <a:tabLst/>
+                  <a:defRPr/>
+                </a:pPr>
+                <a:r>
+                  <a:rPr lang="en-US" sz="1800" dirty="0" err="1">
+                    <a:effectLst/>
+                    <a:latin typeface="Times New Roman" panose="02020603050405020304" pitchFamily="18" charset="0"/>
+                    <a:ea typeface="Calibri" panose="020F0502020204030204" pitchFamily="34" charset="0"/>
+                  </a:rPr>
+                  <a:t>UpLift</a:t>
+                </a:r>
+                <a:r>
+                  <a:rPr lang="ru-RU" sz="1800" dirty="0">
+                    <a:effectLst/>
+                    <a:latin typeface="Times New Roman" panose="02020603050405020304" pitchFamily="18" charset="0"/>
+                    <a:ea typeface="Calibri" panose="020F0502020204030204" pitchFamily="34" charset="0"/>
+                  </a:rPr>
+                  <a:t> на первых </a:t>
+                </a:r>
+                <a:r>
+                  <a:rPr lang="en-US" sz="1800" dirty="0">
+                    <a:effectLst/>
+                    <a:latin typeface="Times New Roman" panose="02020603050405020304" pitchFamily="18" charset="0"/>
+                    <a:ea typeface="Calibri" panose="020F0502020204030204" pitchFamily="34" charset="0"/>
+                  </a:rPr>
+                  <a:t>k</a:t>
+                </a:r>
+                <a:r>
+                  <a:rPr lang="ru-RU" sz="1800" dirty="0">
+                    <a:effectLst/>
+                    <a:latin typeface="Times New Roman" panose="02020603050405020304" pitchFamily="18" charset="0"/>
+                    <a:ea typeface="Calibri" panose="020F0502020204030204" pitchFamily="34" charset="0"/>
+                  </a:rPr>
+                  <a:t> - </a:t>
+                </a:r>
+                <a:r>
+                  <a:rPr lang="ru-RU" sz="1800" dirty="0">
+                    <a:effectLst/>
+                    <a:latin typeface="Times New Roman" panose="02020603050405020304" pitchFamily="18" charset="0"/>
+                    <a:ea typeface="Calibri" panose="020F0502020204030204" pitchFamily="34" charset="0"/>
+                    <a:cs typeface="Times New Roman" panose="02020603050405020304" pitchFamily="18" charset="0"/>
+                  </a:rPr>
+                  <a:t>Чтобы получить значение этой метрики, нужно ранжировать результат прогноза по убыванию, чтобы отобрать клиентов, на которых коммуникация оказывает наибольший эффект. Далее берется разница между конверсией целевой группы, с которой осуществлялась коммуникация, и конверсией контрольной группы, которая осталась без коммуникации.</a:t>
+                </a:r>
+              </a:p>
+              <a:p>
+                <a:pPr marL="0" marR="0" lvl="0" indent="0" algn="l" defTabSz="914400" rtl="0" eaLnBrk="1" fontAlgn="auto" latinLnBrk="0" hangingPunct="1">
+                  <a:lnSpc>
+                    <a:spcPct val="100000"/>
+                  </a:lnSpc>
+                  <a:spcBef>
+                    <a:spcPts val="0"/>
+                  </a:spcBef>
+                  <a:spcAft>
+                    <a:spcPts val="0"/>
+                  </a:spcAft>
+                  <a:buClrTx/>
+                  <a:buSzTx/>
+                  <a:buFontTx/>
+                  <a:buNone/>
+                  <a:tabLst/>
+                  <a:defRPr/>
+                </a:pPr>
+                <a:endParaRPr lang="ru-RU" sz="1800" dirty="0">
+                  <a:effectLst/>
+                  <a:latin typeface="Times New Roman" panose="02020603050405020304" pitchFamily="18" charset="0"/>
+                  <a:ea typeface="Calibri" panose="020F0502020204030204" pitchFamily="34" charset="0"/>
+                  <a:cs typeface="Times New Roman" panose="02020603050405020304" pitchFamily="18" charset="0"/>
+                </a:endParaRPr>
+              </a:p>
+              <a:p>
+                <a:pPr marL="0" marR="0" lvl="0" indent="0" algn="l" defTabSz="914400" rtl="0" eaLnBrk="1" fontAlgn="auto" latinLnBrk="0" hangingPunct="1">
+                  <a:lnSpc>
+                    <a:spcPct val="100000"/>
+                  </a:lnSpc>
+                  <a:spcBef>
+                    <a:spcPts val="0"/>
+                  </a:spcBef>
+                  <a:spcAft>
+                    <a:spcPts val="0"/>
+                  </a:spcAft>
+                  <a:buClrTx/>
+                  <a:buSzTx/>
+                  <a:buFontTx/>
+                  <a:buNone/>
+                  <a:tabLst/>
+                  <a:defRPr/>
+                </a:pPr>
+                <a:endParaRPr lang="ru-RU" sz="1800" dirty="0">
+                  <a:effectLst/>
+                  <a:latin typeface="Times New Roman" panose="02020603050405020304" pitchFamily="18" charset="0"/>
+                  <a:ea typeface="Calibri" panose="020F0502020204030204" pitchFamily="34" charset="0"/>
+                  <a:cs typeface="Times New Roman" panose="02020603050405020304" pitchFamily="18" charset="0"/>
+                </a:endParaRPr>
+              </a:p>
+              <a:p>
+                <a:pPr marL="0" marR="0" lvl="0" indent="0" algn="l" defTabSz="914400" rtl="0" eaLnBrk="1" fontAlgn="auto" latinLnBrk="0" hangingPunct="1">
+                  <a:lnSpc>
+                    <a:spcPct val="100000"/>
+                  </a:lnSpc>
+                  <a:spcBef>
+                    <a:spcPts val="0"/>
+                  </a:spcBef>
+                  <a:spcAft>
+                    <a:spcPts val="0"/>
+                  </a:spcAft>
+                  <a:buClrTx/>
+                  <a:buSzTx/>
+                  <a:buFontTx/>
+                  <a:buNone/>
+                  <a:tabLst/>
+                  <a:defRPr/>
+                </a:pPr>
+                <a:r>
+                  <a:rPr lang="ru-RU" sz="1800" dirty="0">
+                    <a:latin typeface="Times New Roman" panose="02020603050405020304" pitchFamily="18" charset="0"/>
+                  </a:rPr>
+                  <a:t>Средний взвешенный</a:t>
+                </a:r>
+                <a:r>
+                  <a:rPr lang="en-US" sz="1800" dirty="0">
+                    <a:latin typeface="Times New Roman" panose="02020603050405020304" pitchFamily="18" charset="0"/>
+                  </a:rPr>
+                  <a:t> </a:t>
+                </a:r>
+                <a:r>
+                  <a:rPr lang="en-US" sz="1800" dirty="0" err="1">
+                    <a:latin typeface="Times New Roman" panose="02020603050405020304" pitchFamily="18" charset="0"/>
+                  </a:rPr>
+                  <a:t>UpLift</a:t>
+                </a:r>
+                <a:r>
+                  <a:rPr lang="en-US" sz="1800" dirty="0">
+                    <a:latin typeface="Times New Roman" panose="02020603050405020304" pitchFamily="18" charset="0"/>
+                  </a:rPr>
+                  <a:t> </a:t>
+                </a:r>
+                <a:r>
+                  <a:rPr lang="ru-RU" sz="1800" dirty="0">
+                    <a:effectLst/>
+                    <a:latin typeface="Times New Roman" panose="02020603050405020304" pitchFamily="18" charset="0"/>
+                    <a:cs typeface="Times New Roman" panose="02020603050405020304" pitchFamily="18" charset="0"/>
+                  </a:rPr>
+                  <a:t>- </a:t>
+                </a:r>
+                <a:r>
+                  <a:rPr lang="ru-RU" sz="1800" dirty="0">
+                    <a:effectLst/>
+                    <a:latin typeface="Times New Roman" panose="02020603050405020304" pitchFamily="18" charset="0"/>
+                    <a:ea typeface="Calibri" panose="020F0502020204030204" pitchFamily="34" charset="0"/>
+                    <a:cs typeface="Times New Roman" panose="02020603050405020304" pitchFamily="18" charset="0"/>
+                  </a:rPr>
+                  <a:t>Алгоритм расчета схож с предыдущей метрикой:</a:t>
+                </a:r>
+                <a:endParaRPr lang="ru-RU" sz="1800" dirty="0">
+                  <a:effectLst/>
+                  <a:latin typeface="Calibri" panose="020F0502020204030204" pitchFamily="34" charset="0"/>
+                  <a:ea typeface="Calibri" panose="020F0502020204030204" pitchFamily="34" charset="0"/>
+                  <a:cs typeface="Times New Roman" panose="02020603050405020304" pitchFamily="18" charset="0"/>
+                </a:endParaRPr>
+              </a:p>
+              <a:p>
+                <a:pPr marL="342900" marR="359410" lvl="0" indent="-342900" algn="just">
+                  <a:lnSpc>
+                    <a:spcPct val="107000"/>
+                  </a:lnSpc>
+                  <a:spcAft>
+                    <a:spcPts val="800"/>
+                  </a:spcAft>
+                  <a:buFont typeface="+mj-lt"/>
+                  <a:buAutoNum type="arabicPeriod"/>
+                </a:pPr>
+                <a:r>
+                  <a:rPr lang="ru-RU" sz="1800" dirty="0">
+                    <a:effectLst/>
+                    <a:latin typeface="Times New Roman" panose="02020603050405020304" pitchFamily="18" charset="0"/>
+                    <a:ea typeface="Calibri" panose="020F0502020204030204" pitchFamily="34" charset="0"/>
+                    <a:cs typeface="Times New Roman" panose="02020603050405020304" pitchFamily="18" charset="0"/>
+                  </a:rPr>
+                  <a:t>Выборка сортируется по прогнозу </a:t>
+                </a:r>
+                <a:r>
+                  <a:rPr lang="en-US" sz="1800" dirty="0" err="1">
+                    <a:effectLst/>
+                    <a:latin typeface="Times New Roman" panose="02020603050405020304" pitchFamily="18" charset="0"/>
+                    <a:ea typeface="Calibri" panose="020F0502020204030204" pitchFamily="34" charset="0"/>
+                    <a:cs typeface="Times New Roman" panose="02020603050405020304" pitchFamily="18" charset="0"/>
+                  </a:rPr>
+                  <a:t>UpLift</a:t>
+                </a:r>
+                <a:r>
+                  <a:rPr lang="ru-RU" sz="1800" dirty="0">
+                    <a:effectLst/>
+                    <a:latin typeface="Times New Roman" panose="02020603050405020304" pitchFamily="18" charset="0"/>
+                    <a:ea typeface="Calibri" panose="020F0502020204030204" pitchFamily="34" charset="0"/>
+                    <a:cs typeface="Times New Roman" panose="02020603050405020304" pitchFamily="18" charset="0"/>
+                  </a:rPr>
+                  <a:t>.</a:t>
+                </a:r>
+                <a:endParaRPr lang="ru-RU" sz="1800" dirty="0">
+                  <a:effectLst/>
+                  <a:latin typeface="Calibri" panose="020F0502020204030204" pitchFamily="34" charset="0"/>
+                  <a:ea typeface="Calibri" panose="020F0502020204030204" pitchFamily="34" charset="0"/>
+                  <a:cs typeface="Times New Roman" panose="02020603050405020304" pitchFamily="18" charset="0"/>
+                </a:endParaRPr>
+              </a:p>
+              <a:p>
+                <a:pPr marL="342900" marR="359410" lvl="0" indent="-342900" algn="just">
+                  <a:lnSpc>
+                    <a:spcPct val="107000"/>
+                  </a:lnSpc>
+                  <a:spcAft>
+                    <a:spcPts val="800"/>
+                  </a:spcAft>
+                  <a:buFont typeface="+mj-lt"/>
+                  <a:buAutoNum type="arabicPeriod"/>
+                </a:pPr>
+                <a:r>
+                  <a:rPr lang="ru-RU" sz="1800" dirty="0">
+                    <a:effectLst/>
+                    <a:latin typeface="Times New Roman" panose="02020603050405020304" pitchFamily="18" charset="0"/>
+                    <a:ea typeface="Calibri" panose="020F0502020204030204" pitchFamily="34" charset="0"/>
+                    <a:cs typeface="Times New Roman" panose="02020603050405020304" pitchFamily="18" charset="0"/>
+                  </a:rPr>
+                  <a:t>Отсортированные данные делятся на интервалы – обычно берется 10 интервалов.</a:t>
+                </a:r>
+                <a:endParaRPr lang="ru-RU" sz="1800" dirty="0">
+                  <a:effectLst/>
+                  <a:latin typeface="Calibri" panose="020F0502020204030204" pitchFamily="34" charset="0"/>
+                  <a:ea typeface="Calibri" panose="020F0502020204030204" pitchFamily="34" charset="0"/>
+                  <a:cs typeface="Times New Roman" panose="02020603050405020304" pitchFamily="18" charset="0"/>
+                </a:endParaRPr>
+              </a:p>
+              <a:p>
+                <a:pPr marL="342900" marR="359410" lvl="0" indent="-342900" algn="just">
+                  <a:lnSpc>
+                    <a:spcPct val="107000"/>
+                  </a:lnSpc>
+                  <a:spcAft>
+                    <a:spcPts val="800"/>
+                  </a:spcAft>
+                  <a:buFont typeface="+mj-lt"/>
+                  <a:buAutoNum type="arabicPeriod"/>
+                </a:pPr>
+                <a:r>
+                  <a:rPr lang="ru-RU" sz="1800" dirty="0">
+                    <a:effectLst/>
+                    <a:latin typeface="Times New Roman" panose="02020603050405020304" pitchFamily="18" charset="0"/>
+                    <a:ea typeface="Calibri" panose="020F0502020204030204" pitchFamily="34" charset="0"/>
+                    <a:cs typeface="Times New Roman" panose="02020603050405020304" pitchFamily="18" charset="0"/>
+                  </a:rPr>
+                  <a:t> Для каждого интервала оцениваем </a:t>
+                </a:r>
+                <a14:m>
+                  <m:oMath xmlns:m="http://schemas.openxmlformats.org/officeDocument/2006/math">
+                    <m:r>
+                      <a:rPr lang="ru-RU" sz="1800" i="1">
+                        <a:effectLst/>
+                        <a:latin typeface="Cambria Math" panose="02040503050406030204" pitchFamily="18" charset="0"/>
+                        <a:ea typeface="Calibri" panose="020F0502020204030204" pitchFamily="34" charset="0"/>
+                        <a:cs typeface="Times New Roman" panose="02020603050405020304" pitchFamily="18" charset="0"/>
+                      </a:rPr>
+                      <m:t>𝐶</m:t>
+                    </m:r>
+                    <m:sSub>
+                      <m:sSubPr>
+                        <m:ctrlPr>
+                          <a:rPr lang="ru-RU" sz="1800" i="1">
+                            <a:effectLst/>
+                            <a:latin typeface="Cambria Math" panose="02040503050406030204" pitchFamily="18" charset="0"/>
+                            <a:ea typeface="Calibri" panose="020F0502020204030204" pitchFamily="34" charset="0"/>
+                            <a:cs typeface="Times New Roman" panose="02020603050405020304" pitchFamily="18" charset="0"/>
+                          </a:rPr>
+                        </m:ctrlPr>
+                      </m:sSubPr>
+                      <m:e>
+                        <m:r>
+                          <a:rPr lang="ru-RU" sz="1800" i="1">
+                            <a:effectLst/>
+                            <a:latin typeface="Cambria Math" panose="02040503050406030204" pitchFamily="18" charset="0"/>
+                            <a:ea typeface="Calibri" panose="020F0502020204030204" pitchFamily="34" charset="0"/>
+                            <a:cs typeface="Times New Roman" panose="02020603050405020304" pitchFamily="18" charset="0"/>
+                          </a:rPr>
+                          <m:t>𝑅</m:t>
+                        </m:r>
+                      </m:e>
+                      <m:sub>
+                        <m:r>
+                          <a:rPr lang="ru-RU" sz="1800" i="1">
+                            <a:effectLst/>
+                            <a:latin typeface="Cambria Math" panose="02040503050406030204" pitchFamily="18" charset="0"/>
+                            <a:ea typeface="Calibri" panose="020F0502020204030204" pitchFamily="34" charset="0"/>
+                            <a:cs typeface="Times New Roman" panose="02020603050405020304" pitchFamily="18" charset="0"/>
+                          </a:rPr>
+                          <m:t>𝐾</m:t>
+                        </m:r>
+                        <m:r>
+                          <a:rPr lang="ru-RU" sz="1800">
+                            <a:effectLst/>
+                            <a:latin typeface="Cambria Math" panose="02040503050406030204" pitchFamily="18" charset="0"/>
+                            <a:ea typeface="Calibri" panose="020F0502020204030204" pitchFamily="34" charset="0"/>
+                            <a:cs typeface="Times New Roman" panose="02020603050405020304" pitchFamily="18" charset="0"/>
+                          </a:rPr>
+                          <m:t>%</m:t>
+                        </m:r>
+                      </m:sub>
+                    </m:sSub>
+                    <m:r>
+                      <a:rPr lang="ru-RU" sz="1800">
+                        <a:effectLst/>
+                        <a:latin typeface="Cambria Math" panose="02040503050406030204" pitchFamily="18" charset="0"/>
+                        <a:ea typeface="Calibri" panose="020F0502020204030204" pitchFamily="34" charset="0"/>
+                        <a:cs typeface="Times New Roman" panose="02020603050405020304" pitchFamily="18" charset="0"/>
+                      </a:rPr>
+                      <m:t> </m:t>
+                    </m:r>
+                    <m:d>
+                      <m:dPr>
+                        <m:ctrlPr>
+                          <a:rPr lang="ru-RU" sz="1800" i="1">
+                            <a:effectLst/>
+                            <a:latin typeface="Cambria Math" panose="02040503050406030204" pitchFamily="18" charset="0"/>
+                            <a:ea typeface="Calibri" panose="020F0502020204030204" pitchFamily="34" charset="0"/>
+                            <a:cs typeface="Times New Roman" panose="02020603050405020304" pitchFamily="18" charset="0"/>
+                          </a:rPr>
+                        </m:ctrlPr>
+                      </m:dPr>
+                      <m:e>
+                        <m:sSub>
+                          <m:sSubPr>
+                            <m:ctrlPr>
+                              <a:rPr lang="ru-RU" sz="1800" i="1">
+                                <a:effectLst/>
+                                <a:latin typeface="Cambria Math" panose="02040503050406030204" pitchFamily="18" charset="0"/>
+                                <a:ea typeface="Calibri" panose="020F0502020204030204" pitchFamily="34" charset="0"/>
+                                <a:cs typeface="Times New Roman" panose="02020603050405020304" pitchFamily="18" charset="0"/>
+                              </a:rPr>
+                            </m:ctrlPr>
+                          </m:sSubPr>
+                          <m:e>
+                            <m:r>
+                              <a:rPr lang="ru-RU" sz="1800" i="1">
+                                <a:effectLst/>
+                                <a:latin typeface="Cambria Math" panose="02040503050406030204" pitchFamily="18" charset="0"/>
+                                <a:ea typeface="Calibri" panose="020F0502020204030204" pitchFamily="34" charset="0"/>
+                                <a:cs typeface="Times New Roman" panose="02020603050405020304" pitchFamily="18" charset="0"/>
+                              </a:rPr>
+                              <m:t>𝑋</m:t>
+                            </m:r>
+                          </m:e>
+                          <m:sub>
+                            <m:r>
+                              <a:rPr lang="ru-RU" sz="1800" i="1">
+                                <a:effectLst/>
+                                <a:latin typeface="Cambria Math" panose="02040503050406030204" pitchFamily="18" charset="0"/>
+                                <a:ea typeface="Calibri" panose="020F0502020204030204" pitchFamily="34" charset="0"/>
+                                <a:cs typeface="Times New Roman" panose="02020603050405020304" pitchFamily="18" charset="0"/>
+                              </a:rPr>
+                              <m:t>𝑡𝑎𝑟𝑔𝑒𝑡</m:t>
+                            </m:r>
+                          </m:sub>
+                        </m:sSub>
+                      </m:e>
+                    </m:d>
+                    <m:r>
+                      <a:rPr lang="ru-RU" sz="1800">
+                        <a:effectLst/>
+                        <a:latin typeface="Cambria Math" panose="02040503050406030204" pitchFamily="18" charset="0"/>
+                        <a:ea typeface="Calibri" panose="020F0502020204030204" pitchFamily="34" charset="0"/>
+                        <a:cs typeface="Times New Roman" panose="02020603050405020304" pitchFamily="18" charset="0"/>
+                      </a:rPr>
+                      <m:t> и </m:t>
+                    </m:r>
+                    <m:r>
+                      <a:rPr lang="ru-RU" sz="1800" i="1">
+                        <a:effectLst/>
+                        <a:latin typeface="Cambria Math" panose="02040503050406030204" pitchFamily="18" charset="0"/>
+                        <a:ea typeface="Calibri" panose="020F0502020204030204" pitchFamily="34" charset="0"/>
+                        <a:cs typeface="Times New Roman" panose="02020603050405020304" pitchFamily="18" charset="0"/>
+                      </a:rPr>
+                      <m:t>𝐶</m:t>
+                    </m:r>
+                    <m:sSub>
+                      <m:sSubPr>
+                        <m:ctrlPr>
+                          <a:rPr lang="ru-RU" sz="1800" i="1">
+                            <a:effectLst/>
+                            <a:latin typeface="Cambria Math" panose="02040503050406030204" pitchFamily="18" charset="0"/>
+                            <a:ea typeface="Calibri" panose="020F0502020204030204" pitchFamily="34" charset="0"/>
+                            <a:cs typeface="Times New Roman" panose="02020603050405020304" pitchFamily="18" charset="0"/>
+                          </a:rPr>
+                        </m:ctrlPr>
+                      </m:sSubPr>
+                      <m:e>
+                        <m:r>
+                          <a:rPr lang="ru-RU" sz="1800" i="1">
+                            <a:effectLst/>
+                            <a:latin typeface="Cambria Math" panose="02040503050406030204" pitchFamily="18" charset="0"/>
+                            <a:ea typeface="Calibri" panose="020F0502020204030204" pitchFamily="34" charset="0"/>
+                            <a:cs typeface="Times New Roman" panose="02020603050405020304" pitchFamily="18" charset="0"/>
+                          </a:rPr>
+                          <m:t>𝑅</m:t>
+                        </m:r>
+                      </m:e>
+                      <m:sub>
+                        <m:r>
+                          <a:rPr lang="ru-RU" sz="1800" i="1">
+                            <a:effectLst/>
+                            <a:latin typeface="Cambria Math" panose="02040503050406030204" pitchFamily="18" charset="0"/>
+                            <a:ea typeface="Calibri" panose="020F0502020204030204" pitchFamily="34" charset="0"/>
+                            <a:cs typeface="Times New Roman" panose="02020603050405020304" pitchFamily="18" charset="0"/>
+                          </a:rPr>
+                          <m:t>𝐾</m:t>
+                        </m:r>
+                        <m:r>
+                          <a:rPr lang="ru-RU" sz="1800">
+                            <a:effectLst/>
+                            <a:latin typeface="Cambria Math" panose="02040503050406030204" pitchFamily="18" charset="0"/>
+                            <a:ea typeface="Calibri" panose="020F0502020204030204" pitchFamily="34" charset="0"/>
+                            <a:cs typeface="Times New Roman" panose="02020603050405020304" pitchFamily="18" charset="0"/>
+                          </a:rPr>
+                          <m:t>%</m:t>
+                        </m:r>
+                      </m:sub>
+                    </m:sSub>
+                    <m:r>
+                      <a:rPr lang="ru-RU" sz="1800">
+                        <a:effectLst/>
+                        <a:latin typeface="Cambria Math" panose="02040503050406030204" pitchFamily="18" charset="0"/>
+                        <a:ea typeface="Calibri" panose="020F0502020204030204" pitchFamily="34" charset="0"/>
+                        <a:cs typeface="Times New Roman" panose="02020603050405020304" pitchFamily="18" charset="0"/>
+                      </a:rPr>
+                      <m:t> </m:t>
+                    </m:r>
+                    <m:d>
+                      <m:dPr>
+                        <m:ctrlPr>
+                          <a:rPr lang="ru-RU" sz="1800" i="1">
+                            <a:effectLst/>
+                            <a:latin typeface="Cambria Math" panose="02040503050406030204" pitchFamily="18" charset="0"/>
+                            <a:ea typeface="Calibri" panose="020F0502020204030204" pitchFamily="34" charset="0"/>
+                            <a:cs typeface="Times New Roman" panose="02020603050405020304" pitchFamily="18" charset="0"/>
+                          </a:rPr>
+                        </m:ctrlPr>
+                      </m:dPr>
+                      <m:e>
+                        <m:sSub>
+                          <m:sSubPr>
+                            <m:ctrlPr>
+                              <a:rPr lang="ru-RU" sz="1800" i="1">
+                                <a:effectLst/>
+                                <a:latin typeface="Cambria Math" panose="02040503050406030204" pitchFamily="18" charset="0"/>
+                                <a:ea typeface="Calibri" panose="020F0502020204030204" pitchFamily="34" charset="0"/>
+                                <a:cs typeface="Times New Roman" panose="02020603050405020304" pitchFamily="18" charset="0"/>
+                              </a:rPr>
+                            </m:ctrlPr>
+                          </m:sSubPr>
+                          <m:e>
+                            <m:r>
+                              <a:rPr lang="ru-RU" sz="1800" i="1">
+                                <a:effectLst/>
+                                <a:latin typeface="Cambria Math" panose="02040503050406030204" pitchFamily="18" charset="0"/>
+                                <a:ea typeface="Calibri" panose="020F0502020204030204" pitchFamily="34" charset="0"/>
+                                <a:cs typeface="Times New Roman" panose="02020603050405020304" pitchFamily="18" charset="0"/>
+                              </a:rPr>
+                              <m:t>𝑋</m:t>
+                            </m:r>
+                          </m:e>
+                          <m:sub>
+                            <m:r>
+                              <a:rPr lang="ru-RU" sz="1800" i="1">
+                                <a:effectLst/>
+                                <a:latin typeface="Cambria Math" panose="02040503050406030204" pitchFamily="18" charset="0"/>
+                                <a:ea typeface="Calibri" panose="020F0502020204030204" pitchFamily="34" charset="0"/>
+                                <a:cs typeface="Times New Roman" panose="02020603050405020304" pitchFamily="18" charset="0"/>
+                              </a:rPr>
+                              <m:t>𝑐𝑜𝑛𝑡𝑟𝑜𝑙</m:t>
+                            </m:r>
+                          </m:sub>
+                        </m:sSub>
+                      </m:e>
+                    </m:d>
+                  </m:oMath>
+                </a14:m>
+                <a:r>
+                  <a:rPr lang="ru-RU" sz="1800" dirty="0">
+                    <a:effectLst/>
+                    <a:latin typeface="Times New Roman" panose="02020603050405020304" pitchFamily="18" charset="0"/>
+                    <a:ea typeface="Calibri" panose="020F0502020204030204" pitchFamily="34" charset="0"/>
+                    <a:cs typeface="Times New Roman" panose="02020603050405020304" pitchFamily="18" charset="0"/>
+                  </a:rPr>
+                  <a:t> и берем разность.</a:t>
+                </a:r>
+                <a:endParaRPr lang="ru-RU" sz="1800" dirty="0">
+                  <a:effectLst/>
+                  <a:latin typeface="Calibri" panose="020F0502020204030204" pitchFamily="34" charset="0"/>
+                  <a:ea typeface="Calibri" panose="020F0502020204030204" pitchFamily="34" charset="0"/>
+                  <a:cs typeface="Times New Roman" panose="02020603050405020304" pitchFamily="18" charset="0"/>
+                </a:endParaRPr>
+              </a:p>
+              <a:p>
+                <a:endParaRPr lang="ru-RU" dirty="0"/>
+              </a:p>
+            </p:txBody>
+          </p:sp>
+        </mc:Choice>
+        <mc:Fallback>
+          <p:sp>
+            <p:nvSpPr>
+              <p:cNvPr id="3" name="Заметки 2"/>
+              <p:cNvSpPr>
+                <a:spLocks noGrp="1"/>
+              </p:cNvSpPr>
+              <p:nvPr>
+                <p:ph type="body" idx="1"/>
+              </p:nvPr>
+            </p:nvSpPr>
+            <p:spPr/>
+            <p:txBody>
+              <a:bodyPr/>
+              <a:lstStyle/>
+              <a:p>
+                <a:pPr marL="0" marR="0" lvl="0" indent="0" algn="l" defTabSz="914400" rtl="0" eaLnBrk="1" fontAlgn="auto" latinLnBrk="0" hangingPunct="1">
+                  <a:lnSpc>
+                    <a:spcPct val="100000"/>
+                  </a:lnSpc>
+                  <a:spcBef>
+                    <a:spcPts val="0"/>
+                  </a:spcBef>
+                  <a:spcAft>
+                    <a:spcPts val="0"/>
+                  </a:spcAft>
+                  <a:buClrTx/>
+                  <a:buSzTx/>
+                  <a:buFontTx/>
+                  <a:buNone/>
+                  <a:tabLst/>
+                  <a:defRPr/>
+                </a:pPr>
+                <a:r>
+                  <a:rPr lang="en-US" sz="1800" dirty="0" err="1">
+                    <a:effectLst/>
+                    <a:latin typeface="Times New Roman" panose="02020603050405020304" pitchFamily="18" charset="0"/>
+                    <a:ea typeface="Calibri" panose="020F0502020204030204" pitchFamily="34" charset="0"/>
+                  </a:rPr>
+                  <a:t>UpLift</a:t>
+                </a:r>
+                <a:r>
+                  <a:rPr lang="ru-RU" sz="1800" dirty="0">
+                    <a:effectLst/>
+                    <a:latin typeface="Times New Roman" panose="02020603050405020304" pitchFamily="18" charset="0"/>
+                    <a:ea typeface="Calibri" panose="020F0502020204030204" pitchFamily="34" charset="0"/>
+                  </a:rPr>
+                  <a:t> на первых </a:t>
+                </a:r>
+                <a:r>
+                  <a:rPr lang="en-US" sz="1800" dirty="0">
+                    <a:effectLst/>
+                    <a:latin typeface="Times New Roman" panose="02020603050405020304" pitchFamily="18" charset="0"/>
+                    <a:ea typeface="Calibri" panose="020F0502020204030204" pitchFamily="34" charset="0"/>
+                  </a:rPr>
+                  <a:t>k</a:t>
+                </a:r>
+                <a:r>
+                  <a:rPr lang="ru-RU" sz="1800" dirty="0">
+                    <a:effectLst/>
+                    <a:latin typeface="Times New Roman" panose="02020603050405020304" pitchFamily="18" charset="0"/>
+                    <a:ea typeface="Calibri" panose="020F0502020204030204" pitchFamily="34" charset="0"/>
+                  </a:rPr>
+                  <a:t> - </a:t>
+                </a:r>
+                <a:r>
+                  <a:rPr lang="ru-RU" sz="1800" dirty="0">
+                    <a:effectLst/>
+                    <a:latin typeface="Times New Roman" panose="02020603050405020304" pitchFamily="18" charset="0"/>
+                    <a:ea typeface="Calibri" panose="020F0502020204030204" pitchFamily="34" charset="0"/>
+                    <a:cs typeface="Times New Roman" panose="02020603050405020304" pitchFamily="18" charset="0"/>
+                  </a:rPr>
+                  <a:t>Чтобы получить значение этой метрики, нужно ранжировать результат прогноза по убыванию, чтобы отобрать клиентов, на которых коммуникация оказывает наибольший эффект. Далее берется разница между конверсией целевой группы, с которой осуществлялась коммуникация, и конверсией контрольной группы, которая осталась без коммуникации.</a:t>
+                </a:r>
+              </a:p>
+              <a:p>
+                <a:pPr marL="0" marR="0" lvl="0" indent="0" algn="l" defTabSz="914400" rtl="0" eaLnBrk="1" fontAlgn="auto" latinLnBrk="0" hangingPunct="1">
+                  <a:lnSpc>
+                    <a:spcPct val="100000"/>
+                  </a:lnSpc>
+                  <a:spcBef>
+                    <a:spcPts val="0"/>
+                  </a:spcBef>
+                  <a:spcAft>
+                    <a:spcPts val="0"/>
+                  </a:spcAft>
+                  <a:buClrTx/>
+                  <a:buSzTx/>
+                  <a:buFontTx/>
+                  <a:buNone/>
+                  <a:tabLst/>
+                  <a:defRPr/>
+                </a:pPr>
+                <a:endParaRPr lang="ru-RU" sz="1800" dirty="0">
+                  <a:effectLst/>
+                  <a:latin typeface="Times New Roman" panose="02020603050405020304" pitchFamily="18" charset="0"/>
+                  <a:ea typeface="Calibri" panose="020F0502020204030204" pitchFamily="34" charset="0"/>
+                  <a:cs typeface="Times New Roman" panose="02020603050405020304" pitchFamily="18" charset="0"/>
+                </a:endParaRPr>
+              </a:p>
+              <a:p>
+                <a:pPr marL="0" marR="0" lvl="0" indent="0" algn="l" defTabSz="914400" rtl="0" eaLnBrk="1" fontAlgn="auto" latinLnBrk="0" hangingPunct="1">
+                  <a:lnSpc>
+                    <a:spcPct val="100000"/>
+                  </a:lnSpc>
+                  <a:spcBef>
+                    <a:spcPts val="0"/>
+                  </a:spcBef>
+                  <a:spcAft>
+                    <a:spcPts val="0"/>
+                  </a:spcAft>
+                  <a:buClrTx/>
+                  <a:buSzTx/>
+                  <a:buFontTx/>
+                  <a:buNone/>
+                  <a:tabLst/>
+                  <a:defRPr/>
+                </a:pPr>
+                <a:endParaRPr lang="ru-RU" sz="1800" dirty="0">
+                  <a:effectLst/>
+                  <a:latin typeface="Times New Roman" panose="02020603050405020304" pitchFamily="18" charset="0"/>
+                  <a:ea typeface="Calibri" panose="020F0502020204030204" pitchFamily="34" charset="0"/>
+                  <a:cs typeface="Times New Roman" panose="02020603050405020304" pitchFamily="18" charset="0"/>
+                </a:endParaRPr>
+              </a:p>
+              <a:p>
+                <a:pPr marL="0" marR="0" lvl="0" indent="0" algn="l" defTabSz="914400" rtl="0" eaLnBrk="1" fontAlgn="auto" latinLnBrk="0" hangingPunct="1">
+                  <a:lnSpc>
+                    <a:spcPct val="100000"/>
+                  </a:lnSpc>
+                  <a:spcBef>
+                    <a:spcPts val="0"/>
+                  </a:spcBef>
+                  <a:spcAft>
+                    <a:spcPts val="0"/>
+                  </a:spcAft>
+                  <a:buClrTx/>
+                  <a:buSzTx/>
+                  <a:buFontTx/>
+                  <a:buNone/>
+                  <a:tabLst/>
+                  <a:defRPr/>
+                </a:pPr>
+                <a:r>
+                  <a:rPr lang="ru-RU" sz="1800" dirty="0">
+                    <a:latin typeface="Times New Roman" panose="02020603050405020304" pitchFamily="18" charset="0"/>
+                  </a:rPr>
+                  <a:t>Средний взвешенный</a:t>
+                </a:r>
+                <a:r>
+                  <a:rPr lang="en-US" sz="1800" dirty="0">
+                    <a:latin typeface="Times New Roman" panose="02020603050405020304" pitchFamily="18" charset="0"/>
+                  </a:rPr>
+                  <a:t> </a:t>
+                </a:r>
+                <a:r>
+                  <a:rPr lang="en-US" sz="1800" dirty="0" err="1">
+                    <a:latin typeface="Times New Roman" panose="02020603050405020304" pitchFamily="18" charset="0"/>
+                  </a:rPr>
+                  <a:t>UpLift</a:t>
+                </a:r>
+                <a:r>
+                  <a:rPr lang="en-US" sz="1800" dirty="0">
+                    <a:latin typeface="Times New Roman" panose="02020603050405020304" pitchFamily="18" charset="0"/>
+                  </a:rPr>
+                  <a:t> </a:t>
+                </a:r>
+                <a:r>
+                  <a:rPr lang="ru-RU" sz="1800" dirty="0">
+                    <a:effectLst/>
+                    <a:latin typeface="Times New Roman" panose="02020603050405020304" pitchFamily="18" charset="0"/>
+                    <a:cs typeface="Times New Roman" panose="02020603050405020304" pitchFamily="18" charset="0"/>
+                  </a:rPr>
+                  <a:t>- </a:t>
+                </a:r>
+                <a:r>
+                  <a:rPr lang="ru-RU" sz="1800" dirty="0">
+                    <a:effectLst/>
+                    <a:latin typeface="Times New Roman" panose="02020603050405020304" pitchFamily="18" charset="0"/>
+                    <a:ea typeface="Calibri" panose="020F0502020204030204" pitchFamily="34" charset="0"/>
+                    <a:cs typeface="Times New Roman" panose="02020603050405020304" pitchFamily="18" charset="0"/>
+                  </a:rPr>
+                  <a:t>Алгоритм расчета схож с предыдущей метрикой:</a:t>
+                </a:r>
+                <a:endParaRPr lang="ru-RU" sz="1800" dirty="0">
+                  <a:effectLst/>
+                  <a:latin typeface="Calibri" panose="020F0502020204030204" pitchFamily="34" charset="0"/>
+                  <a:ea typeface="Calibri" panose="020F0502020204030204" pitchFamily="34" charset="0"/>
+                  <a:cs typeface="Times New Roman" panose="02020603050405020304" pitchFamily="18" charset="0"/>
+                </a:endParaRPr>
+              </a:p>
+              <a:p>
+                <a:pPr marL="342900" marR="359410" lvl="0" indent="-342900" algn="just">
+                  <a:lnSpc>
+                    <a:spcPct val="107000"/>
+                  </a:lnSpc>
+                  <a:spcAft>
+                    <a:spcPts val="800"/>
+                  </a:spcAft>
+                  <a:buFont typeface="+mj-lt"/>
+                  <a:buAutoNum type="arabicPeriod"/>
+                </a:pPr>
+                <a:r>
+                  <a:rPr lang="ru-RU" sz="1800" dirty="0">
+                    <a:effectLst/>
+                    <a:latin typeface="Times New Roman" panose="02020603050405020304" pitchFamily="18" charset="0"/>
+                    <a:ea typeface="Calibri" panose="020F0502020204030204" pitchFamily="34" charset="0"/>
+                    <a:cs typeface="Times New Roman" panose="02020603050405020304" pitchFamily="18" charset="0"/>
+                  </a:rPr>
+                  <a:t>Выборка сортируется по прогнозу </a:t>
+                </a:r>
+                <a:r>
+                  <a:rPr lang="en-US" sz="1800" dirty="0" err="1">
+                    <a:effectLst/>
+                    <a:latin typeface="Times New Roman" panose="02020603050405020304" pitchFamily="18" charset="0"/>
+                    <a:ea typeface="Calibri" panose="020F0502020204030204" pitchFamily="34" charset="0"/>
+                    <a:cs typeface="Times New Roman" panose="02020603050405020304" pitchFamily="18" charset="0"/>
+                  </a:rPr>
+                  <a:t>UpLift</a:t>
+                </a:r>
+                <a:r>
+                  <a:rPr lang="ru-RU" sz="1800" dirty="0">
+                    <a:effectLst/>
+                    <a:latin typeface="Times New Roman" panose="02020603050405020304" pitchFamily="18" charset="0"/>
+                    <a:ea typeface="Calibri" panose="020F0502020204030204" pitchFamily="34" charset="0"/>
+                    <a:cs typeface="Times New Roman" panose="02020603050405020304" pitchFamily="18" charset="0"/>
+                  </a:rPr>
+                  <a:t>.</a:t>
+                </a:r>
+                <a:endParaRPr lang="ru-RU" sz="1800" dirty="0">
+                  <a:effectLst/>
+                  <a:latin typeface="Calibri" panose="020F0502020204030204" pitchFamily="34" charset="0"/>
+                  <a:ea typeface="Calibri" panose="020F0502020204030204" pitchFamily="34" charset="0"/>
+                  <a:cs typeface="Times New Roman" panose="02020603050405020304" pitchFamily="18" charset="0"/>
+                </a:endParaRPr>
+              </a:p>
+              <a:p>
+                <a:pPr marL="342900" marR="359410" lvl="0" indent="-342900" algn="just">
+                  <a:lnSpc>
+                    <a:spcPct val="107000"/>
+                  </a:lnSpc>
+                  <a:spcAft>
+                    <a:spcPts val="800"/>
+                  </a:spcAft>
+                  <a:buFont typeface="+mj-lt"/>
+                  <a:buAutoNum type="arabicPeriod"/>
+                </a:pPr>
+                <a:r>
+                  <a:rPr lang="ru-RU" sz="1800" dirty="0">
+                    <a:effectLst/>
+                    <a:latin typeface="Times New Roman" panose="02020603050405020304" pitchFamily="18" charset="0"/>
+                    <a:ea typeface="Calibri" panose="020F0502020204030204" pitchFamily="34" charset="0"/>
+                    <a:cs typeface="Times New Roman" panose="02020603050405020304" pitchFamily="18" charset="0"/>
+                  </a:rPr>
+                  <a:t>Отсортированные данные делятся на интервалы – обычно берется 10 интервалов.</a:t>
+                </a:r>
+                <a:endParaRPr lang="ru-RU" sz="1800" dirty="0">
+                  <a:effectLst/>
+                  <a:latin typeface="Calibri" panose="020F0502020204030204" pitchFamily="34" charset="0"/>
+                  <a:ea typeface="Calibri" panose="020F0502020204030204" pitchFamily="34" charset="0"/>
+                  <a:cs typeface="Times New Roman" panose="02020603050405020304" pitchFamily="18" charset="0"/>
+                </a:endParaRPr>
+              </a:p>
+              <a:p>
+                <a:pPr marL="342900" marR="359410" lvl="0" indent="-342900" algn="just">
+                  <a:lnSpc>
+                    <a:spcPct val="107000"/>
+                  </a:lnSpc>
+                  <a:spcAft>
+                    <a:spcPts val="800"/>
+                  </a:spcAft>
+                  <a:buFont typeface="+mj-lt"/>
+                  <a:buAutoNum type="arabicPeriod"/>
+                </a:pPr>
+                <a:r>
+                  <a:rPr lang="ru-RU" sz="1800" dirty="0">
+                    <a:effectLst/>
+                    <a:latin typeface="Times New Roman" panose="02020603050405020304" pitchFamily="18" charset="0"/>
+                    <a:ea typeface="Calibri" panose="020F0502020204030204" pitchFamily="34" charset="0"/>
+                    <a:cs typeface="Times New Roman" panose="02020603050405020304" pitchFamily="18" charset="0"/>
+                  </a:rPr>
+                  <a:t> Для каждого интервала оцениваем </a:t>
+                </a:r>
+                <a:r>
+                  <a:rPr lang="ru-RU" sz="1800" i="0">
+                    <a:effectLst/>
+                    <a:latin typeface="Cambria Math" panose="02040503050406030204" pitchFamily="18" charset="0"/>
+                    <a:ea typeface="Calibri" panose="020F0502020204030204" pitchFamily="34" charset="0"/>
+                    <a:cs typeface="Times New Roman" panose="02020603050405020304" pitchFamily="18" charset="0"/>
+                  </a:rPr>
+                  <a:t>𝐶𝑅_(𝐾%)  </a:t>
+                </a:r>
+                <a:r>
+                  <a:rPr lang="ru-RU" sz="1800" i="0">
+                    <a:effectLst/>
+                    <a:latin typeface="Cambria Math" panose="02040503050406030204" pitchFamily="18" charset="0"/>
+                    <a:cs typeface="Times New Roman" panose="02020603050405020304" pitchFamily="18" charset="0"/>
+                  </a:rPr>
+                  <a:t>(</a:t>
+                </a:r>
+                <a:r>
+                  <a:rPr lang="ru-RU" sz="1800" i="0">
+                    <a:effectLst/>
+                    <a:latin typeface="Cambria Math" panose="02040503050406030204" pitchFamily="18" charset="0"/>
+                    <a:ea typeface="Calibri" panose="020F0502020204030204" pitchFamily="34" charset="0"/>
+                    <a:cs typeface="Times New Roman" panose="02020603050405020304" pitchFamily="18" charset="0"/>
+                  </a:rPr>
+                  <a:t>𝑋_𝑡𝑎𝑟𝑔𝑒𝑡 )  и 𝐶𝑅_(𝐾%)  </a:t>
+                </a:r>
+                <a:r>
+                  <a:rPr lang="ru-RU" sz="1800" i="0">
+                    <a:effectLst/>
+                    <a:latin typeface="Cambria Math" panose="02040503050406030204" pitchFamily="18" charset="0"/>
+                    <a:cs typeface="Times New Roman" panose="02020603050405020304" pitchFamily="18" charset="0"/>
+                  </a:rPr>
+                  <a:t>(</a:t>
+                </a:r>
+                <a:r>
+                  <a:rPr lang="ru-RU" sz="1800" i="0">
+                    <a:effectLst/>
+                    <a:latin typeface="Cambria Math" panose="02040503050406030204" pitchFamily="18" charset="0"/>
+                    <a:ea typeface="Calibri" panose="020F0502020204030204" pitchFamily="34" charset="0"/>
+                    <a:cs typeface="Times New Roman" panose="02020603050405020304" pitchFamily="18" charset="0"/>
+                  </a:rPr>
+                  <a:t>𝑋_𝑐𝑜𝑛𝑡𝑟𝑜𝑙 )</a:t>
+                </a:r>
+                <a:r>
+                  <a:rPr lang="ru-RU" sz="1800" dirty="0">
+                    <a:effectLst/>
+                    <a:latin typeface="Times New Roman" panose="02020603050405020304" pitchFamily="18" charset="0"/>
+                    <a:ea typeface="Calibri" panose="020F0502020204030204" pitchFamily="34" charset="0"/>
+                    <a:cs typeface="Times New Roman" panose="02020603050405020304" pitchFamily="18" charset="0"/>
+                  </a:rPr>
+                  <a:t> и берем разность.</a:t>
+                </a:r>
+                <a:endParaRPr lang="ru-RU" sz="1800" dirty="0">
+                  <a:effectLst/>
+                  <a:latin typeface="Calibri" panose="020F0502020204030204" pitchFamily="34" charset="0"/>
+                  <a:ea typeface="Calibri" panose="020F0502020204030204" pitchFamily="34" charset="0"/>
+                  <a:cs typeface="Times New Roman" panose="02020603050405020304" pitchFamily="18" charset="0"/>
+                </a:endParaRPr>
+              </a:p>
+              <a:p>
+                <a:endParaRPr lang="ru-RU" dirty="0"/>
+              </a:p>
+            </p:txBody>
+          </p:sp>
+        </mc:Fallback>
+      </mc:AlternateContent>
+      <p:sp>
+        <p:nvSpPr>
+          <p:cNvPr id="4" name="Номер слайда 3"/>
+          <p:cNvSpPr>
+            <a:spLocks noGrp="1"/>
+          </p:cNvSpPr>
+          <p:nvPr>
+            <p:ph type="sldNum" sz="quarter" idx="5"/>
+          </p:nvPr>
+        </p:nvSpPr>
+        <p:spPr/>
+        <p:txBody>
+          <a:bodyPr/>
+          <a:lstStyle/>
+          <a:p>
+            <a:fld id="{19BEF0AD-2EB4-4EDF-B0D5-693549730528}" type="slidenum">
+              <a:rPr lang="ru-RU" smtClean="0"/>
+              <a:t>5</a:t>
+            </a:fld>
+            <a:endParaRPr lang="ru-RU"/>
+          </a:p>
+        </p:txBody>
+      </p:sp>
+    </p:spTree>
+    <p:extLst>
+      <p:ext uri="{BB962C8B-B14F-4D97-AF65-F5344CB8AC3E}">
+        <p14:creationId xmlns:p14="http://schemas.microsoft.com/office/powerpoint/2010/main" val="3204605866"/>
+      </p:ext>
+    </p:extLst>
+  </p:cSld>
+  <p:clrMapOvr>
+    <a:masterClrMapping/>
+  </p:clrMapOvr>
+</p:notes>
+</file>
+
+<file path=ppt/notesSlides/notesSlide4.xml><?xml version="1.0" encoding="utf-8"?>
+<p:notes xmlns:a="http://schemas.openxmlformats.org/drawingml/2006/main" xmlns:r="http://schemas.openxmlformats.org/officeDocument/2006/relationships" xmlns:p="http://schemas.openxmlformats.org/presentationml/2006/main">
+  <p:cSld>
+    <p:spTree>
+      <p:nvGrpSpPr>
+        <p:cNvPr id="1" name=""/>
+        <p:cNvGrpSpPr/>
+        <p:nvPr/>
+      </p:nvGrpSpPr>
+      <p:grpSpPr>
+        <a:xfrm>
+          <a:off x="0" y="0"/>
+          <a:ext cx="0" cy="0"/>
+          <a:chOff x="0" y="0"/>
+          <a:chExt cx="0" cy="0"/>
+        </a:xfrm>
+      </p:grpSpPr>
+      <p:sp>
+        <p:nvSpPr>
+          <p:cNvPr id="2" name="Образ слайда 1"/>
+          <p:cNvSpPr>
+            <a:spLocks noGrp="1" noRot="1" noChangeAspect="1"/>
+          </p:cNvSpPr>
+          <p:nvPr>
+            <p:ph type="sldImg"/>
+          </p:nvPr>
+        </p:nvSpPr>
+        <p:spPr/>
+      </p:sp>
+      <p:sp>
+        <p:nvSpPr>
+          <p:cNvPr id="3" name="Заметки 2"/>
+          <p:cNvSpPr>
+            <a:spLocks noGrp="1"/>
+          </p:cNvSpPr>
+          <p:nvPr>
+            <p:ph type="body" idx="1"/>
+          </p:nvPr>
+        </p:nvSpPr>
+        <p:spPr/>
+        <p:txBody>
+          <a:bodyPr/>
+          <a:lstStyle/>
+          <a:p>
+            <a:pPr algn="l">
+              <a:lnSpc>
+                <a:spcPct val="107000"/>
+              </a:lnSpc>
+              <a:spcBef>
+                <a:spcPts val="200"/>
+              </a:spcBef>
+            </a:pPr>
+            <a:r>
+              <a:rPr lang="en-US" sz="1800" b="1" dirty="0" err="1">
+                <a:solidFill>
+                  <a:srgbClr val="1F3763"/>
+                </a:solidFill>
+                <a:effectLst/>
+                <a:latin typeface="Times New Roman" panose="02020603050405020304" pitchFamily="18" charset="0"/>
+                <a:ea typeface="Times New Roman" panose="02020603050405020304" pitchFamily="18" charset="0"/>
+                <a:cs typeface="Times New Roman" panose="02020603050405020304" pitchFamily="18" charset="0"/>
+              </a:rPr>
+              <a:t>UpLift</a:t>
+            </a:r>
+            <a:r>
+              <a:rPr lang="ru-RU" sz="1800" b="1" dirty="0">
+                <a:solidFill>
+                  <a:srgbClr val="1F3763"/>
+                </a:solidFill>
+                <a:effectLst/>
+                <a:latin typeface="Times New Roman" panose="02020603050405020304" pitchFamily="18" charset="0"/>
+                <a:ea typeface="Times New Roman" panose="02020603050405020304" pitchFamily="18" charset="0"/>
+                <a:cs typeface="Times New Roman" panose="02020603050405020304" pitchFamily="18" charset="0"/>
+              </a:rPr>
+              <a:t> кривая (</a:t>
+            </a:r>
+            <a:r>
+              <a:rPr lang="en-US" sz="1800" b="1" dirty="0" err="1">
+                <a:solidFill>
+                  <a:srgbClr val="1F3763"/>
+                </a:solidFill>
+                <a:effectLst/>
+                <a:latin typeface="Times New Roman" panose="02020603050405020304" pitchFamily="18" charset="0"/>
+                <a:ea typeface="Times New Roman" panose="02020603050405020304" pitchFamily="18" charset="0"/>
+                <a:cs typeface="Times New Roman" panose="02020603050405020304" pitchFamily="18" charset="0"/>
+              </a:rPr>
+              <a:t>UpLift</a:t>
+            </a:r>
+            <a:r>
+              <a:rPr lang="en-US" sz="1800" b="1" dirty="0">
+                <a:solidFill>
+                  <a:srgbClr val="1F3763"/>
+                </a:solidFill>
+                <a:effectLst/>
+                <a:latin typeface="Times New Roman" panose="02020603050405020304" pitchFamily="18" charset="0"/>
+                <a:ea typeface="Times New Roman" panose="02020603050405020304" pitchFamily="18" charset="0"/>
+                <a:cs typeface="Times New Roman" panose="02020603050405020304" pitchFamily="18" charset="0"/>
+              </a:rPr>
+              <a:t> Curve</a:t>
+            </a:r>
+            <a:r>
+              <a:rPr lang="ru-RU" sz="1800" b="1" dirty="0">
+                <a:solidFill>
+                  <a:srgbClr val="1F3763"/>
+                </a:solidFill>
+                <a:effectLst/>
+                <a:latin typeface="Times New Roman" panose="02020603050405020304" pitchFamily="18" charset="0"/>
+                <a:ea typeface="Times New Roman" panose="02020603050405020304" pitchFamily="18" charset="0"/>
+                <a:cs typeface="Times New Roman" panose="02020603050405020304" pitchFamily="18" charset="0"/>
+              </a:rPr>
+              <a:t>)</a:t>
+            </a:r>
+            <a:r>
+              <a:rPr lang="ru-RU" sz="1800" b="1" dirty="0">
+                <a:solidFill>
+                  <a:srgbClr val="1F3763"/>
+                </a:solidFill>
+                <a:effectLst/>
+                <a:latin typeface="Calibri Light" panose="020F0302020204030204" pitchFamily="34" charset="0"/>
+                <a:ea typeface="Times New Roman" panose="02020603050405020304" pitchFamily="18" charset="0"/>
+                <a:cs typeface="Times New Roman" panose="02020603050405020304" pitchFamily="18" charset="0"/>
+              </a:rPr>
+              <a:t> - </a:t>
+            </a:r>
+            <a:r>
+              <a:rPr lang="ru-RU" sz="1800" dirty="0">
+                <a:effectLst/>
+                <a:latin typeface="Times New Roman" panose="02020603050405020304" pitchFamily="18" charset="0"/>
+                <a:ea typeface="Calibri" panose="020F0502020204030204" pitchFamily="34" charset="0"/>
+                <a:cs typeface="Times New Roman" panose="02020603050405020304" pitchFamily="18" charset="0"/>
+              </a:rPr>
+              <a:t>Данная кривая строится как функция с нарастающим итогом, где для каждой точки задается соответствующий </a:t>
+            </a:r>
+            <a:r>
+              <a:rPr lang="ru-RU" sz="1800" dirty="0" err="1">
+                <a:effectLst/>
+                <a:latin typeface="Times New Roman" panose="02020603050405020304" pitchFamily="18" charset="0"/>
+                <a:ea typeface="Calibri" panose="020F0502020204030204" pitchFamily="34" charset="0"/>
+                <a:cs typeface="Times New Roman" panose="02020603050405020304" pitchFamily="18" charset="0"/>
+              </a:rPr>
+              <a:t>UpLift</a:t>
+            </a:r>
+            <a:r>
+              <a:rPr lang="ru-RU" sz="1800" dirty="0">
+                <a:effectLst/>
+                <a:latin typeface="Times New Roman" panose="02020603050405020304" pitchFamily="18" charset="0"/>
+                <a:ea typeface="Calibri" panose="020F0502020204030204" pitchFamily="34" charset="0"/>
+                <a:cs typeface="Times New Roman" panose="02020603050405020304" pitchFamily="18" charset="0"/>
+              </a:rPr>
+              <a:t>.</a:t>
+            </a:r>
+          </a:p>
+          <a:p>
+            <a:pPr algn="l">
+              <a:lnSpc>
+                <a:spcPct val="107000"/>
+              </a:lnSpc>
+              <a:spcBef>
+                <a:spcPts val="200"/>
+              </a:spcBef>
+            </a:pPr>
+            <a:endParaRPr lang="ru-RU" sz="1800" dirty="0">
+              <a:effectLst/>
+              <a:latin typeface="Times New Roman" panose="02020603050405020304" pitchFamily="18" charset="0"/>
+              <a:ea typeface="Calibri" panose="020F0502020204030204" pitchFamily="34" charset="0"/>
+              <a:cs typeface="Times New Roman" panose="02020603050405020304" pitchFamily="18" charset="0"/>
+            </a:endParaRPr>
+          </a:p>
+          <a:p>
+            <a:pPr marL="0" marR="0" lvl="0" indent="0" algn="l" defTabSz="914400" rtl="0" eaLnBrk="1" fontAlgn="auto" latinLnBrk="0" hangingPunct="1">
+              <a:lnSpc>
+                <a:spcPct val="107000"/>
+              </a:lnSpc>
+              <a:spcBef>
+                <a:spcPts val="200"/>
+              </a:spcBef>
+              <a:spcAft>
+                <a:spcPts val="0"/>
+              </a:spcAft>
+              <a:buClrTx/>
+              <a:buSzTx/>
+              <a:buFontTx/>
+              <a:buNone/>
+              <a:tabLst/>
+              <a:defRPr/>
+            </a:pPr>
+            <a:r>
+              <a:rPr lang="en-US" sz="1800" b="1" dirty="0" err="1">
+                <a:solidFill>
+                  <a:srgbClr val="1F3763"/>
+                </a:solidFill>
+                <a:effectLst/>
+                <a:latin typeface="Times New Roman" panose="02020603050405020304" pitchFamily="18" charset="0"/>
+                <a:ea typeface="Times New Roman" panose="02020603050405020304" pitchFamily="18" charset="0"/>
+                <a:cs typeface="Times New Roman" panose="02020603050405020304" pitchFamily="18" charset="0"/>
+              </a:rPr>
+              <a:t>Qini</a:t>
+            </a:r>
+            <a:r>
+              <a:rPr lang="en-US" sz="1800" b="1" dirty="0">
+                <a:solidFill>
+                  <a:srgbClr val="1F3763"/>
+                </a:solidFill>
+                <a:effectLst/>
+                <a:latin typeface="Times New Roman" panose="02020603050405020304" pitchFamily="18" charset="0"/>
+                <a:ea typeface="Times New Roman" panose="02020603050405020304" pitchFamily="18" charset="0"/>
+                <a:cs typeface="Times New Roman" panose="02020603050405020304" pitchFamily="18" charset="0"/>
+              </a:rPr>
+              <a:t> </a:t>
+            </a:r>
+            <a:r>
+              <a:rPr lang="ru-RU" sz="1800" b="1" dirty="0">
+                <a:solidFill>
+                  <a:srgbClr val="1F3763"/>
+                </a:solidFill>
+                <a:effectLst/>
+                <a:latin typeface="Times New Roman" panose="02020603050405020304" pitchFamily="18" charset="0"/>
+                <a:ea typeface="Times New Roman" panose="02020603050405020304" pitchFamily="18" charset="0"/>
+                <a:cs typeface="Times New Roman" panose="02020603050405020304" pitchFamily="18" charset="0"/>
+              </a:rPr>
+              <a:t>кривая</a:t>
+            </a:r>
+            <a:r>
+              <a:rPr lang="ru-RU" sz="1800" b="1" dirty="0">
+                <a:solidFill>
+                  <a:srgbClr val="1F3763"/>
+                </a:solidFill>
+                <a:effectLst/>
+                <a:latin typeface="Calibri Light" panose="020F0302020204030204" pitchFamily="34" charset="0"/>
+                <a:ea typeface="Times New Roman" panose="02020603050405020304" pitchFamily="18" charset="0"/>
+                <a:cs typeface="Times New Roman" panose="02020603050405020304" pitchFamily="18" charset="0"/>
+              </a:rPr>
+              <a:t> - </a:t>
+            </a:r>
+            <a:r>
+              <a:rPr lang="ru-RU" sz="1800" dirty="0">
+                <a:effectLst/>
+                <a:latin typeface="Times New Roman" panose="02020603050405020304" pitchFamily="18" charset="0"/>
+                <a:ea typeface="Calibri" panose="020F0502020204030204" pitchFamily="34" charset="0"/>
+                <a:cs typeface="Times New Roman" panose="02020603050405020304" pitchFamily="18" charset="0"/>
+              </a:rPr>
+              <a:t>Данную функцию можно выразить через </a:t>
+            </a:r>
+            <a:r>
+              <a:rPr lang="ru-RU" sz="1800" dirty="0" err="1">
+                <a:effectLst/>
+                <a:latin typeface="Times New Roman" panose="02020603050405020304" pitchFamily="18" charset="0"/>
+                <a:ea typeface="Calibri" panose="020F0502020204030204" pitchFamily="34" charset="0"/>
+                <a:cs typeface="Times New Roman" panose="02020603050405020304" pitchFamily="18" charset="0"/>
+              </a:rPr>
+              <a:t>UpLift</a:t>
+            </a:r>
+            <a:r>
+              <a:rPr lang="ru-RU" sz="1800" dirty="0">
+                <a:effectLst/>
+                <a:latin typeface="Times New Roman" panose="02020603050405020304" pitchFamily="18" charset="0"/>
+                <a:ea typeface="Calibri" panose="020F0502020204030204" pitchFamily="34" charset="0"/>
+                <a:cs typeface="Times New Roman" panose="02020603050405020304" pitchFamily="18" charset="0"/>
+              </a:rPr>
+              <a:t> кривую. Данная кривая будет полезна в тех случаях, когда рабочая группа кратно превышает размер контрольной группы, с чем можно столкнуться во время исследования модели при внедрении в бизнес, когда у компании есть бюджет на произведение коммуникаций со всей клиентской базой и чтобы не упускать потенциальный доход, контрольная группа выделяется как можно меньше.</a:t>
+            </a:r>
+            <a:endParaRPr lang="ru-RU" sz="1800" dirty="0">
+              <a:effectLst/>
+              <a:latin typeface="Calibri" panose="020F0502020204030204" pitchFamily="34" charset="0"/>
+              <a:ea typeface="Calibri" panose="020F0502020204030204" pitchFamily="34" charset="0"/>
+              <a:cs typeface="Times New Roman" panose="02020603050405020304" pitchFamily="18" charset="0"/>
+            </a:endParaRPr>
+          </a:p>
+          <a:p>
+            <a:pPr algn="l">
+              <a:lnSpc>
+                <a:spcPct val="107000"/>
+              </a:lnSpc>
+              <a:spcBef>
+                <a:spcPts val="200"/>
+              </a:spcBef>
+            </a:pPr>
+            <a:endParaRPr lang="ru-RU" sz="1800" dirty="0">
+              <a:effectLst/>
+              <a:latin typeface="Calibri" panose="020F0502020204030204" pitchFamily="34" charset="0"/>
+              <a:ea typeface="Calibri" panose="020F0502020204030204" pitchFamily="34" charset="0"/>
+              <a:cs typeface="Times New Roman" panose="02020603050405020304" pitchFamily="18" charset="0"/>
+            </a:endParaRPr>
+          </a:p>
+          <a:p>
+            <a:pPr algn="l">
+              <a:lnSpc>
+                <a:spcPct val="107000"/>
+              </a:lnSpc>
+              <a:spcBef>
+                <a:spcPts val="200"/>
+              </a:spcBef>
+            </a:pPr>
+            <a:endParaRPr lang="ru-RU" sz="1800" dirty="0">
+              <a:effectLst/>
+              <a:latin typeface="Calibri" panose="020F0502020204030204" pitchFamily="34" charset="0"/>
+              <a:ea typeface="Calibri" panose="020F0502020204030204" pitchFamily="34" charset="0"/>
+              <a:cs typeface="Times New Roman" panose="02020603050405020304" pitchFamily="18" charset="0"/>
+            </a:endParaRPr>
+          </a:p>
+          <a:p>
+            <a:endParaRPr lang="ru-RU" dirty="0"/>
+          </a:p>
+        </p:txBody>
+      </p:sp>
+      <p:sp>
+        <p:nvSpPr>
+          <p:cNvPr id="4" name="Номер слайда 3"/>
+          <p:cNvSpPr>
+            <a:spLocks noGrp="1"/>
+          </p:cNvSpPr>
+          <p:nvPr>
+            <p:ph type="sldNum" sz="quarter" idx="5"/>
+          </p:nvPr>
+        </p:nvSpPr>
+        <p:spPr/>
+        <p:txBody>
+          <a:bodyPr/>
+          <a:lstStyle/>
+          <a:p>
+            <a:fld id="{19BEF0AD-2EB4-4EDF-B0D5-693549730528}" type="slidenum">
+              <a:rPr lang="ru-RU" smtClean="0"/>
+              <a:t>6</a:t>
+            </a:fld>
+            <a:endParaRPr lang="ru-RU"/>
+          </a:p>
+        </p:txBody>
+      </p:sp>
+    </p:spTree>
+    <p:extLst>
+      <p:ext uri="{BB962C8B-B14F-4D97-AF65-F5344CB8AC3E}">
+        <p14:creationId xmlns:p14="http://schemas.microsoft.com/office/powerpoint/2010/main" val="4151176818"/>
+      </p:ext>
+    </p:extLst>
+  </p:cSld>
+  <p:clrMapOvr>
+    <a:masterClrMapping/>
+  </p:clrMapOvr>
+</p:notes>
+</file>
+
+<file path=ppt/notesSlides/notesSlide5.xml><?xml version="1.0" encoding="utf-8"?>
+<p:notes xmlns:a="http://schemas.openxmlformats.org/drawingml/2006/main" xmlns:r="http://schemas.openxmlformats.org/officeDocument/2006/relationships" xmlns:p="http://schemas.openxmlformats.org/presentationml/2006/main">
+  <p:cSld>
+    <p:spTree>
+      <p:nvGrpSpPr>
+        <p:cNvPr id="1" name=""/>
+        <p:cNvGrpSpPr/>
+        <p:nvPr/>
+      </p:nvGrpSpPr>
+      <p:grpSpPr>
+        <a:xfrm>
+          <a:off x="0" y="0"/>
+          <a:ext cx="0" cy="0"/>
+          <a:chOff x="0" y="0"/>
+          <a:chExt cx="0" cy="0"/>
+        </a:xfrm>
+      </p:grpSpPr>
+      <p:sp>
+        <p:nvSpPr>
+          <p:cNvPr id="2" name="Образ слайда 1"/>
+          <p:cNvSpPr>
+            <a:spLocks noGrp="1" noRot="1" noChangeAspect="1"/>
+          </p:cNvSpPr>
+          <p:nvPr>
+            <p:ph type="sldImg"/>
+          </p:nvPr>
+        </p:nvSpPr>
+        <p:spPr/>
+      </p:sp>
+      <p:sp>
+        <p:nvSpPr>
+          <p:cNvPr id="3" name="Заметки 2"/>
+          <p:cNvSpPr>
+            <a:spLocks noGrp="1"/>
+          </p:cNvSpPr>
+          <p:nvPr>
+            <p:ph type="body" idx="1"/>
+          </p:nvPr>
+        </p:nvSpPr>
+        <p:spPr/>
+        <p:txBody>
+          <a:bodyPr/>
+          <a:lstStyle/>
+          <a:p>
+            <a:r>
+              <a:rPr lang="ru-RU" dirty="0"/>
+              <a:t>Описание экспериментальной установки</a:t>
+            </a:r>
+            <a:r>
+              <a:rPr lang="en-US" dirty="0"/>
+              <a:t>:</a:t>
+            </a:r>
+          </a:p>
+          <a:p>
+            <a:r>
+              <a:rPr lang="en-US" dirty="0"/>
+              <a:t>	1) </a:t>
+            </a:r>
+            <a:r>
+              <a:rPr lang="ru-RU" dirty="0"/>
+              <a:t>Для оценки каждого подхода проводилась кросс – валидация с усреднением результатов</a:t>
+            </a:r>
+            <a:endParaRPr lang="en-US" dirty="0"/>
+          </a:p>
+          <a:p>
+            <a:r>
+              <a:rPr lang="en-US" dirty="0"/>
+              <a:t>	2) </a:t>
+            </a:r>
+            <a:r>
+              <a:rPr lang="ru-RU" dirty="0"/>
+              <a:t>Для всех методов, кроме базовой модели, используется дерево решений в модификации градиентного </a:t>
+            </a:r>
+            <a:r>
+              <a:rPr lang="ru-RU" dirty="0" err="1"/>
+              <a:t>бустинга</a:t>
+            </a:r>
+            <a:r>
+              <a:rPr lang="ru-RU" dirty="0"/>
+              <a:t>.</a:t>
+            </a:r>
+          </a:p>
+        </p:txBody>
+      </p:sp>
+      <p:sp>
+        <p:nvSpPr>
+          <p:cNvPr id="4" name="Номер слайда 3"/>
+          <p:cNvSpPr>
+            <a:spLocks noGrp="1"/>
+          </p:cNvSpPr>
+          <p:nvPr>
+            <p:ph type="sldNum" sz="quarter" idx="5"/>
+          </p:nvPr>
+        </p:nvSpPr>
+        <p:spPr/>
+        <p:txBody>
+          <a:bodyPr/>
+          <a:lstStyle/>
+          <a:p>
+            <a:fld id="{19BEF0AD-2EB4-4EDF-B0D5-693549730528}" type="slidenum">
+              <a:rPr lang="ru-RU" smtClean="0"/>
+              <a:t>7</a:t>
+            </a:fld>
+            <a:endParaRPr lang="ru-RU"/>
+          </a:p>
+        </p:txBody>
+      </p:sp>
+    </p:spTree>
+    <p:extLst>
+      <p:ext uri="{BB962C8B-B14F-4D97-AF65-F5344CB8AC3E}">
+        <p14:creationId xmlns:p14="http://schemas.microsoft.com/office/powerpoint/2010/main" val="2147388208"/>
       </p:ext>
     </p:extLst>
   </p:cSld>
@@ -921,9 +2226,9 @@
           <a:bodyPr/>
           <a:lstStyle/>
           <a:p>
-            <a:fld id="{46DF6259-7E23-4A39-B4CD-048F1CAC1A72}" type="datetimeFigureOut">
+            <a:fld id="{CE67568C-EEB0-4DC9-AE5A-BF4C8292B1DF}" type="datetime1">
               <a:rPr lang="ru-RU" smtClean="0"/>
-              <a:t>15.12.2021</a:t>
+              <a:t>28.12.2022</a:t>
             </a:fld>
             <a:endParaRPr lang="ru-RU"/>
           </a:p>
@@ -1119,9 +2424,9 @@
           <a:bodyPr/>
           <a:lstStyle/>
           <a:p>
-            <a:fld id="{46DF6259-7E23-4A39-B4CD-048F1CAC1A72}" type="datetimeFigureOut">
+            <a:fld id="{C4BCE22F-461D-4E3B-B90B-D4C17BCF6E04}" type="datetime1">
               <a:rPr lang="ru-RU" smtClean="0"/>
-              <a:t>15.12.2021</a:t>
+              <a:t>28.12.2022</a:t>
             </a:fld>
             <a:endParaRPr lang="ru-RU"/>
           </a:p>
@@ -1327,9 +2632,9 @@
           <a:bodyPr/>
           <a:lstStyle/>
           <a:p>
-            <a:fld id="{46DF6259-7E23-4A39-B4CD-048F1CAC1A72}" type="datetimeFigureOut">
+            <a:fld id="{028FC9C9-A8BF-46D2-98A4-CE15F9706EAE}" type="datetime1">
               <a:rPr lang="ru-RU" smtClean="0"/>
-              <a:t>15.12.2021</a:t>
+              <a:t>28.12.2022</a:t>
             </a:fld>
             <a:endParaRPr lang="ru-RU"/>
           </a:p>
@@ -1525,9 +2830,9 @@
           <a:bodyPr/>
           <a:lstStyle/>
           <a:p>
-            <a:fld id="{46DF6259-7E23-4A39-B4CD-048F1CAC1A72}" type="datetimeFigureOut">
+            <a:fld id="{770671C5-343A-4A74-90BB-AB4D9057279E}" type="datetime1">
               <a:rPr lang="ru-RU" smtClean="0"/>
-              <a:t>15.12.2021</a:t>
+              <a:t>28.12.2022</a:t>
             </a:fld>
             <a:endParaRPr lang="ru-RU"/>
           </a:p>
@@ -1800,9 +3105,9 @@
           <a:bodyPr/>
           <a:lstStyle/>
           <a:p>
-            <a:fld id="{46DF6259-7E23-4A39-B4CD-048F1CAC1A72}" type="datetimeFigureOut">
+            <a:fld id="{28B5E58E-4B59-4D10-9A36-7ED0BF0785C6}" type="datetime1">
               <a:rPr lang="ru-RU" smtClean="0"/>
-              <a:t>15.12.2021</a:t>
+              <a:t>28.12.2022</a:t>
             </a:fld>
             <a:endParaRPr lang="ru-RU"/>
           </a:p>
@@ -2065,9 +3370,9 @@
           <a:bodyPr/>
           <a:lstStyle/>
           <a:p>
-            <a:fld id="{46DF6259-7E23-4A39-B4CD-048F1CAC1A72}" type="datetimeFigureOut">
+            <a:fld id="{DC25EC56-5D0F-4611-9C3E-3F31AA54334B}" type="datetime1">
               <a:rPr lang="ru-RU" smtClean="0"/>
-              <a:t>15.12.2021</a:t>
+              <a:t>28.12.2022</a:t>
             </a:fld>
             <a:endParaRPr lang="ru-RU"/>
           </a:p>
@@ -2477,9 +3782,9 @@
           <a:bodyPr/>
           <a:lstStyle/>
           <a:p>
-            <a:fld id="{46DF6259-7E23-4A39-B4CD-048F1CAC1A72}" type="datetimeFigureOut">
+            <a:fld id="{ED8BC0DC-C970-4224-9EFA-620AE9FAD989}" type="datetime1">
               <a:rPr lang="ru-RU" smtClean="0"/>
-              <a:t>15.12.2021</a:t>
+              <a:t>28.12.2022</a:t>
             </a:fld>
             <a:endParaRPr lang="ru-RU"/>
           </a:p>
@@ -2618,9 +3923,9 @@
           <a:bodyPr/>
           <a:lstStyle/>
           <a:p>
-            <a:fld id="{46DF6259-7E23-4A39-B4CD-048F1CAC1A72}" type="datetimeFigureOut">
+            <a:fld id="{6844A4C7-31A3-4CCF-A082-0BC587FAFA97}" type="datetime1">
               <a:rPr lang="ru-RU" smtClean="0"/>
-              <a:t>15.12.2021</a:t>
+              <a:t>28.12.2022</a:t>
             </a:fld>
             <a:endParaRPr lang="ru-RU"/>
           </a:p>
@@ -2731,9 +4036,9 @@
           <a:bodyPr/>
           <a:lstStyle/>
           <a:p>
-            <a:fld id="{46DF6259-7E23-4A39-B4CD-048F1CAC1A72}" type="datetimeFigureOut">
+            <a:fld id="{F2B5C3C2-8785-490F-A029-E7A1F5933CCC}" type="datetime1">
               <a:rPr lang="ru-RU" smtClean="0"/>
-              <a:t>15.12.2021</a:t>
+              <a:t>28.12.2022</a:t>
             </a:fld>
             <a:endParaRPr lang="ru-RU"/>
           </a:p>
@@ -3042,9 +4347,9 @@
           <a:bodyPr/>
           <a:lstStyle/>
           <a:p>
-            <a:fld id="{46DF6259-7E23-4A39-B4CD-048F1CAC1A72}" type="datetimeFigureOut">
+            <a:fld id="{DC305C70-E31D-40A7-AB55-3CC66D2EF180}" type="datetime1">
               <a:rPr lang="ru-RU" smtClean="0"/>
-              <a:t>15.12.2021</a:t>
+              <a:t>28.12.2022</a:t>
             </a:fld>
             <a:endParaRPr lang="ru-RU"/>
           </a:p>
@@ -3330,9 +4635,9 @@
           <a:bodyPr/>
           <a:lstStyle/>
           <a:p>
-            <a:fld id="{46DF6259-7E23-4A39-B4CD-048F1CAC1A72}" type="datetimeFigureOut">
+            <a:fld id="{36E32BBB-8024-4478-85B9-8FD1214F01FB}" type="datetime1">
               <a:rPr lang="ru-RU" smtClean="0"/>
-              <a:t>15.12.2021</a:t>
+              <a:t>28.12.2022</a:t>
             </a:fld>
             <a:endParaRPr lang="ru-RU"/>
           </a:p>
@@ -3571,9 +4876,9 @@
             </a:lvl1pPr>
           </a:lstStyle>
           <a:p>
-            <a:fld id="{46DF6259-7E23-4A39-B4CD-048F1CAC1A72}" type="datetimeFigureOut">
+            <a:fld id="{4AE75D13-07A0-4EE3-BCA2-6F181395B3CF}" type="datetime1">
               <a:rPr lang="ru-RU" smtClean="0"/>
-              <a:t>15.12.2021</a:t>
+              <a:t>28.12.2022</a:t>
             </a:fld>
             <a:endParaRPr lang="ru-RU"/>
           </a:p>
@@ -3690,6 +4995,7 @@
     <p:sldLayoutId id="2147483658" r:id="rId10"/>
     <p:sldLayoutId id="2147483659" r:id="rId11"/>
   </p:sldLayoutIdLst>
+  <p:hf hdr="0" ftr="0" dt="0"/>
   <p:txStyles>
     <p:titleStyle>
       <a:lvl1pPr algn="l" defTabSz="914400" rtl="0" eaLnBrk="1" latinLnBrk="0" hangingPunct="1">
@@ -4025,8 +5331,15 @@
                 <a:latin typeface="Times New Roman" panose="02020603050405020304" pitchFamily="18" charset="0"/>
                 <a:ea typeface="Calibri" panose="020F0502020204030204" pitchFamily="34" charset="0"/>
               </a:rPr>
-              <a:t>«Разработка алгоритма прогнозирования момента оттока клиентов»</a:t>
-            </a:r>
+              <a:t>Производственная (Профессиональная практика)</a:t>
+            </a:r>
+            <a:br>
+              <a:rPr lang="ru-RU" sz="3200" dirty="0">
+                <a:effectLst/>
+                <a:latin typeface="Times New Roman" panose="02020603050405020304" pitchFamily="18" charset="0"/>
+                <a:ea typeface="Calibri" panose="020F0502020204030204" pitchFamily="34" charset="0"/>
+              </a:rPr>
+            </a:br>
             <a:endParaRPr lang="ru-RU" sz="3200" dirty="0"/>
           </a:p>
         </p:txBody>
@@ -4072,7 +5385,7 @@
               <a:rPr lang="ru-RU" dirty="0">
                 <a:cs typeface="Times New Roman" panose="02020603050405020304" pitchFamily="18" charset="0"/>
               </a:rPr>
-              <a:t>студент группы М8О-101М-21 </a:t>
+              <a:t>студент группы М8О-201М-21 </a:t>
             </a:r>
           </a:p>
           <a:p>
@@ -4131,8 +5444,8 @@
         </p:nvSpPr>
         <p:spPr>
           <a:xfrm>
-            <a:off x="5263079" y="6488668"/>
-            <a:ext cx="1665842" cy="369332"/>
+            <a:off x="5344833" y="6488668"/>
+            <a:ext cx="1502334" cy="369332"/>
           </a:xfrm>
           <a:prstGeom prst="rect">
             <a:avLst/>
@@ -4154,7 +5467,7 @@
                 <a:latin typeface="Times New Roman" panose="02020603050405020304" pitchFamily="18" charset="0"/>
                 <a:cs typeface="Times New Roman" panose="02020603050405020304" pitchFamily="18" charset="0"/>
               </a:rPr>
-              <a:t>2021</a:t>
+              <a:t>2022</a:t>
             </a:r>
           </a:p>
         </p:txBody>
@@ -4761,6 +6074,883 @@
 </p:sld>
 </file>
 
+<file path=ppt/slides/slide10.xml><?xml version="1.0" encoding="utf-8"?>
+<p:sld xmlns:a="http://schemas.openxmlformats.org/drawingml/2006/main" xmlns:r="http://schemas.openxmlformats.org/officeDocument/2006/relationships" xmlns:p="http://schemas.openxmlformats.org/presentationml/2006/main">
+  <p:cSld>
+    <p:spTree>
+      <p:nvGrpSpPr>
+        <p:cNvPr id="1" name=""/>
+        <p:cNvGrpSpPr/>
+        <p:nvPr/>
+      </p:nvGrpSpPr>
+      <p:grpSpPr>
+        <a:xfrm>
+          <a:off x="0" y="0"/>
+          <a:ext cx="0" cy="0"/>
+          <a:chOff x="0" y="0"/>
+          <a:chExt cx="0" cy="0"/>
+        </a:xfrm>
+      </p:grpSpPr>
+      <p:sp>
+        <p:nvSpPr>
+          <p:cNvPr id="2" name="Заголовок 1">
+            <a:extLst>
+              <a:ext uri="{FF2B5EF4-FFF2-40B4-BE49-F238E27FC236}">
+                <a16:creationId xmlns:a16="http://schemas.microsoft.com/office/drawing/2014/main" id="{BDC9BE10-D1FA-FE3B-3CDE-11915BBC8AA9}"/>
+              </a:ext>
+            </a:extLst>
+          </p:cNvPr>
+          <p:cNvSpPr>
+            <a:spLocks noGrp="1"/>
+          </p:cNvSpPr>
+          <p:nvPr>
+            <p:ph type="title"/>
+          </p:nvPr>
+        </p:nvSpPr>
+        <p:spPr>
+          <a:xfrm>
+            <a:off x="838200" y="198071"/>
+            <a:ext cx="10515600" cy="725121"/>
+          </a:xfrm>
+        </p:spPr>
+        <p:txBody>
+          <a:bodyPr>
+            <a:normAutofit fontScale="90000"/>
+          </a:bodyPr>
+          <a:lstStyle/>
+          <a:p>
+            <a:r>
+              <a:rPr lang="ru-RU" dirty="0">
+                <a:latin typeface="Times New Roman" panose="02020603050405020304" pitchFamily="18" charset="0"/>
+                <a:cs typeface="Times New Roman" panose="02020603050405020304" pitchFamily="18" charset="0"/>
+              </a:rPr>
+              <a:t>Графические результаты работы моделей - 1</a:t>
+            </a:r>
+          </a:p>
+        </p:txBody>
+      </p:sp>
+      <p:sp>
+        <p:nvSpPr>
+          <p:cNvPr id="3" name="Объект 2">
+            <a:extLst>
+              <a:ext uri="{FF2B5EF4-FFF2-40B4-BE49-F238E27FC236}">
+                <a16:creationId xmlns:a16="http://schemas.microsoft.com/office/drawing/2014/main" id="{BC1F23B4-4143-F366-7562-70887AF1B651}"/>
+              </a:ext>
+            </a:extLst>
+          </p:cNvPr>
+          <p:cNvSpPr>
+            <a:spLocks noGrp="1"/>
+          </p:cNvSpPr>
+          <p:nvPr>
+            <p:ph idx="1"/>
+          </p:nvPr>
+        </p:nvSpPr>
+        <p:spPr>
+          <a:xfrm>
+            <a:off x="838200" y="1160585"/>
+            <a:ext cx="10515600" cy="5016378"/>
+          </a:xfrm>
+        </p:spPr>
+        <p:txBody>
+          <a:bodyPr/>
+          <a:lstStyle/>
+          <a:p>
+            <a:r>
+              <a:rPr lang="ru-RU" dirty="0">
+                <a:latin typeface="Times New Roman" panose="02020603050405020304" pitchFamily="18" charset="0"/>
+                <a:cs typeface="Times New Roman" panose="02020603050405020304" pitchFamily="18" charset="0"/>
+              </a:rPr>
+              <a:t>Решение с одной моделью</a:t>
+            </a:r>
+          </a:p>
+          <a:p>
+            <a:endParaRPr lang="ru-RU" dirty="0">
+              <a:latin typeface="Times New Roman" panose="02020603050405020304" pitchFamily="18" charset="0"/>
+              <a:cs typeface="Times New Roman" panose="02020603050405020304" pitchFamily="18" charset="0"/>
+            </a:endParaRPr>
+          </a:p>
+        </p:txBody>
+      </p:sp>
+      <p:sp>
+        <p:nvSpPr>
+          <p:cNvPr id="4" name="Номер слайда 3">
+            <a:extLst>
+              <a:ext uri="{FF2B5EF4-FFF2-40B4-BE49-F238E27FC236}">
+                <a16:creationId xmlns:a16="http://schemas.microsoft.com/office/drawing/2014/main" id="{540CC0A2-5E3A-0763-D6B9-441F0E8AAE10}"/>
+              </a:ext>
+            </a:extLst>
+          </p:cNvPr>
+          <p:cNvSpPr>
+            <a:spLocks noGrp="1"/>
+          </p:cNvSpPr>
+          <p:nvPr>
+            <p:ph type="sldNum" sz="quarter" idx="12"/>
+          </p:nvPr>
+        </p:nvSpPr>
+        <p:spPr/>
+        <p:txBody>
+          <a:bodyPr/>
+          <a:lstStyle/>
+          <a:p>
+            <a:fld id="{DD52A6CB-90DA-4351-BF49-99661FABD7B0}" type="slidenum">
+              <a:rPr lang="ru-RU" smtClean="0"/>
+              <a:t>10</a:t>
+            </a:fld>
+            <a:endParaRPr lang="ru-RU"/>
+          </a:p>
+        </p:txBody>
+      </p:sp>
+      <p:pic>
+        <p:nvPicPr>
+          <p:cNvPr id="5" name="Рисунок 4">
+            <a:extLst>
+              <a:ext uri="{FF2B5EF4-FFF2-40B4-BE49-F238E27FC236}">
+                <a16:creationId xmlns:a16="http://schemas.microsoft.com/office/drawing/2014/main" id="{4FB15CB0-0004-A1B1-8ADD-4821F37D1638}"/>
+              </a:ext>
+            </a:extLst>
+          </p:cNvPr>
+          <p:cNvPicPr>
+            <a:picLocks noChangeAspect="1"/>
+          </p:cNvPicPr>
+          <p:nvPr/>
+        </p:nvPicPr>
+        <p:blipFill rotWithShape="1">
+          <a:blip r:embed="rId2" cstate="print">
+            <a:extLst>
+              <a:ext uri="{28A0092B-C50C-407E-A947-70E740481C1C}">
+                <a14:useLocalDpi xmlns:a14="http://schemas.microsoft.com/office/drawing/2010/main" val="0"/>
+              </a:ext>
+            </a:extLst>
+          </a:blip>
+          <a:srcRect l="9305" t="7931" r="4967" b="4869"/>
+          <a:stretch/>
+        </p:blipFill>
+        <p:spPr bwMode="auto">
+          <a:xfrm>
+            <a:off x="5499100" y="1559304"/>
+            <a:ext cx="6223000" cy="2109470"/>
+          </a:xfrm>
+          <a:prstGeom prst="rect">
+            <a:avLst/>
+          </a:prstGeom>
+          <a:noFill/>
+          <a:ln>
+            <a:noFill/>
+          </a:ln>
+          <a:extLst>
+            <a:ext uri="{53640926-AAD7-44D8-BBD7-CCE9431645EC}">
+              <a14:shadowObscured xmlns:a14="http://schemas.microsoft.com/office/drawing/2010/main"/>
+            </a:ext>
+          </a:extLst>
+        </p:spPr>
+      </p:pic>
+      <p:pic>
+        <p:nvPicPr>
+          <p:cNvPr id="6" name="Рисунок 5">
+            <a:extLst>
+              <a:ext uri="{FF2B5EF4-FFF2-40B4-BE49-F238E27FC236}">
+                <a16:creationId xmlns:a16="http://schemas.microsoft.com/office/drawing/2014/main" id="{A6AA7A4E-BE9B-921D-8E24-3C543D62A258}"/>
+              </a:ext>
+            </a:extLst>
+          </p:cNvPr>
+          <p:cNvPicPr>
+            <a:picLocks noChangeAspect="1"/>
+          </p:cNvPicPr>
+          <p:nvPr/>
+        </p:nvPicPr>
+        <p:blipFill rotWithShape="1">
+          <a:blip r:embed="rId3">
+            <a:extLst>
+              <a:ext uri="{28A0092B-C50C-407E-A947-70E740481C1C}">
+                <a14:useLocalDpi xmlns:a14="http://schemas.microsoft.com/office/drawing/2010/main" val="0"/>
+              </a:ext>
+            </a:extLst>
+          </a:blip>
+          <a:srcRect b="1470"/>
+          <a:stretch/>
+        </p:blipFill>
+        <p:spPr bwMode="auto">
+          <a:xfrm>
+            <a:off x="614779" y="2567380"/>
+            <a:ext cx="4884321" cy="3609583"/>
+          </a:xfrm>
+          <a:prstGeom prst="rect">
+            <a:avLst/>
+          </a:prstGeom>
+          <a:noFill/>
+          <a:ln>
+            <a:noFill/>
+          </a:ln>
+          <a:extLst>
+            <a:ext uri="{53640926-AAD7-44D8-BBD7-CCE9431645EC}">
+              <a14:shadowObscured xmlns:a14="http://schemas.microsoft.com/office/drawing/2010/main"/>
+            </a:ext>
+          </a:extLst>
+        </p:spPr>
+      </p:pic>
+    </p:spTree>
+    <p:extLst>
+      <p:ext uri="{BB962C8B-B14F-4D97-AF65-F5344CB8AC3E}">
+        <p14:creationId xmlns:p14="http://schemas.microsoft.com/office/powerpoint/2010/main" val="3839840198"/>
+      </p:ext>
+    </p:extLst>
+  </p:cSld>
+  <p:clrMapOvr>
+    <a:masterClrMapping/>
+  </p:clrMapOvr>
+</p:sld>
+</file>
+
+<file path=ppt/slides/slide11.xml><?xml version="1.0" encoding="utf-8"?>
+<p:sld xmlns:a="http://schemas.openxmlformats.org/drawingml/2006/main" xmlns:r="http://schemas.openxmlformats.org/officeDocument/2006/relationships" xmlns:p="http://schemas.openxmlformats.org/presentationml/2006/main">
+  <p:cSld>
+    <p:spTree>
+      <p:nvGrpSpPr>
+        <p:cNvPr id="1" name=""/>
+        <p:cNvGrpSpPr/>
+        <p:nvPr/>
+      </p:nvGrpSpPr>
+      <p:grpSpPr>
+        <a:xfrm>
+          <a:off x="0" y="0"/>
+          <a:ext cx="0" cy="0"/>
+          <a:chOff x="0" y="0"/>
+          <a:chExt cx="0" cy="0"/>
+        </a:xfrm>
+      </p:grpSpPr>
+      <p:sp>
+        <p:nvSpPr>
+          <p:cNvPr id="2" name="Заголовок 1">
+            <a:extLst>
+              <a:ext uri="{FF2B5EF4-FFF2-40B4-BE49-F238E27FC236}">
+                <a16:creationId xmlns:a16="http://schemas.microsoft.com/office/drawing/2014/main" id="{BDC9BE10-D1FA-FE3B-3CDE-11915BBC8AA9}"/>
+              </a:ext>
+            </a:extLst>
+          </p:cNvPr>
+          <p:cNvSpPr>
+            <a:spLocks noGrp="1"/>
+          </p:cNvSpPr>
+          <p:nvPr>
+            <p:ph type="title"/>
+          </p:nvPr>
+        </p:nvSpPr>
+        <p:spPr>
+          <a:xfrm>
+            <a:off x="838200" y="198071"/>
+            <a:ext cx="10515600" cy="725121"/>
+          </a:xfrm>
+        </p:spPr>
+        <p:txBody>
+          <a:bodyPr>
+            <a:normAutofit fontScale="90000"/>
+          </a:bodyPr>
+          <a:lstStyle/>
+          <a:p>
+            <a:r>
+              <a:rPr lang="ru-RU" dirty="0">
+                <a:latin typeface="Times New Roman" panose="02020603050405020304" pitchFamily="18" charset="0"/>
+                <a:cs typeface="Times New Roman" panose="02020603050405020304" pitchFamily="18" charset="0"/>
+              </a:rPr>
+              <a:t>Графические результаты работы моделей - 2</a:t>
+            </a:r>
+          </a:p>
+        </p:txBody>
+      </p:sp>
+      <p:sp>
+        <p:nvSpPr>
+          <p:cNvPr id="3" name="Объект 2">
+            <a:extLst>
+              <a:ext uri="{FF2B5EF4-FFF2-40B4-BE49-F238E27FC236}">
+                <a16:creationId xmlns:a16="http://schemas.microsoft.com/office/drawing/2014/main" id="{BC1F23B4-4143-F366-7562-70887AF1B651}"/>
+              </a:ext>
+            </a:extLst>
+          </p:cNvPr>
+          <p:cNvSpPr>
+            <a:spLocks noGrp="1"/>
+          </p:cNvSpPr>
+          <p:nvPr>
+            <p:ph idx="1"/>
+          </p:nvPr>
+        </p:nvSpPr>
+        <p:spPr>
+          <a:xfrm>
+            <a:off x="838200" y="1160585"/>
+            <a:ext cx="10515600" cy="5016378"/>
+          </a:xfrm>
+        </p:spPr>
+        <p:txBody>
+          <a:bodyPr/>
+          <a:lstStyle/>
+          <a:p>
+            <a:r>
+              <a:rPr lang="ru-RU" dirty="0">
+                <a:latin typeface="Times New Roman" panose="02020603050405020304" pitchFamily="18" charset="0"/>
+                <a:cs typeface="Times New Roman" panose="02020603050405020304" pitchFamily="18" charset="0"/>
+              </a:rPr>
+              <a:t>Решение с двумя независимыми моделями</a:t>
+            </a:r>
+          </a:p>
+        </p:txBody>
+      </p:sp>
+      <p:sp>
+        <p:nvSpPr>
+          <p:cNvPr id="4" name="Номер слайда 3">
+            <a:extLst>
+              <a:ext uri="{FF2B5EF4-FFF2-40B4-BE49-F238E27FC236}">
+                <a16:creationId xmlns:a16="http://schemas.microsoft.com/office/drawing/2014/main" id="{540CC0A2-5E3A-0763-D6B9-441F0E8AAE10}"/>
+              </a:ext>
+            </a:extLst>
+          </p:cNvPr>
+          <p:cNvSpPr>
+            <a:spLocks noGrp="1"/>
+          </p:cNvSpPr>
+          <p:nvPr>
+            <p:ph type="sldNum" sz="quarter" idx="12"/>
+          </p:nvPr>
+        </p:nvSpPr>
+        <p:spPr/>
+        <p:txBody>
+          <a:bodyPr/>
+          <a:lstStyle/>
+          <a:p>
+            <a:fld id="{DD52A6CB-90DA-4351-BF49-99661FABD7B0}" type="slidenum">
+              <a:rPr lang="ru-RU" smtClean="0"/>
+              <a:t>11</a:t>
+            </a:fld>
+            <a:endParaRPr lang="ru-RU"/>
+          </a:p>
+        </p:txBody>
+      </p:sp>
+      <p:pic>
+        <p:nvPicPr>
+          <p:cNvPr id="7" name="Рисунок 6">
+            <a:extLst>
+              <a:ext uri="{FF2B5EF4-FFF2-40B4-BE49-F238E27FC236}">
+                <a16:creationId xmlns:a16="http://schemas.microsoft.com/office/drawing/2014/main" id="{0273F8D9-625E-E385-4087-E0A46CAC2767}"/>
+              </a:ext>
+            </a:extLst>
+          </p:cNvPr>
+          <p:cNvPicPr>
+            <a:picLocks noChangeAspect="1"/>
+          </p:cNvPicPr>
+          <p:nvPr/>
+        </p:nvPicPr>
+        <p:blipFill rotWithShape="1">
+          <a:blip r:embed="rId2" cstate="print">
+            <a:extLst>
+              <a:ext uri="{28A0092B-C50C-407E-A947-70E740481C1C}">
+                <a14:useLocalDpi xmlns:a14="http://schemas.microsoft.com/office/drawing/2010/main" val="0"/>
+              </a:ext>
+            </a:extLst>
+          </a:blip>
+          <a:srcRect l="9879" r="4763"/>
+          <a:stretch/>
+        </p:blipFill>
+        <p:spPr bwMode="auto">
+          <a:xfrm>
+            <a:off x="5410200" y="1586294"/>
+            <a:ext cx="6608127" cy="2580328"/>
+          </a:xfrm>
+          <a:prstGeom prst="rect">
+            <a:avLst/>
+          </a:prstGeom>
+          <a:noFill/>
+          <a:ln>
+            <a:noFill/>
+          </a:ln>
+          <a:extLst>
+            <a:ext uri="{53640926-AAD7-44D8-BBD7-CCE9431645EC}">
+              <a14:shadowObscured xmlns:a14="http://schemas.microsoft.com/office/drawing/2010/main"/>
+            </a:ext>
+          </a:extLst>
+        </p:spPr>
+      </p:pic>
+      <p:pic>
+        <p:nvPicPr>
+          <p:cNvPr id="8" name="Рисунок 7">
+            <a:extLst>
+              <a:ext uri="{FF2B5EF4-FFF2-40B4-BE49-F238E27FC236}">
+                <a16:creationId xmlns:a16="http://schemas.microsoft.com/office/drawing/2014/main" id="{63093112-C73B-A6CD-E4E1-0CC1C32EF464}"/>
+              </a:ext>
+            </a:extLst>
+          </p:cNvPr>
+          <p:cNvPicPr>
+            <a:picLocks noChangeAspect="1"/>
+          </p:cNvPicPr>
+          <p:nvPr/>
+        </p:nvPicPr>
+        <p:blipFill rotWithShape="1">
+          <a:blip r:embed="rId3">
+            <a:extLst>
+              <a:ext uri="{28A0092B-C50C-407E-A947-70E740481C1C}">
+                <a14:useLocalDpi xmlns:a14="http://schemas.microsoft.com/office/drawing/2010/main" val="0"/>
+              </a:ext>
+            </a:extLst>
+          </a:blip>
+          <a:srcRect b="2304"/>
+          <a:stretch/>
+        </p:blipFill>
+        <p:spPr bwMode="auto">
+          <a:xfrm>
+            <a:off x="510117" y="2542858"/>
+            <a:ext cx="4959350" cy="3634105"/>
+          </a:xfrm>
+          <a:prstGeom prst="rect">
+            <a:avLst/>
+          </a:prstGeom>
+          <a:noFill/>
+          <a:ln>
+            <a:noFill/>
+          </a:ln>
+          <a:extLst>
+            <a:ext uri="{53640926-AAD7-44D8-BBD7-CCE9431645EC}">
+              <a14:shadowObscured xmlns:a14="http://schemas.microsoft.com/office/drawing/2010/main"/>
+            </a:ext>
+          </a:extLst>
+        </p:spPr>
+      </p:pic>
+    </p:spTree>
+    <p:extLst>
+      <p:ext uri="{BB962C8B-B14F-4D97-AF65-F5344CB8AC3E}">
+        <p14:creationId xmlns:p14="http://schemas.microsoft.com/office/powerpoint/2010/main" val="1403663251"/>
+      </p:ext>
+    </p:extLst>
+  </p:cSld>
+  <p:clrMapOvr>
+    <a:masterClrMapping/>
+  </p:clrMapOvr>
+</p:sld>
+</file>
+
+<file path=ppt/slides/slide12.xml><?xml version="1.0" encoding="utf-8"?>
+<p:sld xmlns:a="http://schemas.openxmlformats.org/drawingml/2006/main" xmlns:r="http://schemas.openxmlformats.org/officeDocument/2006/relationships" xmlns:p="http://schemas.openxmlformats.org/presentationml/2006/main">
+  <p:cSld>
+    <p:spTree>
+      <p:nvGrpSpPr>
+        <p:cNvPr id="1" name=""/>
+        <p:cNvGrpSpPr/>
+        <p:nvPr/>
+      </p:nvGrpSpPr>
+      <p:grpSpPr>
+        <a:xfrm>
+          <a:off x="0" y="0"/>
+          <a:ext cx="0" cy="0"/>
+          <a:chOff x="0" y="0"/>
+          <a:chExt cx="0" cy="0"/>
+        </a:xfrm>
+      </p:grpSpPr>
+      <p:sp>
+        <p:nvSpPr>
+          <p:cNvPr id="2" name="Заголовок 1">
+            <a:extLst>
+              <a:ext uri="{FF2B5EF4-FFF2-40B4-BE49-F238E27FC236}">
+                <a16:creationId xmlns:a16="http://schemas.microsoft.com/office/drawing/2014/main" id="{BDC9BE10-D1FA-FE3B-3CDE-11915BBC8AA9}"/>
+              </a:ext>
+            </a:extLst>
+          </p:cNvPr>
+          <p:cNvSpPr>
+            <a:spLocks noGrp="1"/>
+          </p:cNvSpPr>
+          <p:nvPr>
+            <p:ph type="title"/>
+          </p:nvPr>
+        </p:nvSpPr>
+        <p:spPr>
+          <a:xfrm>
+            <a:off x="838200" y="198071"/>
+            <a:ext cx="10515600" cy="725121"/>
+          </a:xfrm>
+        </p:spPr>
+        <p:txBody>
+          <a:bodyPr>
+            <a:normAutofit fontScale="90000"/>
+          </a:bodyPr>
+          <a:lstStyle/>
+          <a:p>
+            <a:r>
+              <a:rPr lang="ru-RU" dirty="0">
+                <a:latin typeface="Times New Roman" panose="02020603050405020304" pitchFamily="18" charset="0"/>
+                <a:cs typeface="Times New Roman" panose="02020603050405020304" pitchFamily="18" charset="0"/>
+              </a:rPr>
+              <a:t>Графические результаты работы моделей - 3</a:t>
+            </a:r>
+          </a:p>
+        </p:txBody>
+      </p:sp>
+      <p:sp>
+        <p:nvSpPr>
+          <p:cNvPr id="3" name="Объект 2">
+            <a:extLst>
+              <a:ext uri="{FF2B5EF4-FFF2-40B4-BE49-F238E27FC236}">
+                <a16:creationId xmlns:a16="http://schemas.microsoft.com/office/drawing/2014/main" id="{BC1F23B4-4143-F366-7562-70887AF1B651}"/>
+              </a:ext>
+            </a:extLst>
+          </p:cNvPr>
+          <p:cNvSpPr>
+            <a:spLocks noGrp="1"/>
+          </p:cNvSpPr>
+          <p:nvPr>
+            <p:ph idx="1"/>
+          </p:nvPr>
+        </p:nvSpPr>
+        <p:spPr>
+          <a:xfrm>
+            <a:off x="838200" y="1160585"/>
+            <a:ext cx="10515600" cy="5016378"/>
+          </a:xfrm>
+        </p:spPr>
+        <p:txBody>
+          <a:bodyPr/>
+          <a:lstStyle/>
+          <a:p>
+            <a:r>
+              <a:rPr lang="ru-RU" dirty="0">
+                <a:latin typeface="Times New Roman" panose="02020603050405020304" pitchFamily="18" charset="0"/>
+                <a:cs typeface="Times New Roman" panose="02020603050405020304" pitchFamily="18" charset="0"/>
+              </a:rPr>
+              <a:t>Трансформация класса с переходом к задаче регрессии</a:t>
+            </a:r>
+          </a:p>
+        </p:txBody>
+      </p:sp>
+      <p:sp>
+        <p:nvSpPr>
+          <p:cNvPr id="4" name="Номер слайда 3">
+            <a:extLst>
+              <a:ext uri="{FF2B5EF4-FFF2-40B4-BE49-F238E27FC236}">
+                <a16:creationId xmlns:a16="http://schemas.microsoft.com/office/drawing/2014/main" id="{540CC0A2-5E3A-0763-D6B9-441F0E8AAE10}"/>
+              </a:ext>
+            </a:extLst>
+          </p:cNvPr>
+          <p:cNvSpPr>
+            <a:spLocks noGrp="1"/>
+          </p:cNvSpPr>
+          <p:nvPr>
+            <p:ph type="sldNum" sz="quarter" idx="12"/>
+          </p:nvPr>
+        </p:nvSpPr>
+        <p:spPr/>
+        <p:txBody>
+          <a:bodyPr/>
+          <a:lstStyle/>
+          <a:p>
+            <a:fld id="{DD52A6CB-90DA-4351-BF49-99661FABD7B0}" type="slidenum">
+              <a:rPr lang="ru-RU" smtClean="0"/>
+              <a:t>12</a:t>
+            </a:fld>
+            <a:endParaRPr lang="ru-RU"/>
+          </a:p>
+        </p:txBody>
+      </p:sp>
+      <p:pic>
+        <p:nvPicPr>
+          <p:cNvPr id="9" name="Рисунок 8">
+            <a:extLst>
+              <a:ext uri="{FF2B5EF4-FFF2-40B4-BE49-F238E27FC236}">
+                <a16:creationId xmlns:a16="http://schemas.microsoft.com/office/drawing/2014/main" id="{7D67A5E8-13CF-BC7A-5C39-36A421D7909C}"/>
+              </a:ext>
+            </a:extLst>
+          </p:cNvPr>
+          <p:cNvPicPr>
+            <a:picLocks noChangeAspect="1"/>
+          </p:cNvPicPr>
+          <p:nvPr/>
+        </p:nvPicPr>
+        <p:blipFill>
+          <a:blip r:embed="rId2" cstate="print">
+            <a:extLst>
+              <a:ext uri="{28A0092B-C50C-407E-A947-70E740481C1C}">
+                <a14:useLocalDpi xmlns:a14="http://schemas.microsoft.com/office/drawing/2010/main" val="0"/>
+              </a:ext>
+            </a:extLst>
+          </a:blip>
+          <a:srcRect/>
+          <a:stretch>
+            <a:fillRect/>
+          </a:stretch>
+        </p:blipFill>
+        <p:spPr bwMode="auto">
+          <a:xfrm>
+            <a:off x="5128577" y="1722564"/>
+            <a:ext cx="6964045" cy="2339975"/>
+          </a:xfrm>
+          <a:prstGeom prst="rect">
+            <a:avLst/>
+          </a:prstGeom>
+          <a:noFill/>
+          <a:ln>
+            <a:noFill/>
+          </a:ln>
+        </p:spPr>
+      </p:pic>
+      <p:pic>
+        <p:nvPicPr>
+          <p:cNvPr id="10" name="Рисунок 9">
+            <a:extLst>
+              <a:ext uri="{FF2B5EF4-FFF2-40B4-BE49-F238E27FC236}">
+                <a16:creationId xmlns:a16="http://schemas.microsoft.com/office/drawing/2014/main" id="{24927595-DB18-4DE8-4CC4-80E72095B020}"/>
+              </a:ext>
+            </a:extLst>
+          </p:cNvPr>
+          <p:cNvPicPr>
+            <a:picLocks noChangeAspect="1"/>
+          </p:cNvPicPr>
+          <p:nvPr/>
+        </p:nvPicPr>
+        <p:blipFill>
+          <a:blip r:embed="rId3">
+            <a:extLst>
+              <a:ext uri="{28A0092B-C50C-407E-A947-70E740481C1C}">
+                <a14:useLocalDpi xmlns:a14="http://schemas.microsoft.com/office/drawing/2010/main" val="0"/>
+              </a:ext>
+            </a:extLst>
+          </a:blip>
+          <a:srcRect/>
+          <a:stretch>
+            <a:fillRect/>
+          </a:stretch>
+        </p:blipFill>
+        <p:spPr bwMode="auto">
+          <a:xfrm>
+            <a:off x="590963" y="2595588"/>
+            <a:ext cx="4537614" cy="3760762"/>
+          </a:xfrm>
+          <a:prstGeom prst="rect">
+            <a:avLst/>
+          </a:prstGeom>
+          <a:noFill/>
+          <a:ln>
+            <a:noFill/>
+          </a:ln>
+        </p:spPr>
+      </p:pic>
+    </p:spTree>
+    <p:extLst>
+      <p:ext uri="{BB962C8B-B14F-4D97-AF65-F5344CB8AC3E}">
+        <p14:creationId xmlns:p14="http://schemas.microsoft.com/office/powerpoint/2010/main" val="2530385805"/>
+      </p:ext>
+    </p:extLst>
+  </p:cSld>
+  <p:clrMapOvr>
+    <a:masterClrMapping/>
+  </p:clrMapOvr>
+</p:sld>
+</file>
+
+<file path=ppt/slides/slide13.xml><?xml version="1.0" encoding="utf-8"?>
+<p:sld xmlns:a="http://schemas.openxmlformats.org/drawingml/2006/main" xmlns:r="http://schemas.openxmlformats.org/officeDocument/2006/relationships" xmlns:p="http://schemas.openxmlformats.org/presentationml/2006/main">
+  <p:cSld>
+    <p:spTree>
+      <p:nvGrpSpPr>
+        <p:cNvPr id="1" name=""/>
+        <p:cNvGrpSpPr/>
+        <p:nvPr/>
+      </p:nvGrpSpPr>
+      <p:grpSpPr>
+        <a:xfrm>
+          <a:off x="0" y="0"/>
+          <a:ext cx="0" cy="0"/>
+          <a:chOff x="0" y="0"/>
+          <a:chExt cx="0" cy="0"/>
+        </a:xfrm>
+      </p:grpSpPr>
+      <p:sp>
+        <p:nvSpPr>
+          <p:cNvPr id="2" name="Заголовок 1">
+            <a:extLst>
+              <a:ext uri="{FF2B5EF4-FFF2-40B4-BE49-F238E27FC236}">
+                <a16:creationId xmlns:a16="http://schemas.microsoft.com/office/drawing/2014/main" id="{BDC9BE10-D1FA-FE3B-3CDE-11915BBC8AA9}"/>
+              </a:ext>
+            </a:extLst>
+          </p:cNvPr>
+          <p:cNvSpPr>
+            <a:spLocks noGrp="1"/>
+          </p:cNvSpPr>
+          <p:nvPr>
+            <p:ph type="title"/>
+          </p:nvPr>
+        </p:nvSpPr>
+        <p:spPr>
+          <a:xfrm>
+            <a:off x="838200" y="198071"/>
+            <a:ext cx="10515600" cy="725121"/>
+          </a:xfrm>
+        </p:spPr>
+        <p:txBody>
+          <a:bodyPr>
+            <a:normAutofit fontScale="90000"/>
+          </a:bodyPr>
+          <a:lstStyle/>
+          <a:p>
+            <a:r>
+              <a:rPr lang="ru-RU" dirty="0">
+                <a:latin typeface="Times New Roman" panose="02020603050405020304" pitchFamily="18" charset="0"/>
+                <a:cs typeface="Times New Roman" panose="02020603050405020304" pitchFamily="18" charset="0"/>
+              </a:rPr>
+              <a:t>Графические результаты работы моделей - 4</a:t>
+            </a:r>
+          </a:p>
+        </p:txBody>
+      </p:sp>
+      <p:sp>
+        <p:nvSpPr>
+          <p:cNvPr id="3" name="Объект 2">
+            <a:extLst>
+              <a:ext uri="{FF2B5EF4-FFF2-40B4-BE49-F238E27FC236}">
+                <a16:creationId xmlns:a16="http://schemas.microsoft.com/office/drawing/2014/main" id="{BC1F23B4-4143-F366-7562-70887AF1B651}"/>
+              </a:ext>
+            </a:extLst>
+          </p:cNvPr>
+          <p:cNvSpPr>
+            <a:spLocks noGrp="1"/>
+          </p:cNvSpPr>
+          <p:nvPr>
+            <p:ph idx="1"/>
+          </p:nvPr>
+        </p:nvSpPr>
+        <p:spPr>
+          <a:xfrm>
+            <a:off x="838200" y="1160585"/>
+            <a:ext cx="10515600" cy="5016378"/>
+          </a:xfrm>
+        </p:spPr>
+        <p:txBody>
+          <a:bodyPr/>
+          <a:lstStyle/>
+          <a:p>
+            <a:r>
+              <a:rPr lang="ru-RU" dirty="0">
+                <a:latin typeface="Times New Roman" panose="02020603050405020304" pitchFamily="18" charset="0"/>
+                <a:cs typeface="Times New Roman" panose="02020603050405020304" pitchFamily="18" charset="0"/>
+              </a:rPr>
+              <a:t>Лучший </a:t>
+            </a:r>
+            <a:r>
+              <a:rPr lang="en-US" dirty="0" err="1">
+                <a:latin typeface="Times New Roman" panose="02020603050405020304" pitchFamily="18" charset="0"/>
+                <a:cs typeface="Times New Roman" panose="02020603050405020304" pitchFamily="18" charset="0"/>
+              </a:rPr>
+              <a:t>PipeLine</a:t>
+            </a:r>
+            <a:endParaRPr lang="ru-RU" dirty="0">
+              <a:latin typeface="Times New Roman" panose="02020603050405020304" pitchFamily="18" charset="0"/>
+              <a:cs typeface="Times New Roman" panose="02020603050405020304" pitchFamily="18" charset="0"/>
+            </a:endParaRPr>
+          </a:p>
+        </p:txBody>
+      </p:sp>
+      <p:sp>
+        <p:nvSpPr>
+          <p:cNvPr id="4" name="Номер слайда 3">
+            <a:extLst>
+              <a:ext uri="{FF2B5EF4-FFF2-40B4-BE49-F238E27FC236}">
+                <a16:creationId xmlns:a16="http://schemas.microsoft.com/office/drawing/2014/main" id="{540CC0A2-5E3A-0763-D6B9-441F0E8AAE10}"/>
+              </a:ext>
+            </a:extLst>
+          </p:cNvPr>
+          <p:cNvSpPr>
+            <a:spLocks noGrp="1"/>
+          </p:cNvSpPr>
+          <p:nvPr>
+            <p:ph type="sldNum" sz="quarter" idx="12"/>
+          </p:nvPr>
+        </p:nvSpPr>
+        <p:spPr/>
+        <p:txBody>
+          <a:bodyPr/>
+          <a:lstStyle/>
+          <a:p>
+            <a:fld id="{DD52A6CB-90DA-4351-BF49-99661FABD7B0}" type="slidenum">
+              <a:rPr lang="ru-RU" smtClean="0"/>
+              <a:t>13</a:t>
+            </a:fld>
+            <a:endParaRPr lang="ru-RU"/>
+          </a:p>
+        </p:txBody>
+      </p:sp>
+      <p:pic>
+        <p:nvPicPr>
+          <p:cNvPr id="6" name="Рисунок 5">
+            <a:extLst>
+              <a:ext uri="{FF2B5EF4-FFF2-40B4-BE49-F238E27FC236}">
+                <a16:creationId xmlns:a16="http://schemas.microsoft.com/office/drawing/2014/main" id="{E28E8B96-E829-0C30-D803-FF65DBC20B25}"/>
+              </a:ext>
+            </a:extLst>
+          </p:cNvPr>
+          <p:cNvPicPr>
+            <a:picLocks noChangeAspect="1"/>
+          </p:cNvPicPr>
+          <p:nvPr/>
+        </p:nvPicPr>
+        <p:blipFill rotWithShape="1">
+          <a:blip r:embed="rId2">
+            <a:extLst>
+              <a:ext uri="{28A0092B-C50C-407E-A947-70E740481C1C}">
+                <a14:useLocalDpi xmlns:a14="http://schemas.microsoft.com/office/drawing/2010/main" val="0"/>
+              </a:ext>
+            </a:extLst>
+          </a:blip>
+          <a:srcRect l="9327"/>
+          <a:stretch/>
+        </p:blipFill>
+        <p:spPr>
+          <a:xfrm>
+            <a:off x="5445802" y="1627512"/>
+            <a:ext cx="6746198" cy="2480056"/>
+          </a:xfrm>
+          <a:prstGeom prst="rect">
+            <a:avLst/>
+          </a:prstGeom>
+        </p:spPr>
+      </p:pic>
+      <p:pic>
+        <p:nvPicPr>
+          <p:cNvPr id="8" name="Рисунок 7">
+            <a:extLst>
+              <a:ext uri="{FF2B5EF4-FFF2-40B4-BE49-F238E27FC236}">
+                <a16:creationId xmlns:a16="http://schemas.microsoft.com/office/drawing/2014/main" id="{E2E6CA19-5B72-00B2-ACCB-9DF3E24F7D17}"/>
+              </a:ext>
+            </a:extLst>
+          </p:cNvPr>
+          <p:cNvPicPr>
+            <a:picLocks noChangeAspect="1"/>
+          </p:cNvPicPr>
+          <p:nvPr/>
+        </p:nvPicPr>
+        <p:blipFill rotWithShape="1">
+          <a:blip r:embed="rId3">
+            <a:extLst>
+              <a:ext uri="{28A0092B-C50C-407E-A947-70E740481C1C}">
+                <a14:useLocalDpi xmlns:a14="http://schemas.microsoft.com/office/drawing/2010/main" val="0"/>
+              </a:ext>
+            </a:extLst>
+          </a:blip>
+          <a:srcRect r="5798"/>
+          <a:stretch/>
+        </p:blipFill>
+        <p:spPr>
+          <a:xfrm>
+            <a:off x="404417" y="2342607"/>
+            <a:ext cx="5041385" cy="4013743"/>
+          </a:xfrm>
+          <a:prstGeom prst="rect">
+            <a:avLst/>
+          </a:prstGeom>
+        </p:spPr>
+      </p:pic>
+    </p:spTree>
+    <p:extLst>
+      <p:ext uri="{BB962C8B-B14F-4D97-AF65-F5344CB8AC3E}">
+        <p14:creationId xmlns:p14="http://schemas.microsoft.com/office/powerpoint/2010/main" val="4293290727"/>
+      </p:ext>
+    </p:extLst>
+  </p:cSld>
+  <p:clrMapOvr>
+    <a:masterClrMapping/>
+  </p:clrMapOvr>
+</p:sld>
+</file>
+
 <file path=ppt/slides/slide2.xml><?xml version="1.0" encoding="utf-8"?>
 <p:sld xmlns:a="http://schemas.openxmlformats.org/drawingml/2006/main" xmlns:r="http://schemas.openxmlformats.org/officeDocument/2006/relationships" xmlns:p="http://schemas.openxmlformats.org/presentationml/2006/main">
   <p:cSld>
@@ -4801,55 +6991,18 @@
           </a:xfrm>
         </p:spPr>
         <p:txBody>
-          <a:bodyPr/>
+          <a:bodyPr>
+            <a:normAutofit/>
+          </a:bodyPr>
           <a:lstStyle/>
           <a:p>
             <a:r>
-              <a:rPr lang="ru-RU" dirty="0"/>
+              <a:rPr lang="ru-RU" sz="4000" dirty="0">
+                <a:latin typeface="Times New Roman" panose="02020603050405020304" pitchFamily="18" charset="0"/>
+                <a:cs typeface="Times New Roman" panose="02020603050405020304" pitchFamily="18" charset="0"/>
+              </a:rPr>
               <a:t>Актуальность</a:t>
             </a:r>
-          </a:p>
-        </p:txBody>
-      </p:sp>
-      <p:sp>
-        <p:nvSpPr>
-          <p:cNvPr id="4" name="Номер слайда 3">
-            <a:extLst>
-              <a:ext uri="{FF2B5EF4-FFF2-40B4-BE49-F238E27FC236}">
-                <a16:creationId xmlns:a16="http://schemas.microsoft.com/office/drawing/2014/main" id="{C964656E-1873-409E-87BE-ED317C9FF2AC}"/>
-              </a:ext>
-            </a:extLst>
-          </p:cNvPr>
-          <p:cNvSpPr>
-            <a:spLocks noGrp="1"/>
-          </p:cNvSpPr>
-          <p:nvPr>
-            <p:ph type="sldNum" sz="quarter" idx="12"/>
-          </p:nvPr>
-        </p:nvSpPr>
-        <p:spPr>
-          <a:xfrm>
-            <a:off x="10813370" y="6041938"/>
-            <a:ext cx="1142245" cy="669925"/>
-          </a:xfrm>
-        </p:spPr>
-        <p:txBody>
-          <a:bodyPr/>
-          <a:lstStyle/>
-          <a:p>
-            <a:fld id="{215F4EE3-9A7A-4F14-9A4C-17DDDD407085}" type="slidenum">
-              <a:rPr lang="ru-RU" sz="3200" smtClean="0">
-                <a:solidFill>
-                  <a:schemeClr val="tx1"/>
-                </a:solidFill>
-              </a:rPr>
-              <a:t>2</a:t>
-            </a:fld>
-            <a:endParaRPr lang="ru-RU" sz="3200" dirty="0">
-              <a:solidFill>
-                <a:schemeClr val="tx1"/>
-              </a:solidFill>
-            </a:endParaRPr>
           </a:p>
         </p:txBody>
       </p:sp>
@@ -4889,7 +7042,10 @@
               <a:buChar char="•"/>
             </a:pPr>
             <a:r>
-              <a:rPr lang="ru-RU" sz="2400" dirty="0"/>
+              <a:rPr lang="ru-RU" sz="2400" dirty="0">
+                <a:latin typeface="Times New Roman" panose="02020603050405020304" pitchFamily="18" charset="0"/>
+                <a:cs typeface="Times New Roman" panose="02020603050405020304" pitchFamily="18" charset="0"/>
+              </a:rPr>
               <a:t>Актуальность данной работы появилась с ростом потребительской экономики</a:t>
             </a:r>
           </a:p>
@@ -4902,7 +7058,10 @@
               <a:buChar char="•"/>
             </a:pPr>
             <a:r>
-              <a:rPr lang="ru-RU" sz="2400" dirty="0"/>
+              <a:rPr lang="ru-RU" sz="2400" dirty="0">
+                <a:latin typeface="Times New Roman" panose="02020603050405020304" pitchFamily="18" charset="0"/>
+                <a:cs typeface="Times New Roman" panose="02020603050405020304" pitchFamily="18" charset="0"/>
+              </a:rPr>
               <a:t>Реализация данной задачи возможна благодаря массовой цифровизации</a:t>
             </a:r>
           </a:p>
@@ -4944,6 +7103,40 @@
           </a:prstGeom>
         </p:spPr>
       </p:pic>
+      <p:sp>
+        <p:nvSpPr>
+          <p:cNvPr id="3" name="Номер слайда 2">
+            <a:extLst>
+              <a:ext uri="{FF2B5EF4-FFF2-40B4-BE49-F238E27FC236}">
+                <a16:creationId xmlns:a16="http://schemas.microsoft.com/office/drawing/2014/main" id="{2970DD8E-ED7E-B6DD-83DF-E9D84B96866D}"/>
+              </a:ext>
+            </a:extLst>
+          </p:cNvPr>
+          <p:cNvSpPr>
+            <a:spLocks noGrp="1"/>
+          </p:cNvSpPr>
+          <p:nvPr>
+            <p:ph type="sldNum" sz="quarter" idx="12"/>
+          </p:nvPr>
+        </p:nvSpPr>
+        <p:spPr>
+          <a:xfrm>
+            <a:off x="8584223" y="6356350"/>
+            <a:ext cx="2743200" cy="365125"/>
+          </a:xfrm>
+        </p:spPr>
+        <p:txBody>
+          <a:bodyPr/>
+          <a:lstStyle/>
+          <a:p>
+            <a:fld id="{DD52A6CB-90DA-4351-BF49-99661FABD7B0}" type="slidenum">
+              <a:rPr lang="ru-RU" sz="2000" smtClean="0"/>
+              <a:t>2</a:t>
+            </a:fld>
+            <a:endParaRPr lang="ru-RU" sz="2000" dirty="0"/>
+          </a:p>
+        </p:txBody>
+      </p:sp>
     </p:spTree>
     <p:extLst>
       <p:ext uri="{BB962C8B-B14F-4D97-AF65-F5344CB8AC3E}">
@@ -4997,11 +7190,16 @@
           </a:xfrm>
         </p:spPr>
         <p:txBody>
-          <a:bodyPr/>
+          <a:bodyPr>
+            <a:normAutofit/>
+          </a:bodyPr>
           <a:lstStyle/>
           <a:p>
             <a:r>
-              <a:rPr lang="ru-RU" dirty="0"/>
+              <a:rPr lang="ru-RU" sz="4000" dirty="0">
+                <a:latin typeface="Times New Roman" panose="02020603050405020304" pitchFamily="18" charset="0"/>
+                <a:cs typeface="Times New Roman" panose="02020603050405020304" pitchFamily="18" charset="0"/>
+              </a:rPr>
               <a:t>Цель работы</a:t>
             </a:r>
           </a:p>
@@ -5026,7 +7224,7 @@
         <p:spPr>
           <a:xfrm>
             <a:off x="721790" y="1315234"/>
-            <a:ext cx="8534400" cy="1340284"/>
+            <a:ext cx="10713718" cy="1340284"/>
           </a:xfrm>
         </p:spPr>
         <p:txBody>
@@ -5037,53 +7235,53 @@
           <a:p>
             <a:pPr marL="0" indent="450000" algn="just"/>
             <a:r>
-              <a:rPr lang="ru-RU" dirty="0"/>
-              <a:t>Построение алгоритма, позволяющего прогнозировать момент оттока клиентов для применения мер предотвращения. </a:t>
-            </a:r>
-          </a:p>
-          <a:p>
-            <a:endParaRPr lang="ru-RU" dirty="0"/>
-          </a:p>
-        </p:txBody>
-      </p:sp>
-      <p:sp>
-        <p:nvSpPr>
-          <p:cNvPr id="4" name="Номер слайда 3">
-            <a:extLst>
-              <a:ext uri="{FF2B5EF4-FFF2-40B4-BE49-F238E27FC236}">
-                <a16:creationId xmlns:a16="http://schemas.microsoft.com/office/drawing/2014/main" id="{137E0CFE-8EEC-47EB-9269-8BC44CCA3B4B}"/>
-              </a:ext>
-            </a:extLst>
-          </p:cNvPr>
-          <p:cNvSpPr>
-            <a:spLocks noGrp="1"/>
-          </p:cNvSpPr>
-          <p:nvPr>
-            <p:ph type="sldNum" sz="quarter" idx="12"/>
-          </p:nvPr>
-        </p:nvSpPr>
-        <p:spPr>
-          <a:xfrm>
-            <a:off x="10788743" y="6029412"/>
-            <a:ext cx="1142245" cy="669925"/>
-          </a:xfrm>
-        </p:spPr>
-        <p:txBody>
-          <a:bodyPr/>
-          <a:lstStyle/>
-          <a:p>
-            <a:fld id="{215F4EE3-9A7A-4F14-9A4C-17DDDD407085}" type="slidenum">
-              <a:rPr lang="ru-RU" sz="3200" smtClean="0">
-                <a:solidFill>
-                  <a:schemeClr val="tx1"/>
-                </a:solidFill>
+              <a:rPr lang="ru-RU" sz="2400" dirty="0">
+                <a:effectLst/>
+                <a:latin typeface="Times New Roman" panose="02020603050405020304" pitchFamily="18" charset="0"/>
+                <a:ea typeface="Calibri" panose="020F0502020204030204" pitchFamily="34" charset="0"/>
+                <a:cs typeface="Times New Roman" panose="02020603050405020304" pitchFamily="18" charset="0"/>
               </a:rPr>
-              <a:t>3</a:t>
-            </a:fld>
-            <a:endParaRPr lang="ru-RU" sz="3200" dirty="0">
-              <a:solidFill>
-                <a:schemeClr val="tx1"/>
-              </a:solidFill>
+              <a:t>Разработать модель</a:t>
+            </a:r>
+            <a:r>
+              <a:rPr lang="en-US" sz="2400" dirty="0">
+                <a:effectLst/>
+                <a:latin typeface="Times New Roman" panose="02020603050405020304" pitchFamily="18" charset="0"/>
+                <a:ea typeface="Calibri" panose="020F0502020204030204" pitchFamily="34" charset="0"/>
+                <a:cs typeface="Times New Roman" panose="02020603050405020304" pitchFamily="18" charset="0"/>
+              </a:rPr>
+              <a:t> Decision trees for uplift modeling. </a:t>
+            </a:r>
+            <a:r>
+              <a:rPr lang="ru-RU" sz="2400" dirty="0">
+                <a:effectLst/>
+                <a:latin typeface="Times New Roman" panose="02020603050405020304" pitchFamily="18" charset="0"/>
+                <a:ea typeface="Calibri" panose="020F0502020204030204" pitchFamily="34" charset="0"/>
+                <a:cs typeface="Times New Roman" panose="02020603050405020304" pitchFamily="18" charset="0"/>
+              </a:rPr>
+              <a:t>Смоделировать обучающую выборку на основе данных для </a:t>
+            </a:r>
+            <a:r>
+              <a:rPr lang="ru-RU" sz="2400" dirty="0" err="1">
+                <a:effectLst/>
+                <a:latin typeface="Times New Roman" panose="02020603050405020304" pitchFamily="18" charset="0"/>
+                <a:ea typeface="Calibri" panose="020F0502020204030204" pitchFamily="34" charset="0"/>
+                <a:cs typeface="Times New Roman" panose="02020603050405020304" pitchFamily="18" charset="0"/>
+              </a:rPr>
+              <a:t>UpLift</a:t>
+            </a:r>
+            <a:r>
+              <a:rPr lang="ru-RU" sz="2400" dirty="0">
+                <a:effectLst/>
+                <a:latin typeface="Times New Roman" panose="02020603050405020304" pitchFamily="18" charset="0"/>
+                <a:ea typeface="Calibri" panose="020F0502020204030204" pitchFamily="34" charset="0"/>
+                <a:cs typeface="Times New Roman" panose="02020603050405020304" pitchFamily="18" charset="0"/>
+              </a:rPr>
+              <a:t> моделирования от X5 Retail с добавлением характеристик заработка и списания бонусов.</a:t>
+            </a:r>
+            <a:endParaRPr lang="ru-RU" sz="2400" dirty="0">
+              <a:latin typeface="Times New Roman" panose="02020603050405020304" pitchFamily="18" charset="0"/>
+              <a:cs typeface="Times New Roman" panose="02020603050405020304" pitchFamily="18" charset="0"/>
             </a:endParaRPr>
           </a:p>
         </p:txBody>
@@ -5117,12 +7315,8 @@
           <a:p>
             <a:r>
               <a:rPr lang="ru-RU" sz="2400" b="1" dirty="0">
-                <a:solidFill>
-                  <a:schemeClr val="tx1">
-                    <a:lumMod val="65000"/>
-                    <a:lumOff val="35000"/>
-                  </a:schemeClr>
-                </a:solidFill>
+                <a:latin typeface="Times New Roman" panose="02020603050405020304" pitchFamily="18" charset="0"/>
+                <a:cs typeface="Times New Roman" panose="02020603050405020304" pitchFamily="18" charset="0"/>
               </a:rPr>
               <a:t>Задачи:</a:t>
             </a:r>
@@ -5137,12 +7331,8 @@
             </a:pPr>
             <a:r>
               <a:rPr lang="ru-RU" sz="2400" dirty="0">
-                <a:solidFill>
-                  <a:schemeClr val="tx1">
-                    <a:lumMod val="65000"/>
-                    <a:lumOff val="35000"/>
-                  </a:schemeClr>
-                </a:solidFill>
+                <a:latin typeface="Times New Roman" panose="02020603050405020304" pitchFamily="18" charset="0"/>
+                <a:cs typeface="Times New Roman" panose="02020603050405020304" pitchFamily="18" charset="0"/>
               </a:rPr>
               <a:t>Описание набора данных;</a:t>
             </a:r>
@@ -5157,12 +7347,8 @@
             </a:pPr>
             <a:r>
               <a:rPr lang="ru-RU" sz="2400" dirty="0">
-                <a:solidFill>
-                  <a:schemeClr val="tx1">
-                    <a:lumMod val="65000"/>
-                    <a:lumOff val="35000"/>
-                  </a:schemeClr>
-                </a:solidFill>
+                <a:latin typeface="Times New Roman" panose="02020603050405020304" pitchFamily="18" charset="0"/>
+                <a:cs typeface="Times New Roman" panose="02020603050405020304" pitchFamily="18" charset="0"/>
               </a:rPr>
               <a:t>Выбор метрик качества;</a:t>
             </a:r>
@@ -5177,33 +7363,21 @@
             </a:pPr>
             <a:r>
               <a:rPr lang="ru-RU" sz="2400" dirty="0">
-                <a:solidFill>
-                  <a:schemeClr val="tx1">
-                    <a:lumMod val="65000"/>
-                    <a:lumOff val="35000"/>
-                  </a:schemeClr>
-                </a:solidFill>
+                <a:latin typeface="Times New Roman" panose="02020603050405020304" pitchFamily="18" charset="0"/>
+                <a:cs typeface="Times New Roman" panose="02020603050405020304" pitchFamily="18" charset="0"/>
               </a:rPr>
               <a:t>Выбор используемых моделей и исследование их качества работы</a:t>
             </a:r>
             <a:r>
               <a:rPr lang="en-US" sz="2400" dirty="0">
-                <a:solidFill>
-                  <a:schemeClr val="tx1">
-                    <a:lumMod val="65000"/>
-                    <a:lumOff val="35000"/>
-                  </a:schemeClr>
-                </a:solidFill>
+                <a:latin typeface="Times New Roman" panose="02020603050405020304" pitchFamily="18" charset="0"/>
+                <a:cs typeface="Times New Roman" panose="02020603050405020304" pitchFamily="18" charset="0"/>
               </a:rPr>
               <a:t>;</a:t>
             </a:r>
             <a:endParaRPr lang="ru-RU" sz="2400" dirty="0">
-              <a:solidFill>
-                <a:schemeClr val="tx1">
-                  <a:lumMod val="65000"/>
-                  <a:lumOff val="35000"/>
-                </a:schemeClr>
-              </a:solidFill>
+              <a:latin typeface="Times New Roman" panose="02020603050405020304" pitchFamily="18" charset="0"/>
+              <a:cs typeface="Times New Roman" panose="02020603050405020304" pitchFamily="18" charset="0"/>
             </a:endParaRPr>
           </a:p>
           <a:p>
@@ -5216,15 +7390,40 @@
             </a:pPr>
             <a:r>
               <a:rPr lang="ru-RU" sz="2400" dirty="0">
-                <a:solidFill>
-                  <a:schemeClr val="tx1">
-                    <a:lumMod val="65000"/>
-                    <a:lumOff val="35000"/>
-                  </a:schemeClr>
-                </a:solidFill>
+                <a:latin typeface="Times New Roman" panose="02020603050405020304" pitchFamily="18" charset="0"/>
+                <a:cs typeface="Times New Roman" panose="02020603050405020304" pitchFamily="18" charset="0"/>
               </a:rPr>
               <a:t>Сравнение полученных результатов.</a:t>
             </a:r>
+          </a:p>
+        </p:txBody>
+      </p:sp>
+      <p:sp>
+        <p:nvSpPr>
+          <p:cNvPr id="6" name="Номер слайда 5">
+            <a:extLst>
+              <a:ext uri="{FF2B5EF4-FFF2-40B4-BE49-F238E27FC236}">
+                <a16:creationId xmlns:a16="http://schemas.microsoft.com/office/drawing/2014/main" id="{104FEF31-44B7-77B2-D3A0-1E4D25E3BE2B}"/>
+              </a:ext>
+            </a:extLst>
+          </p:cNvPr>
+          <p:cNvSpPr>
+            <a:spLocks noGrp="1"/>
+          </p:cNvSpPr>
+          <p:nvPr>
+            <p:ph type="sldNum" sz="quarter" idx="12"/>
+          </p:nvPr>
+        </p:nvSpPr>
+        <p:spPr/>
+        <p:txBody>
+          <a:bodyPr/>
+          <a:lstStyle/>
+          <a:p>
+            <a:fld id="{DD52A6CB-90DA-4351-BF49-99661FABD7B0}" type="slidenum">
+              <a:rPr lang="ru-RU" sz="2000" smtClean="0"/>
+              <a:t>3</a:t>
+            </a:fld>
+            <a:endParaRPr lang="ru-RU" sz="2000" dirty="0"/>
           </a:p>
         </p:txBody>
       </p:sp>
@@ -5277,7 +7476,7 @@
         <p:spPr>
           <a:xfrm>
             <a:off x="481495" y="85011"/>
-            <a:ext cx="8534400" cy="849145"/>
+            <a:ext cx="6042397" cy="849145"/>
           </a:xfrm>
         </p:spPr>
         <p:txBody>
@@ -5287,52 +7486,12 @@
           <a:lstStyle/>
           <a:p>
             <a:r>
-              <a:rPr lang="ru-RU" dirty="0"/>
-              <a:t>Первые шаги</a:t>
-            </a:r>
-            <a:endParaRPr lang="ru-RU" sz="4400" dirty="0"/>
-          </a:p>
-        </p:txBody>
-      </p:sp>
-      <p:sp>
-        <p:nvSpPr>
-          <p:cNvPr id="4" name="Номер слайда 3">
-            <a:extLst>
-              <a:ext uri="{FF2B5EF4-FFF2-40B4-BE49-F238E27FC236}">
-                <a16:creationId xmlns:a16="http://schemas.microsoft.com/office/drawing/2014/main" id="{36E4A91D-59A5-4A51-A04C-9C25146A0BCD}"/>
-              </a:ext>
-            </a:extLst>
-          </p:cNvPr>
-          <p:cNvSpPr>
-            <a:spLocks noGrp="1"/>
-          </p:cNvSpPr>
-          <p:nvPr>
-            <p:ph type="sldNum" sz="quarter" idx="12"/>
-          </p:nvPr>
-        </p:nvSpPr>
-        <p:spPr>
-          <a:xfrm>
-            <a:off x="10715299" y="5992340"/>
-            <a:ext cx="1142245" cy="669925"/>
-          </a:xfrm>
-        </p:spPr>
-        <p:txBody>
-          <a:bodyPr/>
-          <a:lstStyle/>
-          <a:p>
-            <a:fld id="{215F4EE3-9A7A-4F14-9A4C-17DDDD407085}" type="slidenum">
-              <a:rPr lang="ru-RU" sz="3200" smtClean="0">
-                <a:solidFill>
-                  <a:schemeClr val="tx1"/>
-                </a:solidFill>
+              <a:rPr lang="ru-RU" sz="4000" dirty="0">
+                <a:latin typeface="Times New Roman" panose="02020603050405020304" pitchFamily="18" charset="0"/>
+                <a:cs typeface="Times New Roman" panose="02020603050405020304" pitchFamily="18" charset="0"/>
               </a:rPr>
-              <a:t>4</a:t>
-            </a:fld>
-            <a:endParaRPr lang="ru-RU" sz="3200" dirty="0">
-              <a:solidFill>
-                <a:schemeClr val="tx1"/>
-              </a:solidFill>
-            </a:endParaRPr>
+              <a:t>Описание набора данных</a:t>
+            </a:r>
           </a:p>
         </p:txBody>
       </p:sp>
@@ -5350,8 +7509,8 @@
         </p:nvSpPr>
         <p:spPr>
           <a:xfrm>
-            <a:off x="719846" y="1332689"/>
-            <a:ext cx="9144001" cy="1846659"/>
+            <a:off x="719847" y="1332689"/>
+            <a:ext cx="5909554" cy="3693319"/>
           </a:xfrm>
           <a:prstGeom prst="rect">
             <a:avLst/>
@@ -5364,42 +7523,226 @@
           </a:bodyPr>
           <a:lstStyle/>
           <a:p>
-            <a:pPr marL="342900" indent="-342900">
-              <a:lnSpc>
-                <a:spcPct val="150000"/>
-              </a:lnSpc>
-              <a:buFont typeface="+mj-lt"/>
-              <a:buAutoNum type="arabicPeriod"/>
+            <a:r>
+              <a:rPr lang="ru-RU" dirty="0">
+                <a:latin typeface="Times New Roman" panose="02020603050405020304" pitchFamily="18" charset="0"/>
+                <a:cs typeface="Times New Roman" panose="02020603050405020304" pitchFamily="18" charset="0"/>
+              </a:rPr>
+              <a:t>Источник данных – открытое соревнование сообщества  </a:t>
+            </a:r>
+            <a:r>
+              <a:rPr lang="en-US" dirty="0">
+                <a:latin typeface="Times New Roman" panose="02020603050405020304" pitchFamily="18" charset="0"/>
+                <a:cs typeface="Times New Roman" panose="02020603050405020304" pitchFamily="18" charset="0"/>
+              </a:rPr>
+              <a:t>ODS </a:t>
+            </a:r>
+            <a:r>
+              <a:rPr lang="ru-RU" dirty="0">
+                <a:latin typeface="Times New Roman" panose="02020603050405020304" pitchFamily="18" charset="0"/>
+                <a:cs typeface="Times New Roman" panose="02020603050405020304" pitchFamily="18" charset="0"/>
+              </a:rPr>
+              <a:t>в партнерстве с </a:t>
+            </a:r>
+            <a:r>
+              <a:rPr lang="en-US" dirty="0">
+                <a:latin typeface="Times New Roman" panose="02020603050405020304" pitchFamily="18" charset="0"/>
+                <a:cs typeface="Times New Roman" panose="02020603050405020304" pitchFamily="18" charset="0"/>
+              </a:rPr>
+              <a:t>“X5 Retail” </a:t>
+            </a:r>
+            <a:r>
+              <a:rPr lang="ru-RU" dirty="0">
+                <a:latin typeface="Times New Roman" panose="02020603050405020304" pitchFamily="18" charset="0"/>
+                <a:cs typeface="Times New Roman" panose="02020603050405020304" pitchFamily="18" charset="0"/>
+              </a:rPr>
+              <a:t>по </a:t>
+            </a:r>
+            <a:r>
+              <a:rPr lang="en-US" dirty="0" err="1">
+                <a:latin typeface="Times New Roman" panose="02020603050405020304" pitchFamily="18" charset="0"/>
+                <a:cs typeface="Times New Roman" panose="02020603050405020304" pitchFamily="18" charset="0"/>
+              </a:rPr>
+              <a:t>UpLift</a:t>
+            </a:r>
+            <a:r>
+              <a:rPr lang="en-US" dirty="0">
+                <a:latin typeface="Times New Roman" panose="02020603050405020304" pitchFamily="18" charset="0"/>
+                <a:cs typeface="Times New Roman" panose="02020603050405020304" pitchFamily="18" charset="0"/>
+              </a:rPr>
+              <a:t> </a:t>
+            </a:r>
+            <a:r>
+              <a:rPr lang="ru-RU" dirty="0">
+                <a:latin typeface="Times New Roman" panose="02020603050405020304" pitchFamily="18" charset="0"/>
+                <a:cs typeface="Times New Roman" panose="02020603050405020304" pitchFamily="18" charset="0"/>
+              </a:rPr>
+              <a:t>моделированию.</a:t>
+            </a:r>
+            <a:endParaRPr lang="en-US" dirty="0">
+              <a:latin typeface="Times New Roman" panose="02020603050405020304" pitchFamily="18" charset="0"/>
+              <a:cs typeface="Times New Roman" panose="02020603050405020304" pitchFamily="18" charset="0"/>
+            </a:endParaRPr>
+          </a:p>
+          <a:p>
+            <a:pPr marL="285750" indent="-285750">
+              <a:buFont typeface="Arial" panose="020B0604020202020204" pitchFamily="34" charset="0"/>
+              <a:buChar char="•"/>
             </a:pPr>
-            <a:r>
-              <a:rPr lang="ru-RU" sz="3200" dirty="0"/>
-              <a:t>Нахождение источника исходных данных</a:t>
-            </a:r>
-          </a:p>
-          <a:p>
-            <a:pPr marL="342900" indent="-342900">
-              <a:lnSpc>
-                <a:spcPct val="150000"/>
-              </a:lnSpc>
-              <a:buFont typeface="+mj-lt"/>
-              <a:buAutoNum type="arabicPeriod"/>
+            <a:endParaRPr lang="en-US" dirty="0">
+              <a:latin typeface="Times New Roman" panose="02020603050405020304" pitchFamily="18" charset="0"/>
+              <a:cs typeface="Times New Roman" panose="02020603050405020304" pitchFamily="18" charset="0"/>
+            </a:endParaRPr>
+          </a:p>
+          <a:p>
+            <a:r>
+              <a:rPr lang="ru-RU" dirty="0">
+                <a:latin typeface="Times New Roman" panose="02020603050405020304" pitchFamily="18" charset="0"/>
+                <a:cs typeface="Times New Roman" panose="02020603050405020304" pitchFamily="18" charset="0"/>
+              </a:rPr>
+              <a:t>Данные</a:t>
+            </a:r>
+            <a:r>
+              <a:rPr lang="en-US" dirty="0">
+                <a:latin typeface="Times New Roman" panose="02020603050405020304" pitchFamily="18" charset="0"/>
+                <a:cs typeface="Times New Roman" panose="02020603050405020304" pitchFamily="18" charset="0"/>
+              </a:rPr>
+              <a:t>:</a:t>
+            </a:r>
+          </a:p>
+          <a:p>
+            <a:pPr marL="742950" lvl="1" indent="-285750">
+              <a:buFont typeface="Arial" panose="020B0604020202020204" pitchFamily="34" charset="0"/>
+              <a:buChar char="•"/>
             </a:pPr>
             <a:r>
-              <a:rPr lang="ru-RU" sz="3200" dirty="0"/>
-              <a:t>Определение методов решения</a:t>
-            </a:r>
-          </a:p>
-          <a:p>
-            <a:endParaRPr lang="ru-RU" dirty="0"/>
+              <a:rPr lang="ru-RU" dirty="0">
+                <a:latin typeface="Times New Roman" panose="02020603050405020304" pitchFamily="18" charset="0"/>
+                <a:cs typeface="Times New Roman" panose="02020603050405020304" pitchFamily="18" charset="0"/>
+              </a:rPr>
+              <a:t>Срез покупок за 4 месяца с детализацией до позиций в чеке.</a:t>
+            </a:r>
+          </a:p>
+          <a:p>
+            <a:pPr marL="742950" lvl="1" indent="-285750">
+              <a:buFont typeface="Arial" panose="020B0604020202020204" pitchFamily="34" charset="0"/>
+              <a:buChar char="•"/>
+            </a:pPr>
+            <a:r>
+              <a:rPr lang="ru-RU" dirty="0">
+                <a:latin typeface="Times New Roman" panose="02020603050405020304" pitchFamily="18" charset="0"/>
+                <a:cs typeface="Times New Roman" panose="02020603050405020304" pitchFamily="18" charset="0"/>
+              </a:rPr>
+              <a:t>Клиентская база объемом около 400 тыс. человек</a:t>
+            </a:r>
+          </a:p>
+          <a:p>
+            <a:pPr marL="742950" lvl="1" indent="-285750">
+              <a:buFont typeface="Arial" panose="020B0604020202020204" pitchFamily="34" charset="0"/>
+              <a:buChar char="•"/>
+            </a:pPr>
+            <a:r>
+              <a:rPr lang="ru-RU" dirty="0">
+                <a:latin typeface="Times New Roman" panose="02020603050405020304" pitchFamily="18" charset="0"/>
+                <a:cs typeface="Times New Roman" panose="02020603050405020304" pitchFamily="18" charset="0"/>
+              </a:rPr>
+              <a:t>Справочник номенклатур позиций в чеке.</a:t>
+            </a:r>
+          </a:p>
+          <a:p>
+            <a:pPr marL="742950" lvl="1" indent="-285750">
+              <a:buFont typeface="Arial" panose="020B0604020202020204" pitchFamily="34" charset="0"/>
+              <a:buChar char="•"/>
+            </a:pPr>
+            <a:r>
+              <a:rPr lang="ru-RU" dirty="0">
+                <a:latin typeface="Times New Roman" panose="02020603050405020304" pitchFamily="18" charset="0"/>
+                <a:cs typeface="Times New Roman" panose="02020603050405020304" pitchFamily="18" charset="0"/>
+              </a:rPr>
+              <a:t>Набор целевых переменных</a:t>
+            </a:r>
+            <a:r>
+              <a:rPr lang="en-US" dirty="0">
+                <a:latin typeface="Times New Roman" panose="02020603050405020304" pitchFamily="18" charset="0"/>
+                <a:cs typeface="Times New Roman" panose="02020603050405020304" pitchFamily="18" charset="0"/>
+              </a:rPr>
+              <a:t>: </a:t>
+            </a:r>
+            <a:r>
+              <a:rPr lang="ru-RU" dirty="0">
+                <a:latin typeface="Times New Roman" panose="02020603050405020304" pitchFamily="18" charset="0"/>
+                <a:cs typeface="Times New Roman" panose="02020603050405020304" pitchFamily="18" charset="0"/>
+              </a:rPr>
+              <a:t>переменная – флаг воздействия на клиента </a:t>
+            </a:r>
+            <a:r>
+              <a:rPr lang="en-US" dirty="0">
+                <a:latin typeface="Times New Roman" panose="02020603050405020304" pitchFamily="18" charset="0"/>
+                <a:cs typeface="Times New Roman" panose="02020603050405020304" pitchFamily="18" charset="0"/>
+              </a:rPr>
+              <a:t>[0, 1] </a:t>
+            </a:r>
+            <a:r>
+              <a:rPr lang="ru-RU" dirty="0">
+                <a:latin typeface="Times New Roman" panose="02020603050405020304" pitchFamily="18" charset="0"/>
+                <a:cs typeface="Times New Roman" panose="02020603050405020304" pitchFamily="18" charset="0"/>
+              </a:rPr>
+              <a:t>и переменная – флаг выполнения целевого действия.</a:t>
+            </a:r>
+          </a:p>
+          <a:p>
+            <a:pPr marL="742950" lvl="1" indent="-285750">
+              <a:buFont typeface="Arial" panose="020B0604020202020204" pitchFamily="34" charset="0"/>
+              <a:buChar char="•"/>
+            </a:pPr>
+            <a:endParaRPr lang="ru-RU" dirty="0">
+              <a:latin typeface="Times New Roman" panose="02020603050405020304" pitchFamily="18" charset="0"/>
+              <a:cs typeface="Times New Roman" panose="02020603050405020304" pitchFamily="18" charset="0"/>
+            </a:endParaRPr>
           </a:p>
         </p:txBody>
       </p:sp>
       <p:pic>
         <p:nvPicPr>
-          <p:cNvPr id="8" name="Рисунок 7">
+          <p:cNvPr id="11" name="Рисунок 10">
             <a:extLst>
               <a:ext uri="{FF2B5EF4-FFF2-40B4-BE49-F238E27FC236}">
-                <a16:creationId xmlns:a16="http://schemas.microsoft.com/office/drawing/2014/main" id="{6D7FCFA8-8A01-429C-B4C4-6ACA29F13F9F}"/>
+                <a16:creationId xmlns:a16="http://schemas.microsoft.com/office/drawing/2014/main" id="{1780FD14-AB59-0760-BEF6-B0B5A62BA11F}"/>
+              </a:ext>
+            </a:extLst>
+          </p:cNvPr>
+          <p:cNvPicPr>
+            <a:picLocks noChangeAspect="1"/>
+          </p:cNvPicPr>
+          <p:nvPr/>
+        </p:nvPicPr>
+        <p:blipFill rotWithShape="1">
+          <a:blip r:embed="rId3">
+            <a:extLst>
+              <a:ext uri="{28A0092B-C50C-407E-A947-70E740481C1C}">
+                <a14:useLocalDpi xmlns:a14="http://schemas.microsoft.com/office/drawing/2010/main" val="0"/>
+              </a:ext>
+            </a:extLst>
+          </a:blip>
+          <a:srcRect r="33377"/>
+          <a:stretch/>
+        </p:blipFill>
+        <p:spPr>
+          <a:xfrm>
+            <a:off x="6800231" y="54358"/>
+            <a:ext cx="5227425" cy="1869132"/>
+          </a:xfrm>
+          <a:prstGeom prst="rect">
+            <a:avLst/>
+          </a:prstGeom>
+        </p:spPr>
+      </p:pic>
+      <p:pic>
+        <p:nvPicPr>
+          <p:cNvPr id="14" name="Рисунок 13">
+            <a:extLst>
+              <a:ext uri="{FF2B5EF4-FFF2-40B4-BE49-F238E27FC236}">
+                <a16:creationId xmlns:a16="http://schemas.microsoft.com/office/drawing/2014/main" id="{6C1C3D5C-4AB9-14E5-623B-DBFCD39B639B}"/>
               </a:ext>
             </a:extLst>
           </p:cNvPr>
@@ -5409,31 +7752,4881 @@
           <p:nvPr/>
         </p:nvPicPr>
         <p:blipFill>
-          <a:blip r:embed="rId3">
-            <a:extLst>
-              <a:ext uri="{28A0092B-C50C-407E-A947-70E740481C1C}">
-                <a14:useLocalDpi xmlns:a14="http://schemas.microsoft.com/office/drawing/2010/main" val="0"/>
-              </a:ext>
-            </a:extLst>
-          </a:blip>
+          <a:blip r:embed="rId4"/>
           <a:stretch>
             <a:fillRect/>
           </a:stretch>
         </p:blipFill>
         <p:spPr>
           <a:xfrm>
-            <a:off x="2190668" y="3429000"/>
-            <a:ext cx="7810663" cy="2659978"/>
+            <a:off x="722749" y="4950619"/>
+            <a:ext cx="9992550" cy="849145"/>
           </a:xfrm>
           <a:prstGeom prst="rect">
             <a:avLst/>
           </a:prstGeom>
         </p:spPr>
       </p:pic>
+      <p:pic>
+        <p:nvPicPr>
+          <p:cNvPr id="15" name="Рисунок 14">
+            <a:extLst>
+              <a:ext uri="{FF2B5EF4-FFF2-40B4-BE49-F238E27FC236}">
+                <a16:creationId xmlns:a16="http://schemas.microsoft.com/office/drawing/2014/main" id="{F10EE799-40B1-B944-089C-CE3153E22144}"/>
+              </a:ext>
+            </a:extLst>
+          </p:cNvPr>
+          <p:cNvPicPr>
+            <a:picLocks noChangeAspect="1"/>
+          </p:cNvPicPr>
+          <p:nvPr/>
+        </p:nvPicPr>
+        <p:blipFill>
+          <a:blip r:embed="rId5"/>
+          <a:stretch>
+            <a:fillRect/>
+          </a:stretch>
+        </p:blipFill>
+        <p:spPr>
+          <a:xfrm>
+            <a:off x="6800379" y="2007402"/>
+            <a:ext cx="5057165" cy="1077348"/>
+          </a:xfrm>
+          <a:prstGeom prst="rect">
+            <a:avLst/>
+          </a:prstGeom>
+        </p:spPr>
+      </p:pic>
+      <p:pic>
+        <p:nvPicPr>
+          <p:cNvPr id="17" name="Рисунок 16">
+            <a:extLst>
+              <a:ext uri="{FF2B5EF4-FFF2-40B4-BE49-F238E27FC236}">
+                <a16:creationId xmlns:a16="http://schemas.microsoft.com/office/drawing/2014/main" id="{DB208FB1-3DFB-627D-1219-55D48BDE31FB}"/>
+              </a:ext>
+            </a:extLst>
+          </p:cNvPr>
+          <p:cNvPicPr>
+            <a:picLocks noChangeAspect="1"/>
+          </p:cNvPicPr>
+          <p:nvPr/>
+        </p:nvPicPr>
+        <p:blipFill rotWithShape="1">
+          <a:blip r:embed="rId6"/>
+          <a:srcRect l="9340"/>
+          <a:stretch/>
+        </p:blipFill>
+        <p:spPr bwMode="auto">
+          <a:xfrm>
+            <a:off x="8301225" y="3286360"/>
+            <a:ext cx="2225435" cy="1414460"/>
+          </a:xfrm>
+          <a:prstGeom prst="rect">
+            <a:avLst/>
+          </a:prstGeom>
+          <a:ln>
+            <a:noFill/>
+          </a:ln>
+          <a:extLst>
+            <a:ext uri="{53640926-AAD7-44D8-BBD7-CCE9431645EC}">
+              <a14:shadowObscured xmlns:a14="http://schemas.microsoft.com/office/drawing/2010/main"/>
+            </a:ext>
+          </a:extLst>
+        </p:spPr>
+      </p:pic>
+      <p:sp>
+        <p:nvSpPr>
+          <p:cNvPr id="18" name="Номер слайда 17">
+            <a:extLst>
+              <a:ext uri="{FF2B5EF4-FFF2-40B4-BE49-F238E27FC236}">
+                <a16:creationId xmlns:a16="http://schemas.microsoft.com/office/drawing/2014/main" id="{BE349A7F-F3D9-8A23-23E3-6024590252C7}"/>
+              </a:ext>
+            </a:extLst>
+          </p:cNvPr>
+          <p:cNvSpPr>
+            <a:spLocks noGrp="1"/>
+          </p:cNvSpPr>
+          <p:nvPr>
+            <p:ph type="sldNum" sz="quarter" idx="12"/>
+          </p:nvPr>
+        </p:nvSpPr>
+        <p:spPr/>
+        <p:txBody>
+          <a:bodyPr/>
+          <a:lstStyle/>
+          <a:p>
+            <a:fld id="{DD52A6CB-90DA-4351-BF49-99661FABD7B0}" type="slidenum">
+              <a:rPr lang="ru-RU" sz="2000" smtClean="0"/>
+              <a:t>4</a:t>
+            </a:fld>
+            <a:endParaRPr lang="ru-RU" sz="2000" dirty="0"/>
+          </a:p>
+        </p:txBody>
+      </p:sp>
     </p:spTree>
     <p:extLst>
       <p:ext uri="{BB962C8B-B14F-4D97-AF65-F5344CB8AC3E}">
         <p14:creationId xmlns:p14="http://schemas.microsoft.com/office/powerpoint/2010/main" val="3137773926"/>
+      </p:ext>
+    </p:extLst>
+  </p:cSld>
+  <p:clrMapOvr>
+    <a:masterClrMapping/>
+  </p:clrMapOvr>
+</p:sld>
+</file>
+
+<file path=ppt/slides/slide5.xml><?xml version="1.0" encoding="utf-8"?>
+<p:sld xmlns:a="http://schemas.openxmlformats.org/drawingml/2006/main" xmlns:r="http://schemas.openxmlformats.org/officeDocument/2006/relationships" xmlns:p="http://schemas.openxmlformats.org/presentationml/2006/main">
+  <p:cSld>
+    <p:spTree>
+      <p:nvGrpSpPr>
+        <p:cNvPr id="1" name=""/>
+        <p:cNvGrpSpPr/>
+        <p:nvPr/>
+      </p:nvGrpSpPr>
+      <p:grpSpPr>
+        <a:xfrm>
+          <a:off x="0" y="0"/>
+          <a:ext cx="0" cy="0"/>
+          <a:chOff x="0" y="0"/>
+          <a:chExt cx="0" cy="0"/>
+        </a:xfrm>
+      </p:grpSpPr>
+      <p:sp>
+        <p:nvSpPr>
+          <p:cNvPr id="7" name="Овал 6">
+            <a:extLst>
+              <a:ext uri="{FF2B5EF4-FFF2-40B4-BE49-F238E27FC236}">
+                <a16:creationId xmlns:a16="http://schemas.microsoft.com/office/drawing/2014/main" id="{098FFA7B-D488-35C6-7DFC-27535F5C8827}"/>
+              </a:ext>
+            </a:extLst>
+          </p:cNvPr>
+          <p:cNvSpPr/>
+          <p:nvPr/>
+        </p:nvSpPr>
+        <p:spPr>
+          <a:xfrm>
+            <a:off x="3684494" y="1541929"/>
+            <a:ext cx="1183341" cy="502024"/>
+          </a:xfrm>
+          <a:prstGeom prst="ellipse">
+            <a:avLst/>
+          </a:prstGeom>
+        </p:spPr>
+        <p:style>
+          <a:lnRef idx="2">
+            <a:schemeClr val="accent1">
+              <a:shade val="50000"/>
+            </a:schemeClr>
+          </a:lnRef>
+          <a:fillRef idx="1">
+            <a:schemeClr val="accent1"/>
+          </a:fillRef>
+          <a:effectRef idx="0">
+            <a:schemeClr val="accent1"/>
+          </a:effectRef>
+          <a:fontRef idx="minor">
+            <a:schemeClr val="lt1"/>
+          </a:fontRef>
+        </p:style>
+        <p:txBody>
+          <a:bodyPr rtlCol="0" anchor="ctr"/>
+          <a:lstStyle/>
+          <a:p>
+            <a:pPr algn="ctr"/>
+            <a:endParaRPr lang="ru-RU"/>
+          </a:p>
+        </p:txBody>
+      </p:sp>
+      <p:sp>
+        <p:nvSpPr>
+          <p:cNvPr id="4" name="Овал 3">
+            <a:extLst>
+              <a:ext uri="{FF2B5EF4-FFF2-40B4-BE49-F238E27FC236}">
+                <a16:creationId xmlns:a16="http://schemas.microsoft.com/office/drawing/2014/main" id="{98B669BA-21CB-89AD-753C-5FC81E236DF1}"/>
+              </a:ext>
+            </a:extLst>
+          </p:cNvPr>
+          <p:cNvSpPr/>
+          <p:nvPr/>
+        </p:nvSpPr>
+        <p:spPr>
+          <a:xfrm>
+            <a:off x="1284022" y="4670612"/>
+            <a:ext cx="885437" cy="753035"/>
+          </a:xfrm>
+          <a:prstGeom prst="ellipse">
+            <a:avLst/>
+          </a:prstGeom>
+        </p:spPr>
+        <p:style>
+          <a:lnRef idx="2">
+            <a:schemeClr val="accent1">
+              <a:shade val="50000"/>
+            </a:schemeClr>
+          </a:lnRef>
+          <a:fillRef idx="1">
+            <a:schemeClr val="accent1"/>
+          </a:fillRef>
+          <a:effectRef idx="0">
+            <a:schemeClr val="accent1"/>
+          </a:effectRef>
+          <a:fontRef idx="minor">
+            <a:schemeClr val="lt1"/>
+          </a:fontRef>
+        </p:style>
+        <p:txBody>
+          <a:bodyPr rtlCol="0" anchor="ctr"/>
+          <a:lstStyle/>
+          <a:p>
+            <a:pPr algn="ctr"/>
+            <a:endParaRPr lang="ru-RU"/>
+          </a:p>
+        </p:txBody>
+      </p:sp>
+      <p:sp>
+        <p:nvSpPr>
+          <p:cNvPr id="2" name="Заголовок 1">
+            <a:extLst>
+              <a:ext uri="{FF2B5EF4-FFF2-40B4-BE49-F238E27FC236}">
+                <a16:creationId xmlns:a16="http://schemas.microsoft.com/office/drawing/2014/main" id="{A71A4107-51FC-FB11-A7DB-DD47B7B58BE8}"/>
+              </a:ext>
+            </a:extLst>
+          </p:cNvPr>
+          <p:cNvSpPr>
+            <a:spLocks noGrp="1"/>
+          </p:cNvSpPr>
+          <p:nvPr>
+            <p:ph type="title"/>
+          </p:nvPr>
+        </p:nvSpPr>
+        <p:spPr>
+          <a:xfrm>
+            <a:off x="838200" y="365126"/>
+            <a:ext cx="10515600" cy="461352"/>
+          </a:xfrm>
+        </p:spPr>
+        <p:txBody>
+          <a:bodyPr>
+            <a:noAutofit/>
+          </a:bodyPr>
+          <a:lstStyle/>
+          <a:p>
+            <a:r>
+              <a:rPr lang="ru-RU" sz="4000" dirty="0">
+                <a:latin typeface="Times New Roman" panose="02020603050405020304" pitchFamily="18" charset="0"/>
+                <a:cs typeface="Times New Roman" panose="02020603050405020304" pitchFamily="18" charset="0"/>
+              </a:rPr>
+              <a:t>Метрики качества - 1</a:t>
+            </a:r>
+          </a:p>
+        </p:txBody>
+      </p:sp>
+      <mc:AlternateContent xmlns:mc="http://schemas.openxmlformats.org/markup-compatibility/2006">
+        <mc:Choice xmlns:a14="http://schemas.microsoft.com/office/drawing/2010/main" Requires="a14">
+          <p:sp>
+            <p:nvSpPr>
+              <p:cNvPr id="3" name="Объект 2">
+                <a:extLst>
+                  <a:ext uri="{FF2B5EF4-FFF2-40B4-BE49-F238E27FC236}">
+                    <a16:creationId xmlns:a16="http://schemas.microsoft.com/office/drawing/2014/main" id="{1B51B6F4-B8E4-B3BC-7BFD-0430AC731246}"/>
+                  </a:ext>
+                </a:extLst>
+              </p:cNvPr>
+              <p:cNvSpPr>
+                <a:spLocks noGrp="1"/>
+              </p:cNvSpPr>
+              <p:nvPr>
+                <p:ph idx="1"/>
+              </p:nvPr>
+            </p:nvSpPr>
+            <p:spPr>
+              <a:xfrm>
+                <a:off x="961293" y="1157408"/>
+                <a:ext cx="10515600" cy="4920663"/>
+              </a:xfrm>
+            </p:spPr>
+            <p:txBody>
+              <a:bodyPr>
+                <a:normAutofit/>
+              </a:bodyPr>
+              <a:lstStyle/>
+              <a:p>
+                <a:r>
+                  <a:rPr lang="en-US" sz="1800" dirty="0">
+                    <a:effectLst/>
+                    <a:latin typeface="Times New Roman" panose="02020603050405020304" pitchFamily="18" charset="0"/>
+                    <a:ea typeface="Calibri" panose="020F0502020204030204" pitchFamily="34" charset="0"/>
+                  </a:rPr>
+                  <a:t>UpLift</a:t>
+                </a:r>
+                <a:r>
+                  <a:rPr lang="ru-RU" sz="1800" dirty="0">
+                    <a:effectLst/>
+                    <a:latin typeface="Times New Roman" panose="02020603050405020304" pitchFamily="18" charset="0"/>
+                    <a:ea typeface="Calibri" panose="020F0502020204030204" pitchFamily="34" charset="0"/>
+                  </a:rPr>
+                  <a:t> на первых </a:t>
+                </a:r>
+                <a:r>
+                  <a:rPr lang="en-US" sz="1800" dirty="0">
+                    <a:effectLst/>
+                    <a:latin typeface="Times New Roman" panose="02020603050405020304" pitchFamily="18" charset="0"/>
+                    <a:ea typeface="Calibri" panose="020F0502020204030204" pitchFamily="34" charset="0"/>
+                  </a:rPr>
+                  <a:t>k</a:t>
+                </a:r>
+                <a:r>
+                  <a:rPr lang="ru-RU" sz="1800" dirty="0">
+                    <a:effectLst/>
+                    <a:latin typeface="Times New Roman" panose="02020603050405020304" pitchFamily="18" charset="0"/>
+                    <a:ea typeface="Calibri" panose="020F0502020204030204" pitchFamily="34" charset="0"/>
+                  </a:rPr>
+                  <a:t> – процентах выборки</a:t>
+                </a:r>
+                <a:r>
+                  <a:rPr lang="en-US" sz="1800" dirty="0">
+                    <a:effectLst/>
+                    <a:latin typeface="Times New Roman" panose="02020603050405020304" pitchFamily="18" charset="0"/>
+                    <a:ea typeface="Calibri" panose="020F0502020204030204" pitchFamily="34" charset="0"/>
+                  </a:rPr>
+                  <a:t>:</a:t>
+                </a:r>
+                <a:endParaRPr lang="ru-RU" sz="1800" dirty="0">
+                  <a:effectLst/>
+                  <a:latin typeface="Times New Roman" panose="02020603050405020304" pitchFamily="18" charset="0"/>
+                  <a:ea typeface="Calibri" panose="020F0502020204030204" pitchFamily="34" charset="0"/>
+                </a:endParaRPr>
+              </a:p>
+              <a:p>
+                <a:pPr marL="0" indent="0" algn="ctr">
+                  <a:lnSpc>
+                    <a:spcPct val="107000"/>
+                  </a:lnSpc>
+                  <a:spcAft>
+                    <a:spcPts val="800"/>
+                  </a:spcAft>
+                  <a:buNone/>
+                </a:pPr>
+                <a14:m>
+                  <m:oMath xmlns:m="http://schemas.openxmlformats.org/officeDocument/2006/math">
+                    <m:r>
+                      <a:rPr lang="en-US" sz="1800" i="1" smtClean="0">
+                        <a:effectLst/>
+                        <a:latin typeface="Cambria Math" panose="02040503050406030204" pitchFamily="18" charset="0"/>
+                        <a:ea typeface="Calibri" panose="020F0502020204030204" pitchFamily="34" charset="0"/>
+                        <a:cs typeface="Times New Roman" panose="02020603050405020304" pitchFamily="18" charset="0"/>
+                      </a:rPr>
+                      <m:t>𝑈𝑝𝐿𝑖𝑓</m:t>
+                    </m:r>
+                    <m:sSub>
+                      <m:sSubPr>
+                        <m:ctrlPr>
+                          <a:rPr lang="ru-RU" sz="1800" i="1">
+                            <a:effectLst/>
+                            <a:latin typeface="Cambria Math" panose="02040503050406030204" pitchFamily="18" charset="0"/>
+                            <a:ea typeface="Calibri" panose="020F0502020204030204" pitchFamily="34" charset="0"/>
+                            <a:cs typeface="Times New Roman" panose="02020603050405020304" pitchFamily="18" charset="0"/>
+                          </a:rPr>
+                        </m:ctrlPr>
+                      </m:sSubPr>
+                      <m:e>
+                        <m:r>
+                          <a:rPr lang="en-US" sz="1800" i="1">
+                            <a:effectLst/>
+                            <a:latin typeface="Cambria Math" panose="02040503050406030204" pitchFamily="18" charset="0"/>
+                            <a:ea typeface="Calibri" panose="020F0502020204030204" pitchFamily="34" charset="0"/>
+                            <a:cs typeface="Times New Roman" panose="02020603050405020304" pitchFamily="18" charset="0"/>
+                          </a:rPr>
+                          <m:t>𝑡</m:t>
+                        </m:r>
+                      </m:e>
+                      <m:sub>
+                        <m:r>
+                          <a:rPr lang="en-US" sz="1800" i="1">
+                            <a:effectLst/>
+                            <a:latin typeface="Cambria Math" panose="02040503050406030204" pitchFamily="18" charset="0"/>
+                            <a:ea typeface="Calibri" panose="020F0502020204030204" pitchFamily="34" charset="0"/>
+                            <a:cs typeface="Times New Roman" panose="02020603050405020304" pitchFamily="18" charset="0"/>
+                          </a:rPr>
+                          <m:t>𝐾</m:t>
+                        </m:r>
+                        <m:r>
+                          <a:rPr lang="ru-RU" sz="1800" i="1">
+                            <a:effectLst/>
+                            <a:latin typeface="Cambria Math" panose="02040503050406030204" pitchFamily="18" charset="0"/>
+                            <a:ea typeface="Calibri" panose="020F0502020204030204" pitchFamily="34" charset="0"/>
+                            <a:cs typeface="Times New Roman" panose="02020603050405020304" pitchFamily="18" charset="0"/>
+                          </a:rPr>
+                          <m:t>%</m:t>
+                        </m:r>
+                      </m:sub>
+                    </m:sSub>
+                    <m:r>
+                      <a:rPr lang="ru-RU" sz="1800" i="1">
+                        <a:effectLst/>
+                        <a:latin typeface="Cambria Math" panose="02040503050406030204" pitchFamily="18" charset="0"/>
+                        <a:ea typeface="Calibri" panose="020F0502020204030204" pitchFamily="34" charset="0"/>
+                        <a:cs typeface="Times New Roman" panose="02020603050405020304" pitchFamily="18" charset="0"/>
+                      </a:rPr>
+                      <m:t>=</m:t>
+                    </m:r>
+                    <m:r>
+                      <a:rPr lang="en-US" sz="1800" i="1">
+                        <a:effectLst/>
+                        <a:latin typeface="Cambria Math" panose="02040503050406030204" pitchFamily="18" charset="0"/>
+                        <a:ea typeface="Calibri" panose="020F0502020204030204" pitchFamily="34" charset="0"/>
+                        <a:cs typeface="Times New Roman" panose="02020603050405020304" pitchFamily="18" charset="0"/>
+                      </a:rPr>
+                      <m:t>𝐶</m:t>
+                    </m:r>
+                    <m:sSub>
+                      <m:sSubPr>
+                        <m:ctrlPr>
+                          <a:rPr lang="ru-RU" sz="1800" i="1">
+                            <a:effectLst/>
+                            <a:latin typeface="Cambria Math" panose="02040503050406030204" pitchFamily="18" charset="0"/>
+                            <a:ea typeface="Calibri" panose="020F0502020204030204" pitchFamily="34" charset="0"/>
+                            <a:cs typeface="Times New Roman" panose="02020603050405020304" pitchFamily="18" charset="0"/>
+                          </a:rPr>
+                        </m:ctrlPr>
+                      </m:sSubPr>
+                      <m:e>
+                        <m:r>
+                          <a:rPr lang="en-US" sz="1800" i="1">
+                            <a:effectLst/>
+                            <a:latin typeface="Cambria Math" panose="02040503050406030204" pitchFamily="18" charset="0"/>
+                            <a:ea typeface="Calibri" panose="020F0502020204030204" pitchFamily="34" charset="0"/>
+                            <a:cs typeface="Times New Roman" panose="02020603050405020304" pitchFamily="18" charset="0"/>
+                          </a:rPr>
+                          <m:t>𝑅</m:t>
+                        </m:r>
+                      </m:e>
+                      <m:sub>
+                        <m:r>
+                          <a:rPr lang="en-US" sz="1800" i="1">
+                            <a:effectLst/>
+                            <a:latin typeface="Cambria Math" panose="02040503050406030204" pitchFamily="18" charset="0"/>
+                            <a:ea typeface="Calibri" panose="020F0502020204030204" pitchFamily="34" charset="0"/>
+                            <a:cs typeface="Times New Roman" panose="02020603050405020304" pitchFamily="18" charset="0"/>
+                          </a:rPr>
+                          <m:t>𝐾</m:t>
+                        </m:r>
+                        <m:r>
+                          <a:rPr lang="ru-RU" sz="1800" i="1">
+                            <a:effectLst/>
+                            <a:latin typeface="Cambria Math" panose="02040503050406030204" pitchFamily="18" charset="0"/>
+                            <a:ea typeface="Calibri" panose="020F0502020204030204" pitchFamily="34" charset="0"/>
+                            <a:cs typeface="Times New Roman" panose="02020603050405020304" pitchFamily="18" charset="0"/>
+                          </a:rPr>
+                          <m:t>%</m:t>
+                        </m:r>
+                      </m:sub>
+                    </m:sSub>
+                    <m:r>
+                      <a:rPr lang="en-US" sz="1800" i="1">
+                        <a:effectLst/>
+                        <a:latin typeface="Cambria Math" panose="02040503050406030204" pitchFamily="18" charset="0"/>
+                        <a:ea typeface="Calibri" panose="020F0502020204030204" pitchFamily="34" charset="0"/>
+                        <a:cs typeface="Times New Roman" panose="02020603050405020304" pitchFamily="18" charset="0"/>
+                      </a:rPr>
+                      <m:t> </m:t>
+                    </m:r>
+                    <m:d>
+                      <m:dPr>
+                        <m:ctrlPr>
+                          <a:rPr lang="ru-RU" sz="1800" i="1">
+                            <a:effectLst/>
+                            <a:latin typeface="Cambria Math" panose="02040503050406030204" pitchFamily="18" charset="0"/>
+                            <a:ea typeface="Calibri" panose="020F0502020204030204" pitchFamily="34" charset="0"/>
+                            <a:cs typeface="Times New Roman" panose="02020603050405020304" pitchFamily="18" charset="0"/>
+                          </a:rPr>
+                        </m:ctrlPr>
+                      </m:dPr>
+                      <m:e>
+                        <m:sSub>
+                          <m:sSubPr>
+                            <m:ctrlPr>
+                              <a:rPr lang="ru-RU" sz="1800" i="1">
+                                <a:effectLst/>
+                                <a:latin typeface="Cambria Math" panose="02040503050406030204" pitchFamily="18" charset="0"/>
+                                <a:ea typeface="Calibri" panose="020F0502020204030204" pitchFamily="34" charset="0"/>
+                                <a:cs typeface="Times New Roman" panose="02020603050405020304" pitchFamily="18" charset="0"/>
+                              </a:rPr>
+                            </m:ctrlPr>
+                          </m:sSubPr>
+                          <m:e>
+                            <m:r>
+                              <a:rPr lang="en-US" sz="1800" i="1">
+                                <a:effectLst/>
+                                <a:latin typeface="Cambria Math" panose="02040503050406030204" pitchFamily="18" charset="0"/>
+                                <a:ea typeface="Calibri" panose="020F0502020204030204" pitchFamily="34" charset="0"/>
+                                <a:cs typeface="Times New Roman" panose="02020603050405020304" pitchFamily="18" charset="0"/>
+                              </a:rPr>
+                              <m:t>𝑋</m:t>
+                            </m:r>
+                          </m:e>
+                          <m:sub>
+                            <m:r>
+                              <a:rPr lang="en-US" sz="1800" i="1">
+                                <a:effectLst/>
+                                <a:latin typeface="Cambria Math" panose="02040503050406030204" pitchFamily="18" charset="0"/>
+                                <a:ea typeface="Calibri" panose="020F0502020204030204" pitchFamily="34" charset="0"/>
+                                <a:cs typeface="Times New Roman" panose="02020603050405020304" pitchFamily="18" charset="0"/>
+                              </a:rPr>
+                              <m:t>𝑡𝑎𝑟𝑔𝑒𝑡</m:t>
+                            </m:r>
+                          </m:sub>
+                        </m:sSub>
+                      </m:e>
+                    </m:d>
+                    <m:r>
+                      <a:rPr lang="ru-RU" sz="1800" i="1">
+                        <a:effectLst/>
+                        <a:latin typeface="Cambria Math" panose="02040503050406030204" pitchFamily="18" charset="0"/>
+                        <a:ea typeface="Calibri" panose="020F0502020204030204" pitchFamily="34" charset="0"/>
+                        <a:cs typeface="Times New Roman" panose="02020603050405020304" pitchFamily="18" charset="0"/>
+                      </a:rPr>
+                      <m:t>−</m:t>
+                    </m:r>
+                    <m:r>
+                      <a:rPr lang="en-US" sz="1800" i="1">
+                        <a:effectLst/>
+                        <a:latin typeface="Cambria Math" panose="02040503050406030204" pitchFamily="18" charset="0"/>
+                        <a:ea typeface="Calibri" panose="020F0502020204030204" pitchFamily="34" charset="0"/>
+                        <a:cs typeface="Times New Roman" panose="02020603050405020304" pitchFamily="18" charset="0"/>
+                      </a:rPr>
+                      <m:t>𝐶</m:t>
+                    </m:r>
+                    <m:sSub>
+                      <m:sSubPr>
+                        <m:ctrlPr>
+                          <a:rPr lang="ru-RU" sz="1800" i="1">
+                            <a:effectLst/>
+                            <a:latin typeface="Cambria Math" panose="02040503050406030204" pitchFamily="18" charset="0"/>
+                            <a:ea typeface="Calibri" panose="020F0502020204030204" pitchFamily="34" charset="0"/>
+                            <a:cs typeface="Times New Roman" panose="02020603050405020304" pitchFamily="18" charset="0"/>
+                          </a:rPr>
+                        </m:ctrlPr>
+                      </m:sSubPr>
+                      <m:e>
+                        <m:r>
+                          <a:rPr lang="en-US" sz="1800" i="1">
+                            <a:effectLst/>
+                            <a:latin typeface="Cambria Math" panose="02040503050406030204" pitchFamily="18" charset="0"/>
+                            <a:ea typeface="Calibri" panose="020F0502020204030204" pitchFamily="34" charset="0"/>
+                            <a:cs typeface="Times New Roman" panose="02020603050405020304" pitchFamily="18" charset="0"/>
+                          </a:rPr>
+                          <m:t>𝑅</m:t>
+                        </m:r>
+                      </m:e>
+                      <m:sub>
+                        <m:r>
+                          <a:rPr lang="en-US" sz="1800" i="1">
+                            <a:effectLst/>
+                            <a:latin typeface="Cambria Math" panose="02040503050406030204" pitchFamily="18" charset="0"/>
+                            <a:ea typeface="Calibri" panose="020F0502020204030204" pitchFamily="34" charset="0"/>
+                            <a:cs typeface="Times New Roman" panose="02020603050405020304" pitchFamily="18" charset="0"/>
+                          </a:rPr>
+                          <m:t>𝐾</m:t>
+                        </m:r>
+                        <m:r>
+                          <a:rPr lang="ru-RU" sz="1800" i="1">
+                            <a:effectLst/>
+                            <a:latin typeface="Cambria Math" panose="02040503050406030204" pitchFamily="18" charset="0"/>
+                            <a:ea typeface="Calibri" panose="020F0502020204030204" pitchFamily="34" charset="0"/>
+                            <a:cs typeface="Times New Roman" panose="02020603050405020304" pitchFamily="18" charset="0"/>
+                          </a:rPr>
+                          <m:t>%</m:t>
+                        </m:r>
+                      </m:sub>
+                    </m:sSub>
+                    <m:r>
+                      <a:rPr lang="en-US" sz="1800" i="1">
+                        <a:effectLst/>
+                        <a:latin typeface="Cambria Math" panose="02040503050406030204" pitchFamily="18" charset="0"/>
+                        <a:ea typeface="Calibri" panose="020F0502020204030204" pitchFamily="34" charset="0"/>
+                        <a:cs typeface="Times New Roman" panose="02020603050405020304" pitchFamily="18" charset="0"/>
+                      </a:rPr>
+                      <m:t> </m:t>
+                    </m:r>
+                    <m:d>
+                      <m:dPr>
+                        <m:ctrlPr>
+                          <a:rPr lang="ru-RU" sz="1800" i="1">
+                            <a:effectLst/>
+                            <a:latin typeface="Cambria Math" panose="02040503050406030204" pitchFamily="18" charset="0"/>
+                            <a:ea typeface="Calibri" panose="020F0502020204030204" pitchFamily="34" charset="0"/>
+                            <a:cs typeface="Times New Roman" panose="02020603050405020304" pitchFamily="18" charset="0"/>
+                          </a:rPr>
+                        </m:ctrlPr>
+                      </m:dPr>
+                      <m:e>
+                        <m:sSub>
+                          <m:sSubPr>
+                            <m:ctrlPr>
+                              <a:rPr lang="ru-RU" sz="1800" i="1">
+                                <a:effectLst/>
+                                <a:latin typeface="Cambria Math" panose="02040503050406030204" pitchFamily="18" charset="0"/>
+                                <a:ea typeface="Calibri" panose="020F0502020204030204" pitchFamily="34" charset="0"/>
+                                <a:cs typeface="Times New Roman" panose="02020603050405020304" pitchFamily="18" charset="0"/>
+                              </a:rPr>
+                            </m:ctrlPr>
+                          </m:sSubPr>
+                          <m:e>
+                            <m:r>
+                              <a:rPr lang="en-US" sz="1800" i="1">
+                                <a:effectLst/>
+                                <a:latin typeface="Cambria Math" panose="02040503050406030204" pitchFamily="18" charset="0"/>
+                                <a:ea typeface="Calibri" panose="020F0502020204030204" pitchFamily="34" charset="0"/>
+                                <a:cs typeface="Times New Roman" panose="02020603050405020304" pitchFamily="18" charset="0"/>
+                              </a:rPr>
+                              <m:t>𝑋</m:t>
+                            </m:r>
+                          </m:e>
+                          <m:sub>
+                            <m:r>
+                              <a:rPr lang="en-US" sz="1800" i="1">
+                                <a:effectLst/>
+                                <a:latin typeface="Cambria Math" panose="02040503050406030204" pitchFamily="18" charset="0"/>
+                                <a:ea typeface="Calibri" panose="020F0502020204030204" pitchFamily="34" charset="0"/>
+                                <a:cs typeface="Times New Roman" panose="02020603050405020304" pitchFamily="18" charset="0"/>
+                              </a:rPr>
+                              <m:t>𝑐𝑜𝑛𝑡𝑟𝑜𝑙</m:t>
+                            </m:r>
+                          </m:sub>
+                        </m:sSub>
+                      </m:e>
+                    </m:d>
+                    <m:r>
+                      <a:rPr lang="en-US" sz="1800" i="1">
+                        <a:effectLst/>
+                        <a:latin typeface="Cambria Math" panose="02040503050406030204" pitchFamily="18" charset="0"/>
+                        <a:ea typeface="Calibri" panose="020F0502020204030204" pitchFamily="34" charset="0"/>
+                        <a:cs typeface="Times New Roman" panose="02020603050405020304" pitchFamily="18" charset="0"/>
+                      </a:rPr>
+                      <m:t> </m:t>
+                    </m:r>
+                  </m:oMath>
+                </a14:m>
+                <a:r>
+                  <a:rPr lang="ru-RU" sz="1800" dirty="0">
+                    <a:effectLst/>
+                    <a:latin typeface="Calibri" panose="020F0502020204030204" pitchFamily="34" charset="0"/>
+                    <a:ea typeface="Times New Roman" panose="02020603050405020304" pitchFamily="18" charset="0"/>
+                    <a:cs typeface="Times New Roman" panose="02020603050405020304" pitchFamily="18" charset="0"/>
+                  </a:rPr>
+                  <a:t>,</a:t>
+                </a:r>
+                <a:endParaRPr lang="ru-RU" sz="1800" dirty="0">
+                  <a:effectLst/>
+                  <a:latin typeface="Calibri" panose="020F0502020204030204" pitchFamily="34" charset="0"/>
+                  <a:ea typeface="Calibri" panose="020F0502020204030204" pitchFamily="34" charset="0"/>
+                  <a:cs typeface="Times New Roman" panose="02020603050405020304" pitchFamily="18" charset="0"/>
+                </a:endParaRPr>
+              </a:p>
+              <a:p>
+                <a:pPr marL="0" indent="0" algn="ctr">
+                  <a:lnSpc>
+                    <a:spcPct val="107000"/>
+                  </a:lnSpc>
+                  <a:spcAft>
+                    <a:spcPts val="800"/>
+                  </a:spcAft>
+                  <a:buNone/>
+                </a:pPr>
+                <a:r>
+                  <a:rPr lang="ru-RU" sz="1800" dirty="0">
+                    <a:effectLst/>
+                    <a:latin typeface="Calibri" panose="020F0502020204030204" pitchFamily="34" charset="0"/>
+                    <a:ea typeface="Times New Roman" panose="02020603050405020304" pitchFamily="18" charset="0"/>
+                    <a:cs typeface="Times New Roman" panose="02020603050405020304" pitchFamily="18" charset="0"/>
+                  </a:rPr>
+                  <a:t>где </a:t>
+                </a:r>
+                <a14:m>
+                  <m:oMath xmlns:m="http://schemas.openxmlformats.org/officeDocument/2006/math">
+                    <m:r>
+                      <a:rPr lang="ru-RU" sz="1800" i="1">
+                        <a:effectLst/>
+                        <a:latin typeface="Cambria Math" panose="02040503050406030204" pitchFamily="18" charset="0"/>
+                        <a:ea typeface="Times New Roman" panose="02020603050405020304" pitchFamily="18" charset="0"/>
+                        <a:cs typeface="Times New Roman" panose="02020603050405020304" pitchFamily="18" charset="0"/>
+                      </a:rPr>
+                      <m:t>𝐶</m:t>
+                    </m:r>
+                    <m:sSub>
+                      <m:sSubPr>
+                        <m:ctrlPr>
+                          <a:rPr lang="ru-RU" sz="1800" i="1">
+                            <a:effectLst/>
+                            <a:latin typeface="Cambria Math" panose="02040503050406030204" pitchFamily="18" charset="0"/>
+                            <a:ea typeface="Times New Roman" panose="02020603050405020304" pitchFamily="18" charset="0"/>
+                            <a:cs typeface="Times New Roman" panose="02020603050405020304" pitchFamily="18" charset="0"/>
+                          </a:rPr>
+                        </m:ctrlPr>
+                      </m:sSubPr>
+                      <m:e>
+                        <m:r>
+                          <a:rPr lang="ru-RU" sz="1800" i="1">
+                            <a:effectLst/>
+                            <a:latin typeface="Cambria Math" panose="02040503050406030204" pitchFamily="18" charset="0"/>
+                            <a:ea typeface="Times New Roman" panose="02020603050405020304" pitchFamily="18" charset="0"/>
+                            <a:cs typeface="Times New Roman" panose="02020603050405020304" pitchFamily="18" charset="0"/>
+                          </a:rPr>
+                          <m:t>𝑅</m:t>
+                        </m:r>
+                      </m:e>
+                      <m:sub>
+                        <m:r>
+                          <a:rPr lang="ru-RU" sz="1800" i="1">
+                            <a:effectLst/>
+                            <a:latin typeface="Cambria Math" panose="02040503050406030204" pitchFamily="18" charset="0"/>
+                            <a:ea typeface="Times New Roman" panose="02020603050405020304" pitchFamily="18" charset="0"/>
+                            <a:cs typeface="Times New Roman" panose="02020603050405020304" pitchFamily="18" charset="0"/>
+                          </a:rPr>
+                          <m:t>𝐾</m:t>
+                        </m:r>
+                        <m:r>
+                          <a:rPr lang="ru-RU" sz="1800" i="1">
+                            <a:effectLst/>
+                            <a:latin typeface="Cambria Math" panose="02040503050406030204" pitchFamily="18" charset="0"/>
+                            <a:ea typeface="Times New Roman" panose="02020603050405020304" pitchFamily="18" charset="0"/>
+                            <a:cs typeface="Times New Roman" panose="02020603050405020304" pitchFamily="18" charset="0"/>
+                          </a:rPr>
+                          <m:t>%</m:t>
+                        </m:r>
+                      </m:sub>
+                    </m:sSub>
+                    <m:r>
+                      <a:rPr lang="ru-RU" sz="1800" i="1">
+                        <a:effectLst/>
+                        <a:latin typeface="Cambria Math" panose="02040503050406030204" pitchFamily="18" charset="0"/>
+                        <a:ea typeface="Times New Roman" panose="02020603050405020304" pitchFamily="18" charset="0"/>
+                        <a:cs typeface="Times New Roman" panose="02020603050405020304" pitchFamily="18" charset="0"/>
+                      </a:rPr>
+                      <m:t>=</m:t>
+                    </m:r>
+                    <m:f>
+                      <m:fPr>
+                        <m:ctrlPr>
+                          <a:rPr lang="ru-RU" sz="1800" i="1">
+                            <a:effectLst/>
+                            <a:latin typeface="Cambria Math" panose="02040503050406030204" pitchFamily="18" charset="0"/>
+                            <a:ea typeface="Times New Roman" panose="02020603050405020304" pitchFamily="18" charset="0"/>
+                            <a:cs typeface="Times New Roman" panose="02020603050405020304" pitchFamily="18" charset="0"/>
+                          </a:rPr>
+                        </m:ctrlPr>
+                      </m:fPr>
+                      <m:num>
+                        <m:sSub>
+                          <m:sSubPr>
+                            <m:ctrlPr>
+                              <a:rPr lang="ru-RU" sz="1800" i="1">
+                                <a:effectLst/>
+                                <a:latin typeface="Cambria Math" panose="02040503050406030204" pitchFamily="18" charset="0"/>
+                                <a:ea typeface="Times New Roman" panose="02020603050405020304" pitchFamily="18" charset="0"/>
+                                <a:cs typeface="Times New Roman" panose="02020603050405020304" pitchFamily="18" charset="0"/>
+                              </a:rPr>
+                            </m:ctrlPr>
+                          </m:sSubPr>
+                          <m:e>
+                            <m:r>
+                              <a:rPr lang="ru-RU" sz="1800" i="1">
+                                <a:effectLst/>
+                                <a:latin typeface="Cambria Math" panose="02040503050406030204" pitchFamily="18" charset="0"/>
+                                <a:ea typeface="Times New Roman" panose="02020603050405020304" pitchFamily="18" charset="0"/>
+                                <a:cs typeface="Times New Roman" panose="02020603050405020304" pitchFamily="18" charset="0"/>
+                              </a:rPr>
+                              <m:t>Отклик</m:t>
+                            </m:r>
+                          </m:e>
+                          <m:sub>
+                            <m:r>
+                              <a:rPr lang="en-US" sz="1800" i="1">
+                                <a:effectLst/>
+                                <a:latin typeface="Cambria Math" panose="02040503050406030204" pitchFamily="18" charset="0"/>
+                                <a:ea typeface="Times New Roman" panose="02020603050405020304" pitchFamily="18" charset="0"/>
+                                <a:cs typeface="Times New Roman" panose="02020603050405020304" pitchFamily="18" charset="0"/>
+                              </a:rPr>
+                              <m:t>𝐾</m:t>
+                            </m:r>
+                            <m:r>
+                              <a:rPr lang="ru-RU" sz="1800" i="1">
+                                <a:effectLst/>
+                                <a:latin typeface="Cambria Math" panose="02040503050406030204" pitchFamily="18" charset="0"/>
+                                <a:ea typeface="Times New Roman" panose="02020603050405020304" pitchFamily="18" charset="0"/>
+                                <a:cs typeface="Times New Roman" panose="02020603050405020304" pitchFamily="18" charset="0"/>
+                              </a:rPr>
+                              <m:t>%</m:t>
+                            </m:r>
+                          </m:sub>
+                        </m:sSub>
+                      </m:num>
+                      <m:den>
+                        <m:r>
+                          <a:rPr lang="ru-RU" sz="1800" i="1">
+                            <a:effectLst/>
+                            <a:latin typeface="Cambria Math" panose="02040503050406030204" pitchFamily="18" charset="0"/>
+                            <a:ea typeface="Calibri" panose="020F0502020204030204" pitchFamily="34" charset="0"/>
+                            <a:cs typeface="Times New Roman" panose="02020603050405020304" pitchFamily="18" charset="0"/>
+                          </a:rPr>
+                          <m:t>Размер выборк</m:t>
+                        </m:r>
+                        <m:sSub>
+                          <m:sSubPr>
+                            <m:ctrlPr>
+                              <a:rPr lang="ru-RU" sz="1800" i="1">
+                                <a:effectLst/>
+                                <a:latin typeface="Cambria Math" panose="02040503050406030204" pitchFamily="18" charset="0"/>
+                                <a:ea typeface="Calibri" panose="020F0502020204030204" pitchFamily="34" charset="0"/>
+                                <a:cs typeface="Times New Roman" panose="02020603050405020304" pitchFamily="18" charset="0"/>
+                              </a:rPr>
+                            </m:ctrlPr>
+                          </m:sSubPr>
+                          <m:e>
+                            <m:r>
+                              <a:rPr lang="ru-RU" sz="1800" i="1">
+                                <a:effectLst/>
+                                <a:latin typeface="Cambria Math" panose="02040503050406030204" pitchFamily="18" charset="0"/>
+                                <a:ea typeface="Calibri" panose="020F0502020204030204" pitchFamily="34" charset="0"/>
+                                <a:cs typeface="Times New Roman" panose="02020603050405020304" pitchFamily="18" charset="0"/>
+                              </a:rPr>
+                              <m:t>и</m:t>
+                            </m:r>
+                          </m:e>
+                          <m:sub>
+                            <m:r>
+                              <a:rPr lang="en-US" sz="1800" i="1">
+                                <a:effectLst/>
+                                <a:latin typeface="Cambria Math" panose="02040503050406030204" pitchFamily="18" charset="0"/>
+                                <a:ea typeface="Calibri" panose="020F0502020204030204" pitchFamily="34" charset="0"/>
+                                <a:cs typeface="Times New Roman" panose="02020603050405020304" pitchFamily="18" charset="0"/>
+                              </a:rPr>
+                              <m:t>𝐾</m:t>
+                            </m:r>
+                            <m:r>
+                              <a:rPr lang="ru-RU" sz="1800" i="1">
+                                <a:effectLst/>
+                                <a:latin typeface="Cambria Math" panose="02040503050406030204" pitchFamily="18" charset="0"/>
+                                <a:ea typeface="Calibri" panose="020F0502020204030204" pitchFamily="34" charset="0"/>
+                                <a:cs typeface="Times New Roman" panose="02020603050405020304" pitchFamily="18" charset="0"/>
+                              </a:rPr>
+                              <m:t>%</m:t>
+                            </m:r>
+                          </m:sub>
+                        </m:sSub>
+                      </m:den>
+                    </m:f>
+                  </m:oMath>
+                </a14:m>
+                <a:r>
+                  <a:rPr lang="ru-RU" sz="1800" dirty="0">
+                    <a:effectLst/>
+                    <a:latin typeface="Calibri" panose="020F0502020204030204" pitchFamily="34" charset="0"/>
+                    <a:ea typeface="Times New Roman" panose="02020603050405020304" pitchFamily="18" charset="0"/>
+                    <a:cs typeface="Times New Roman" panose="02020603050405020304" pitchFamily="18" charset="0"/>
+                  </a:rPr>
+                  <a:t>.</a:t>
+                </a:r>
+              </a:p>
+              <a:p>
+                <a:pPr marL="0" indent="0" algn="ctr">
+                  <a:lnSpc>
+                    <a:spcPct val="107000"/>
+                  </a:lnSpc>
+                  <a:spcAft>
+                    <a:spcPts val="800"/>
+                  </a:spcAft>
+                  <a:buNone/>
+                </a:pPr>
+                <a:endParaRPr lang="ru-RU" sz="1800" dirty="0">
+                  <a:effectLst/>
+                  <a:latin typeface="Calibri" panose="020F0502020204030204" pitchFamily="34" charset="0"/>
+                  <a:ea typeface="Calibri" panose="020F0502020204030204" pitchFamily="34" charset="0"/>
+                  <a:cs typeface="Times New Roman" panose="02020603050405020304" pitchFamily="18" charset="0"/>
+                </a:endParaRPr>
+              </a:p>
+              <a:p>
+                <a:r>
+                  <a:rPr lang="ru-RU" sz="1800" dirty="0">
+                    <a:latin typeface="Times New Roman" panose="02020603050405020304" pitchFamily="18" charset="0"/>
+                  </a:rPr>
+                  <a:t>Средний взвешенный</a:t>
+                </a:r>
+                <a:r>
+                  <a:rPr lang="en-US" sz="1800" dirty="0">
+                    <a:latin typeface="Times New Roman" panose="02020603050405020304" pitchFamily="18" charset="0"/>
+                  </a:rPr>
+                  <a:t> </a:t>
+                </a:r>
+                <a:r>
+                  <a:rPr lang="en-US" sz="1800" dirty="0" err="1">
+                    <a:latin typeface="Times New Roman" panose="02020603050405020304" pitchFamily="18" charset="0"/>
+                  </a:rPr>
+                  <a:t>UpLift</a:t>
+                </a:r>
+                <a:r>
+                  <a:rPr lang="en-US" sz="1800" dirty="0">
+                    <a:latin typeface="Times New Roman" panose="02020603050405020304" pitchFamily="18" charset="0"/>
+                  </a:rPr>
+                  <a:t> (Weighted Average </a:t>
+                </a:r>
+                <a:r>
+                  <a:rPr lang="en-US" sz="1800" dirty="0" err="1">
+                    <a:latin typeface="Times New Roman" panose="02020603050405020304" pitchFamily="18" charset="0"/>
+                  </a:rPr>
+                  <a:t>UpLift</a:t>
+                </a:r>
+                <a:r>
+                  <a:rPr lang="en-US" sz="1800" dirty="0">
+                    <a:latin typeface="Times New Roman" panose="02020603050405020304" pitchFamily="18" charset="0"/>
+                  </a:rPr>
+                  <a:t>):</a:t>
+                </a:r>
+              </a:p>
+              <a:p>
+                <a:pPr marL="0" indent="0" algn="ctr">
+                  <a:lnSpc>
+                    <a:spcPct val="107000"/>
+                  </a:lnSpc>
+                  <a:spcAft>
+                    <a:spcPts val="800"/>
+                  </a:spcAft>
+                  <a:buNone/>
+                </a:pPr>
+                <a:r>
+                  <a:rPr lang="en-US" sz="1800" dirty="0">
+                    <a:latin typeface="Times New Roman" panose="02020603050405020304" pitchFamily="18" charset="0"/>
+                  </a:rPr>
+                  <a:t>	</a:t>
+                </a:r>
+                <a14:m>
+                  <m:oMath xmlns:m="http://schemas.openxmlformats.org/officeDocument/2006/math">
+                    <m:r>
+                      <a:rPr lang="ru-RU" sz="1800" i="1" smtClean="0">
+                        <a:effectLst/>
+                        <a:latin typeface="Cambria Math" panose="02040503050406030204" pitchFamily="18" charset="0"/>
+                        <a:ea typeface="Calibri" panose="020F0502020204030204" pitchFamily="34" charset="0"/>
+                        <a:cs typeface="Times New Roman" panose="02020603050405020304" pitchFamily="18" charset="0"/>
+                      </a:rPr>
+                      <m:t>𝑊𝐴𝑈</m:t>
+                    </m:r>
+                    <m:r>
+                      <a:rPr lang="ru-RU" sz="1800" i="1" smtClean="0">
+                        <a:effectLst/>
+                        <a:latin typeface="Cambria Math" panose="02040503050406030204" pitchFamily="18" charset="0"/>
+                        <a:ea typeface="Calibri" panose="020F0502020204030204" pitchFamily="34" charset="0"/>
+                        <a:cs typeface="Times New Roman" panose="02020603050405020304" pitchFamily="18" charset="0"/>
+                      </a:rPr>
+                      <m:t>=</m:t>
+                    </m:r>
+                    <m:f>
+                      <m:fPr>
+                        <m:ctrlPr>
+                          <a:rPr lang="ru-RU" sz="1800" i="1">
+                            <a:effectLst/>
+                            <a:latin typeface="Cambria Math" panose="02040503050406030204" pitchFamily="18" charset="0"/>
+                            <a:ea typeface="Calibri" panose="020F0502020204030204" pitchFamily="34" charset="0"/>
+                            <a:cs typeface="Times New Roman" panose="02020603050405020304" pitchFamily="18" charset="0"/>
+                          </a:rPr>
+                        </m:ctrlPr>
+                      </m:fPr>
+                      <m:num>
+                        <m:nary>
+                          <m:naryPr>
+                            <m:chr m:val="∑"/>
+                            <m:limLoc m:val="undOvr"/>
+                            <m:ctrlPr>
+                              <a:rPr lang="ru-RU" sz="1800" i="1">
+                                <a:effectLst/>
+                                <a:latin typeface="Cambria Math" panose="02040503050406030204" pitchFamily="18" charset="0"/>
+                                <a:ea typeface="Calibri" panose="020F0502020204030204" pitchFamily="34" charset="0"/>
+                                <a:cs typeface="Times New Roman" panose="02020603050405020304" pitchFamily="18" charset="0"/>
+                              </a:rPr>
+                            </m:ctrlPr>
+                          </m:naryPr>
+                          <m:sub>
+                            <m:r>
+                              <a:rPr lang="ru-RU" sz="1800" i="1">
+                                <a:effectLst/>
+                                <a:latin typeface="Cambria Math" panose="02040503050406030204" pitchFamily="18" charset="0"/>
+                                <a:ea typeface="Calibri" panose="020F0502020204030204" pitchFamily="34" charset="0"/>
+                                <a:cs typeface="Times New Roman" panose="02020603050405020304" pitchFamily="18" charset="0"/>
+                              </a:rPr>
+                              <m:t>𝑖</m:t>
+                            </m:r>
+                            <m:r>
+                              <a:rPr lang="ru-RU" sz="1800" i="1">
+                                <a:effectLst/>
+                                <a:latin typeface="Cambria Math" panose="02040503050406030204" pitchFamily="18" charset="0"/>
+                                <a:ea typeface="Calibri" panose="020F0502020204030204" pitchFamily="34" charset="0"/>
+                                <a:cs typeface="Times New Roman" panose="02020603050405020304" pitchFamily="18" charset="0"/>
+                              </a:rPr>
+                              <m:t>=1</m:t>
+                            </m:r>
+                          </m:sub>
+                          <m:sup>
+                            <m:r>
+                              <a:rPr lang="ru-RU" sz="1800" i="1">
+                                <a:effectLst/>
+                                <a:latin typeface="Cambria Math" panose="02040503050406030204" pitchFamily="18" charset="0"/>
+                                <a:ea typeface="Calibri" panose="020F0502020204030204" pitchFamily="34" charset="0"/>
+                                <a:cs typeface="Times New Roman" panose="02020603050405020304" pitchFamily="18" charset="0"/>
+                              </a:rPr>
+                              <m:t>𝑘</m:t>
+                            </m:r>
+                          </m:sup>
+                          <m:e>
+                            <m:sSub>
+                              <m:sSubPr>
+                                <m:ctrlPr>
+                                  <a:rPr lang="ru-RU" sz="1800" i="1">
+                                    <a:effectLst/>
+                                    <a:latin typeface="Cambria Math" panose="02040503050406030204" pitchFamily="18" charset="0"/>
+                                    <a:ea typeface="Calibri" panose="020F0502020204030204" pitchFamily="34" charset="0"/>
+                                    <a:cs typeface="Times New Roman" panose="02020603050405020304" pitchFamily="18" charset="0"/>
+                                  </a:rPr>
+                                </m:ctrlPr>
+                              </m:sSubPr>
+                              <m:e>
+                                <m:r>
+                                  <a:rPr lang="ru-RU" sz="1800" i="1">
+                                    <a:effectLst/>
+                                    <a:latin typeface="Cambria Math" panose="02040503050406030204" pitchFamily="18" charset="0"/>
+                                    <a:ea typeface="Calibri" panose="020F0502020204030204" pitchFamily="34" charset="0"/>
+                                    <a:cs typeface="Times New Roman" panose="02020603050405020304" pitchFamily="18" charset="0"/>
+                                  </a:rPr>
+                                  <m:t>𝑁</m:t>
+                                </m:r>
+                              </m:e>
+                              <m:sub>
+                                <m:r>
+                                  <a:rPr lang="ru-RU" sz="1800" i="1">
+                                    <a:effectLst/>
+                                    <a:latin typeface="Cambria Math" panose="02040503050406030204" pitchFamily="18" charset="0"/>
+                                    <a:ea typeface="Calibri" panose="020F0502020204030204" pitchFamily="34" charset="0"/>
+                                    <a:cs typeface="Times New Roman" panose="02020603050405020304" pitchFamily="18" charset="0"/>
+                                  </a:rPr>
+                                  <m:t>𝑖</m:t>
+                                </m:r>
+                              </m:sub>
+                            </m:sSub>
+                            <m:r>
+                              <a:rPr lang="ru-RU" sz="1800" i="1">
+                                <a:effectLst/>
+                                <a:latin typeface="Cambria Math" panose="02040503050406030204" pitchFamily="18" charset="0"/>
+                                <a:ea typeface="Calibri" panose="020F0502020204030204" pitchFamily="34" charset="0"/>
+                                <a:cs typeface="Times New Roman" panose="02020603050405020304" pitchFamily="18" charset="0"/>
+                              </a:rPr>
+                              <m:t>∗</m:t>
+                            </m:r>
+                            <m:r>
+                              <a:rPr lang="ru-RU" sz="1800" i="1">
+                                <a:effectLst/>
+                                <a:latin typeface="Cambria Math" panose="02040503050406030204" pitchFamily="18" charset="0"/>
+                                <a:ea typeface="Calibri" panose="020F0502020204030204" pitchFamily="34" charset="0"/>
+                                <a:cs typeface="Times New Roman" panose="02020603050405020304" pitchFamily="18" charset="0"/>
+                              </a:rPr>
+                              <m:t>𝑈𝑝𝐿𝑖𝑓</m:t>
+                            </m:r>
+                            <m:sSub>
+                              <m:sSubPr>
+                                <m:ctrlPr>
+                                  <a:rPr lang="ru-RU" sz="1800" i="1">
+                                    <a:effectLst/>
+                                    <a:latin typeface="Cambria Math" panose="02040503050406030204" pitchFamily="18" charset="0"/>
+                                    <a:ea typeface="Calibri" panose="020F0502020204030204" pitchFamily="34" charset="0"/>
+                                    <a:cs typeface="Times New Roman" panose="02020603050405020304" pitchFamily="18" charset="0"/>
+                                  </a:rPr>
+                                </m:ctrlPr>
+                              </m:sSubPr>
+                              <m:e>
+                                <m:r>
+                                  <a:rPr lang="ru-RU" sz="1800" i="1">
+                                    <a:effectLst/>
+                                    <a:latin typeface="Cambria Math" panose="02040503050406030204" pitchFamily="18" charset="0"/>
+                                    <a:ea typeface="Calibri" panose="020F0502020204030204" pitchFamily="34" charset="0"/>
+                                    <a:cs typeface="Times New Roman" panose="02020603050405020304" pitchFamily="18" charset="0"/>
+                                  </a:rPr>
+                                  <m:t>𝑡</m:t>
+                                </m:r>
+                              </m:e>
+                              <m:sub>
+                                <m:r>
+                                  <a:rPr lang="ru-RU" sz="1800" i="1">
+                                    <a:effectLst/>
+                                    <a:latin typeface="Cambria Math" panose="02040503050406030204" pitchFamily="18" charset="0"/>
+                                    <a:ea typeface="Calibri" panose="020F0502020204030204" pitchFamily="34" charset="0"/>
+                                    <a:cs typeface="Times New Roman" panose="02020603050405020304" pitchFamily="18" charset="0"/>
+                                  </a:rPr>
+                                  <m:t>𝑖</m:t>
+                                </m:r>
+                              </m:sub>
+                            </m:sSub>
+                          </m:e>
+                        </m:nary>
+                      </m:num>
+                      <m:den>
+                        <m:nary>
+                          <m:naryPr>
+                            <m:chr m:val="∑"/>
+                            <m:limLoc m:val="undOvr"/>
+                            <m:ctrlPr>
+                              <a:rPr lang="ru-RU" sz="1800" i="1">
+                                <a:effectLst/>
+                                <a:latin typeface="Cambria Math" panose="02040503050406030204" pitchFamily="18" charset="0"/>
+                                <a:ea typeface="Calibri" panose="020F0502020204030204" pitchFamily="34" charset="0"/>
+                                <a:cs typeface="Times New Roman" panose="02020603050405020304" pitchFamily="18" charset="0"/>
+                              </a:rPr>
+                            </m:ctrlPr>
+                          </m:naryPr>
+                          <m:sub>
+                            <m:r>
+                              <a:rPr lang="ru-RU" sz="1800" i="1">
+                                <a:effectLst/>
+                                <a:latin typeface="Cambria Math" panose="02040503050406030204" pitchFamily="18" charset="0"/>
+                                <a:ea typeface="Calibri" panose="020F0502020204030204" pitchFamily="34" charset="0"/>
+                                <a:cs typeface="Times New Roman" panose="02020603050405020304" pitchFamily="18" charset="0"/>
+                              </a:rPr>
+                              <m:t>𝑖</m:t>
+                            </m:r>
+                            <m:r>
+                              <a:rPr lang="ru-RU" sz="1800" i="1">
+                                <a:effectLst/>
+                                <a:latin typeface="Cambria Math" panose="02040503050406030204" pitchFamily="18" charset="0"/>
+                                <a:ea typeface="Calibri" panose="020F0502020204030204" pitchFamily="34" charset="0"/>
+                                <a:cs typeface="Times New Roman" panose="02020603050405020304" pitchFamily="18" charset="0"/>
+                              </a:rPr>
+                              <m:t>=1</m:t>
+                            </m:r>
+                          </m:sub>
+                          <m:sup>
+                            <m:r>
+                              <a:rPr lang="ru-RU" sz="1800" i="1">
+                                <a:effectLst/>
+                                <a:latin typeface="Cambria Math" panose="02040503050406030204" pitchFamily="18" charset="0"/>
+                                <a:ea typeface="Calibri" panose="020F0502020204030204" pitchFamily="34" charset="0"/>
+                                <a:cs typeface="Times New Roman" panose="02020603050405020304" pitchFamily="18" charset="0"/>
+                              </a:rPr>
+                              <m:t>𝑘</m:t>
+                            </m:r>
+                          </m:sup>
+                          <m:e>
+                            <m:sSub>
+                              <m:sSubPr>
+                                <m:ctrlPr>
+                                  <a:rPr lang="ru-RU" sz="1800" i="1">
+                                    <a:effectLst/>
+                                    <a:latin typeface="Cambria Math" panose="02040503050406030204" pitchFamily="18" charset="0"/>
+                                    <a:ea typeface="Calibri" panose="020F0502020204030204" pitchFamily="34" charset="0"/>
+                                    <a:cs typeface="Times New Roman" panose="02020603050405020304" pitchFamily="18" charset="0"/>
+                                  </a:rPr>
+                                </m:ctrlPr>
+                              </m:sSubPr>
+                              <m:e>
+                                <m:r>
+                                  <a:rPr lang="ru-RU" sz="1800" i="1">
+                                    <a:effectLst/>
+                                    <a:latin typeface="Cambria Math" panose="02040503050406030204" pitchFamily="18" charset="0"/>
+                                    <a:ea typeface="Calibri" panose="020F0502020204030204" pitchFamily="34" charset="0"/>
+                                    <a:cs typeface="Times New Roman" panose="02020603050405020304" pitchFamily="18" charset="0"/>
+                                  </a:rPr>
+                                  <m:t>𝑁</m:t>
+                                </m:r>
+                              </m:e>
+                              <m:sub>
+                                <m:r>
+                                  <a:rPr lang="ru-RU" sz="1800" i="1">
+                                    <a:effectLst/>
+                                    <a:latin typeface="Cambria Math" panose="02040503050406030204" pitchFamily="18" charset="0"/>
+                                    <a:ea typeface="Calibri" panose="020F0502020204030204" pitchFamily="34" charset="0"/>
+                                    <a:cs typeface="Times New Roman" panose="02020603050405020304" pitchFamily="18" charset="0"/>
+                                  </a:rPr>
+                                  <m:t>𝑖</m:t>
+                                </m:r>
+                              </m:sub>
+                            </m:sSub>
+                          </m:e>
+                        </m:nary>
+                      </m:den>
+                    </m:f>
+                  </m:oMath>
+                </a14:m>
+                <a:r>
+                  <a:rPr lang="ru-RU" sz="1800" dirty="0">
+                    <a:effectLst/>
+                    <a:latin typeface="Calibri" panose="020F0502020204030204" pitchFamily="34" charset="0"/>
+                    <a:ea typeface="Times New Roman" panose="02020603050405020304" pitchFamily="18" charset="0"/>
+                    <a:cs typeface="Times New Roman" panose="02020603050405020304" pitchFamily="18" charset="0"/>
+                  </a:rPr>
+                  <a:t>,  </a:t>
+                </a:r>
+              </a:p>
+              <a:p>
+                <a:pPr marL="0" indent="0" algn="ctr">
+                  <a:lnSpc>
+                    <a:spcPct val="107000"/>
+                  </a:lnSpc>
+                  <a:spcAft>
+                    <a:spcPts val="800"/>
+                  </a:spcAft>
+                  <a:buNone/>
+                </a:pPr>
+                <a:r>
+                  <a:rPr lang="ru-RU" sz="1800" dirty="0">
+                    <a:effectLst/>
+                    <a:latin typeface="Times New Roman" panose="02020603050405020304" pitchFamily="18" charset="0"/>
+                    <a:ea typeface="Calibri" panose="020F0502020204030204" pitchFamily="34" charset="0"/>
+                    <a:cs typeface="Times New Roman" panose="02020603050405020304" pitchFamily="18" charset="0"/>
+                  </a:rPr>
+                  <a:t>где</a:t>
+                </a:r>
+                <a:r>
+                  <a:rPr lang="ru-RU" sz="1800" dirty="0">
+                    <a:effectLst/>
+                    <a:latin typeface="Calibri" panose="020F0502020204030204" pitchFamily="34" charset="0"/>
+                    <a:ea typeface="Times New Roman" panose="02020603050405020304" pitchFamily="18" charset="0"/>
+                    <a:cs typeface="Times New Roman" panose="02020603050405020304" pitchFamily="18" charset="0"/>
+                  </a:rPr>
+                  <a:t> </a:t>
+                </a:r>
+                <a14:m>
+                  <m:oMath xmlns:m="http://schemas.openxmlformats.org/officeDocument/2006/math">
+                    <m:sSub>
+                      <m:sSubPr>
+                        <m:ctrlPr>
+                          <a:rPr lang="ru-RU" sz="1800" i="1">
+                            <a:effectLst/>
+                            <a:latin typeface="Cambria Math" panose="02040503050406030204" pitchFamily="18" charset="0"/>
+                            <a:ea typeface="Calibri" panose="020F0502020204030204" pitchFamily="34" charset="0"/>
+                            <a:cs typeface="Times New Roman" panose="02020603050405020304" pitchFamily="18" charset="0"/>
+                          </a:rPr>
+                        </m:ctrlPr>
+                      </m:sSubPr>
+                      <m:e>
+                        <m:r>
+                          <a:rPr lang="ru-RU" sz="1800" i="1">
+                            <a:effectLst/>
+                            <a:latin typeface="Cambria Math" panose="02040503050406030204" pitchFamily="18" charset="0"/>
+                            <a:ea typeface="Calibri" panose="020F0502020204030204" pitchFamily="34" charset="0"/>
+                            <a:cs typeface="Times New Roman" panose="02020603050405020304" pitchFamily="18" charset="0"/>
+                          </a:rPr>
+                          <m:t>𝑁</m:t>
+                        </m:r>
+                      </m:e>
+                      <m:sub>
+                        <m:r>
+                          <a:rPr lang="ru-RU" sz="1800" i="1">
+                            <a:effectLst/>
+                            <a:latin typeface="Cambria Math" panose="02040503050406030204" pitchFamily="18" charset="0"/>
+                            <a:ea typeface="Calibri" panose="020F0502020204030204" pitchFamily="34" charset="0"/>
+                            <a:cs typeface="Times New Roman" panose="02020603050405020304" pitchFamily="18" charset="0"/>
+                          </a:rPr>
+                          <m:t>𝑖</m:t>
+                        </m:r>
+                      </m:sub>
+                    </m:sSub>
+                    <m:r>
+                      <a:rPr lang="ru-RU" sz="1800" i="1">
+                        <a:effectLst/>
+                        <a:latin typeface="Cambria Math" panose="02040503050406030204" pitchFamily="18" charset="0"/>
+                        <a:ea typeface="Calibri" panose="020F0502020204030204" pitchFamily="34" charset="0"/>
+                        <a:cs typeface="Times New Roman" panose="02020603050405020304" pitchFamily="18" charset="0"/>
+                      </a:rPr>
+                      <m:t>−размер рабочей выборки </m:t>
+                    </m:r>
+                    <m:r>
+                      <a:rPr lang="ru-RU" sz="1800">
+                        <a:effectLst/>
+                        <a:latin typeface="Cambria Math" panose="02040503050406030204" pitchFamily="18" charset="0"/>
+                        <a:ea typeface="Times New Roman" panose="02020603050405020304" pitchFamily="18" charset="0"/>
+                        <a:cs typeface="Times New Roman" panose="02020603050405020304" pitchFamily="18" charset="0"/>
+                      </a:rPr>
+                      <m:t>на </m:t>
+                    </m:r>
+                    <m:r>
+                      <m:rPr>
+                        <m:sty m:val="p"/>
+                      </m:rPr>
+                      <a:rPr lang="en-US" sz="1800">
+                        <a:effectLst/>
+                        <a:latin typeface="Cambria Math" panose="02040503050406030204" pitchFamily="18" charset="0"/>
+                        <a:ea typeface="Times New Roman" panose="02020603050405020304" pitchFamily="18" charset="0"/>
+                        <a:cs typeface="Times New Roman" panose="02020603050405020304" pitchFamily="18" charset="0"/>
+                      </a:rPr>
+                      <m:t>i</m:t>
+                    </m:r>
+                    <m:r>
+                      <a:rPr lang="ru-RU" sz="1800" i="1">
+                        <a:effectLst/>
+                        <a:latin typeface="Cambria Math" panose="02040503050406030204" pitchFamily="18" charset="0"/>
+                        <a:ea typeface="Times New Roman" panose="02020603050405020304" pitchFamily="18" charset="0"/>
+                        <a:cs typeface="Times New Roman" panose="02020603050405020304" pitchFamily="18" charset="0"/>
+                      </a:rPr>
+                      <m:t>−</m:t>
+                    </m:r>
+                    <m:r>
+                      <a:rPr lang="ru-RU" sz="1800">
+                        <a:effectLst/>
+                        <a:latin typeface="Cambria Math" panose="02040503050406030204" pitchFamily="18" charset="0"/>
+                        <a:ea typeface="Times New Roman" panose="02020603050405020304" pitchFamily="18" charset="0"/>
+                        <a:cs typeface="Times New Roman" panose="02020603050405020304" pitchFamily="18" charset="0"/>
+                      </a:rPr>
+                      <m:t>м интервале, </m:t>
+                    </m:r>
+                  </m:oMath>
+                </a14:m>
+                <a:endParaRPr lang="ru-RU" sz="1800" dirty="0">
+                  <a:effectLst/>
+                  <a:latin typeface="Calibri" panose="020F0502020204030204" pitchFamily="34" charset="0"/>
+                  <a:ea typeface="Calibri" panose="020F0502020204030204" pitchFamily="34" charset="0"/>
+                  <a:cs typeface="Times New Roman" panose="02020603050405020304" pitchFamily="18" charset="0"/>
+                </a:endParaRPr>
+              </a:p>
+              <a:p>
+                <a:pPr marL="0" indent="0">
+                  <a:lnSpc>
+                    <a:spcPct val="107000"/>
+                  </a:lnSpc>
+                  <a:spcAft>
+                    <a:spcPts val="800"/>
+                  </a:spcAft>
+                  <a:buNone/>
+                </a:pPr>
+                <a14:m>
+                  <m:oMathPara xmlns:m="http://schemas.openxmlformats.org/officeDocument/2006/math">
+                    <m:oMathParaPr>
+                      <m:jc m:val="centerGroup"/>
+                    </m:oMathParaPr>
+                    <m:oMath xmlns:m="http://schemas.openxmlformats.org/officeDocument/2006/math">
+                      <m:r>
+                        <a:rPr lang="ru-RU" sz="1800" i="1">
+                          <a:effectLst/>
+                          <a:latin typeface="Cambria Math" panose="02040503050406030204" pitchFamily="18" charset="0"/>
+                          <a:ea typeface="Calibri" panose="020F0502020204030204" pitchFamily="34" charset="0"/>
+                          <a:cs typeface="Times New Roman" panose="02020603050405020304" pitchFamily="18" charset="0"/>
+                        </a:rPr>
+                        <m:t>  </m:t>
+                      </m:r>
+                      <m:r>
+                        <a:rPr lang="ru-RU" sz="1800" i="1">
+                          <a:effectLst/>
+                          <a:latin typeface="Cambria Math" panose="02040503050406030204" pitchFamily="18" charset="0"/>
+                          <a:ea typeface="Calibri" panose="020F0502020204030204" pitchFamily="34" charset="0"/>
+                          <a:cs typeface="Times New Roman" panose="02020603050405020304" pitchFamily="18" charset="0"/>
+                        </a:rPr>
+                        <m:t>𝑈𝑝𝐿𝑖𝑓</m:t>
+                      </m:r>
+                      <m:sSub>
+                        <m:sSubPr>
+                          <m:ctrlPr>
+                            <a:rPr lang="ru-RU" sz="1800" i="1">
+                              <a:effectLst/>
+                              <a:latin typeface="Cambria Math" panose="02040503050406030204" pitchFamily="18" charset="0"/>
+                              <a:ea typeface="Calibri" panose="020F0502020204030204" pitchFamily="34" charset="0"/>
+                              <a:cs typeface="Times New Roman" panose="02020603050405020304" pitchFamily="18" charset="0"/>
+                            </a:rPr>
+                          </m:ctrlPr>
+                        </m:sSubPr>
+                        <m:e>
+                          <m:r>
+                            <a:rPr lang="ru-RU" sz="1800" i="1">
+                              <a:effectLst/>
+                              <a:latin typeface="Cambria Math" panose="02040503050406030204" pitchFamily="18" charset="0"/>
+                              <a:ea typeface="Calibri" panose="020F0502020204030204" pitchFamily="34" charset="0"/>
+                              <a:cs typeface="Times New Roman" panose="02020603050405020304" pitchFamily="18" charset="0"/>
+                            </a:rPr>
+                            <m:t>𝑡</m:t>
+                          </m:r>
+                        </m:e>
+                        <m:sub>
+                          <m:r>
+                            <a:rPr lang="ru-RU" sz="1800" i="1">
+                              <a:effectLst/>
+                              <a:latin typeface="Cambria Math" panose="02040503050406030204" pitchFamily="18" charset="0"/>
+                              <a:ea typeface="Calibri" panose="020F0502020204030204" pitchFamily="34" charset="0"/>
+                              <a:cs typeface="Times New Roman" panose="02020603050405020304" pitchFamily="18" charset="0"/>
+                            </a:rPr>
+                            <m:t>𝑖</m:t>
+                          </m:r>
+                        </m:sub>
+                      </m:sSub>
+                      <m:r>
+                        <a:rPr lang="ru-RU" sz="1800" b="0" i="1" smtClean="0">
+                          <a:effectLst/>
+                          <a:latin typeface="Cambria Math" panose="02040503050406030204" pitchFamily="18" charset="0"/>
+                          <a:ea typeface="Calibri" panose="020F0502020204030204" pitchFamily="34" charset="0"/>
+                          <a:cs typeface="Times New Roman" panose="02020603050405020304" pitchFamily="18" charset="0"/>
+                        </a:rPr>
+                        <m:t>−разность конверсий</m:t>
+                      </m:r>
+                      <m:r>
+                        <a:rPr lang="en-US" sz="1800" i="1">
+                          <a:effectLst/>
+                          <a:latin typeface="Cambria Math" panose="02040503050406030204" pitchFamily="18" charset="0"/>
+                          <a:ea typeface="Calibri" panose="020F0502020204030204" pitchFamily="34" charset="0"/>
+                          <a:cs typeface="Times New Roman" panose="02020603050405020304" pitchFamily="18" charset="0"/>
+                        </a:rPr>
+                        <m:t> </m:t>
+                      </m:r>
+                      <m:r>
+                        <a:rPr lang="ru-RU" sz="1800" i="1">
+                          <a:effectLst/>
+                          <a:latin typeface="Cambria Math" panose="02040503050406030204" pitchFamily="18" charset="0"/>
+                          <a:ea typeface="Calibri" panose="020F0502020204030204" pitchFamily="34" charset="0"/>
+                          <a:cs typeface="Times New Roman" panose="02020603050405020304" pitchFamily="18" charset="0"/>
+                        </a:rPr>
+                        <m:t>на </m:t>
+                      </m:r>
+                      <m:r>
+                        <a:rPr lang="en-US" sz="1800" i="1">
+                          <a:effectLst/>
+                          <a:latin typeface="Cambria Math" panose="02040503050406030204" pitchFamily="18" charset="0"/>
+                          <a:ea typeface="Calibri" panose="020F0502020204030204" pitchFamily="34" charset="0"/>
+                          <a:cs typeface="Times New Roman" panose="02020603050405020304" pitchFamily="18" charset="0"/>
+                        </a:rPr>
+                        <m:t>𝑖</m:t>
+                      </m:r>
+                      <m:r>
+                        <a:rPr lang="en-US" sz="1800" i="1">
+                          <a:effectLst/>
+                          <a:latin typeface="Cambria Math" panose="02040503050406030204" pitchFamily="18" charset="0"/>
+                          <a:ea typeface="Calibri" panose="020F0502020204030204" pitchFamily="34" charset="0"/>
+                          <a:cs typeface="Times New Roman" panose="02020603050405020304" pitchFamily="18" charset="0"/>
+                        </a:rPr>
+                        <m:t>−м интерв</m:t>
+                      </m:r>
+                      <m:r>
+                        <a:rPr lang="ru-RU" sz="1800" i="1">
+                          <a:effectLst/>
+                          <a:latin typeface="Cambria Math" panose="02040503050406030204" pitchFamily="18" charset="0"/>
+                          <a:ea typeface="Calibri" panose="020F0502020204030204" pitchFamily="34" charset="0"/>
+                          <a:cs typeface="Times New Roman" panose="02020603050405020304" pitchFamily="18" charset="0"/>
+                        </a:rPr>
+                        <m:t>але процент</m:t>
+                      </m:r>
+                      <m:r>
+                        <a:rPr lang="ru-RU" sz="1800" b="0" i="1" smtClean="0">
+                          <a:effectLst/>
+                          <a:latin typeface="Cambria Math" panose="02040503050406030204" pitchFamily="18" charset="0"/>
+                          <a:ea typeface="Calibri" panose="020F0502020204030204" pitchFamily="34" charset="0"/>
+                          <a:cs typeface="Times New Roman" panose="02020603050405020304" pitchFamily="18" charset="0"/>
+                        </a:rPr>
+                        <m:t>илей (0%−10%, 11%−20% и т.д.).</m:t>
+                      </m:r>
+                    </m:oMath>
+                  </m:oMathPara>
+                </a14:m>
+                <a:endParaRPr lang="ru-RU" sz="1800" dirty="0">
+                  <a:effectLst/>
+                  <a:latin typeface="Calibri" panose="020F0502020204030204" pitchFamily="34" charset="0"/>
+                  <a:ea typeface="Calibri" panose="020F0502020204030204" pitchFamily="34" charset="0"/>
+                  <a:cs typeface="Times New Roman" panose="02020603050405020304" pitchFamily="18" charset="0"/>
+                </a:endParaRPr>
+              </a:p>
+              <a:p>
+                <a:pPr marL="0" indent="0">
+                  <a:buNone/>
+                </a:pPr>
+                <a:endParaRPr lang="ru-RU" sz="2000" dirty="0">
+                  <a:latin typeface="Times New Roman" panose="02020603050405020304" pitchFamily="18" charset="0"/>
+                </a:endParaRPr>
+              </a:p>
+              <a:p>
+                <a:pPr marL="0" indent="0">
+                  <a:buNone/>
+                </a:pPr>
+                <a:endParaRPr lang="ru-RU" sz="2000" dirty="0"/>
+              </a:p>
+            </p:txBody>
+          </p:sp>
+        </mc:Choice>
+        <mc:Fallback>
+          <p:sp>
+            <p:nvSpPr>
+              <p:cNvPr id="3" name="Объект 2">
+                <a:extLst>
+                  <a:ext uri="{FF2B5EF4-FFF2-40B4-BE49-F238E27FC236}">
+                    <a16:creationId xmlns:a16="http://schemas.microsoft.com/office/drawing/2014/main" id="{1B51B6F4-B8E4-B3BC-7BFD-0430AC731246}"/>
+                  </a:ext>
+                </a:extLst>
+              </p:cNvPr>
+              <p:cNvSpPr>
+                <a:spLocks noGrp="1" noRot="1" noChangeAspect="1" noMove="1" noResize="1" noEditPoints="1" noAdjustHandles="1" noChangeArrowheads="1" noChangeShapeType="1" noTextEdit="1"/>
+              </p:cNvSpPr>
+              <p:nvPr>
+                <p:ph idx="1"/>
+              </p:nvPr>
+            </p:nvSpPr>
+            <p:spPr>
+              <a:xfrm>
+                <a:off x="961293" y="1157408"/>
+                <a:ext cx="10515600" cy="4920663"/>
+              </a:xfrm>
+              <a:blipFill>
+                <a:blip r:embed="rId3"/>
+                <a:stretch>
+                  <a:fillRect l="-406" t="-1239"/>
+                </a:stretch>
+              </a:blipFill>
+            </p:spPr>
+            <p:txBody>
+              <a:bodyPr/>
+              <a:lstStyle/>
+              <a:p>
+                <a:r>
+                  <a:rPr lang="ru-RU">
+                    <a:noFill/>
+                  </a:rPr>
+                  <a:t> </a:t>
+                </a:r>
+              </a:p>
+            </p:txBody>
+          </p:sp>
+        </mc:Fallback>
+      </mc:AlternateContent>
+      <p:sp>
+        <p:nvSpPr>
+          <p:cNvPr id="6" name="Полилиния: фигура 5">
+            <a:extLst>
+              <a:ext uri="{FF2B5EF4-FFF2-40B4-BE49-F238E27FC236}">
+                <a16:creationId xmlns:a16="http://schemas.microsoft.com/office/drawing/2014/main" id="{7F968041-80F6-C1F0-7974-A6273DC5A875}"/>
+              </a:ext>
+            </a:extLst>
+          </p:cNvPr>
+          <p:cNvSpPr/>
+          <p:nvPr/>
+        </p:nvSpPr>
+        <p:spPr>
+          <a:xfrm>
+            <a:off x="170754" y="1792941"/>
+            <a:ext cx="3513740" cy="3074894"/>
+          </a:xfrm>
+          <a:custGeom>
+            <a:avLst/>
+            <a:gdLst>
+              <a:gd name="connsiteX0" fmla="*/ 1120164 w 3513740"/>
+              <a:gd name="connsiteY0" fmla="*/ 3074894 h 3074894"/>
+              <a:gd name="connsiteX1" fmla="*/ 116117 w 3513740"/>
+              <a:gd name="connsiteY1" fmla="*/ 1219200 h 3074894"/>
+              <a:gd name="connsiteX2" fmla="*/ 3513740 w 3513740"/>
+              <a:gd name="connsiteY2" fmla="*/ 0 h 3074894"/>
+            </a:gdLst>
+            <a:ahLst/>
+            <a:cxnLst>
+              <a:cxn ang="0">
+                <a:pos x="connsiteX0" y="connsiteY0"/>
+              </a:cxn>
+              <a:cxn ang="0">
+                <a:pos x="connsiteX1" y="connsiteY1"/>
+              </a:cxn>
+              <a:cxn ang="0">
+                <a:pos x="connsiteX2" y="connsiteY2"/>
+              </a:cxn>
+            </a:cxnLst>
+            <a:rect l="l" t="t" r="r" b="b"/>
+            <a:pathLst>
+              <a:path w="3513740" h="3074894">
+                <a:moveTo>
+                  <a:pt x="1120164" y="3074894"/>
+                </a:moveTo>
+                <a:cubicBezTo>
+                  <a:pt x="418676" y="2403288"/>
+                  <a:pt x="-282812" y="1731682"/>
+                  <a:pt x="116117" y="1219200"/>
+                </a:cubicBezTo>
+                <a:cubicBezTo>
+                  <a:pt x="515046" y="706718"/>
+                  <a:pt x="2014393" y="353359"/>
+                  <a:pt x="3513740" y="0"/>
+                </a:cubicBezTo>
+              </a:path>
+            </a:pathLst>
+          </a:custGeom>
+          <a:noFill/>
+          <a:ln>
+            <a:headEnd type="triangle"/>
+          </a:ln>
+        </p:spPr>
+        <p:style>
+          <a:lnRef idx="2">
+            <a:schemeClr val="accent1">
+              <a:shade val="50000"/>
+            </a:schemeClr>
+          </a:lnRef>
+          <a:fillRef idx="1">
+            <a:schemeClr val="accent1"/>
+          </a:fillRef>
+          <a:effectRef idx="0">
+            <a:schemeClr val="accent1"/>
+          </a:effectRef>
+          <a:fontRef idx="minor">
+            <a:schemeClr val="lt1"/>
+          </a:fontRef>
+        </p:style>
+        <p:txBody>
+          <a:bodyPr rtlCol="0" anchor="ctr"/>
+          <a:lstStyle/>
+          <a:p>
+            <a:pPr algn="ctr"/>
+            <a:endParaRPr lang="ru-RU"/>
+          </a:p>
+        </p:txBody>
+      </p:sp>
+      <p:sp>
+        <p:nvSpPr>
+          <p:cNvPr id="8" name="Номер слайда 7">
+            <a:extLst>
+              <a:ext uri="{FF2B5EF4-FFF2-40B4-BE49-F238E27FC236}">
+                <a16:creationId xmlns:a16="http://schemas.microsoft.com/office/drawing/2014/main" id="{8A93A7E9-406E-F4B2-B6D4-423A68518202}"/>
+              </a:ext>
+            </a:extLst>
+          </p:cNvPr>
+          <p:cNvSpPr>
+            <a:spLocks noGrp="1"/>
+          </p:cNvSpPr>
+          <p:nvPr>
+            <p:ph type="sldNum" sz="quarter" idx="12"/>
+          </p:nvPr>
+        </p:nvSpPr>
+        <p:spPr/>
+        <p:txBody>
+          <a:bodyPr/>
+          <a:lstStyle/>
+          <a:p>
+            <a:fld id="{DD52A6CB-90DA-4351-BF49-99661FABD7B0}" type="slidenum">
+              <a:rPr lang="ru-RU" sz="2000" smtClean="0"/>
+              <a:t>5</a:t>
+            </a:fld>
+            <a:endParaRPr lang="ru-RU" sz="2000" dirty="0"/>
+          </a:p>
+        </p:txBody>
+      </p:sp>
+    </p:spTree>
+    <p:extLst>
+      <p:ext uri="{BB962C8B-B14F-4D97-AF65-F5344CB8AC3E}">
+        <p14:creationId xmlns:p14="http://schemas.microsoft.com/office/powerpoint/2010/main" val="4282141600"/>
+      </p:ext>
+    </p:extLst>
+  </p:cSld>
+  <p:clrMapOvr>
+    <a:masterClrMapping/>
+  </p:clrMapOvr>
+</p:sld>
+</file>
+
+<file path=ppt/slides/slide6.xml><?xml version="1.0" encoding="utf-8"?>
+<p:sld xmlns:a="http://schemas.openxmlformats.org/drawingml/2006/main" xmlns:r="http://schemas.openxmlformats.org/officeDocument/2006/relationships" xmlns:p="http://schemas.openxmlformats.org/presentationml/2006/main">
+  <p:cSld>
+    <p:spTree>
+      <p:nvGrpSpPr>
+        <p:cNvPr id="1" name=""/>
+        <p:cNvGrpSpPr/>
+        <p:nvPr/>
+      </p:nvGrpSpPr>
+      <p:grpSpPr>
+        <a:xfrm>
+          <a:off x="0" y="0"/>
+          <a:ext cx="0" cy="0"/>
+          <a:chOff x="0" y="0"/>
+          <a:chExt cx="0" cy="0"/>
+        </a:xfrm>
+      </p:grpSpPr>
+      <p:sp>
+        <p:nvSpPr>
+          <p:cNvPr id="2" name="Заголовок 1">
+            <a:extLst>
+              <a:ext uri="{FF2B5EF4-FFF2-40B4-BE49-F238E27FC236}">
+                <a16:creationId xmlns:a16="http://schemas.microsoft.com/office/drawing/2014/main" id="{A71A4107-51FC-FB11-A7DB-DD47B7B58BE8}"/>
+              </a:ext>
+            </a:extLst>
+          </p:cNvPr>
+          <p:cNvSpPr>
+            <a:spLocks noGrp="1"/>
+          </p:cNvSpPr>
+          <p:nvPr>
+            <p:ph type="title"/>
+          </p:nvPr>
+        </p:nvSpPr>
+        <p:spPr>
+          <a:xfrm>
+            <a:off x="838200" y="118941"/>
+            <a:ext cx="10515600" cy="461352"/>
+          </a:xfrm>
+        </p:spPr>
+        <p:txBody>
+          <a:bodyPr>
+            <a:noAutofit/>
+          </a:bodyPr>
+          <a:lstStyle/>
+          <a:p>
+            <a:r>
+              <a:rPr lang="ru-RU" sz="4000" dirty="0">
+                <a:latin typeface="Times New Roman" panose="02020603050405020304" pitchFamily="18" charset="0"/>
+                <a:cs typeface="Times New Roman" panose="02020603050405020304" pitchFamily="18" charset="0"/>
+              </a:rPr>
+              <a:t>Метрики качества - 2</a:t>
+            </a:r>
+          </a:p>
+        </p:txBody>
+      </p:sp>
+      <mc:AlternateContent xmlns:mc="http://schemas.openxmlformats.org/markup-compatibility/2006">
+        <mc:Choice xmlns:a14="http://schemas.microsoft.com/office/drawing/2010/main" Requires="a14">
+          <p:sp>
+            <p:nvSpPr>
+              <p:cNvPr id="5" name="Объект 4">
+                <a:extLst>
+                  <a:ext uri="{FF2B5EF4-FFF2-40B4-BE49-F238E27FC236}">
+                    <a16:creationId xmlns:a16="http://schemas.microsoft.com/office/drawing/2014/main" id="{8E307828-F91E-AD5B-1045-FB7269C9D075}"/>
+                  </a:ext>
+                </a:extLst>
+              </p:cNvPr>
+              <p:cNvSpPr>
+                <a:spLocks noGrp="1"/>
+              </p:cNvSpPr>
+              <p:nvPr>
+                <p:ph idx="1"/>
+              </p:nvPr>
+            </p:nvSpPr>
+            <p:spPr>
+              <a:xfrm>
+                <a:off x="838200" y="677008"/>
+                <a:ext cx="10515600" cy="5499955"/>
+              </a:xfrm>
+            </p:spPr>
+            <p:txBody>
+              <a:bodyPr/>
+              <a:lstStyle/>
+              <a:p>
+                <a:r>
+                  <a:rPr lang="en-US" sz="1800" dirty="0">
+                    <a:effectLst/>
+                    <a:latin typeface="Times New Roman" panose="02020603050405020304" pitchFamily="18" charset="0"/>
+                    <a:ea typeface="Times New Roman" panose="02020603050405020304" pitchFamily="18" charset="0"/>
+                    <a:cs typeface="Times New Roman" panose="02020603050405020304" pitchFamily="18" charset="0"/>
+                  </a:rPr>
+                  <a:t>UpLift</a:t>
+                </a:r>
+                <a:r>
+                  <a:rPr lang="ru-RU" sz="1800" dirty="0">
+                    <a:effectLst/>
+                    <a:latin typeface="Times New Roman" panose="02020603050405020304" pitchFamily="18" charset="0"/>
+                    <a:ea typeface="Times New Roman" panose="02020603050405020304" pitchFamily="18" charset="0"/>
+                    <a:cs typeface="Times New Roman" panose="02020603050405020304" pitchFamily="18" charset="0"/>
+                  </a:rPr>
+                  <a:t> кривая (</a:t>
+                </a:r>
+                <a:r>
+                  <a:rPr lang="en-US" sz="1800" dirty="0" err="1">
+                    <a:effectLst/>
+                    <a:latin typeface="Times New Roman" panose="02020603050405020304" pitchFamily="18" charset="0"/>
+                    <a:ea typeface="Times New Roman" panose="02020603050405020304" pitchFamily="18" charset="0"/>
+                    <a:cs typeface="Times New Roman" panose="02020603050405020304" pitchFamily="18" charset="0"/>
+                  </a:rPr>
+                  <a:t>UpLift</a:t>
+                </a:r>
+                <a:r>
+                  <a:rPr lang="en-US" sz="1800" dirty="0">
+                    <a:effectLst/>
+                    <a:latin typeface="Times New Roman" panose="02020603050405020304" pitchFamily="18" charset="0"/>
+                    <a:ea typeface="Times New Roman" panose="02020603050405020304" pitchFamily="18" charset="0"/>
+                    <a:cs typeface="Times New Roman" panose="02020603050405020304" pitchFamily="18" charset="0"/>
+                  </a:rPr>
+                  <a:t> Curve</a:t>
+                </a:r>
+                <a:r>
+                  <a:rPr lang="ru-RU" sz="1800" dirty="0">
+                    <a:effectLst/>
+                    <a:latin typeface="Times New Roman" panose="02020603050405020304" pitchFamily="18" charset="0"/>
+                    <a:ea typeface="Times New Roman" panose="02020603050405020304" pitchFamily="18" charset="0"/>
+                    <a:cs typeface="Times New Roman" panose="02020603050405020304" pitchFamily="18" charset="0"/>
+                  </a:rPr>
+                  <a:t>)</a:t>
+                </a:r>
+                <a:r>
+                  <a:rPr lang="en-US" sz="1800" dirty="0">
+                    <a:effectLst/>
+                    <a:latin typeface="Times New Roman" panose="02020603050405020304" pitchFamily="18" charset="0"/>
+                    <a:ea typeface="Times New Roman" panose="02020603050405020304" pitchFamily="18" charset="0"/>
+                    <a:cs typeface="Times New Roman" panose="02020603050405020304" pitchFamily="18" charset="0"/>
+                  </a:rPr>
+                  <a:t>:</a:t>
+                </a:r>
+              </a:p>
+              <a:p>
+                <a:pPr marL="0" indent="0" algn="ctr">
+                  <a:lnSpc>
+                    <a:spcPct val="107000"/>
+                  </a:lnSpc>
+                  <a:spcAft>
+                    <a:spcPts val="800"/>
+                  </a:spcAft>
+                  <a:buNone/>
+                </a:pPr>
+                <a:r>
+                  <a:rPr lang="en-US" sz="1800" dirty="0">
+                    <a:latin typeface="Times New Roman" panose="02020603050405020304" pitchFamily="18" charset="0"/>
+                    <a:ea typeface="Times New Roman" panose="02020603050405020304" pitchFamily="18" charset="0"/>
+                    <a:cs typeface="Times New Roman" panose="02020603050405020304" pitchFamily="18" charset="0"/>
+                  </a:rPr>
+                  <a:t>	</a:t>
+                </a:r>
+                <a14:m>
+                  <m:oMath xmlns:m="http://schemas.openxmlformats.org/officeDocument/2006/math">
+                    <m:r>
+                      <a:rPr lang="en-US" sz="1800" i="1" smtClean="0">
+                        <a:solidFill>
+                          <a:schemeClr val="tx1"/>
+                        </a:solidFill>
+                        <a:effectLst/>
+                        <a:latin typeface="Cambria Math" panose="02040503050406030204" pitchFamily="18" charset="0"/>
+                        <a:ea typeface="Calibri" panose="020F0502020204030204" pitchFamily="34" charset="0"/>
+                        <a:cs typeface="Times New Roman" panose="02020603050405020304" pitchFamily="18" charset="0"/>
+                      </a:rPr>
+                      <m:t>𝑈𝐶</m:t>
+                    </m:r>
+                    <m:d>
+                      <m:dPr>
+                        <m:ctrlPr>
+                          <a:rPr lang="ru-RU" sz="1800" i="1">
+                            <a:solidFill>
+                              <a:schemeClr val="tx1"/>
+                            </a:solidFill>
+                            <a:effectLst/>
+                            <a:latin typeface="Cambria Math" panose="02040503050406030204" pitchFamily="18" charset="0"/>
+                            <a:ea typeface="Calibri" panose="020F0502020204030204" pitchFamily="34" charset="0"/>
+                            <a:cs typeface="Times New Roman" panose="02020603050405020304" pitchFamily="18" charset="0"/>
+                          </a:rPr>
+                        </m:ctrlPr>
+                      </m:dPr>
+                      <m:e>
+                        <m:r>
+                          <a:rPr lang="en-US" sz="1800" i="1">
+                            <a:solidFill>
+                              <a:schemeClr val="tx1"/>
+                            </a:solidFill>
+                            <a:effectLst/>
+                            <a:latin typeface="Cambria Math" panose="02040503050406030204" pitchFamily="18" charset="0"/>
+                            <a:ea typeface="Calibri" panose="020F0502020204030204" pitchFamily="34" charset="0"/>
+                            <a:cs typeface="Times New Roman" panose="02020603050405020304" pitchFamily="18" charset="0"/>
+                          </a:rPr>
+                          <m:t>𝑡</m:t>
+                        </m:r>
+                      </m:e>
+                    </m:d>
+                    <m:r>
+                      <a:rPr lang="ru-RU" sz="1800" i="1">
+                        <a:solidFill>
+                          <a:schemeClr val="tx1"/>
+                        </a:solidFill>
+                        <a:effectLst/>
+                        <a:latin typeface="Cambria Math" panose="02040503050406030204" pitchFamily="18" charset="0"/>
+                        <a:ea typeface="Calibri" panose="020F0502020204030204" pitchFamily="34" charset="0"/>
+                        <a:cs typeface="Times New Roman" panose="02020603050405020304" pitchFamily="18" charset="0"/>
+                      </a:rPr>
+                      <m:t>= </m:t>
+                    </m:r>
+                    <m:d>
+                      <m:dPr>
+                        <m:ctrlPr>
+                          <a:rPr lang="ru-RU" sz="1800" i="1">
+                            <a:solidFill>
+                              <a:schemeClr val="tx1"/>
+                            </a:solidFill>
+                            <a:effectLst/>
+                            <a:latin typeface="Cambria Math" panose="02040503050406030204" pitchFamily="18" charset="0"/>
+                            <a:ea typeface="Calibri" panose="020F0502020204030204" pitchFamily="34" charset="0"/>
+                            <a:cs typeface="Times New Roman" panose="02020603050405020304" pitchFamily="18" charset="0"/>
+                          </a:rPr>
+                        </m:ctrlPr>
+                      </m:dPr>
+                      <m:e>
+                        <m:f>
+                          <m:fPr>
+                            <m:ctrlPr>
+                              <a:rPr lang="ru-RU" sz="1800" i="1">
+                                <a:solidFill>
+                                  <a:schemeClr val="tx1"/>
+                                </a:solidFill>
+                                <a:effectLst/>
+                                <a:latin typeface="Cambria Math" panose="02040503050406030204" pitchFamily="18" charset="0"/>
+                                <a:ea typeface="Calibri" panose="020F0502020204030204" pitchFamily="34" charset="0"/>
+                                <a:cs typeface="Times New Roman" panose="02020603050405020304" pitchFamily="18" charset="0"/>
+                              </a:rPr>
+                            </m:ctrlPr>
+                          </m:fPr>
+                          <m:num>
+                            <m:sSub>
+                              <m:sSubPr>
+                                <m:ctrlPr>
+                                  <a:rPr lang="ru-RU" sz="1800" i="1">
+                                    <a:solidFill>
+                                      <a:schemeClr val="tx1"/>
+                                    </a:solidFill>
+                                    <a:effectLst/>
+                                    <a:latin typeface="Cambria Math" panose="02040503050406030204" pitchFamily="18" charset="0"/>
+                                    <a:ea typeface="Calibri" panose="020F0502020204030204" pitchFamily="34" charset="0"/>
+                                    <a:cs typeface="Times New Roman" panose="02020603050405020304" pitchFamily="18" charset="0"/>
+                                  </a:rPr>
+                                </m:ctrlPr>
+                              </m:sSubPr>
+                              <m:e>
+                                <m:r>
+                                  <a:rPr lang="en-US" sz="1800" i="1">
+                                    <a:solidFill>
+                                      <a:schemeClr val="tx1"/>
+                                    </a:solidFill>
+                                    <a:effectLst/>
+                                    <a:latin typeface="Cambria Math" panose="02040503050406030204" pitchFamily="18" charset="0"/>
+                                    <a:ea typeface="Calibri" panose="020F0502020204030204" pitchFamily="34" charset="0"/>
+                                    <a:cs typeface="Times New Roman" panose="02020603050405020304" pitchFamily="18" charset="0"/>
+                                  </a:rPr>
+                                  <m:t>𝑁</m:t>
+                                </m:r>
+                              </m:e>
+                              <m:sub>
+                                <m:r>
+                                  <a:rPr lang="en-US" sz="1800" i="1">
+                                    <a:solidFill>
+                                      <a:schemeClr val="tx1"/>
+                                    </a:solidFill>
+                                    <a:effectLst/>
+                                    <a:latin typeface="Cambria Math" panose="02040503050406030204" pitchFamily="18" charset="0"/>
+                                    <a:ea typeface="Calibri" panose="020F0502020204030204" pitchFamily="34" charset="0"/>
+                                    <a:cs typeface="Times New Roman" panose="02020603050405020304" pitchFamily="18" charset="0"/>
+                                  </a:rPr>
+                                  <m:t>𝑡𝑎𝑟𝑔𝑒𝑡</m:t>
+                                </m:r>
+                                <m:r>
+                                  <a:rPr lang="ru-RU" sz="1800" i="1">
+                                    <a:solidFill>
+                                      <a:schemeClr val="tx1"/>
+                                    </a:solidFill>
+                                    <a:effectLst/>
+                                    <a:latin typeface="Cambria Math" panose="02040503050406030204" pitchFamily="18" charset="0"/>
+                                    <a:ea typeface="Calibri" panose="020F0502020204030204" pitchFamily="34" charset="0"/>
+                                    <a:cs typeface="Times New Roman" panose="02020603050405020304" pitchFamily="18" charset="0"/>
+                                  </a:rPr>
+                                  <m:t>, </m:t>
+                                </m:r>
+                                <m:r>
+                                  <a:rPr lang="en-US" sz="1800" i="1">
+                                    <a:solidFill>
+                                      <a:schemeClr val="tx1"/>
+                                    </a:solidFill>
+                                    <a:effectLst/>
+                                    <a:latin typeface="Cambria Math" panose="02040503050406030204" pitchFamily="18" charset="0"/>
+                                    <a:ea typeface="Calibri" panose="020F0502020204030204" pitchFamily="34" charset="0"/>
+                                    <a:cs typeface="Times New Roman" panose="02020603050405020304" pitchFamily="18" charset="0"/>
+                                  </a:rPr>
+                                  <m:t>𝑌</m:t>
+                                </m:r>
+                                <m:r>
+                                  <a:rPr lang="ru-RU" sz="1800" i="1">
+                                    <a:solidFill>
+                                      <a:schemeClr val="tx1"/>
+                                    </a:solidFill>
+                                    <a:effectLst/>
+                                    <a:latin typeface="Cambria Math" panose="02040503050406030204" pitchFamily="18" charset="0"/>
+                                    <a:ea typeface="Calibri" panose="020F0502020204030204" pitchFamily="34" charset="0"/>
+                                    <a:cs typeface="Times New Roman" panose="02020603050405020304" pitchFamily="18" charset="0"/>
+                                  </a:rPr>
+                                  <m:t>=1</m:t>
+                                </m:r>
+                              </m:sub>
+                            </m:sSub>
+                            <m:r>
+                              <a:rPr lang="ru-RU" sz="1800" i="1">
+                                <a:solidFill>
+                                  <a:schemeClr val="tx1"/>
+                                </a:solidFill>
+                                <a:effectLst/>
+                                <a:latin typeface="Cambria Math" panose="02040503050406030204" pitchFamily="18" charset="0"/>
+                                <a:ea typeface="Calibri" panose="020F0502020204030204" pitchFamily="34" charset="0"/>
+                                <a:cs typeface="Times New Roman" panose="02020603050405020304" pitchFamily="18" charset="0"/>
+                              </a:rPr>
+                              <m:t>(</m:t>
+                            </m:r>
+                            <m:r>
+                              <a:rPr lang="en-US" sz="1800" i="1">
+                                <a:solidFill>
+                                  <a:schemeClr val="tx1"/>
+                                </a:solidFill>
+                                <a:effectLst/>
+                                <a:latin typeface="Cambria Math" panose="02040503050406030204" pitchFamily="18" charset="0"/>
+                                <a:ea typeface="Calibri" panose="020F0502020204030204" pitchFamily="34" charset="0"/>
+                                <a:cs typeface="Times New Roman" panose="02020603050405020304" pitchFamily="18" charset="0"/>
+                              </a:rPr>
+                              <m:t>𝑡</m:t>
+                            </m:r>
+                            <m:r>
+                              <a:rPr lang="ru-RU" sz="1800" i="1">
+                                <a:solidFill>
+                                  <a:schemeClr val="tx1"/>
+                                </a:solidFill>
+                                <a:effectLst/>
+                                <a:latin typeface="Cambria Math" panose="02040503050406030204" pitchFamily="18" charset="0"/>
+                                <a:ea typeface="Calibri" panose="020F0502020204030204" pitchFamily="34" charset="0"/>
+                                <a:cs typeface="Times New Roman" panose="02020603050405020304" pitchFamily="18" charset="0"/>
+                              </a:rPr>
+                              <m:t>)</m:t>
+                            </m:r>
+                          </m:num>
+                          <m:den>
+                            <m:sSub>
+                              <m:sSubPr>
+                                <m:ctrlPr>
+                                  <a:rPr lang="ru-RU" sz="1800" i="1">
+                                    <a:solidFill>
+                                      <a:schemeClr val="tx1"/>
+                                    </a:solidFill>
+                                    <a:effectLst/>
+                                    <a:latin typeface="Cambria Math" panose="02040503050406030204" pitchFamily="18" charset="0"/>
+                                    <a:ea typeface="Calibri" panose="020F0502020204030204" pitchFamily="34" charset="0"/>
+                                    <a:cs typeface="Times New Roman" panose="02020603050405020304" pitchFamily="18" charset="0"/>
+                                  </a:rPr>
+                                </m:ctrlPr>
+                              </m:sSubPr>
+                              <m:e>
+                                <m:r>
+                                  <a:rPr lang="en-US" sz="1800" i="1">
+                                    <a:solidFill>
+                                      <a:schemeClr val="tx1"/>
+                                    </a:solidFill>
+                                    <a:effectLst/>
+                                    <a:latin typeface="Cambria Math" panose="02040503050406030204" pitchFamily="18" charset="0"/>
+                                    <a:ea typeface="Calibri" panose="020F0502020204030204" pitchFamily="34" charset="0"/>
+                                    <a:cs typeface="Times New Roman" panose="02020603050405020304" pitchFamily="18" charset="0"/>
+                                  </a:rPr>
+                                  <m:t>𝑁</m:t>
+                                </m:r>
+                              </m:e>
+                              <m:sub>
+                                <m:r>
+                                  <a:rPr lang="en-US" sz="1800" i="1">
+                                    <a:solidFill>
+                                      <a:schemeClr val="tx1"/>
+                                    </a:solidFill>
+                                    <a:effectLst/>
+                                    <a:latin typeface="Cambria Math" panose="02040503050406030204" pitchFamily="18" charset="0"/>
+                                    <a:ea typeface="Calibri" panose="020F0502020204030204" pitchFamily="34" charset="0"/>
+                                    <a:cs typeface="Times New Roman" panose="02020603050405020304" pitchFamily="18" charset="0"/>
+                                  </a:rPr>
+                                  <m:t>𝑡𝑎𝑟𝑔𝑒𝑡</m:t>
+                                </m:r>
+                                <m:r>
+                                  <a:rPr lang="ru-RU" sz="1800" i="1">
+                                    <a:solidFill>
+                                      <a:schemeClr val="tx1"/>
+                                    </a:solidFill>
+                                    <a:effectLst/>
+                                    <a:latin typeface="Cambria Math" panose="02040503050406030204" pitchFamily="18" charset="0"/>
+                                    <a:ea typeface="Calibri" panose="020F0502020204030204" pitchFamily="34" charset="0"/>
+                                    <a:cs typeface="Times New Roman" panose="02020603050405020304" pitchFamily="18" charset="0"/>
+                                  </a:rPr>
+                                  <m:t>, </m:t>
+                                </m:r>
+                                <m:r>
+                                  <a:rPr lang="en-US" sz="1800" i="1">
+                                    <a:solidFill>
+                                      <a:schemeClr val="tx1"/>
+                                    </a:solidFill>
+                                    <a:effectLst/>
+                                    <a:latin typeface="Cambria Math" panose="02040503050406030204" pitchFamily="18" charset="0"/>
+                                    <a:ea typeface="Calibri" panose="020F0502020204030204" pitchFamily="34" charset="0"/>
+                                    <a:cs typeface="Times New Roman" panose="02020603050405020304" pitchFamily="18" charset="0"/>
+                                  </a:rPr>
+                                  <m:t>𝑌</m:t>
+                                </m:r>
+                                <m:r>
+                                  <a:rPr lang="ru-RU" sz="1800" i="1">
+                                    <a:solidFill>
+                                      <a:schemeClr val="tx1"/>
+                                    </a:solidFill>
+                                    <a:effectLst/>
+                                    <a:latin typeface="Cambria Math" panose="02040503050406030204" pitchFamily="18" charset="0"/>
+                                    <a:ea typeface="Calibri" panose="020F0502020204030204" pitchFamily="34" charset="0"/>
+                                    <a:cs typeface="Times New Roman" panose="02020603050405020304" pitchFamily="18" charset="0"/>
+                                  </a:rPr>
+                                  <m:t>=0, 1</m:t>
+                                </m:r>
+                              </m:sub>
+                            </m:sSub>
+                            <m:r>
+                              <a:rPr lang="ru-RU" sz="1800" i="1">
+                                <a:solidFill>
+                                  <a:schemeClr val="tx1"/>
+                                </a:solidFill>
+                                <a:effectLst/>
+                                <a:latin typeface="Cambria Math" panose="02040503050406030204" pitchFamily="18" charset="0"/>
+                                <a:ea typeface="Calibri" panose="020F0502020204030204" pitchFamily="34" charset="0"/>
+                                <a:cs typeface="Times New Roman" panose="02020603050405020304" pitchFamily="18" charset="0"/>
+                              </a:rPr>
+                              <m:t>(</m:t>
+                            </m:r>
+                            <m:r>
+                              <a:rPr lang="en-US" sz="1800" i="1">
+                                <a:solidFill>
+                                  <a:schemeClr val="tx1"/>
+                                </a:solidFill>
+                                <a:effectLst/>
+                                <a:latin typeface="Cambria Math" panose="02040503050406030204" pitchFamily="18" charset="0"/>
+                                <a:ea typeface="Calibri" panose="020F0502020204030204" pitchFamily="34" charset="0"/>
+                                <a:cs typeface="Times New Roman" panose="02020603050405020304" pitchFamily="18" charset="0"/>
+                              </a:rPr>
+                              <m:t>𝑡</m:t>
+                            </m:r>
+                            <m:r>
+                              <a:rPr lang="ru-RU" sz="1800" i="1">
+                                <a:solidFill>
+                                  <a:schemeClr val="tx1"/>
+                                </a:solidFill>
+                                <a:effectLst/>
+                                <a:latin typeface="Cambria Math" panose="02040503050406030204" pitchFamily="18" charset="0"/>
+                                <a:ea typeface="Calibri" panose="020F0502020204030204" pitchFamily="34" charset="0"/>
+                                <a:cs typeface="Times New Roman" panose="02020603050405020304" pitchFamily="18" charset="0"/>
+                              </a:rPr>
+                              <m:t>)</m:t>
+                            </m:r>
+                          </m:den>
+                        </m:f>
+                        <m:r>
+                          <a:rPr lang="ru-RU" sz="1800" i="1">
+                            <a:solidFill>
+                              <a:schemeClr val="tx1"/>
+                            </a:solidFill>
+                            <a:effectLst/>
+                            <a:latin typeface="Cambria Math" panose="02040503050406030204" pitchFamily="18" charset="0"/>
+                            <a:ea typeface="Calibri" panose="020F0502020204030204" pitchFamily="34" charset="0"/>
+                            <a:cs typeface="Times New Roman" panose="02020603050405020304" pitchFamily="18" charset="0"/>
+                          </a:rPr>
+                          <m:t>−</m:t>
+                        </m:r>
+                        <m:f>
+                          <m:fPr>
+                            <m:ctrlPr>
+                              <a:rPr lang="ru-RU" sz="1800" i="1">
+                                <a:solidFill>
+                                  <a:schemeClr val="tx1"/>
+                                </a:solidFill>
+                                <a:effectLst/>
+                                <a:latin typeface="Cambria Math" panose="02040503050406030204" pitchFamily="18" charset="0"/>
+                                <a:ea typeface="Calibri" panose="020F0502020204030204" pitchFamily="34" charset="0"/>
+                                <a:cs typeface="Times New Roman" panose="02020603050405020304" pitchFamily="18" charset="0"/>
+                              </a:rPr>
+                            </m:ctrlPr>
+                          </m:fPr>
+                          <m:num>
+                            <m:sSub>
+                              <m:sSubPr>
+                                <m:ctrlPr>
+                                  <a:rPr lang="ru-RU" sz="1800" i="1">
+                                    <a:solidFill>
+                                      <a:schemeClr val="tx1"/>
+                                    </a:solidFill>
+                                    <a:effectLst/>
+                                    <a:latin typeface="Cambria Math" panose="02040503050406030204" pitchFamily="18" charset="0"/>
+                                    <a:ea typeface="Calibri" panose="020F0502020204030204" pitchFamily="34" charset="0"/>
+                                    <a:cs typeface="Times New Roman" panose="02020603050405020304" pitchFamily="18" charset="0"/>
+                                  </a:rPr>
+                                </m:ctrlPr>
+                              </m:sSubPr>
+                              <m:e>
+                                <m:r>
+                                  <a:rPr lang="en-US" sz="1800" i="1">
+                                    <a:solidFill>
+                                      <a:schemeClr val="tx1"/>
+                                    </a:solidFill>
+                                    <a:effectLst/>
+                                    <a:latin typeface="Cambria Math" panose="02040503050406030204" pitchFamily="18" charset="0"/>
+                                    <a:ea typeface="Calibri" panose="020F0502020204030204" pitchFamily="34" charset="0"/>
+                                    <a:cs typeface="Times New Roman" panose="02020603050405020304" pitchFamily="18" charset="0"/>
+                                  </a:rPr>
+                                  <m:t>𝑁</m:t>
+                                </m:r>
+                              </m:e>
+                              <m:sub>
+                                <m:r>
+                                  <a:rPr lang="en-US" sz="1800" i="1">
+                                    <a:solidFill>
+                                      <a:schemeClr val="tx1"/>
+                                    </a:solidFill>
+                                    <a:effectLst/>
+                                    <a:latin typeface="Cambria Math" panose="02040503050406030204" pitchFamily="18" charset="0"/>
+                                    <a:ea typeface="Calibri" panose="020F0502020204030204" pitchFamily="34" charset="0"/>
+                                    <a:cs typeface="Times New Roman" panose="02020603050405020304" pitchFamily="18" charset="0"/>
+                                  </a:rPr>
+                                  <m:t>𝑐𝑜𝑛𝑡𝑟𝑜𝑙</m:t>
+                                </m:r>
+                                <m:r>
+                                  <a:rPr lang="ru-RU" sz="1800" i="1">
+                                    <a:solidFill>
+                                      <a:schemeClr val="tx1"/>
+                                    </a:solidFill>
+                                    <a:effectLst/>
+                                    <a:latin typeface="Cambria Math" panose="02040503050406030204" pitchFamily="18" charset="0"/>
+                                    <a:ea typeface="Calibri" panose="020F0502020204030204" pitchFamily="34" charset="0"/>
+                                    <a:cs typeface="Times New Roman" panose="02020603050405020304" pitchFamily="18" charset="0"/>
+                                  </a:rPr>
+                                  <m:t>, </m:t>
+                                </m:r>
+                                <m:r>
+                                  <a:rPr lang="en-US" sz="1800" i="1">
+                                    <a:solidFill>
+                                      <a:schemeClr val="tx1"/>
+                                    </a:solidFill>
+                                    <a:effectLst/>
+                                    <a:latin typeface="Cambria Math" panose="02040503050406030204" pitchFamily="18" charset="0"/>
+                                    <a:ea typeface="Calibri" panose="020F0502020204030204" pitchFamily="34" charset="0"/>
+                                    <a:cs typeface="Times New Roman" panose="02020603050405020304" pitchFamily="18" charset="0"/>
+                                  </a:rPr>
+                                  <m:t>𝑌</m:t>
+                                </m:r>
+                                <m:r>
+                                  <a:rPr lang="ru-RU" sz="1800" i="1">
+                                    <a:solidFill>
+                                      <a:schemeClr val="tx1"/>
+                                    </a:solidFill>
+                                    <a:effectLst/>
+                                    <a:latin typeface="Cambria Math" panose="02040503050406030204" pitchFamily="18" charset="0"/>
+                                    <a:ea typeface="Calibri" panose="020F0502020204030204" pitchFamily="34" charset="0"/>
+                                    <a:cs typeface="Times New Roman" panose="02020603050405020304" pitchFamily="18" charset="0"/>
+                                  </a:rPr>
+                                  <m:t>=1</m:t>
+                                </m:r>
+                              </m:sub>
+                            </m:sSub>
+                            <m:r>
+                              <a:rPr lang="ru-RU" sz="1800" i="1">
+                                <a:solidFill>
+                                  <a:schemeClr val="tx1"/>
+                                </a:solidFill>
+                                <a:effectLst/>
+                                <a:latin typeface="Cambria Math" panose="02040503050406030204" pitchFamily="18" charset="0"/>
+                                <a:ea typeface="Calibri" panose="020F0502020204030204" pitchFamily="34" charset="0"/>
+                                <a:cs typeface="Times New Roman" panose="02020603050405020304" pitchFamily="18" charset="0"/>
+                              </a:rPr>
+                              <m:t>(</m:t>
+                            </m:r>
+                            <m:r>
+                              <a:rPr lang="en-US" sz="1800" i="1">
+                                <a:solidFill>
+                                  <a:schemeClr val="tx1"/>
+                                </a:solidFill>
+                                <a:effectLst/>
+                                <a:latin typeface="Cambria Math" panose="02040503050406030204" pitchFamily="18" charset="0"/>
+                                <a:ea typeface="Calibri" panose="020F0502020204030204" pitchFamily="34" charset="0"/>
+                                <a:cs typeface="Times New Roman" panose="02020603050405020304" pitchFamily="18" charset="0"/>
+                              </a:rPr>
+                              <m:t>𝑡</m:t>
+                            </m:r>
+                            <m:r>
+                              <a:rPr lang="ru-RU" sz="1800" i="1">
+                                <a:solidFill>
+                                  <a:schemeClr val="tx1"/>
+                                </a:solidFill>
+                                <a:effectLst/>
+                                <a:latin typeface="Cambria Math" panose="02040503050406030204" pitchFamily="18" charset="0"/>
+                                <a:ea typeface="Calibri" panose="020F0502020204030204" pitchFamily="34" charset="0"/>
+                                <a:cs typeface="Times New Roman" panose="02020603050405020304" pitchFamily="18" charset="0"/>
+                              </a:rPr>
+                              <m:t>)</m:t>
+                            </m:r>
+                          </m:num>
+                          <m:den>
+                            <m:sSub>
+                              <m:sSubPr>
+                                <m:ctrlPr>
+                                  <a:rPr lang="ru-RU" sz="1800" i="1">
+                                    <a:solidFill>
+                                      <a:schemeClr val="tx1"/>
+                                    </a:solidFill>
+                                    <a:effectLst/>
+                                    <a:latin typeface="Cambria Math" panose="02040503050406030204" pitchFamily="18" charset="0"/>
+                                    <a:ea typeface="Calibri" panose="020F0502020204030204" pitchFamily="34" charset="0"/>
+                                    <a:cs typeface="Times New Roman" panose="02020603050405020304" pitchFamily="18" charset="0"/>
+                                  </a:rPr>
+                                </m:ctrlPr>
+                              </m:sSubPr>
+                              <m:e>
+                                <m:r>
+                                  <a:rPr lang="en-US" sz="1800" i="1">
+                                    <a:solidFill>
+                                      <a:schemeClr val="tx1"/>
+                                    </a:solidFill>
+                                    <a:effectLst/>
+                                    <a:latin typeface="Cambria Math" panose="02040503050406030204" pitchFamily="18" charset="0"/>
+                                    <a:ea typeface="Calibri" panose="020F0502020204030204" pitchFamily="34" charset="0"/>
+                                    <a:cs typeface="Times New Roman" panose="02020603050405020304" pitchFamily="18" charset="0"/>
+                                  </a:rPr>
+                                  <m:t>𝑁</m:t>
+                                </m:r>
+                              </m:e>
+                              <m:sub>
+                                <m:r>
+                                  <a:rPr lang="en-US" sz="1800" i="1">
+                                    <a:solidFill>
+                                      <a:schemeClr val="tx1"/>
+                                    </a:solidFill>
+                                    <a:effectLst/>
+                                    <a:latin typeface="Cambria Math" panose="02040503050406030204" pitchFamily="18" charset="0"/>
+                                    <a:ea typeface="Calibri" panose="020F0502020204030204" pitchFamily="34" charset="0"/>
+                                    <a:cs typeface="Times New Roman" panose="02020603050405020304" pitchFamily="18" charset="0"/>
+                                  </a:rPr>
+                                  <m:t>𝑐𝑜𝑛𝑡𝑟𝑜𝑙</m:t>
+                                </m:r>
+                                <m:r>
+                                  <a:rPr lang="ru-RU" sz="1800" i="1">
+                                    <a:solidFill>
+                                      <a:schemeClr val="tx1"/>
+                                    </a:solidFill>
+                                    <a:effectLst/>
+                                    <a:latin typeface="Cambria Math" panose="02040503050406030204" pitchFamily="18" charset="0"/>
+                                    <a:ea typeface="Calibri" panose="020F0502020204030204" pitchFamily="34" charset="0"/>
+                                    <a:cs typeface="Times New Roman" panose="02020603050405020304" pitchFamily="18" charset="0"/>
+                                  </a:rPr>
+                                  <m:t>,  </m:t>
+                                </m:r>
+                                <m:r>
+                                  <a:rPr lang="en-US" sz="1800" i="1">
+                                    <a:solidFill>
+                                      <a:schemeClr val="tx1"/>
+                                    </a:solidFill>
+                                    <a:effectLst/>
+                                    <a:latin typeface="Cambria Math" panose="02040503050406030204" pitchFamily="18" charset="0"/>
+                                    <a:ea typeface="Calibri" panose="020F0502020204030204" pitchFamily="34" charset="0"/>
+                                    <a:cs typeface="Times New Roman" panose="02020603050405020304" pitchFamily="18" charset="0"/>
+                                  </a:rPr>
+                                  <m:t>𝑌</m:t>
+                                </m:r>
+                                <m:r>
+                                  <a:rPr lang="ru-RU" sz="1800" i="1">
+                                    <a:solidFill>
+                                      <a:schemeClr val="tx1"/>
+                                    </a:solidFill>
+                                    <a:effectLst/>
+                                    <a:latin typeface="Cambria Math" panose="02040503050406030204" pitchFamily="18" charset="0"/>
+                                    <a:ea typeface="Calibri" panose="020F0502020204030204" pitchFamily="34" charset="0"/>
+                                    <a:cs typeface="Times New Roman" panose="02020603050405020304" pitchFamily="18" charset="0"/>
+                                  </a:rPr>
+                                  <m:t>=0, 1</m:t>
+                                </m:r>
+                              </m:sub>
+                            </m:sSub>
+                            <m:r>
+                              <a:rPr lang="ru-RU" sz="1800" i="1">
+                                <a:solidFill>
+                                  <a:schemeClr val="tx1"/>
+                                </a:solidFill>
+                                <a:effectLst/>
+                                <a:latin typeface="Cambria Math" panose="02040503050406030204" pitchFamily="18" charset="0"/>
+                                <a:ea typeface="Calibri" panose="020F0502020204030204" pitchFamily="34" charset="0"/>
+                                <a:cs typeface="Times New Roman" panose="02020603050405020304" pitchFamily="18" charset="0"/>
+                              </a:rPr>
+                              <m:t>(</m:t>
+                            </m:r>
+                            <m:r>
+                              <a:rPr lang="en-US" sz="1800" i="1">
+                                <a:solidFill>
+                                  <a:schemeClr val="tx1"/>
+                                </a:solidFill>
+                                <a:effectLst/>
+                                <a:latin typeface="Cambria Math" panose="02040503050406030204" pitchFamily="18" charset="0"/>
+                                <a:ea typeface="Calibri" panose="020F0502020204030204" pitchFamily="34" charset="0"/>
+                                <a:cs typeface="Times New Roman" panose="02020603050405020304" pitchFamily="18" charset="0"/>
+                              </a:rPr>
+                              <m:t>𝑡</m:t>
+                            </m:r>
+                            <m:r>
+                              <a:rPr lang="ru-RU" sz="1800" i="1">
+                                <a:solidFill>
+                                  <a:schemeClr val="tx1"/>
+                                </a:solidFill>
+                                <a:effectLst/>
+                                <a:latin typeface="Cambria Math" panose="02040503050406030204" pitchFamily="18" charset="0"/>
+                                <a:ea typeface="Calibri" panose="020F0502020204030204" pitchFamily="34" charset="0"/>
+                                <a:cs typeface="Times New Roman" panose="02020603050405020304" pitchFamily="18" charset="0"/>
+                              </a:rPr>
+                              <m:t>)</m:t>
+                            </m:r>
+                          </m:den>
+                        </m:f>
+                      </m:e>
+                    </m:d>
+                    <m:r>
+                      <a:rPr lang="ru-RU" sz="1800" i="1">
+                        <a:solidFill>
+                          <a:schemeClr val="tx1"/>
+                        </a:solidFill>
+                        <a:effectLst/>
+                        <a:latin typeface="Cambria Math" panose="02040503050406030204" pitchFamily="18" charset="0"/>
+                        <a:ea typeface="Times New Roman" panose="02020603050405020304" pitchFamily="18" charset="0"/>
+                        <a:cs typeface="Times New Roman" panose="02020603050405020304" pitchFamily="18" charset="0"/>
+                      </a:rPr>
+                      <m:t>∗</m:t>
+                    </m:r>
+                    <m:d>
+                      <m:dPr>
+                        <m:ctrlPr>
+                          <a:rPr lang="ru-RU" sz="1800" i="1">
+                            <a:solidFill>
+                              <a:schemeClr val="tx1"/>
+                            </a:solidFill>
+                            <a:effectLst/>
+                            <a:latin typeface="Cambria Math" panose="02040503050406030204" pitchFamily="18" charset="0"/>
+                            <a:ea typeface="Times New Roman" panose="02020603050405020304" pitchFamily="18" charset="0"/>
+                            <a:cs typeface="Times New Roman" panose="02020603050405020304" pitchFamily="18" charset="0"/>
+                          </a:rPr>
+                        </m:ctrlPr>
+                      </m:dPr>
+                      <m:e>
+                        <m:sSub>
+                          <m:sSubPr>
+                            <m:ctrlPr>
+                              <a:rPr lang="ru-RU" sz="1800" i="1">
+                                <a:solidFill>
+                                  <a:schemeClr val="tx1"/>
+                                </a:solidFill>
+                                <a:effectLst/>
+                                <a:latin typeface="Cambria Math" panose="02040503050406030204" pitchFamily="18" charset="0"/>
+                                <a:ea typeface="Calibri" panose="020F0502020204030204" pitchFamily="34" charset="0"/>
+                                <a:cs typeface="Times New Roman" panose="02020603050405020304" pitchFamily="18" charset="0"/>
+                              </a:rPr>
+                            </m:ctrlPr>
+                          </m:sSubPr>
+                          <m:e>
+                            <m:r>
+                              <a:rPr lang="en-US" sz="1800" i="1">
+                                <a:solidFill>
+                                  <a:schemeClr val="tx1"/>
+                                </a:solidFill>
+                                <a:effectLst/>
+                                <a:latin typeface="Cambria Math" panose="02040503050406030204" pitchFamily="18" charset="0"/>
+                                <a:ea typeface="Calibri" panose="020F0502020204030204" pitchFamily="34" charset="0"/>
+                                <a:cs typeface="Times New Roman" panose="02020603050405020304" pitchFamily="18" charset="0"/>
+                              </a:rPr>
+                              <m:t>𝑁</m:t>
+                            </m:r>
+                          </m:e>
+                          <m:sub>
+                            <m:r>
+                              <a:rPr lang="en-US" sz="1800" i="1">
+                                <a:solidFill>
+                                  <a:schemeClr val="tx1"/>
+                                </a:solidFill>
+                                <a:effectLst/>
+                                <a:latin typeface="Cambria Math" panose="02040503050406030204" pitchFamily="18" charset="0"/>
+                                <a:ea typeface="Calibri" panose="020F0502020204030204" pitchFamily="34" charset="0"/>
+                                <a:cs typeface="Times New Roman" panose="02020603050405020304" pitchFamily="18" charset="0"/>
+                              </a:rPr>
+                              <m:t>𝑡𝑎𝑟𝑔𝑒𝑡</m:t>
+                            </m:r>
+                            <m:r>
+                              <a:rPr lang="ru-RU" sz="1800" i="1">
+                                <a:solidFill>
+                                  <a:schemeClr val="tx1"/>
+                                </a:solidFill>
+                                <a:effectLst/>
+                                <a:latin typeface="Cambria Math" panose="02040503050406030204" pitchFamily="18" charset="0"/>
+                                <a:ea typeface="Calibri" panose="020F0502020204030204" pitchFamily="34" charset="0"/>
+                                <a:cs typeface="Times New Roman" panose="02020603050405020304" pitchFamily="18" charset="0"/>
+                              </a:rPr>
+                              <m:t>, </m:t>
+                            </m:r>
+                            <m:r>
+                              <a:rPr lang="en-US" sz="1800" i="1">
+                                <a:solidFill>
+                                  <a:schemeClr val="tx1"/>
+                                </a:solidFill>
+                                <a:effectLst/>
+                                <a:latin typeface="Cambria Math" panose="02040503050406030204" pitchFamily="18" charset="0"/>
+                                <a:ea typeface="Calibri" panose="020F0502020204030204" pitchFamily="34" charset="0"/>
+                                <a:cs typeface="Times New Roman" panose="02020603050405020304" pitchFamily="18" charset="0"/>
+                              </a:rPr>
+                              <m:t>𝑌</m:t>
+                            </m:r>
+                            <m:r>
+                              <a:rPr lang="ru-RU" sz="1800" i="1">
+                                <a:solidFill>
+                                  <a:schemeClr val="tx1"/>
+                                </a:solidFill>
+                                <a:effectLst/>
+                                <a:latin typeface="Cambria Math" panose="02040503050406030204" pitchFamily="18" charset="0"/>
+                                <a:ea typeface="Calibri" panose="020F0502020204030204" pitchFamily="34" charset="0"/>
+                                <a:cs typeface="Times New Roman" panose="02020603050405020304" pitchFamily="18" charset="0"/>
+                              </a:rPr>
+                              <m:t>=0, 1</m:t>
+                            </m:r>
+                          </m:sub>
+                        </m:sSub>
+                        <m:d>
+                          <m:dPr>
+                            <m:ctrlPr>
+                              <a:rPr lang="ru-RU" sz="1800" i="1">
+                                <a:solidFill>
+                                  <a:schemeClr val="tx1"/>
+                                </a:solidFill>
+                                <a:effectLst/>
+                                <a:latin typeface="Cambria Math" panose="02040503050406030204" pitchFamily="18" charset="0"/>
+                                <a:ea typeface="Calibri" panose="020F0502020204030204" pitchFamily="34" charset="0"/>
+                                <a:cs typeface="Times New Roman" panose="02020603050405020304" pitchFamily="18" charset="0"/>
+                              </a:rPr>
+                            </m:ctrlPr>
+                          </m:dPr>
+                          <m:e>
+                            <m:r>
+                              <a:rPr lang="en-US" sz="1800" i="1">
+                                <a:solidFill>
+                                  <a:schemeClr val="tx1"/>
+                                </a:solidFill>
+                                <a:effectLst/>
+                                <a:latin typeface="Cambria Math" panose="02040503050406030204" pitchFamily="18" charset="0"/>
+                                <a:ea typeface="Calibri" panose="020F0502020204030204" pitchFamily="34" charset="0"/>
+                                <a:cs typeface="Times New Roman" panose="02020603050405020304" pitchFamily="18" charset="0"/>
+                              </a:rPr>
+                              <m:t>𝑡</m:t>
+                            </m:r>
+                          </m:e>
+                        </m:d>
+                        <m:r>
+                          <a:rPr lang="ru-RU" sz="1800" i="1">
+                            <a:solidFill>
+                              <a:schemeClr val="tx1"/>
+                            </a:solidFill>
+                            <a:effectLst/>
+                            <a:latin typeface="Cambria Math" panose="02040503050406030204" pitchFamily="18" charset="0"/>
+                            <a:ea typeface="Calibri" panose="020F0502020204030204" pitchFamily="34" charset="0"/>
+                            <a:cs typeface="Times New Roman" panose="02020603050405020304" pitchFamily="18" charset="0"/>
+                          </a:rPr>
+                          <m:t>+</m:t>
+                        </m:r>
+                        <m:sSub>
+                          <m:sSubPr>
+                            <m:ctrlPr>
+                              <a:rPr lang="ru-RU" sz="1800" i="1">
+                                <a:solidFill>
+                                  <a:schemeClr val="tx1"/>
+                                </a:solidFill>
+                                <a:effectLst/>
+                                <a:latin typeface="Cambria Math" panose="02040503050406030204" pitchFamily="18" charset="0"/>
+                                <a:ea typeface="Calibri" panose="020F0502020204030204" pitchFamily="34" charset="0"/>
+                                <a:cs typeface="Times New Roman" panose="02020603050405020304" pitchFamily="18" charset="0"/>
+                              </a:rPr>
+                            </m:ctrlPr>
+                          </m:sSubPr>
+                          <m:e>
+                            <m:r>
+                              <a:rPr lang="en-US" sz="1800" i="1">
+                                <a:solidFill>
+                                  <a:schemeClr val="tx1"/>
+                                </a:solidFill>
+                                <a:effectLst/>
+                                <a:latin typeface="Cambria Math" panose="02040503050406030204" pitchFamily="18" charset="0"/>
+                                <a:ea typeface="Calibri" panose="020F0502020204030204" pitchFamily="34" charset="0"/>
+                                <a:cs typeface="Times New Roman" panose="02020603050405020304" pitchFamily="18" charset="0"/>
+                              </a:rPr>
+                              <m:t>𝑁</m:t>
+                            </m:r>
+                          </m:e>
+                          <m:sub>
+                            <m:r>
+                              <a:rPr lang="en-US" sz="1800" i="1">
+                                <a:solidFill>
+                                  <a:schemeClr val="tx1"/>
+                                </a:solidFill>
+                                <a:effectLst/>
+                                <a:latin typeface="Cambria Math" panose="02040503050406030204" pitchFamily="18" charset="0"/>
+                                <a:ea typeface="Calibri" panose="020F0502020204030204" pitchFamily="34" charset="0"/>
+                                <a:cs typeface="Times New Roman" panose="02020603050405020304" pitchFamily="18" charset="0"/>
+                              </a:rPr>
+                              <m:t>𝑐𝑜𝑛𝑡𝑟𝑜𝑙</m:t>
+                            </m:r>
+                            <m:r>
+                              <a:rPr lang="ru-RU" sz="1800" i="1">
+                                <a:solidFill>
+                                  <a:schemeClr val="tx1"/>
+                                </a:solidFill>
+                                <a:effectLst/>
+                                <a:latin typeface="Cambria Math" panose="02040503050406030204" pitchFamily="18" charset="0"/>
+                                <a:ea typeface="Calibri" panose="020F0502020204030204" pitchFamily="34" charset="0"/>
+                                <a:cs typeface="Times New Roman" panose="02020603050405020304" pitchFamily="18" charset="0"/>
+                              </a:rPr>
+                              <m:t>, </m:t>
+                            </m:r>
+                            <m:r>
+                              <a:rPr lang="en-US" sz="1800" i="1">
+                                <a:solidFill>
+                                  <a:schemeClr val="tx1"/>
+                                </a:solidFill>
+                                <a:effectLst/>
+                                <a:latin typeface="Cambria Math" panose="02040503050406030204" pitchFamily="18" charset="0"/>
+                                <a:ea typeface="Calibri" panose="020F0502020204030204" pitchFamily="34" charset="0"/>
+                                <a:cs typeface="Times New Roman" panose="02020603050405020304" pitchFamily="18" charset="0"/>
+                              </a:rPr>
+                              <m:t>𝑌</m:t>
+                            </m:r>
+                            <m:r>
+                              <a:rPr lang="ru-RU" sz="1800" i="1">
+                                <a:solidFill>
+                                  <a:schemeClr val="tx1"/>
+                                </a:solidFill>
+                                <a:effectLst/>
+                                <a:latin typeface="Cambria Math" panose="02040503050406030204" pitchFamily="18" charset="0"/>
+                                <a:ea typeface="Calibri" panose="020F0502020204030204" pitchFamily="34" charset="0"/>
+                                <a:cs typeface="Times New Roman" panose="02020603050405020304" pitchFamily="18" charset="0"/>
+                              </a:rPr>
+                              <m:t>=0, 1</m:t>
+                            </m:r>
+                          </m:sub>
+                        </m:sSub>
+                        <m:d>
+                          <m:dPr>
+                            <m:ctrlPr>
+                              <a:rPr lang="ru-RU" sz="1800" i="1">
+                                <a:solidFill>
+                                  <a:schemeClr val="tx1"/>
+                                </a:solidFill>
+                                <a:effectLst/>
+                                <a:latin typeface="Cambria Math" panose="02040503050406030204" pitchFamily="18" charset="0"/>
+                                <a:ea typeface="Calibri" panose="020F0502020204030204" pitchFamily="34" charset="0"/>
+                                <a:cs typeface="Times New Roman" panose="02020603050405020304" pitchFamily="18" charset="0"/>
+                              </a:rPr>
+                            </m:ctrlPr>
+                          </m:dPr>
+                          <m:e>
+                            <m:r>
+                              <a:rPr lang="en-US" sz="1800" i="1">
+                                <a:solidFill>
+                                  <a:schemeClr val="tx1"/>
+                                </a:solidFill>
+                                <a:effectLst/>
+                                <a:latin typeface="Cambria Math" panose="02040503050406030204" pitchFamily="18" charset="0"/>
+                                <a:ea typeface="Calibri" panose="020F0502020204030204" pitchFamily="34" charset="0"/>
+                                <a:cs typeface="Times New Roman" panose="02020603050405020304" pitchFamily="18" charset="0"/>
+                              </a:rPr>
+                              <m:t>𝑡</m:t>
+                            </m:r>
+                          </m:e>
+                        </m:d>
+                      </m:e>
+                    </m:d>
+                  </m:oMath>
+                </a14:m>
+                <a:r>
+                  <a:rPr lang="ru-RU" sz="1800" dirty="0">
+                    <a:solidFill>
+                      <a:schemeClr val="tx1"/>
+                    </a:solidFill>
+                    <a:effectLst/>
+                    <a:latin typeface="Calibri" panose="020F0502020204030204" pitchFamily="34" charset="0"/>
+                    <a:ea typeface="Times New Roman" panose="02020603050405020304" pitchFamily="18" charset="0"/>
+                    <a:cs typeface="Times New Roman" panose="02020603050405020304" pitchFamily="18" charset="0"/>
+                  </a:rPr>
+                  <a:t>, где</a:t>
+                </a:r>
+                <a:endParaRPr lang="ru-RU" sz="1800" dirty="0">
+                  <a:solidFill>
+                    <a:schemeClr val="tx1"/>
+                  </a:solidFill>
+                  <a:effectLst/>
+                  <a:latin typeface="Calibri" panose="020F0502020204030204" pitchFamily="34" charset="0"/>
+                  <a:ea typeface="Calibri" panose="020F0502020204030204" pitchFamily="34" charset="0"/>
+                  <a:cs typeface="Times New Roman" panose="02020603050405020304" pitchFamily="18" charset="0"/>
+                </a:endParaRPr>
+              </a:p>
+              <a:p>
+                <a:pPr marL="0" indent="0" algn="ctr">
+                  <a:lnSpc>
+                    <a:spcPct val="107000"/>
+                  </a:lnSpc>
+                  <a:spcAft>
+                    <a:spcPts val="800"/>
+                  </a:spcAft>
+                  <a:buNone/>
+                </a:pPr>
+                <a14:m>
+                  <m:oMath xmlns:m="http://schemas.openxmlformats.org/officeDocument/2006/math">
+                    <m:sSub>
+                      <m:sSubPr>
+                        <m:ctrlPr>
+                          <a:rPr lang="ru-RU" sz="1800" i="1">
+                            <a:solidFill>
+                              <a:schemeClr val="tx1"/>
+                            </a:solidFill>
+                            <a:effectLst/>
+                            <a:latin typeface="Cambria Math" panose="02040503050406030204" pitchFamily="18" charset="0"/>
+                            <a:ea typeface="Calibri" panose="020F0502020204030204" pitchFamily="34" charset="0"/>
+                            <a:cs typeface="Times New Roman" panose="02020603050405020304" pitchFamily="18" charset="0"/>
+                          </a:rPr>
+                        </m:ctrlPr>
+                      </m:sSubPr>
+                      <m:e>
+                        <m:r>
+                          <a:rPr lang="en-US" sz="1800" i="1">
+                            <a:solidFill>
+                              <a:schemeClr val="tx1"/>
+                            </a:solidFill>
+                            <a:effectLst/>
+                            <a:latin typeface="Cambria Math" panose="02040503050406030204" pitchFamily="18" charset="0"/>
+                            <a:ea typeface="Calibri" panose="020F0502020204030204" pitchFamily="34" charset="0"/>
+                            <a:cs typeface="Times New Roman" panose="02020603050405020304" pitchFamily="18" charset="0"/>
+                          </a:rPr>
+                          <m:t>𝑁</m:t>
+                        </m:r>
+                      </m:e>
+                      <m:sub>
+                        <m:r>
+                          <a:rPr lang="en-US" sz="1800" i="1">
+                            <a:solidFill>
+                              <a:schemeClr val="tx1"/>
+                            </a:solidFill>
+                            <a:effectLst/>
+                            <a:latin typeface="Cambria Math" panose="02040503050406030204" pitchFamily="18" charset="0"/>
+                            <a:ea typeface="Calibri" panose="020F0502020204030204" pitchFamily="34" charset="0"/>
+                            <a:cs typeface="Times New Roman" panose="02020603050405020304" pitchFamily="18" charset="0"/>
+                          </a:rPr>
+                          <m:t>𝑡𝑎𝑟𝑔𝑒𝑡</m:t>
+                        </m:r>
+                        <m:r>
+                          <a:rPr lang="ru-RU" sz="1800" i="1">
+                            <a:solidFill>
+                              <a:schemeClr val="tx1"/>
+                            </a:solidFill>
+                            <a:effectLst/>
+                            <a:latin typeface="Cambria Math" panose="02040503050406030204" pitchFamily="18" charset="0"/>
+                            <a:ea typeface="Calibri" panose="020F0502020204030204" pitchFamily="34" charset="0"/>
+                            <a:cs typeface="Times New Roman" panose="02020603050405020304" pitchFamily="18" charset="0"/>
+                          </a:rPr>
+                          <m:t>, </m:t>
+                        </m:r>
+                        <m:r>
+                          <a:rPr lang="en-US" sz="1800" i="1">
+                            <a:solidFill>
+                              <a:schemeClr val="tx1"/>
+                            </a:solidFill>
+                            <a:effectLst/>
+                            <a:latin typeface="Cambria Math" panose="02040503050406030204" pitchFamily="18" charset="0"/>
+                            <a:ea typeface="Calibri" panose="020F0502020204030204" pitchFamily="34" charset="0"/>
+                            <a:cs typeface="Times New Roman" panose="02020603050405020304" pitchFamily="18" charset="0"/>
+                          </a:rPr>
+                          <m:t>𝑌</m:t>
+                        </m:r>
+                        <m:r>
+                          <a:rPr lang="ru-RU" sz="1800" i="1">
+                            <a:solidFill>
+                              <a:schemeClr val="tx1"/>
+                            </a:solidFill>
+                            <a:effectLst/>
+                            <a:latin typeface="Cambria Math" panose="02040503050406030204" pitchFamily="18" charset="0"/>
+                            <a:ea typeface="Calibri" panose="020F0502020204030204" pitchFamily="34" charset="0"/>
+                            <a:cs typeface="Times New Roman" panose="02020603050405020304" pitchFamily="18" charset="0"/>
+                          </a:rPr>
+                          <m:t>=0, 1</m:t>
+                        </m:r>
+                      </m:sub>
+                    </m:sSub>
+                    <m:d>
+                      <m:dPr>
+                        <m:ctrlPr>
+                          <a:rPr lang="ru-RU" sz="1800" i="1">
+                            <a:solidFill>
+                              <a:schemeClr val="tx1"/>
+                            </a:solidFill>
+                            <a:effectLst/>
+                            <a:latin typeface="Cambria Math" panose="02040503050406030204" pitchFamily="18" charset="0"/>
+                            <a:ea typeface="Calibri" panose="020F0502020204030204" pitchFamily="34" charset="0"/>
+                            <a:cs typeface="Times New Roman" panose="02020603050405020304" pitchFamily="18" charset="0"/>
+                          </a:rPr>
+                        </m:ctrlPr>
+                      </m:dPr>
+                      <m:e>
+                        <m:r>
+                          <a:rPr lang="en-US" sz="1800" i="1">
+                            <a:solidFill>
+                              <a:schemeClr val="tx1"/>
+                            </a:solidFill>
+                            <a:effectLst/>
+                            <a:latin typeface="Cambria Math" panose="02040503050406030204" pitchFamily="18" charset="0"/>
+                            <a:ea typeface="Calibri" panose="020F0502020204030204" pitchFamily="34" charset="0"/>
+                            <a:cs typeface="Times New Roman" panose="02020603050405020304" pitchFamily="18" charset="0"/>
+                          </a:rPr>
+                          <m:t>𝑡</m:t>
+                        </m:r>
+                      </m:e>
+                    </m:d>
+                    <m:r>
+                      <a:rPr lang="ru-RU" sz="1800" i="1">
+                        <a:solidFill>
+                          <a:schemeClr val="tx1"/>
+                        </a:solidFill>
+                        <a:effectLst/>
+                        <a:latin typeface="Cambria Math" panose="02040503050406030204" pitchFamily="18" charset="0"/>
+                        <a:ea typeface="Calibri" panose="020F0502020204030204" pitchFamily="34" charset="0"/>
+                        <a:cs typeface="Times New Roman" panose="02020603050405020304" pitchFamily="18" charset="0"/>
+                      </a:rPr>
+                      <m:t>−размер всей рабочей группы при всей выборке выборки размера </m:t>
+                    </m:r>
+                    <m:r>
+                      <a:rPr lang="en-US" sz="1800" i="1">
+                        <a:solidFill>
+                          <a:schemeClr val="tx1"/>
+                        </a:solidFill>
+                        <a:effectLst/>
+                        <a:latin typeface="Cambria Math" panose="02040503050406030204" pitchFamily="18" charset="0"/>
+                        <a:ea typeface="Calibri" panose="020F0502020204030204" pitchFamily="34" charset="0"/>
+                        <a:cs typeface="Times New Roman" panose="02020603050405020304" pitchFamily="18" charset="0"/>
+                      </a:rPr>
+                      <m:t>𝑡</m:t>
+                    </m:r>
+                    <m:r>
+                      <a:rPr lang="ru-RU" sz="1800" i="1">
+                        <a:solidFill>
+                          <a:schemeClr val="tx1"/>
+                        </a:solidFill>
+                        <a:effectLst/>
+                        <a:latin typeface="Cambria Math" panose="02040503050406030204" pitchFamily="18" charset="0"/>
+                        <a:ea typeface="Calibri" panose="020F0502020204030204" pitchFamily="34" charset="0"/>
+                        <a:cs typeface="Times New Roman" panose="02020603050405020304" pitchFamily="18" charset="0"/>
+                      </a:rPr>
+                      <m:t>  </m:t>
+                    </m:r>
+                  </m:oMath>
+                </a14:m>
+                <a:r>
+                  <a:rPr lang="ru-RU" sz="1800" dirty="0">
+                    <a:solidFill>
+                      <a:schemeClr val="tx1"/>
+                    </a:solidFill>
+                    <a:effectLst/>
+                    <a:latin typeface="Calibri" panose="020F0502020204030204" pitchFamily="34" charset="0"/>
+                    <a:ea typeface="Times New Roman" panose="02020603050405020304" pitchFamily="18" charset="0"/>
+                    <a:cs typeface="Times New Roman" panose="02020603050405020304" pitchFamily="18" charset="0"/>
+                  </a:rPr>
+                  <a:t>,</a:t>
+                </a:r>
+                <a:r>
+                  <a:rPr lang="ru-RU" sz="1800" dirty="0">
+                    <a:solidFill>
+                      <a:schemeClr val="tx1"/>
+                    </a:solidFill>
+                    <a:effectLst/>
+                    <a:latin typeface="Calibri" panose="020F0502020204030204" pitchFamily="34" charset="0"/>
+                    <a:ea typeface="Calibri" panose="020F0502020204030204" pitchFamily="34" charset="0"/>
+                    <a:cs typeface="Times New Roman" panose="02020603050405020304" pitchFamily="18" charset="0"/>
+                  </a:rPr>
+                  <a:t>	</a:t>
+                </a:r>
+              </a:p>
+              <a:p>
+                <a:pPr marL="0" indent="0" algn="ctr">
+                  <a:lnSpc>
+                    <a:spcPct val="107000"/>
+                  </a:lnSpc>
+                  <a:spcAft>
+                    <a:spcPts val="800"/>
+                  </a:spcAft>
+                  <a:buNone/>
+                </a:pPr>
+                <a14:m>
+                  <m:oMath xmlns:m="http://schemas.openxmlformats.org/officeDocument/2006/math">
+                    <m:sSub>
+                      <m:sSubPr>
+                        <m:ctrlPr>
+                          <a:rPr lang="ru-RU" sz="1800" i="1">
+                            <a:solidFill>
+                              <a:schemeClr val="tx1"/>
+                            </a:solidFill>
+                            <a:effectLst/>
+                            <a:latin typeface="Cambria Math" panose="02040503050406030204" pitchFamily="18" charset="0"/>
+                            <a:ea typeface="Calibri" panose="020F0502020204030204" pitchFamily="34" charset="0"/>
+                            <a:cs typeface="Times New Roman" panose="02020603050405020304" pitchFamily="18" charset="0"/>
+                          </a:rPr>
+                        </m:ctrlPr>
+                      </m:sSubPr>
+                      <m:e>
+                        <m:r>
+                          <a:rPr lang="en-US" sz="1800" i="1">
+                            <a:solidFill>
+                              <a:schemeClr val="tx1"/>
+                            </a:solidFill>
+                            <a:effectLst/>
+                            <a:latin typeface="Cambria Math" panose="02040503050406030204" pitchFamily="18" charset="0"/>
+                            <a:ea typeface="Calibri" panose="020F0502020204030204" pitchFamily="34" charset="0"/>
+                            <a:cs typeface="Times New Roman" panose="02020603050405020304" pitchFamily="18" charset="0"/>
+                          </a:rPr>
+                          <m:t>𝑁</m:t>
+                        </m:r>
+                      </m:e>
+                      <m:sub>
+                        <m:r>
+                          <a:rPr lang="en-US" sz="1800" i="1">
+                            <a:solidFill>
+                              <a:schemeClr val="tx1"/>
+                            </a:solidFill>
+                            <a:effectLst/>
+                            <a:latin typeface="Cambria Math" panose="02040503050406030204" pitchFamily="18" charset="0"/>
+                            <a:ea typeface="Calibri" panose="020F0502020204030204" pitchFamily="34" charset="0"/>
+                            <a:cs typeface="Times New Roman" panose="02020603050405020304" pitchFamily="18" charset="0"/>
+                          </a:rPr>
+                          <m:t>𝑡𝑎𝑟𝑔𝑒𝑡</m:t>
+                        </m:r>
+                        <m:r>
+                          <a:rPr lang="ru-RU" sz="1800" i="1">
+                            <a:solidFill>
+                              <a:schemeClr val="tx1"/>
+                            </a:solidFill>
+                            <a:effectLst/>
+                            <a:latin typeface="Cambria Math" panose="02040503050406030204" pitchFamily="18" charset="0"/>
+                            <a:ea typeface="Calibri" panose="020F0502020204030204" pitchFamily="34" charset="0"/>
+                            <a:cs typeface="Times New Roman" panose="02020603050405020304" pitchFamily="18" charset="0"/>
+                          </a:rPr>
+                          <m:t>, </m:t>
+                        </m:r>
+                        <m:r>
+                          <a:rPr lang="en-US" sz="1800" i="1">
+                            <a:solidFill>
+                              <a:schemeClr val="tx1"/>
+                            </a:solidFill>
+                            <a:effectLst/>
+                            <a:latin typeface="Cambria Math" panose="02040503050406030204" pitchFamily="18" charset="0"/>
+                            <a:ea typeface="Calibri" panose="020F0502020204030204" pitchFamily="34" charset="0"/>
+                            <a:cs typeface="Times New Roman" panose="02020603050405020304" pitchFamily="18" charset="0"/>
+                          </a:rPr>
+                          <m:t>𝑌</m:t>
+                        </m:r>
+                        <m:r>
+                          <a:rPr lang="ru-RU" sz="1800" i="1">
+                            <a:solidFill>
+                              <a:schemeClr val="tx1"/>
+                            </a:solidFill>
+                            <a:effectLst/>
+                            <a:latin typeface="Cambria Math" panose="02040503050406030204" pitchFamily="18" charset="0"/>
+                            <a:ea typeface="Calibri" panose="020F0502020204030204" pitchFamily="34" charset="0"/>
+                            <a:cs typeface="Times New Roman" panose="02020603050405020304" pitchFamily="18" charset="0"/>
+                          </a:rPr>
+                          <m:t>= 1</m:t>
+                        </m:r>
+                      </m:sub>
+                    </m:sSub>
+                    <m:d>
+                      <m:dPr>
+                        <m:ctrlPr>
+                          <a:rPr lang="ru-RU" sz="1800" i="1">
+                            <a:solidFill>
+                              <a:schemeClr val="tx1"/>
+                            </a:solidFill>
+                            <a:effectLst/>
+                            <a:latin typeface="Cambria Math" panose="02040503050406030204" pitchFamily="18" charset="0"/>
+                            <a:ea typeface="Calibri" panose="020F0502020204030204" pitchFamily="34" charset="0"/>
+                            <a:cs typeface="Times New Roman" panose="02020603050405020304" pitchFamily="18" charset="0"/>
+                          </a:rPr>
+                        </m:ctrlPr>
+                      </m:dPr>
+                      <m:e>
+                        <m:r>
+                          <a:rPr lang="en-US" sz="1800" i="1">
+                            <a:solidFill>
+                              <a:schemeClr val="tx1"/>
+                            </a:solidFill>
+                            <a:effectLst/>
+                            <a:latin typeface="Cambria Math" panose="02040503050406030204" pitchFamily="18" charset="0"/>
+                            <a:ea typeface="Calibri" panose="020F0502020204030204" pitchFamily="34" charset="0"/>
+                            <a:cs typeface="Times New Roman" panose="02020603050405020304" pitchFamily="18" charset="0"/>
+                          </a:rPr>
+                          <m:t>𝑡</m:t>
+                        </m:r>
+                      </m:e>
+                    </m:d>
+                    <m:r>
+                      <a:rPr lang="ru-RU" sz="1800" i="1">
+                        <a:solidFill>
+                          <a:schemeClr val="tx1"/>
+                        </a:solidFill>
+                        <a:effectLst/>
+                        <a:latin typeface="Cambria Math" panose="02040503050406030204" pitchFamily="18" charset="0"/>
+                        <a:ea typeface="Calibri" panose="020F0502020204030204" pitchFamily="34" charset="0"/>
+                        <a:cs typeface="Times New Roman" panose="02020603050405020304" pitchFamily="18" charset="0"/>
+                      </a:rPr>
+                      <m:t>−размер рабочей  группы , совершившей целевое действие, при всей выборке размера </m:t>
+                    </m:r>
+                    <m:r>
+                      <a:rPr lang="en-US" sz="1800" i="1">
+                        <a:solidFill>
+                          <a:schemeClr val="tx1"/>
+                        </a:solidFill>
+                        <a:effectLst/>
+                        <a:latin typeface="Cambria Math" panose="02040503050406030204" pitchFamily="18" charset="0"/>
+                        <a:ea typeface="Calibri" panose="020F0502020204030204" pitchFamily="34" charset="0"/>
+                        <a:cs typeface="Times New Roman" panose="02020603050405020304" pitchFamily="18" charset="0"/>
+                      </a:rPr>
+                      <m:t>𝑡</m:t>
+                    </m:r>
+                  </m:oMath>
+                </a14:m>
+                <a:r>
+                  <a:rPr lang="ru-RU" sz="1800" dirty="0">
+                    <a:solidFill>
+                      <a:schemeClr val="tx1"/>
+                    </a:solidFill>
+                    <a:effectLst/>
+                    <a:latin typeface="Calibri" panose="020F0502020204030204" pitchFamily="34" charset="0"/>
+                    <a:ea typeface="Times New Roman" panose="02020603050405020304" pitchFamily="18" charset="0"/>
+                    <a:cs typeface="Times New Roman" panose="02020603050405020304" pitchFamily="18" charset="0"/>
+                  </a:rPr>
+                  <a:t>.</a:t>
+                </a:r>
+                <a:endParaRPr lang="ru-RU" sz="1800" dirty="0">
+                  <a:solidFill>
+                    <a:schemeClr val="tx1"/>
+                  </a:solidFill>
+                  <a:effectLst/>
+                  <a:latin typeface="Calibri" panose="020F0502020204030204" pitchFamily="34" charset="0"/>
+                  <a:ea typeface="Calibri" panose="020F0502020204030204" pitchFamily="34" charset="0"/>
+                  <a:cs typeface="Times New Roman" panose="02020603050405020304" pitchFamily="18" charset="0"/>
+                </a:endParaRPr>
+              </a:p>
+              <a:p>
+                <a:pPr marL="228600" lvl="1">
+                  <a:spcBef>
+                    <a:spcPts val="1000"/>
+                  </a:spcBef>
+                </a:pPr>
+                <a:endParaRPr lang="en-US" sz="1800" dirty="0">
+                  <a:latin typeface="Times New Roman" panose="02020603050405020304" pitchFamily="18" charset="0"/>
+                  <a:cs typeface="Times New Roman" panose="02020603050405020304" pitchFamily="18" charset="0"/>
+                </a:endParaRPr>
+              </a:p>
+              <a:p>
+                <a:pPr marL="228600" lvl="1">
+                  <a:spcBef>
+                    <a:spcPts val="1000"/>
+                  </a:spcBef>
+                </a:pPr>
+                <a:r>
+                  <a:rPr lang="en-US" sz="1800" dirty="0" err="1">
+                    <a:latin typeface="Times New Roman" panose="02020603050405020304" pitchFamily="18" charset="0"/>
+                    <a:cs typeface="Times New Roman" panose="02020603050405020304" pitchFamily="18" charset="0"/>
+                  </a:rPr>
+                  <a:t>Qini</a:t>
+                </a:r>
+                <a:r>
+                  <a:rPr lang="en-US" sz="1800" dirty="0">
+                    <a:latin typeface="Times New Roman" panose="02020603050405020304" pitchFamily="18" charset="0"/>
+                    <a:cs typeface="Times New Roman" panose="02020603050405020304" pitchFamily="18" charset="0"/>
+                  </a:rPr>
+                  <a:t> </a:t>
+                </a:r>
+                <a:r>
+                  <a:rPr lang="ru-RU" sz="1800" dirty="0">
+                    <a:latin typeface="Times New Roman" panose="02020603050405020304" pitchFamily="18" charset="0"/>
+                    <a:cs typeface="Times New Roman" panose="02020603050405020304" pitchFamily="18" charset="0"/>
+                  </a:rPr>
+                  <a:t>кривая</a:t>
+                </a:r>
+                <a:r>
+                  <a:rPr lang="en-US" sz="1800" dirty="0">
+                    <a:latin typeface="Times New Roman" panose="02020603050405020304" pitchFamily="18" charset="0"/>
+                    <a:cs typeface="Times New Roman" panose="02020603050405020304" pitchFamily="18" charset="0"/>
+                  </a:rPr>
+                  <a:t>:</a:t>
+                </a:r>
+              </a:p>
+              <a:p>
+                <a:pPr marL="0" indent="0">
+                  <a:lnSpc>
+                    <a:spcPct val="107000"/>
+                  </a:lnSpc>
+                  <a:spcAft>
+                    <a:spcPts val="800"/>
+                  </a:spcAft>
+                  <a:buNone/>
+                </a:pPr>
+                <a:r>
+                  <a:rPr lang="ru-RU" sz="1800" dirty="0">
+                    <a:effectLst/>
+                    <a:latin typeface="Calibri" panose="020F0502020204030204" pitchFamily="34" charset="0"/>
+                    <a:ea typeface="Calibri" panose="020F0502020204030204" pitchFamily="34" charset="0"/>
+                    <a:cs typeface="Times New Roman" panose="02020603050405020304" pitchFamily="18" charset="0"/>
+                  </a:rPr>
+                  <a:t>	</a:t>
+                </a:r>
+                <a14:m>
+                  <m:oMath xmlns:m="http://schemas.openxmlformats.org/officeDocument/2006/math">
+                    <m:r>
+                      <a:rPr lang="ru-RU" sz="1800" i="1">
+                        <a:effectLst/>
+                        <a:latin typeface="Cambria Math" panose="02040503050406030204" pitchFamily="18" charset="0"/>
+                        <a:ea typeface="Calibri" panose="020F0502020204030204" pitchFamily="34" charset="0"/>
+                        <a:cs typeface="Times New Roman" panose="02020603050405020304" pitchFamily="18" charset="0"/>
+                      </a:rPr>
+                      <m:t>𝑄𝑖𝑛𝑖</m:t>
+                    </m:r>
+                    <m:d>
+                      <m:dPr>
+                        <m:ctrlPr>
+                          <a:rPr lang="ru-RU" sz="1800" i="1">
+                            <a:effectLst/>
+                            <a:latin typeface="Cambria Math" panose="02040503050406030204" pitchFamily="18" charset="0"/>
+                            <a:ea typeface="Calibri" panose="020F0502020204030204" pitchFamily="34" charset="0"/>
+                            <a:cs typeface="Times New Roman" panose="02020603050405020304" pitchFamily="18" charset="0"/>
+                          </a:rPr>
+                        </m:ctrlPr>
+                      </m:dPr>
+                      <m:e>
+                        <m:r>
+                          <a:rPr lang="ru-RU" sz="1800" i="1">
+                            <a:effectLst/>
+                            <a:latin typeface="Cambria Math" panose="02040503050406030204" pitchFamily="18" charset="0"/>
+                            <a:ea typeface="Calibri" panose="020F0502020204030204" pitchFamily="34" charset="0"/>
+                            <a:cs typeface="Times New Roman" panose="02020603050405020304" pitchFamily="18" charset="0"/>
+                          </a:rPr>
+                          <m:t>𝑡</m:t>
+                        </m:r>
+                      </m:e>
+                    </m:d>
+                    <m:r>
+                      <a:rPr lang="ru-RU" sz="1800" i="1">
+                        <a:effectLst/>
+                        <a:latin typeface="Cambria Math" panose="02040503050406030204" pitchFamily="18" charset="0"/>
+                        <a:ea typeface="Times New Roman" panose="02020603050405020304" pitchFamily="18" charset="0"/>
+                        <a:cs typeface="Times New Roman" panose="02020603050405020304" pitchFamily="18" charset="0"/>
+                      </a:rPr>
+                      <m:t>=  </m:t>
+                    </m:r>
+                    <m:r>
+                      <a:rPr lang="en-US" sz="1800" i="1">
+                        <a:effectLst/>
+                        <a:latin typeface="Cambria Math" panose="02040503050406030204" pitchFamily="18" charset="0"/>
+                        <a:ea typeface="Calibri" panose="020F0502020204030204" pitchFamily="34" charset="0"/>
+                        <a:cs typeface="Times New Roman" panose="02020603050405020304" pitchFamily="18" charset="0"/>
+                      </a:rPr>
+                      <m:t>𝑈𝐶</m:t>
+                    </m:r>
+                    <m:d>
+                      <m:dPr>
+                        <m:ctrlPr>
+                          <a:rPr lang="ru-RU" sz="1800" i="1">
+                            <a:effectLst/>
+                            <a:latin typeface="Cambria Math" panose="02040503050406030204" pitchFamily="18" charset="0"/>
+                            <a:ea typeface="Calibri" panose="020F0502020204030204" pitchFamily="34" charset="0"/>
+                            <a:cs typeface="Times New Roman" panose="02020603050405020304" pitchFamily="18" charset="0"/>
+                          </a:rPr>
+                        </m:ctrlPr>
+                      </m:dPr>
+                      <m:e>
+                        <m:r>
+                          <a:rPr lang="en-US" sz="1800" i="1">
+                            <a:effectLst/>
+                            <a:latin typeface="Cambria Math" panose="02040503050406030204" pitchFamily="18" charset="0"/>
+                            <a:ea typeface="Calibri" panose="020F0502020204030204" pitchFamily="34" charset="0"/>
+                            <a:cs typeface="Times New Roman" panose="02020603050405020304" pitchFamily="18" charset="0"/>
+                          </a:rPr>
+                          <m:t>𝑡</m:t>
+                        </m:r>
+                      </m:e>
+                    </m:d>
+                    <m:r>
+                      <a:rPr lang="ru-RU" sz="1800" i="1">
+                        <a:effectLst/>
+                        <a:latin typeface="Cambria Math" panose="02040503050406030204" pitchFamily="18" charset="0"/>
+                        <a:ea typeface="Calibri" panose="020F0502020204030204" pitchFamily="34" charset="0"/>
+                        <a:cs typeface="Times New Roman" panose="02020603050405020304" pitchFamily="18" charset="0"/>
+                      </a:rPr>
+                      <m:t>∗</m:t>
+                    </m:r>
+                    <m:f>
+                      <m:fPr>
+                        <m:ctrlPr>
+                          <a:rPr lang="ru-RU" sz="1800" i="1">
+                            <a:effectLst/>
+                            <a:latin typeface="Cambria Math" panose="02040503050406030204" pitchFamily="18" charset="0"/>
+                            <a:ea typeface="Times New Roman" panose="02020603050405020304" pitchFamily="18" charset="0"/>
+                            <a:cs typeface="Times New Roman" panose="02020603050405020304" pitchFamily="18" charset="0"/>
+                          </a:rPr>
+                        </m:ctrlPr>
+                      </m:fPr>
+                      <m:num>
+                        <m:sSub>
+                          <m:sSubPr>
+                            <m:ctrlPr>
+                              <a:rPr lang="ru-RU" sz="1800" i="1">
+                                <a:effectLst/>
+                                <a:latin typeface="Cambria Math" panose="02040503050406030204" pitchFamily="18" charset="0"/>
+                                <a:ea typeface="Calibri" panose="020F0502020204030204" pitchFamily="34" charset="0"/>
+                                <a:cs typeface="Times New Roman" panose="02020603050405020304" pitchFamily="18" charset="0"/>
+                              </a:rPr>
+                            </m:ctrlPr>
+                          </m:sSubPr>
+                          <m:e>
+                            <m:r>
+                              <a:rPr lang="en-US" sz="1800" i="1">
+                                <a:effectLst/>
+                                <a:latin typeface="Cambria Math" panose="02040503050406030204" pitchFamily="18" charset="0"/>
+                                <a:ea typeface="Calibri" panose="020F0502020204030204" pitchFamily="34" charset="0"/>
+                                <a:cs typeface="Times New Roman" panose="02020603050405020304" pitchFamily="18" charset="0"/>
+                              </a:rPr>
+                              <m:t>𝑁</m:t>
+                            </m:r>
+                          </m:e>
+                          <m:sub>
+                            <m:r>
+                              <a:rPr lang="en-US" sz="1800" i="1">
+                                <a:effectLst/>
+                                <a:latin typeface="Cambria Math" panose="02040503050406030204" pitchFamily="18" charset="0"/>
+                                <a:ea typeface="Calibri" panose="020F0502020204030204" pitchFamily="34" charset="0"/>
+                                <a:cs typeface="Times New Roman" panose="02020603050405020304" pitchFamily="18" charset="0"/>
+                              </a:rPr>
+                              <m:t>𝑡𝑎𝑟𝑔𝑒𝑡</m:t>
+                            </m:r>
+                            <m:r>
+                              <a:rPr lang="ru-RU" sz="1800" i="1">
+                                <a:effectLst/>
+                                <a:latin typeface="Cambria Math" panose="02040503050406030204" pitchFamily="18" charset="0"/>
+                                <a:ea typeface="Calibri" panose="020F0502020204030204" pitchFamily="34" charset="0"/>
+                                <a:cs typeface="Times New Roman" panose="02020603050405020304" pitchFamily="18" charset="0"/>
+                              </a:rPr>
+                              <m:t>, </m:t>
+                            </m:r>
+                            <m:r>
+                              <a:rPr lang="en-US" sz="1800" i="1">
+                                <a:effectLst/>
+                                <a:latin typeface="Cambria Math" panose="02040503050406030204" pitchFamily="18" charset="0"/>
+                                <a:ea typeface="Calibri" panose="020F0502020204030204" pitchFamily="34" charset="0"/>
+                                <a:cs typeface="Times New Roman" panose="02020603050405020304" pitchFamily="18" charset="0"/>
+                              </a:rPr>
+                              <m:t>𝑌</m:t>
+                            </m:r>
+                            <m:r>
+                              <a:rPr lang="ru-RU" sz="1800" i="1">
+                                <a:effectLst/>
+                                <a:latin typeface="Cambria Math" panose="02040503050406030204" pitchFamily="18" charset="0"/>
+                                <a:ea typeface="Calibri" panose="020F0502020204030204" pitchFamily="34" charset="0"/>
+                                <a:cs typeface="Times New Roman" panose="02020603050405020304" pitchFamily="18" charset="0"/>
+                              </a:rPr>
+                              <m:t>=0, 1</m:t>
+                            </m:r>
+                          </m:sub>
+                        </m:sSub>
+                        <m:d>
+                          <m:dPr>
+                            <m:ctrlPr>
+                              <a:rPr lang="ru-RU" sz="1800" i="1">
+                                <a:effectLst/>
+                                <a:latin typeface="Cambria Math" panose="02040503050406030204" pitchFamily="18" charset="0"/>
+                                <a:ea typeface="Calibri" panose="020F0502020204030204" pitchFamily="34" charset="0"/>
+                                <a:cs typeface="Times New Roman" panose="02020603050405020304" pitchFamily="18" charset="0"/>
+                              </a:rPr>
+                            </m:ctrlPr>
+                          </m:dPr>
+                          <m:e>
+                            <m:r>
+                              <a:rPr lang="en-US" sz="1800" i="1">
+                                <a:effectLst/>
+                                <a:latin typeface="Cambria Math" panose="02040503050406030204" pitchFamily="18" charset="0"/>
+                                <a:ea typeface="Calibri" panose="020F0502020204030204" pitchFamily="34" charset="0"/>
+                                <a:cs typeface="Times New Roman" panose="02020603050405020304" pitchFamily="18" charset="0"/>
+                              </a:rPr>
+                              <m:t>𝑡</m:t>
+                            </m:r>
+                          </m:e>
+                        </m:d>
+                      </m:num>
+                      <m:den>
+                        <m:d>
+                          <m:dPr>
+                            <m:ctrlPr>
+                              <a:rPr lang="ru-RU" sz="1800" i="1">
+                                <a:effectLst/>
+                                <a:latin typeface="Cambria Math" panose="02040503050406030204" pitchFamily="18" charset="0"/>
+                                <a:ea typeface="Times New Roman" panose="02020603050405020304" pitchFamily="18" charset="0"/>
+                                <a:cs typeface="Times New Roman" panose="02020603050405020304" pitchFamily="18" charset="0"/>
+                              </a:rPr>
+                            </m:ctrlPr>
+                          </m:dPr>
+                          <m:e>
+                            <m:sSub>
+                              <m:sSubPr>
+                                <m:ctrlPr>
+                                  <a:rPr lang="ru-RU" sz="1800" i="1">
+                                    <a:effectLst/>
+                                    <a:latin typeface="Cambria Math" panose="02040503050406030204" pitchFamily="18" charset="0"/>
+                                    <a:ea typeface="Calibri" panose="020F0502020204030204" pitchFamily="34" charset="0"/>
+                                    <a:cs typeface="Times New Roman" panose="02020603050405020304" pitchFamily="18" charset="0"/>
+                                  </a:rPr>
+                                </m:ctrlPr>
+                              </m:sSubPr>
+                              <m:e>
+                                <m:r>
+                                  <a:rPr lang="en-US" sz="1800" i="1">
+                                    <a:effectLst/>
+                                    <a:latin typeface="Cambria Math" panose="02040503050406030204" pitchFamily="18" charset="0"/>
+                                    <a:ea typeface="Calibri" panose="020F0502020204030204" pitchFamily="34" charset="0"/>
+                                    <a:cs typeface="Times New Roman" panose="02020603050405020304" pitchFamily="18" charset="0"/>
+                                  </a:rPr>
+                                  <m:t>𝑁</m:t>
+                                </m:r>
+                              </m:e>
+                              <m:sub>
+                                <m:r>
+                                  <a:rPr lang="en-US" sz="1800" i="1">
+                                    <a:effectLst/>
+                                    <a:latin typeface="Cambria Math" panose="02040503050406030204" pitchFamily="18" charset="0"/>
+                                    <a:ea typeface="Calibri" panose="020F0502020204030204" pitchFamily="34" charset="0"/>
+                                    <a:cs typeface="Times New Roman" panose="02020603050405020304" pitchFamily="18" charset="0"/>
+                                  </a:rPr>
+                                  <m:t>𝑡𝑎𝑟𝑔𝑒𝑡</m:t>
+                                </m:r>
+                                <m:r>
+                                  <a:rPr lang="ru-RU" sz="1800" i="1">
+                                    <a:effectLst/>
+                                    <a:latin typeface="Cambria Math" panose="02040503050406030204" pitchFamily="18" charset="0"/>
+                                    <a:ea typeface="Calibri" panose="020F0502020204030204" pitchFamily="34" charset="0"/>
+                                    <a:cs typeface="Times New Roman" panose="02020603050405020304" pitchFamily="18" charset="0"/>
+                                  </a:rPr>
+                                  <m:t>, </m:t>
+                                </m:r>
+                                <m:r>
+                                  <a:rPr lang="en-US" sz="1800" i="1">
+                                    <a:effectLst/>
+                                    <a:latin typeface="Cambria Math" panose="02040503050406030204" pitchFamily="18" charset="0"/>
+                                    <a:ea typeface="Calibri" panose="020F0502020204030204" pitchFamily="34" charset="0"/>
+                                    <a:cs typeface="Times New Roman" panose="02020603050405020304" pitchFamily="18" charset="0"/>
+                                  </a:rPr>
+                                  <m:t>𝑌</m:t>
+                                </m:r>
+                                <m:r>
+                                  <a:rPr lang="ru-RU" sz="1800" i="1">
+                                    <a:effectLst/>
+                                    <a:latin typeface="Cambria Math" panose="02040503050406030204" pitchFamily="18" charset="0"/>
+                                    <a:ea typeface="Calibri" panose="020F0502020204030204" pitchFamily="34" charset="0"/>
+                                    <a:cs typeface="Times New Roman" panose="02020603050405020304" pitchFamily="18" charset="0"/>
+                                  </a:rPr>
+                                  <m:t>=0, 1</m:t>
+                                </m:r>
+                              </m:sub>
+                            </m:sSub>
+                            <m:d>
+                              <m:dPr>
+                                <m:ctrlPr>
+                                  <a:rPr lang="ru-RU" sz="1800" i="1">
+                                    <a:effectLst/>
+                                    <a:latin typeface="Cambria Math" panose="02040503050406030204" pitchFamily="18" charset="0"/>
+                                    <a:ea typeface="Calibri" panose="020F0502020204030204" pitchFamily="34" charset="0"/>
+                                    <a:cs typeface="Times New Roman" panose="02020603050405020304" pitchFamily="18" charset="0"/>
+                                  </a:rPr>
+                                </m:ctrlPr>
+                              </m:dPr>
+                              <m:e>
+                                <m:r>
+                                  <a:rPr lang="en-US" sz="1800" i="1">
+                                    <a:effectLst/>
+                                    <a:latin typeface="Cambria Math" panose="02040503050406030204" pitchFamily="18" charset="0"/>
+                                    <a:ea typeface="Calibri" panose="020F0502020204030204" pitchFamily="34" charset="0"/>
+                                    <a:cs typeface="Times New Roman" panose="02020603050405020304" pitchFamily="18" charset="0"/>
+                                  </a:rPr>
+                                  <m:t>𝑡</m:t>
+                                </m:r>
+                              </m:e>
+                            </m:d>
+                            <m:r>
+                              <a:rPr lang="ru-RU" sz="1800" i="1">
+                                <a:effectLst/>
+                                <a:latin typeface="Cambria Math" panose="02040503050406030204" pitchFamily="18" charset="0"/>
+                                <a:ea typeface="Calibri" panose="020F0502020204030204" pitchFamily="34" charset="0"/>
+                                <a:cs typeface="Times New Roman" panose="02020603050405020304" pitchFamily="18" charset="0"/>
+                              </a:rPr>
+                              <m:t>+</m:t>
+                            </m:r>
+                            <m:sSub>
+                              <m:sSubPr>
+                                <m:ctrlPr>
+                                  <a:rPr lang="ru-RU" sz="1800" i="1">
+                                    <a:effectLst/>
+                                    <a:latin typeface="Cambria Math" panose="02040503050406030204" pitchFamily="18" charset="0"/>
+                                    <a:ea typeface="Calibri" panose="020F0502020204030204" pitchFamily="34" charset="0"/>
+                                    <a:cs typeface="Times New Roman" panose="02020603050405020304" pitchFamily="18" charset="0"/>
+                                  </a:rPr>
+                                </m:ctrlPr>
+                              </m:sSubPr>
+                              <m:e>
+                                <m:r>
+                                  <a:rPr lang="en-US" sz="1800" i="1">
+                                    <a:effectLst/>
+                                    <a:latin typeface="Cambria Math" panose="02040503050406030204" pitchFamily="18" charset="0"/>
+                                    <a:ea typeface="Calibri" panose="020F0502020204030204" pitchFamily="34" charset="0"/>
+                                    <a:cs typeface="Times New Roman" panose="02020603050405020304" pitchFamily="18" charset="0"/>
+                                  </a:rPr>
+                                  <m:t>𝑁</m:t>
+                                </m:r>
+                              </m:e>
+                              <m:sub>
+                                <m:r>
+                                  <a:rPr lang="en-US" sz="1800" i="1">
+                                    <a:effectLst/>
+                                    <a:latin typeface="Cambria Math" panose="02040503050406030204" pitchFamily="18" charset="0"/>
+                                    <a:ea typeface="Calibri" panose="020F0502020204030204" pitchFamily="34" charset="0"/>
+                                    <a:cs typeface="Times New Roman" panose="02020603050405020304" pitchFamily="18" charset="0"/>
+                                  </a:rPr>
+                                  <m:t>𝑐𝑜𝑛𝑡𝑟𝑜𝑙</m:t>
+                                </m:r>
+                                <m:r>
+                                  <a:rPr lang="ru-RU" sz="1800" i="1">
+                                    <a:effectLst/>
+                                    <a:latin typeface="Cambria Math" panose="02040503050406030204" pitchFamily="18" charset="0"/>
+                                    <a:ea typeface="Calibri" panose="020F0502020204030204" pitchFamily="34" charset="0"/>
+                                    <a:cs typeface="Times New Roman" panose="02020603050405020304" pitchFamily="18" charset="0"/>
+                                  </a:rPr>
+                                  <m:t>, </m:t>
+                                </m:r>
+                                <m:r>
+                                  <a:rPr lang="en-US" sz="1800" i="1">
+                                    <a:effectLst/>
+                                    <a:latin typeface="Cambria Math" panose="02040503050406030204" pitchFamily="18" charset="0"/>
+                                    <a:ea typeface="Calibri" panose="020F0502020204030204" pitchFamily="34" charset="0"/>
+                                    <a:cs typeface="Times New Roman" panose="02020603050405020304" pitchFamily="18" charset="0"/>
+                                  </a:rPr>
+                                  <m:t>𝑌</m:t>
+                                </m:r>
+                                <m:r>
+                                  <a:rPr lang="ru-RU" sz="1800" i="1">
+                                    <a:effectLst/>
+                                    <a:latin typeface="Cambria Math" panose="02040503050406030204" pitchFamily="18" charset="0"/>
+                                    <a:ea typeface="Calibri" panose="020F0502020204030204" pitchFamily="34" charset="0"/>
+                                    <a:cs typeface="Times New Roman" panose="02020603050405020304" pitchFamily="18" charset="0"/>
+                                  </a:rPr>
+                                  <m:t>=0, 1</m:t>
+                                </m:r>
+                              </m:sub>
+                            </m:sSub>
+                            <m:d>
+                              <m:dPr>
+                                <m:ctrlPr>
+                                  <a:rPr lang="ru-RU" sz="1800" i="1">
+                                    <a:effectLst/>
+                                    <a:latin typeface="Cambria Math" panose="02040503050406030204" pitchFamily="18" charset="0"/>
+                                    <a:ea typeface="Calibri" panose="020F0502020204030204" pitchFamily="34" charset="0"/>
+                                    <a:cs typeface="Times New Roman" panose="02020603050405020304" pitchFamily="18" charset="0"/>
+                                  </a:rPr>
+                                </m:ctrlPr>
+                              </m:dPr>
+                              <m:e>
+                                <m:r>
+                                  <a:rPr lang="en-US" sz="1800" i="1">
+                                    <a:effectLst/>
+                                    <a:latin typeface="Cambria Math" panose="02040503050406030204" pitchFamily="18" charset="0"/>
+                                    <a:ea typeface="Calibri" panose="020F0502020204030204" pitchFamily="34" charset="0"/>
+                                    <a:cs typeface="Times New Roman" panose="02020603050405020304" pitchFamily="18" charset="0"/>
+                                  </a:rPr>
+                                  <m:t>𝑡</m:t>
+                                </m:r>
+                              </m:e>
+                            </m:d>
+                          </m:e>
+                        </m:d>
+                      </m:den>
+                    </m:f>
+                    <m:r>
+                      <a:rPr lang="ru-RU" sz="1800" i="1">
+                        <a:effectLst/>
+                        <a:latin typeface="Cambria Math" panose="02040503050406030204" pitchFamily="18" charset="0"/>
+                        <a:ea typeface="Times New Roman" panose="02020603050405020304" pitchFamily="18" charset="0"/>
+                        <a:cs typeface="Times New Roman" panose="02020603050405020304" pitchFamily="18" charset="0"/>
+                      </a:rPr>
+                      <m:t>=</m:t>
+                    </m:r>
+                    <m:d>
+                      <m:dPr>
+                        <m:ctrlPr>
+                          <a:rPr lang="ru-RU" sz="1800" i="1">
+                            <a:effectLst/>
+                            <a:latin typeface="Cambria Math" panose="02040503050406030204" pitchFamily="18" charset="0"/>
+                            <a:ea typeface="Calibri" panose="020F0502020204030204" pitchFamily="34" charset="0"/>
+                            <a:cs typeface="Times New Roman" panose="02020603050405020304" pitchFamily="18" charset="0"/>
+                          </a:rPr>
+                        </m:ctrlPr>
+                      </m:dPr>
+                      <m:e>
+                        <m:f>
+                          <m:fPr>
+                            <m:ctrlPr>
+                              <a:rPr lang="ru-RU" sz="1800" i="1">
+                                <a:effectLst/>
+                                <a:latin typeface="Cambria Math" panose="02040503050406030204" pitchFamily="18" charset="0"/>
+                                <a:ea typeface="Calibri" panose="020F0502020204030204" pitchFamily="34" charset="0"/>
+                                <a:cs typeface="Times New Roman" panose="02020603050405020304" pitchFamily="18" charset="0"/>
+                              </a:rPr>
+                            </m:ctrlPr>
+                          </m:fPr>
+                          <m:num>
+                            <m:sSub>
+                              <m:sSubPr>
+                                <m:ctrlPr>
+                                  <a:rPr lang="ru-RU" sz="1800" i="1">
+                                    <a:effectLst/>
+                                    <a:latin typeface="Cambria Math" panose="02040503050406030204" pitchFamily="18" charset="0"/>
+                                    <a:ea typeface="Calibri" panose="020F0502020204030204" pitchFamily="34" charset="0"/>
+                                    <a:cs typeface="Times New Roman" panose="02020603050405020304" pitchFamily="18" charset="0"/>
+                                  </a:rPr>
+                                </m:ctrlPr>
+                              </m:sSubPr>
+                              <m:e>
+                                <m:r>
+                                  <a:rPr lang="en-US" sz="1800" i="1">
+                                    <a:effectLst/>
+                                    <a:latin typeface="Cambria Math" panose="02040503050406030204" pitchFamily="18" charset="0"/>
+                                    <a:ea typeface="Calibri" panose="020F0502020204030204" pitchFamily="34" charset="0"/>
+                                    <a:cs typeface="Times New Roman" panose="02020603050405020304" pitchFamily="18" charset="0"/>
+                                  </a:rPr>
+                                  <m:t>𝑁</m:t>
+                                </m:r>
+                              </m:e>
+                              <m:sub>
+                                <m:r>
+                                  <a:rPr lang="en-US" sz="1800" i="1">
+                                    <a:effectLst/>
+                                    <a:latin typeface="Cambria Math" panose="02040503050406030204" pitchFamily="18" charset="0"/>
+                                    <a:ea typeface="Calibri" panose="020F0502020204030204" pitchFamily="34" charset="0"/>
+                                    <a:cs typeface="Times New Roman" panose="02020603050405020304" pitchFamily="18" charset="0"/>
+                                  </a:rPr>
+                                  <m:t>𝑡𝑎𝑟𝑔𝑒𝑡</m:t>
+                                </m:r>
+                                <m:r>
+                                  <a:rPr lang="ru-RU" sz="1800" i="1">
+                                    <a:effectLst/>
+                                    <a:latin typeface="Cambria Math" panose="02040503050406030204" pitchFamily="18" charset="0"/>
+                                    <a:ea typeface="Calibri" panose="020F0502020204030204" pitchFamily="34" charset="0"/>
+                                    <a:cs typeface="Times New Roman" panose="02020603050405020304" pitchFamily="18" charset="0"/>
+                                  </a:rPr>
+                                  <m:t>, </m:t>
+                                </m:r>
+                                <m:r>
+                                  <a:rPr lang="en-US" sz="1800" i="1">
+                                    <a:effectLst/>
+                                    <a:latin typeface="Cambria Math" panose="02040503050406030204" pitchFamily="18" charset="0"/>
+                                    <a:ea typeface="Calibri" panose="020F0502020204030204" pitchFamily="34" charset="0"/>
+                                    <a:cs typeface="Times New Roman" panose="02020603050405020304" pitchFamily="18" charset="0"/>
+                                  </a:rPr>
+                                  <m:t>𝑌</m:t>
+                                </m:r>
+                                <m:r>
+                                  <a:rPr lang="ru-RU" sz="1800" i="1">
+                                    <a:effectLst/>
+                                    <a:latin typeface="Cambria Math" panose="02040503050406030204" pitchFamily="18" charset="0"/>
+                                    <a:ea typeface="Calibri" panose="020F0502020204030204" pitchFamily="34" charset="0"/>
+                                    <a:cs typeface="Times New Roman" panose="02020603050405020304" pitchFamily="18" charset="0"/>
+                                  </a:rPr>
+                                  <m:t>=1</m:t>
+                                </m:r>
+                              </m:sub>
+                            </m:sSub>
+                            <m:d>
+                              <m:dPr>
+                                <m:ctrlPr>
+                                  <a:rPr lang="ru-RU" sz="1800" i="1">
+                                    <a:effectLst/>
+                                    <a:latin typeface="Cambria Math" panose="02040503050406030204" pitchFamily="18" charset="0"/>
+                                    <a:ea typeface="Calibri" panose="020F0502020204030204" pitchFamily="34" charset="0"/>
+                                    <a:cs typeface="Times New Roman" panose="02020603050405020304" pitchFamily="18" charset="0"/>
+                                  </a:rPr>
+                                </m:ctrlPr>
+                              </m:dPr>
+                              <m:e>
+                                <m:r>
+                                  <a:rPr lang="en-US" sz="1800" i="1">
+                                    <a:effectLst/>
+                                    <a:latin typeface="Cambria Math" panose="02040503050406030204" pitchFamily="18" charset="0"/>
+                                    <a:ea typeface="Calibri" panose="020F0502020204030204" pitchFamily="34" charset="0"/>
+                                    <a:cs typeface="Times New Roman" panose="02020603050405020304" pitchFamily="18" charset="0"/>
+                                  </a:rPr>
+                                  <m:t>𝑡</m:t>
+                                </m:r>
+                              </m:e>
+                            </m:d>
+                          </m:num>
+                          <m:den>
+                            <m:sSub>
+                              <m:sSubPr>
+                                <m:ctrlPr>
+                                  <a:rPr lang="ru-RU" sz="1800" i="1">
+                                    <a:effectLst/>
+                                    <a:latin typeface="Cambria Math" panose="02040503050406030204" pitchFamily="18" charset="0"/>
+                                    <a:ea typeface="Calibri" panose="020F0502020204030204" pitchFamily="34" charset="0"/>
+                                    <a:cs typeface="Times New Roman" panose="02020603050405020304" pitchFamily="18" charset="0"/>
+                                  </a:rPr>
+                                </m:ctrlPr>
+                              </m:sSubPr>
+                              <m:e>
+                                <m:r>
+                                  <a:rPr lang="en-US" sz="1800" i="1">
+                                    <a:effectLst/>
+                                    <a:latin typeface="Cambria Math" panose="02040503050406030204" pitchFamily="18" charset="0"/>
+                                    <a:ea typeface="Calibri" panose="020F0502020204030204" pitchFamily="34" charset="0"/>
+                                    <a:cs typeface="Times New Roman" panose="02020603050405020304" pitchFamily="18" charset="0"/>
+                                  </a:rPr>
+                                  <m:t>𝑁</m:t>
+                                </m:r>
+                              </m:e>
+                              <m:sub>
+                                <m:r>
+                                  <a:rPr lang="en-US" sz="1800" i="1">
+                                    <a:effectLst/>
+                                    <a:latin typeface="Cambria Math" panose="02040503050406030204" pitchFamily="18" charset="0"/>
+                                    <a:ea typeface="Calibri" panose="020F0502020204030204" pitchFamily="34" charset="0"/>
+                                    <a:cs typeface="Times New Roman" panose="02020603050405020304" pitchFamily="18" charset="0"/>
+                                  </a:rPr>
+                                  <m:t>𝑡𝑎𝑟𝑔𝑒𝑡</m:t>
+                                </m:r>
+                                <m:r>
+                                  <a:rPr lang="ru-RU" sz="1800" i="1">
+                                    <a:effectLst/>
+                                    <a:latin typeface="Cambria Math" panose="02040503050406030204" pitchFamily="18" charset="0"/>
+                                    <a:ea typeface="Calibri" panose="020F0502020204030204" pitchFamily="34" charset="0"/>
+                                    <a:cs typeface="Times New Roman" panose="02020603050405020304" pitchFamily="18" charset="0"/>
+                                  </a:rPr>
+                                  <m:t>, </m:t>
+                                </m:r>
+                                <m:r>
+                                  <a:rPr lang="en-US" sz="1800" i="1">
+                                    <a:effectLst/>
+                                    <a:latin typeface="Cambria Math" panose="02040503050406030204" pitchFamily="18" charset="0"/>
+                                    <a:ea typeface="Calibri" panose="020F0502020204030204" pitchFamily="34" charset="0"/>
+                                    <a:cs typeface="Times New Roman" panose="02020603050405020304" pitchFamily="18" charset="0"/>
+                                  </a:rPr>
+                                  <m:t>𝑌</m:t>
+                                </m:r>
+                                <m:r>
+                                  <a:rPr lang="ru-RU" sz="1800" i="1">
+                                    <a:effectLst/>
+                                    <a:latin typeface="Cambria Math" panose="02040503050406030204" pitchFamily="18" charset="0"/>
+                                    <a:ea typeface="Calibri" panose="020F0502020204030204" pitchFamily="34" charset="0"/>
+                                    <a:cs typeface="Times New Roman" panose="02020603050405020304" pitchFamily="18" charset="0"/>
+                                  </a:rPr>
+                                  <m:t>=0, 1</m:t>
+                                </m:r>
+                              </m:sub>
+                            </m:sSub>
+                            <m:d>
+                              <m:dPr>
+                                <m:ctrlPr>
+                                  <a:rPr lang="ru-RU" sz="1800" i="1">
+                                    <a:effectLst/>
+                                    <a:latin typeface="Cambria Math" panose="02040503050406030204" pitchFamily="18" charset="0"/>
+                                    <a:ea typeface="Calibri" panose="020F0502020204030204" pitchFamily="34" charset="0"/>
+                                    <a:cs typeface="Times New Roman" panose="02020603050405020304" pitchFamily="18" charset="0"/>
+                                  </a:rPr>
+                                </m:ctrlPr>
+                              </m:dPr>
+                              <m:e>
+                                <m:r>
+                                  <a:rPr lang="en-US" sz="1800" i="1">
+                                    <a:effectLst/>
+                                    <a:latin typeface="Cambria Math" panose="02040503050406030204" pitchFamily="18" charset="0"/>
+                                    <a:ea typeface="Calibri" panose="020F0502020204030204" pitchFamily="34" charset="0"/>
+                                    <a:cs typeface="Times New Roman" panose="02020603050405020304" pitchFamily="18" charset="0"/>
+                                  </a:rPr>
+                                  <m:t>𝑡</m:t>
+                                </m:r>
+                              </m:e>
+                            </m:d>
+                          </m:den>
+                        </m:f>
+                        <m:r>
+                          <a:rPr lang="ru-RU" sz="1800" i="1">
+                            <a:effectLst/>
+                            <a:latin typeface="Cambria Math" panose="02040503050406030204" pitchFamily="18" charset="0"/>
+                            <a:ea typeface="Calibri" panose="020F0502020204030204" pitchFamily="34" charset="0"/>
+                            <a:cs typeface="Times New Roman" panose="02020603050405020304" pitchFamily="18" charset="0"/>
+                          </a:rPr>
+                          <m:t>−</m:t>
+                        </m:r>
+                        <m:f>
+                          <m:fPr>
+                            <m:ctrlPr>
+                              <a:rPr lang="ru-RU" sz="1800" i="1">
+                                <a:effectLst/>
+                                <a:latin typeface="Cambria Math" panose="02040503050406030204" pitchFamily="18" charset="0"/>
+                                <a:ea typeface="Calibri" panose="020F0502020204030204" pitchFamily="34" charset="0"/>
+                                <a:cs typeface="Times New Roman" panose="02020603050405020304" pitchFamily="18" charset="0"/>
+                              </a:rPr>
+                            </m:ctrlPr>
+                          </m:fPr>
+                          <m:num>
+                            <m:sSub>
+                              <m:sSubPr>
+                                <m:ctrlPr>
+                                  <a:rPr lang="ru-RU" sz="1800" i="1">
+                                    <a:effectLst/>
+                                    <a:latin typeface="Cambria Math" panose="02040503050406030204" pitchFamily="18" charset="0"/>
+                                    <a:ea typeface="Calibri" panose="020F0502020204030204" pitchFamily="34" charset="0"/>
+                                    <a:cs typeface="Times New Roman" panose="02020603050405020304" pitchFamily="18" charset="0"/>
+                                  </a:rPr>
+                                </m:ctrlPr>
+                              </m:sSubPr>
+                              <m:e>
+                                <m:r>
+                                  <a:rPr lang="en-US" sz="1800" i="1">
+                                    <a:effectLst/>
+                                    <a:latin typeface="Cambria Math" panose="02040503050406030204" pitchFamily="18" charset="0"/>
+                                    <a:ea typeface="Calibri" panose="020F0502020204030204" pitchFamily="34" charset="0"/>
+                                    <a:cs typeface="Times New Roman" panose="02020603050405020304" pitchFamily="18" charset="0"/>
+                                  </a:rPr>
+                                  <m:t>𝑁</m:t>
+                                </m:r>
+                              </m:e>
+                              <m:sub>
+                                <m:r>
+                                  <a:rPr lang="en-US" sz="1800" i="1">
+                                    <a:effectLst/>
+                                    <a:latin typeface="Cambria Math" panose="02040503050406030204" pitchFamily="18" charset="0"/>
+                                    <a:ea typeface="Calibri" panose="020F0502020204030204" pitchFamily="34" charset="0"/>
+                                    <a:cs typeface="Times New Roman" panose="02020603050405020304" pitchFamily="18" charset="0"/>
+                                  </a:rPr>
+                                  <m:t>𝑐𝑜𝑛𝑡𝑟𝑜𝑙</m:t>
+                                </m:r>
+                                <m:r>
+                                  <a:rPr lang="ru-RU" sz="1800" i="1">
+                                    <a:effectLst/>
+                                    <a:latin typeface="Cambria Math" panose="02040503050406030204" pitchFamily="18" charset="0"/>
+                                    <a:ea typeface="Calibri" panose="020F0502020204030204" pitchFamily="34" charset="0"/>
+                                    <a:cs typeface="Times New Roman" panose="02020603050405020304" pitchFamily="18" charset="0"/>
+                                  </a:rPr>
+                                  <m:t>, </m:t>
+                                </m:r>
+                                <m:r>
+                                  <a:rPr lang="en-US" sz="1800" i="1">
+                                    <a:effectLst/>
+                                    <a:latin typeface="Cambria Math" panose="02040503050406030204" pitchFamily="18" charset="0"/>
+                                    <a:ea typeface="Calibri" panose="020F0502020204030204" pitchFamily="34" charset="0"/>
+                                    <a:cs typeface="Times New Roman" panose="02020603050405020304" pitchFamily="18" charset="0"/>
+                                  </a:rPr>
+                                  <m:t>𝑌</m:t>
+                                </m:r>
+                                <m:r>
+                                  <a:rPr lang="ru-RU" sz="1800" i="1">
+                                    <a:effectLst/>
+                                    <a:latin typeface="Cambria Math" panose="02040503050406030204" pitchFamily="18" charset="0"/>
+                                    <a:ea typeface="Calibri" panose="020F0502020204030204" pitchFamily="34" charset="0"/>
+                                    <a:cs typeface="Times New Roman" panose="02020603050405020304" pitchFamily="18" charset="0"/>
+                                  </a:rPr>
+                                  <m:t>=1</m:t>
+                                </m:r>
+                              </m:sub>
+                            </m:sSub>
+                            <m:d>
+                              <m:dPr>
+                                <m:ctrlPr>
+                                  <a:rPr lang="ru-RU" sz="1800" i="1">
+                                    <a:effectLst/>
+                                    <a:latin typeface="Cambria Math" panose="02040503050406030204" pitchFamily="18" charset="0"/>
+                                    <a:ea typeface="Calibri" panose="020F0502020204030204" pitchFamily="34" charset="0"/>
+                                    <a:cs typeface="Times New Roman" panose="02020603050405020304" pitchFamily="18" charset="0"/>
+                                  </a:rPr>
+                                </m:ctrlPr>
+                              </m:dPr>
+                              <m:e>
+                                <m:r>
+                                  <a:rPr lang="en-US" sz="1800" i="1">
+                                    <a:effectLst/>
+                                    <a:latin typeface="Cambria Math" panose="02040503050406030204" pitchFamily="18" charset="0"/>
+                                    <a:ea typeface="Calibri" panose="020F0502020204030204" pitchFamily="34" charset="0"/>
+                                    <a:cs typeface="Times New Roman" panose="02020603050405020304" pitchFamily="18" charset="0"/>
+                                  </a:rPr>
+                                  <m:t>𝑡</m:t>
+                                </m:r>
+                              </m:e>
+                            </m:d>
+                          </m:num>
+                          <m:den>
+                            <m:sSub>
+                              <m:sSubPr>
+                                <m:ctrlPr>
+                                  <a:rPr lang="ru-RU" sz="1800" i="1">
+                                    <a:effectLst/>
+                                    <a:latin typeface="Cambria Math" panose="02040503050406030204" pitchFamily="18" charset="0"/>
+                                    <a:ea typeface="Calibri" panose="020F0502020204030204" pitchFamily="34" charset="0"/>
+                                    <a:cs typeface="Times New Roman" panose="02020603050405020304" pitchFamily="18" charset="0"/>
+                                  </a:rPr>
+                                </m:ctrlPr>
+                              </m:sSubPr>
+                              <m:e>
+                                <m:r>
+                                  <a:rPr lang="en-US" sz="1800" i="1">
+                                    <a:effectLst/>
+                                    <a:latin typeface="Cambria Math" panose="02040503050406030204" pitchFamily="18" charset="0"/>
+                                    <a:ea typeface="Calibri" panose="020F0502020204030204" pitchFamily="34" charset="0"/>
+                                    <a:cs typeface="Times New Roman" panose="02020603050405020304" pitchFamily="18" charset="0"/>
+                                  </a:rPr>
+                                  <m:t>𝑁</m:t>
+                                </m:r>
+                              </m:e>
+                              <m:sub>
+                                <m:r>
+                                  <a:rPr lang="en-US" sz="1800" i="1">
+                                    <a:effectLst/>
+                                    <a:latin typeface="Cambria Math" panose="02040503050406030204" pitchFamily="18" charset="0"/>
+                                    <a:ea typeface="Calibri" panose="020F0502020204030204" pitchFamily="34" charset="0"/>
+                                    <a:cs typeface="Times New Roman" panose="02020603050405020304" pitchFamily="18" charset="0"/>
+                                  </a:rPr>
+                                  <m:t>𝑐𝑜𝑛𝑡𝑟𝑜𝑙</m:t>
+                                </m:r>
+                                <m:r>
+                                  <a:rPr lang="ru-RU" sz="1800" i="1">
+                                    <a:effectLst/>
+                                    <a:latin typeface="Cambria Math" panose="02040503050406030204" pitchFamily="18" charset="0"/>
+                                    <a:ea typeface="Calibri" panose="020F0502020204030204" pitchFamily="34" charset="0"/>
+                                    <a:cs typeface="Times New Roman" panose="02020603050405020304" pitchFamily="18" charset="0"/>
+                                  </a:rPr>
+                                  <m:t>,  </m:t>
+                                </m:r>
+                                <m:r>
+                                  <a:rPr lang="en-US" sz="1800" i="1">
+                                    <a:effectLst/>
+                                    <a:latin typeface="Cambria Math" panose="02040503050406030204" pitchFamily="18" charset="0"/>
+                                    <a:ea typeface="Calibri" panose="020F0502020204030204" pitchFamily="34" charset="0"/>
+                                    <a:cs typeface="Times New Roman" panose="02020603050405020304" pitchFamily="18" charset="0"/>
+                                  </a:rPr>
+                                  <m:t>𝑌</m:t>
+                                </m:r>
+                                <m:r>
+                                  <a:rPr lang="ru-RU" sz="1800" i="1">
+                                    <a:effectLst/>
+                                    <a:latin typeface="Cambria Math" panose="02040503050406030204" pitchFamily="18" charset="0"/>
+                                    <a:ea typeface="Calibri" panose="020F0502020204030204" pitchFamily="34" charset="0"/>
+                                    <a:cs typeface="Times New Roman" panose="02020603050405020304" pitchFamily="18" charset="0"/>
+                                  </a:rPr>
+                                  <m:t>=0, 1</m:t>
+                                </m:r>
+                              </m:sub>
+                            </m:sSub>
+                            <m:d>
+                              <m:dPr>
+                                <m:ctrlPr>
+                                  <a:rPr lang="ru-RU" sz="1800" i="1">
+                                    <a:effectLst/>
+                                    <a:latin typeface="Cambria Math" panose="02040503050406030204" pitchFamily="18" charset="0"/>
+                                    <a:ea typeface="Calibri" panose="020F0502020204030204" pitchFamily="34" charset="0"/>
+                                    <a:cs typeface="Times New Roman" panose="02020603050405020304" pitchFamily="18" charset="0"/>
+                                  </a:rPr>
+                                </m:ctrlPr>
+                              </m:dPr>
+                              <m:e>
+                                <m:r>
+                                  <a:rPr lang="en-US" sz="1800" i="1">
+                                    <a:effectLst/>
+                                    <a:latin typeface="Cambria Math" panose="02040503050406030204" pitchFamily="18" charset="0"/>
+                                    <a:ea typeface="Calibri" panose="020F0502020204030204" pitchFamily="34" charset="0"/>
+                                    <a:cs typeface="Times New Roman" panose="02020603050405020304" pitchFamily="18" charset="0"/>
+                                  </a:rPr>
+                                  <m:t>𝑡</m:t>
+                                </m:r>
+                              </m:e>
+                            </m:d>
+                          </m:den>
+                        </m:f>
+                      </m:e>
+                    </m:d>
+                  </m:oMath>
+                </a14:m>
+                <a:r>
+                  <a:rPr lang="en-US" sz="1800" i="1" dirty="0">
+                    <a:effectLst/>
+                    <a:latin typeface="Cambria Math" panose="02040503050406030204" pitchFamily="18" charset="0"/>
+                    <a:ea typeface="Calibri" panose="020F0502020204030204" pitchFamily="34" charset="0"/>
+                    <a:cs typeface="Times New Roman" panose="02020603050405020304" pitchFamily="18" charset="0"/>
+                  </a:rPr>
+                  <a:t>*</a:t>
+                </a:r>
+              </a:p>
+              <a:p>
+                <a:pPr marL="0" indent="0">
+                  <a:lnSpc>
+                    <a:spcPct val="107000"/>
+                  </a:lnSpc>
+                  <a:spcAft>
+                    <a:spcPts val="800"/>
+                  </a:spcAft>
+                  <a:buNone/>
+                </a:pPr>
+                <a14:m>
+                  <m:oMathPara xmlns:m="http://schemas.openxmlformats.org/officeDocument/2006/math">
+                    <m:oMathParaPr>
+                      <m:jc m:val="centerGroup"/>
+                    </m:oMathParaPr>
+                    <m:oMath xmlns:m="http://schemas.openxmlformats.org/officeDocument/2006/math">
+                      <m:sSub>
+                        <m:sSubPr>
+                          <m:ctrlPr>
+                            <a:rPr lang="ru-RU" sz="1800" i="1">
+                              <a:effectLst/>
+                              <a:latin typeface="Cambria Math" panose="02040503050406030204" pitchFamily="18" charset="0"/>
+                              <a:ea typeface="Calibri" panose="020F0502020204030204" pitchFamily="34" charset="0"/>
+                              <a:cs typeface="Times New Roman" panose="02020603050405020304" pitchFamily="18" charset="0"/>
+                            </a:rPr>
+                          </m:ctrlPr>
+                        </m:sSubPr>
+                        <m:e>
+                          <m:r>
+                            <a:rPr lang="en-US" sz="1800" b="0" i="1" smtClean="0">
+                              <a:effectLst/>
+                              <a:latin typeface="Cambria Math" panose="02040503050406030204" pitchFamily="18" charset="0"/>
+                              <a:ea typeface="Calibri" panose="020F0502020204030204" pitchFamily="34" charset="0"/>
+                              <a:cs typeface="Times New Roman" panose="02020603050405020304" pitchFamily="18" charset="0"/>
+                            </a:rPr>
+                            <m:t>∗</m:t>
+                          </m:r>
+                          <m:r>
+                            <a:rPr lang="en-US" sz="1800" i="1">
+                              <a:effectLst/>
+                              <a:latin typeface="Cambria Math" panose="02040503050406030204" pitchFamily="18" charset="0"/>
+                              <a:ea typeface="Calibri" panose="020F0502020204030204" pitchFamily="34" charset="0"/>
+                              <a:cs typeface="Times New Roman" panose="02020603050405020304" pitchFamily="18" charset="0"/>
+                            </a:rPr>
+                            <m:t>𝑁</m:t>
+                          </m:r>
+                        </m:e>
+                        <m:sub>
+                          <m:r>
+                            <a:rPr lang="en-US" sz="1800" i="1">
+                              <a:effectLst/>
+                              <a:latin typeface="Cambria Math" panose="02040503050406030204" pitchFamily="18" charset="0"/>
+                              <a:ea typeface="Calibri" panose="020F0502020204030204" pitchFamily="34" charset="0"/>
+                              <a:cs typeface="Times New Roman" panose="02020603050405020304" pitchFamily="18" charset="0"/>
+                            </a:rPr>
+                            <m:t>𝑡𝑎𝑟𝑔𝑒𝑡</m:t>
+                          </m:r>
+                          <m:r>
+                            <a:rPr lang="ru-RU" sz="1800" i="1">
+                              <a:effectLst/>
+                              <a:latin typeface="Cambria Math" panose="02040503050406030204" pitchFamily="18" charset="0"/>
+                              <a:ea typeface="Calibri" panose="020F0502020204030204" pitchFamily="34" charset="0"/>
+                              <a:cs typeface="Times New Roman" panose="02020603050405020304" pitchFamily="18" charset="0"/>
+                            </a:rPr>
+                            <m:t>, </m:t>
+                          </m:r>
+                          <m:r>
+                            <a:rPr lang="en-US" sz="1800" i="1">
+                              <a:effectLst/>
+                              <a:latin typeface="Cambria Math" panose="02040503050406030204" pitchFamily="18" charset="0"/>
+                              <a:ea typeface="Calibri" panose="020F0502020204030204" pitchFamily="34" charset="0"/>
+                              <a:cs typeface="Times New Roman" panose="02020603050405020304" pitchFamily="18" charset="0"/>
+                            </a:rPr>
+                            <m:t>𝑌</m:t>
+                          </m:r>
+                          <m:r>
+                            <a:rPr lang="ru-RU" sz="1800" i="1">
+                              <a:effectLst/>
+                              <a:latin typeface="Cambria Math" panose="02040503050406030204" pitchFamily="18" charset="0"/>
+                              <a:ea typeface="Calibri" panose="020F0502020204030204" pitchFamily="34" charset="0"/>
+                              <a:cs typeface="Times New Roman" panose="02020603050405020304" pitchFamily="18" charset="0"/>
+                            </a:rPr>
+                            <m:t>=0, 1</m:t>
+                          </m:r>
+                        </m:sub>
+                      </m:sSub>
+                      <m:d>
+                        <m:dPr>
+                          <m:ctrlPr>
+                            <a:rPr lang="ru-RU" sz="1800" i="1">
+                              <a:effectLst/>
+                              <a:latin typeface="Cambria Math" panose="02040503050406030204" pitchFamily="18" charset="0"/>
+                              <a:ea typeface="Calibri" panose="020F0502020204030204" pitchFamily="34" charset="0"/>
+                              <a:cs typeface="Times New Roman" panose="02020603050405020304" pitchFamily="18" charset="0"/>
+                            </a:rPr>
+                          </m:ctrlPr>
+                        </m:dPr>
+                        <m:e>
+                          <m:r>
+                            <a:rPr lang="en-US" sz="1800" i="1">
+                              <a:effectLst/>
+                              <a:latin typeface="Cambria Math" panose="02040503050406030204" pitchFamily="18" charset="0"/>
+                              <a:ea typeface="Calibri" panose="020F0502020204030204" pitchFamily="34" charset="0"/>
+                              <a:cs typeface="Times New Roman" panose="02020603050405020304" pitchFamily="18" charset="0"/>
+                            </a:rPr>
+                            <m:t>𝑡</m:t>
+                          </m:r>
+                        </m:e>
+                      </m:d>
+                      <m:r>
+                        <a:rPr lang="ru-RU" sz="1800" i="1">
+                          <a:effectLst/>
+                          <a:latin typeface="Cambria Math" panose="02040503050406030204" pitchFamily="18" charset="0"/>
+                          <a:ea typeface="Times New Roman" panose="02020603050405020304" pitchFamily="18" charset="0"/>
+                          <a:cs typeface="Times New Roman" panose="02020603050405020304" pitchFamily="18" charset="0"/>
+                        </a:rPr>
+                        <m:t>=</m:t>
+                      </m:r>
+                      <m:sSub>
+                        <m:sSubPr>
+                          <m:ctrlPr>
+                            <a:rPr lang="ru-RU" sz="1800" i="1">
+                              <a:effectLst/>
+                              <a:latin typeface="Cambria Math" panose="02040503050406030204" pitchFamily="18" charset="0"/>
+                              <a:ea typeface="Calibri" panose="020F0502020204030204" pitchFamily="34" charset="0"/>
+                              <a:cs typeface="Times New Roman" panose="02020603050405020304" pitchFamily="18" charset="0"/>
+                            </a:rPr>
+                          </m:ctrlPr>
+                        </m:sSubPr>
+                        <m:e>
+                          <m:r>
+                            <a:rPr lang="en-US" sz="1800" i="1">
+                              <a:effectLst/>
+                              <a:latin typeface="Cambria Math" panose="02040503050406030204" pitchFamily="18" charset="0"/>
+                              <a:ea typeface="Calibri" panose="020F0502020204030204" pitchFamily="34" charset="0"/>
+                              <a:cs typeface="Times New Roman" panose="02020603050405020304" pitchFamily="18" charset="0"/>
+                            </a:rPr>
+                            <m:t>𝑁</m:t>
+                          </m:r>
+                        </m:e>
+                        <m:sub>
+                          <m:r>
+                            <a:rPr lang="en-US" sz="1800" i="1">
+                              <a:effectLst/>
+                              <a:latin typeface="Cambria Math" panose="02040503050406030204" pitchFamily="18" charset="0"/>
+                              <a:ea typeface="Calibri" panose="020F0502020204030204" pitchFamily="34" charset="0"/>
+                              <a:cs typeface="Times New Roman" panose="02020603050405020304" pitchFamily="18" charset="0"/>
+                            </a:rPr>
+                            <m:t>𝑡𝑎𝑟𝑔𝑒𝑡</m:t>
+                          </m:r>
+                          <m:r>
+                            <a:rPr lang="ru-RU" sz="1800" i="1">
+                              <a:effectLst/>
+                              <a:latin typeface="Cambria Math" panose="02040503050406030204" pitchFamily="18" charset="0"/>
+                              <a:ea typeface="Calibri" panose="020F0502020204030204" pitchFamily="34" charset="0"/>
+                              <a:cs typeface="Times New Roman" panose="02020603050405020304" pitchFamily="18" charset="0"/>
+                            </a:rPr>
+                            <m:t>, </m:t>
+                          </m:r>
+                          <m:r>
+                            <a:rPr lang="en-US" sz="1800" i="1">
+                              <a:effectLst/>
+                              <a:latin typeface="Cambria Math" panose="02040503050406030204" pitchFamily="18" charset="0"/>
+                              <a:ea typeface="Calibri" panose="020F0502020204030204" pitchFamily="34" charset="0"/>
+                              <a:cs typeface="Times New Roman" panose="02020603050405020304" pitchFamily="18" charset="0"/>
+                            </a:rPr>
+                            <m:t>𝑌</m:t>
+                          </m:r>
+                          <m:r>
+                            <a:rPr lang="ru-RU" sz="1800" i="1">
+                              <a:effectLst/>
+                              <a:latin typeface="Cambria Math" panose="02040503050406030204" pitchFamily="18" charset="0"/>
+                              <a:ea typeface="Calibri" panose="020F0502020204030204" pitchFamily="34" charset="0"/>
+                              <a:cs typeface="Times New Roman" panose="02020603050405020304" pitchFamily="18" charset="0"/>
+                            </a:rPr>
+                            <m:t>=1</m:t>
+                          </m:r>
+                        </m:sub>
+                      </m:sSub>
+                      <m:d>
+                        <m:dPr>
+                          <m:ctrlPr>
+                            <a:rPr lang="ru-RU" sz="1800" i="1">
+                              <a:effectLst/>
+                              <a:latin typeface="Cambria Math" panose="02040503050406030204" pitchFamily="18" charset="0"/>
+                              <a:ea typeface="Calibri" panose="020F0502020204030204" pitchFamily="34" charset="0"/>
+                              <a:cs typeface="Times New Roman" panose="02020603050405020304" pitchFamily="18" charset="0"/>
+                            </a:rPr>
+                          </m:ctrlPr>
+                        </m:dPr>
+                        <m:e>
+                          <m:r>
+                            <a:rPr lang="en-US" sz="1800" i="1">
+                              <a:effectLst/>
+                              <a:latin typeface="Cambria Math" panose="02040503050406030204" pitchFamily="18" charset="0"/>
+                              <a:ea typeface="Calibri" panose="020F0502020204030204" pitchFamily="34" charset="0"/>
+                              <a:cs typeface="Times New Roman" panose="02020603050405020304" pitchFamily="18" charset="0"/>
+                            </a:rPr>
+                            <m:t>𝑡</m:t>
+                          </m:r>
+                        </m:e>
+                      </m:d>
+                      <m:r>
+                        <a:rPr lang="ru-RU" sz="1800" i="1">
+                          <a:effectLst/>
+                          <a:latin typeface="Cambria Math" panose="02040503050406030204" pitchFamily="18" charset="0"/>
+                          <a:ea typeface="Calibri" panose="020F0502020204030204" pitchFamily="34" charset="0"/>
+                          <a:cs typeface="Times New Roman" panose="02020603050405020304" pitchFamily="18" charset="0"/>
+                        </a:rPr>
+                        <m:t>−</m:t>
+                      </m:r>
+                      <m:sSub>
+                        <m:sSubPr>
+                          <m:ctrlPr>
+                            <a:rPr lang="ru-RU" sz="1800" i="1">
+                              <a:effectLst/>
+                              <a:latin typeface="Cambria Math" panose="02040503050406030204" pitchFamily="18" charset="0"/>
+                              <a:ea typeface="Calibri" panose="020F0502020204030204" pitchFamily="34" charset="0"/>
+                              <a:cs typeface="Times New Roman" panose="02020603050405020304" pitchFamily="18" charset="0"/>
+                            </a:rPr>
+                          </m:ctrlPr>
+                        </m:sSubPr>
+                        <m:e>
+                          <m:r>
+                            <a:rPr lang="en-US" sz="1800" i="1">
+                              <a:effectLst/>
+                              <a:latin typeface="Cambria Math" panose="02040503050406030204" pitchFamily="18" charset="0"/>
+                              <a:ea typeface="Calibri" panose="020F0502020204030204" pitchFamily="34" charset="0"/>
+                              <a:cs typeface="Times New Roman" panose="02020603050405020304" pitchFamily="18" charset="0"/>
+                            </a:rPr>
+                            <m:t>𝑁</m:t>
+                          </m:r>
+                        </m:e>
+                        <m:sub>
+                          <m:r>
+                            <a:rPr lang="en-US" sz="1800" i="1">
+                              <a:effectLst/>
+                              <a:latin typeface="Cambria Math" panose="02040503050406030204" pitchFamily="18" charset="0"/>
+                              <a:ea typeface="Calibri" panose="020F0502020204030204" pitchFamily="34" charset="0"/>
+                              <a:cs typeface="Times New Roman" panose="02020603050405020304" pitchFamily="18" charset="0"/>
+                            </a:rPr>
+                            <m:t>𝑐𝑜𝑛𝑡𝑟𝑜𝑙</m:t>
+                          </m:r>
+                          <m:r>
+                            <a:rPr lang="ru-RU" sz="1800" i="1">
+                              <a:effectLst/>
+                              <a:latin typeface="Cambria Math" panose="02040503050406030204" pitchFamily="18" charset="0"/>
+                              <a:ea typeface="Calibri" panose="020F0502020204030204" pitchFamily="34" charset="0"/>
+                              <a:cs typeface="Times New Roman" panose="02020603050405020304" pitchFamily="18" charset="0"/>
+                            </a:rPr>
+                            <m:t>, </m:t>
+                          </m:r>
+                          <m:r>
+                            <a:rPr lang="en-US" sz="1800" i="1">
+                              <a:effectLst/>
+                              <a:latin typeface="Cambria Math" panose="02040503050406030204" pitchFamily="18" charset="0"/>
+                              <a:ea typeface="Calibri" panose="020F0502020204030204" pitchFamily="34" charset="0"/>
+                              <a:cs typeface="Times New Roman" panose="02020603050405020304" pitchFamily="18" charset="0"/>
+                            </a:rPr>
+                            <m:t>𝑌</m:t>
+                          </m:r>
+                          <m:r>
+                            <a:rPr lang="ru-RU" sz="1800" i="1">
+                              <a:effectLst/>
+                              <a:latin typeface="Cambria Math" panose="02040503050406030204" pitchFamily="18" charset="0"/>
+                              <a:ea typeface="Calibri" panose="020F0502020204030204" pitchFamily="34" charset="0"/>
+                              <a:cs typeface="Times New Roman" panose="02020603050405020304" pitchFamily="18" charset="0"/>
+                            </a:rPr>
+                            <m:t>=1</m:t>
+                          </m:r>
+                        </m:sub>
+                      </m:sSub>
+                      <m:d>
+                        <m:dPr>
+                          <m:ctrlPr>
+                            <a:rPr lang="ru-RU" sz="1800" i="1">
+                              <a:effectLst/>
+                              <a:latin typeface="Cambria Math" panose="02040503050406030204" pitchFamily="18" charset="0"/>
+                              <a:ea typeface="Calibri" panose="020F0502020204030204" pitchFamily="34" charset="0"/>
+                              <a:cs typeface="Times New Roman" panose="02020603050405020304" pitchFamily="18" charset="0"/>
+                            </a:rPr>
+                          </m:ctrlPr>
+                        </m:dPr>
+                        <m:e>
+                          <m:r>
+                            <a:rPr lang="en-US" sz="1800" i="1">
+                              <a:effectLst/>
+                              <a:latin typeface="Cambria Math" panose="02040503050406030204" pitchFamily="18" charset="0"/>
+                              <a:ea typeface="Calibri" panose="020F0502020204030204" pitchFamily="34" charset="0"/>
+                              <a:cs typeface="Times New Roman" panose="02020603050405020304" pitchFamily="18" charset="0"/>
+                            </a:rPr>
+                            <m:t>𝑡</m:t>
+                          </m:r>
+                        </m:e>
+                      </m:d>
+                      <m:r>
+                        <a:rPr lang="ru-RU" sz="1800" i="1">
+                          <a:effectLst/>
+                          <a:latin typeface="Cambria Math" panose="02040503050406030204" pitchFamily="18" charset="0"/>
+                          <a:ea typeface="Times New Roman" panose="02020603050405020304" pitchFamily="18" charset="0"/>
+                          <a:cs typeface="Times New Roman" panose="02020603050405020304" pitchFamily="18" charset="0"/>
+                        </a:rPr>
+                        <m:t>∗</m:t>
+                      </m:r>
+                      <m:f>
+                        <m:fPr>
+                          <m:ctrlPr>
+                            <a:rPr lang="ru-RU" sz="1800" i="1">
+                              <a:effectLst/>
+                              <a:latin typeface="Cambria Math" panose="02040503050406030204" pitchFamily="18" charset="0"/>
+                              <a:ea typeface="Calibri" panose="020F0502020204030204" pitchFamily="34" charset="0"/>
+                              <a:cs typeface="Times New Roman" panose="02020603050405020304" pitchFamily="18" charset="0"/>
+                            </a:rPr>
+                          </m:ctrlPr>
+                        </m:fPr>
+                        <m:num>
+                          <m:sSub>
+                            <m:sSubPr>
+                              <m:ctrlPr>
+                                <a:rPr lang="ru-RU" sz="1800" i="1">
+                                  <a:effectLst/>
+                                  <a:latin typeface="Cambria Math" panose="02040503050406030204" pitchFamily="18" charset="0"/>
+                                  <a:ea typeface="Calibri" panose="020F0502020204030204" pitchFamily="34" charset="0"/>
+                                  <a:cs typeface="Times New Roman" panose="02020603050405020304" pitchFamily="18" charset="0"/>
+                                </a:rPr>
+                              </m:ctrlPr>
+                            </m:sSubPr>
+                            <m:e>
+                              <m:r>
+                                <a:rPr lang="en-US" sz="1800" i="1">
+                                  <a:effectLst/>
+                                  <a:latin typeface="Cambria Math" panose="02040503050406030204" pitchFamily="18" charset="0"/>
+                                  <a:ea typeface="Calibri" panose="020F0502020204030204" pitchFamily="34" charset="0"/>
+                                  <a:cs typeface="Times New Roman" panose="02020603050405020304" pitchFamily="18" charset="0"/>
+                                </a:rPr>
+                                <m:t>𝑁</m:t>
+                              </m:r>
+                            </m:e>
+                            <m:sub>
+                              <m:r>
+                                <a:rPr lang="en-US" sz="1800" i="1">
+                                  <a:effectLst/>
+                                  <a:latin typeface="Cambria Math" panose="02040503050406030204" pitchFamily="18" charset="0"/>
+                                  <a:ea typeface="Calibri" panose="020F0502020204030204" pitchFamily="34" charset="0"/>
+                                  <a:cs typeface="Times New Roman" panose="02020603050405020304" pitchFamily="18" charset="0"/>
+                                </a:rPr>
+                                <m:t>𝑡𝑎𝑟𝑔𝑒𝑡</m:t>
+                              </m:r>
+                              <m:r>
+                                <a:rPr lang="ru-RU" sz="1800" i="1">
+                                  <a:effectLst/>
+                                  <a:latin typeface="Cambria Math" panose="02040503050406030204" pitchFamily="18" charset="0"/>
+                                  <a:ea typeface="Calibri" panose="020F0502020204030204" pitchFamily="34" charset="0"/>
+                                  <a:cs typeface="Times New Roman" panose="02020603050405020304" pitchFamily="18" charset="0"/>
+                                </a:rPr>
+                                <m:t>, </m:t>
+                              </m:r>
+                              <m:r>
+                                <a:rPr lang="en-US" sz="1800" i="1">
+                                  <a:effectLst/>
+                                  <a:latin typeface="Cambria Math" panose="02040503050406030204" pitchFamily="18" charset="0"/>
+                                  <a:ea typeface="Calibri" panose="020F0502020204030204" pitchFamily="34" charset="0"/>
+                                  <a:cs typeface="Times New Roman" panose="02020603050405020304" pitchFamily="18" charset="0"/>
+                                </a:rPr>
+                                <m:t>𝑌</m:t>
+                              </m:r>
+                              <m:r>
+                                <a:rPr lang="ru-RU" sz="1800" i="1">
+                                  <a:effectLst/>
+                                  <a:latin typeface="Cambria Math" panose="02040503050406030204" pitchFamily="18" charset="0"/>
+                                  <a:ea typeface="Calibri" panose="020F0502020204030204" pitchFamily="34" charset="0"/>
+                                  <a:cs typeface="Times New Roman" panose="02020603050405020304" pitchFamily="18" charset="0"/>
+                                </a:rPr>
+                                <m:t>=0, 1</m:t>
+                              </m:r>
+                            </m:sub>
+                          </m:sSub>
+                          <m:d>
+                            <m:dPr>
+                              <m:ctrlPr>
+                                <a:rPr lang="ru-RU" sz="1800" i="1">
+                                  <a:effectLst/>
+                                  <a:latin typeface="Cambria Math" panose="02040503050406030204" pitchFamily="18" charset="0"/>
+                                  <a:ea typeface="Calibri" panose="020F0502020204030204" pitchFamily="34" charset="0"/>
+                                  <a:cs typeface="Times New Roman" panose="02020603050405020304" pitchFamily="18" charset="0"/>
+                                </a:rPr>
+                              </m:ctrlPr>
+                            </m:dPr>
+                            <m:e>
+                              <m:r>
+                                <a:rPr lang="en-US" sz="1800" i="1">
+                                  <a:effectLst/>
+                                  <a:latin typeface="Cambria Math" panose="02040503050406030204" pitchFamily="18" charset="0"/>
+                                  <a:ea typeface="Calibri" panose="020F0502020204030204" pitchFamily="34" charset="0"/>
+                                  <a:cs typeface="Times New Roman" panose="02020603050405020304" pitchFamily="18" charset="0"/>
+                                </a:rPr>
+                                <m:t>𝑡</m:t>
+                              </m:r>
+                            </m:e>
+                          </m:d>
+                        </m:num>
+                        <m:den>
+                          <m:sSub>
+                            <m:sSubPr>
+                              <m:ctrlPr>
+                                <a:rPr lang="ru-RU" sz="1800" i="1">
+                                  <a:effectLst/>
+                                  <a:latin typeface="Cambria Math" panose="02040503050406030204" pitchFamily="18" charset="0"/>
+                                  <a:ea typeface="Calibri" panose="020F0502020204030204" pitchFamily="34" charset="0"/>
+                                  <a:cs typeface="Times New Roman" panose="02020603050405020304" pitchFamily="18" charset="0"/>
+                                </a:rPr>
+                              </m:ctrlPr>
+                            </m:sSubPr>
+                            <m:e>
+                              <m:r>
+                                <a:rPr lang="en-US" sz="1800" i="1">
+                                  <a:effectLst/>
+                                  <a:latin typeface="Cambria Math" panose="02040503050406030204" pitchFamily="18" charset="0"/>
+                                  <a:ea typeface="Calibri" panose="020F0502020204030204" pitchFamily="34" charset="0"/>
+                                  <a:cs typeface="Times New Roman" panose="02020603050405020304" pitchFamily="18" charset="0"/>
+                                </a:rPr>
+                                <m:t>𝑁</m:t>
+                              </m:r>
+                            </m:e>
+                            <m:sub>
+                              <m:r>
+                                <a:rPr lang="en-US" sz="1800" i="1">
+                                  <a:effectLst/>
+                                  <a:latin typeface="Cambria Math" panose="02040503050406030204" pitchFamily="18" charset="0"/>
+                                  <a:ea typeface="Calibri" panose="020F0502020204030204" pitchFamily="34" charset="0"/>
+                                  <a:cs typeface="Times New Roman" panose="02020603050405020304" pitchFamily="18" charset="0"/>
+                                </a:rPr>
+                                <m:t>𝑐𝑜𝑛𝑡𝑟𝑜𝑙</m:t>
+                              </m:r>
+                              <m:r>
+                                <a:rPr lang="ru-RU" sz="1800" i="1">
+                                  <a:effectLst/>
+                                  <a:latin typeface="Cambria Math" panose="02040503050406030204" pitchFamily="18" charset="0"/>
+                                  <a:ea typeface="Calibri" panose="020F0502020204030204" pitchFamily="34" charset="0"/>
+                                  <a:cs typeface="Times New Roman" panose="02020603050405020304" pitchFamily="18" charset="0"/>
+                                </a:rPr>
+                                <m:t>,  </m:t>
+                              </m:r>
+                              <m:r>
+                                <a:rPr lang="en-US" sz="1800" i="1">
+                                  <a:effectLst/>
+                                  <a:latin typeface="Cambria Math" panose="02040503050406030204" pitchFamily="18" charset="0"/>
+                                  <a:ea typeface="Calibri" panose="020F0502020204030204" pitchFamily="34" charset="0"/>
+                                  <a:cs typeface="Times New Roman" panose="02020603050405020304" pitchFamily="18" charset="0"/>
+                                </a:rPr>
+                                <m:t>𝑌</m:t>
+                              </m:r>
+                              <m:r>
+                                <a:rPr lang="ru-RU" sz="1800" i="1">
+                                  <a:effectLst/>
+                                  <a:latin typeface="Cambria Math" panose="02040503050406030204" pitchFamily="18" charset="0"/>
+                                  <a:ea typeface="Calibri" panose="020F0502020204030204" pitchFamily="34" charset="0"/>
+                                  <a:cs typeface="Times New Roman" panose="02020603050405020304" pitchFamily="18" charset="0"/>
+                                </a:rPr>
+                                <m:t>=0, 1</m:t>
+                              </m:r>
+                            </m:sub>
+                          </m:sSub>
+                          <m:d>
+                            <m:dPr>
+                              <m:ctrlPr>
+                                <a:rPr lang="ru-RU" sz="1800" i="1">
+                                  <a:effectLst/>
+                                  <a:latin typeface="Cambria Math" panose="02040503050406030204" pitchFamily="18" charset="0"/>
+                                  <a:ea typeface="Calibri" panose="020F0502020204030204" pitchFamily="34" charset="0"/>
+                                  <a:cs typeface="Times New Roman" panose="02020603050405020304" pitchFamily="18" charset="0"/>
+                                </a:rPr>
+                              </m:ctrlPr>
+                            </m:dPr>
+                            <m:e>
+                              <m:r>
+                                <a:rPr lang="en-US" sz="1800" i="1">
+                                  <a:effectLst/>
+                                  <a:latin typeface="Cambria Math" panose="02040503050406030204" pitchFamily="18" charset="0"/>
+                                  <a:ea typeface="Calibri" panose="020F0502020204030204" pitchFamily="34" charset="0"/>
+                                  <a:cs typeface="Times New Roman" panose="02020603050405020304" pitchFamily="18" charset="0"/>
+                                </a:rPr>
+                                <m:t>𝑡</m:t>
+                              </m:r>
+                            </m:e>
+                          </m:d>
+                        </m:den>
+                      </m:f>
+                    </m:oMath>
+                  </m:oMathPara>
+                </a14:m>
+                <a:endParaRPr lang="ru-RU" sz="1800" dirty="0">
+                  <a:effectLst/>
+                  <a:latin typeface="Calibri" panose="020F0502020204030204" pitchFamily="34" charset="0"/>
+                  <a:ea typeface="Calibri" panose="020F0502020204030204" pitchFamily="34" charset="0"/>
+                  <a:cs typeface="Times New Roman" panose="02020603050405020304" pitchFamily="18" charset="0"/>
+                </a:endParaRPr>
+              </a:p>
+              <a:p>
+                <a:pPr marL="457200" lvl="2" indent="0">
+                  <a:spcBef>
+                    <a:spcPts val="1000"/>
+                  </a:spcBef>
+                  <a:buNone/>
+                </a:pPr>
+                <a:endParaRPr lang="ru-RU" sz="1400" dirty="0">
+                  <a:latin typeface="Times New Roman" panose="02020603050405020304" pitchFamily="18" charset="0"/>
+                  <a:cs typeface="Times New Roman" panose="02020603050405020304" pitchFamily="18" charset="0"/>
+                </a:endParaRPr>
+              </a:p>
+              <a:p>
+                <a:pPr marL="457200" lvl="1" indent="0">
+                  <a:buNone/>
+                </a:pPr>
+                <a:endParaRPr lang="ru-RU" sz="1400" dirty="0">
+                  <a:effectLst/>
+                  <a:latin typeface="Times New Roman" panose="02020603050405020304" pitchFamily="18" charset="0"/>
+                  <a:ea typeface="Times New Roman" panose="02020603050405020304" pitchFamily="18" charset="0"/>
+                  <a:cs typeface="Times New Roman" panose="02020603050405020304" pitchFamily="18" charset="0"/>
+                </a:endParaRPr>
+              </a:p>
+            </p:txBody>
+          </p:sp>
+        </mc:Choice>
+        <mc:Fallback>
+          <p:sp>
+            <p:nvSpPr>
+              <p:cNvPr id="5" name="Объект 4">
+                <a:extLst>
+                  <a:ext uri="{FF2B5EF4-FFF2-40B4-BE49-F238E27FC236}">
+                    <a16:creationId xmlns:a16="http://schemas.microsoft.com/office/drawing/2014/main" id="{8E307828-F91E-AD5B-1045-FB7269C9D075}"/>
+                  </a:ext>
+                </a:extLst>
+              </p:cNvPr>
+              <p:cNvSpPr>
+                <a:spLocks noGrp="1" noRot="1" noChangeAspect="1" noMove="1" noResize="1" noEditPoints="1" noAdjustHandles="1" noChangeArrowheads="1" noChangeShapeType="1" noTextEdit="1"/>
+              </p:cNvSpPr>
+              <p:nvPr>
+                <p:ph idx="1"/>
+              </p:nvPr>
+            </p:nvSpPr>
+            <p:spPr>
+              <a:xfrm>
+                <a:off x="838200" y="677008"/>
+                <a:ext cx="10515600" cy="5499955"/>
+              </a:xfrm>
+              <a:blipFill>
+                <a:blip r:embed="rId3"/>
+                <a:stretch>
+                  <a:fillRect l="-406" t="-998"/>
+                </a:stretch>
+              </a:blipFill>
+            </p:spPr>
+            <p:txBody>
+              <a:bodyPr/>
+              <a:lstStyle/>
+              <a:p>
+                <a:r>
+                  <a:rPr lang="ru-RU">
+                    <a:noFill/>
+                  </a:rPr>
+                  <a:t> </a:t>
+                </a:r>
+              </a:p>
+            </p:txBody>
+          </p:sp>
+        </mc:Fallback>
+      </mc:AlternateContent>
+      <p:sp>
+        <p:nvSpPr>
+          <p:cNvPr id="6" name="Номер слайда 5">
+            <a:extLst>
+              <a:ext uri="{FF2B5EF4-FFF2-40B4-BE49-F238E27FC236}">
+                <a16:creationId xmlns:a16="http://schemas.microsoft.com/office/drawing/2014/main" id="{5D32CA80-9B1C-24FA-7114-2B8EA7541462}"/>
+              </a:ext>
+            </a:extLst>
+          </p:cNvPr>
+          <p:cNvSpPr>
+            <a:spLocks noGrp="1"/>
+          </p:cNvSpPr>
+          <p:nvPr>
+            <p:ph type="sldNum" sz="quarter" idx="12"/>
+          </p:nvPr>
+        </p:nvSpPr>
+        <p:spPr/>
+        <p:txBody>
+          <a:bodyPr/>
+          <a:lstStyle/>
+          <a:p>
+            <a:fld id="{DD52A6CB-90DA-4351-BF49-99661FABD7B0}" type="slidenum">
+              <a:rPr lang="ru-RU" sz="2000" smtClean="0"/>
+              <a:t>6</a:t>
+            </a:fld>
+            <a:endParaRPr lang="ru-RU" sz="2000" dirty="0"/>
+          </a:p>
+        </p:txBody>
+      </p:sp>
+    </p:spTree>
+    <p:extLst>
+      <p:ext uri="{BB962C8B-B14F-4D97-AF65-F5344CB8AC3E}">
+        <p14:creationId xmlns:p14="http://schemas.microsoft.com/office/powerpoint/2010/main" val="732475588"/>
+      </p:ext>
+    </p:extLst>
+  </p:cSld>
+  <p:clrMapOvr>
+    <a:masterClrMapping/>
+  </p:clrMapOvr>
+</p:sld>
+</file>
+
+<file path=ppt/slides/slide7.xml><?xml version="1.0" encoding="utf-8"?>
+<p:sld xmlns:a="http://schemas.openxmlformats.org/drawingml/2006/main" xmlns:r="http://schemas.openxmlformats.org/officeDocument/2006/relationships" xmlns:p="http://schemas.openxmlformats.org/presentationml/2006/main">
+  <p:cSld>
+    <p:spTree>
+      <p:nvGrpSpPr>
+        <p:cNvPr id="1" name=""/>
+        <p:cNvGrpSpPr/>
+        <p:nvPr/>
+      </p:nvGrpSpPr>
+      <p:grpSpPr>
+        <a:xfrm>
+          <a:off x="0" y="0"/>
+          <a:ext cx="0" cy="0"/>
+          <a:chOff x="0" y="0"/>
+          <a:chExt cx="0" cy="0"/>
+        </a:xfrm>
+      </p:grpSpPr>
+      <p:sp>
+        <p:nvSpPr>
+          <p:cNvPr id="2" name="Заголовок 1">
+            <a:extLst>
+              <a:ext uri="{FF2B5EF4-FFF2-40B4-BE49-F238E27FC236}">
+                <a16:creationId xmlns:a16="http://schemas.microsoft.com/office/drawing/2014/main" id="{5A9EDCCB-C9F9-D8F2-4BDB-29276D58193A}"/>
+              </a:ext>
+            </a:extLst>
+          </p:cNvPr>
+          <p:cNvSpPr>
+            <a:spLocks noGrp="1"/>
+          </p:cNvSpPr>
+          <p:nvPr>
+            <p:ph type="title"/>
+          </p:nvPr>
+        </p:nvSpPr>
+        <p:spPr/>
+        <p:txBody>
+          <a:bodyPr>
+            <a:normAutofit/>
+          </a:bodyPr>
+          <a:lstStyle/>
+          <a:p>
+            <a:r>
+              <a:rPr lang="ru-RU" sz="4000" dirty="0">
+                <a:latin typeface="Times New Roman" panose="02020603050405020304" pitchFamily="18" charset="0"/>
+                <a:cs typeface="Times New Roman" panose="02020603050405020304" pitchFamily="18" charset="0"/>
+              </a:rPr>
+              <a:t>Выбор используемых моделей и исследование их качества работы</a:t>
+            </a:r>
+            <a:r>
+              <a:rPr lang="en-US" sz="4000" dirty="0">
+                <a:latin typeface="Times New Roman" panose="02020603050405020304" pitchFamily="18" charset="0"/>
+                <a:cs typeface="Times New Roman" panose="02020603050405020304" pitchFamily="18" charset="0"/>
+              </a:rPr>
+              <a:t>.</a:t>
+            </a:r>
+            <a:endParaRPr lang="ru-RU" sz="4000" dirty="0"/>
+          </a:p>
+        </p:txBody>
+      </p:sp>
+      <p:pic>
+        <p:nvPicPr>
+          <p:cNvPr id="8" name="Рисунок 7">
+            <a:extLst>
+              <a:ext uri="{FF2B5EF4-FFF2-40B4-BE49-F238E27FC236}">
+                <a16:creationId xmlns:a16="http://schemas.microsoft.com/office/drawing/2014/main" id="{6B210FDA-2EB6-970C-5BBF-BE8133B19266}"/>
+              </a:ext>
+            </a:extLst>
+          </p:cNvPr>
+          <p:cNvPicPr>
+            <a:picLocks noChangeAspect="1"/>
+          </p:cNvPicPr>
+          <p:nvPr/>
+        </p:nvPicPr>
+        <p:blipFill>
+          <a:blip r:embed="rId3"/>
+          <a:stretch>
+            <a:fillRect/>
+          </a:stretch>
+        </p:blipFill>
+        <p:spPr>
+          <a:xfrm>
+            <a:off x="1679688" y="2172003"/>
+            <a:ext cx="8832623" cy="1674665"/>
+          </a:xfrm>
+          <a:prstGeom prst="rect">
+            <a:avLst/>
+          </a:prstGeom>
+        </p:spPr>
+      </p:pic>
+      <p:sp>
+        <p:nvSpPr>
+          <p:cNvPr id="9" name="Номер слайда 8">
+            <a:extLst>
+              <a:ext uri="{FF2B5EF4-FFF2-40B4-BE49-F238E27FC236}">
+                <a16:creationId xmlns:a16="http://schemas.microsoft.com/office/drawing/2014/main" id="{FC3A69AA-2D2B-5E5A-69DA-0C8CA48C2FC1}"/>
+              </a:ext>
+            </a:extLst>
+          </p:cNvPr>
+          <p:cNvSpPr>
+            <a:spLocks noGrp="1"/>
+          </p:cNvSpPr>
+          <p:nvPr>
+            <p:ph type="sldNum" sz="quarter" idx="12"/>
+          </p:nvPr>
+        </p:nvSpPr>
+        <p:spPr/>
+        <p:txBody>
+          <a:bodyPr/>
+          <a:lstStyle/>
+          <a:p>
+            <a:fld id="{DD52A6CB-90DA-4351-BF49-99661FABD7B0}" type="slidenum">
+              <a:rPr lang="ru-RU" sz="2000" smtClean="0"/>
+              <a:t>7</a:t>
+            </a:fld>
+            <a:endParaRPr lang="ru-RU" sz="2000" dirty="0"/>
+          </a:p>
+        </p:txBody>
+      </p:sp>
+    </p:spTree>
+    <p:extLst>
+      <p:ext uri="{BB962C8B-B14F-4D97-AF65-F5344CB8AC3E}">
+        <p14:creationId xmlns:p14="http://schemas.microsoft.com/office/powerpoint/2010/main" val="2713943564"/>
+      </p:ext>
+    </p:extLst>
+  </p:cSld>
+  <p:clrMapOvr>
+    <a:masterClrMapping/>
+  </p:clrMapOvr>
+</p:sld>
+</file>
+
+<file path=ppt/slides/slide8.xml><?xml version="1.0" encoding="utf-8"?>
+<p:sld xmlns:a="http://schemas.openxmlformats.org/drawingml/2006/main" xmlns:r="http://schemas.openxmlformats.org/officeDocument/2006/relationships" xmlns:p="http://schemas.openxmlformats.org/presentationml/2006/main">
+  <p:cSld>
+    <p:spTree>
+      <p:nvGrpSpPr>
+        <p:cNvPr id="1" name=""/>
+        <p:cNvGrpSpPr/>
+        <p:nvPr/>
+      </p:nvGrpSpPr>
+      <p:grpSpPr>
+        <a:xfrm>
+          <a:off x="0" y="0"/>
+          <a:ext cx="0" cy="0"/>
+          <a:chOff x="0" y="0"/>
+          <a:chExt cx="0" cy="0"/>
+        </a:xfrm>
+      </p:grpSpPr>
+      <p:sp>
+        <p:nvSpPr>
+          <p:cNvPr id="2" name="Заголовок 1">
+            <a:extLst>
+              <a:ext uri="{FF2B5EF4-FFF2-40B4-BE49-F238E27FC236}">
+                <a16:creationId xmlns:a16="http://schemas.microsoft.com/office/drawing/2014/main" id="{CB7CDD7E-E1F1-F205-EB73-5EC1B83642EB}"/>
+              </a:ext>
+            </a:extLst>
+          </p:cNvPr>
+          <p:cNvSpPr>
+            <a:spLocks noGrp="1"/>
+          </p:cNvSpPr>
+          <p:nvPr>
+            <p:ph type="title"/>
+          </p:nvPr>
+        </p:nvSpPr>
+        <p:spPr/>
+        <p:txBody>
+          <a:bodyPr/>
+          <a:lstStyle/>
+          <a:p>
+            <a:r>
+              <a:rPr lang="ru-RU" dirty="0">
+                <a:latin typeface="Times New Roman" panose="02020603050405020304" pitchFamily="18" charset="0"/>
+                <a:cs typeface="Times New Roman" panose="02020603050405020304" pitchFamily="18" charset="0"/>
+              </a:rPr>
+              <a:t>Выводы</a:t>
+            </a:r>
+          </a:p>
+        </p:txBody>
+      </p:sp>
+      <p:sp>
+        <p:nvSpPr>
+          <p:cNvPr id="3" name="Объект 2">
+            <a:extLst>
+              <a:ext uri="{FF2B5EF4-FFF2-40B4-BE49-F238E27FC236}">
+                <a16:creationId xmlns:a16="http://schemas.microsoft.com/office/drawing/2014/main" id="{8578077A-CC37-95E7-F493-7E3402293580}"/>
+              </a:ext>
+            </a:extLst>
+          </p:cNvPr>
+          <p:cNvSpPr>
+            <a:spLocks noGrp="1"/>
+          </p:cNvSpPr>
+          <p:nvPr>
+            <p:ph idx="1"/>
+          </p:nvPr>
+        </p:nvSpPr>
+        <p:spPr/>
+        <p:txBody>
+          <a:bodyPr/>
+          <a:lstStyle/>
+          <a:p>
+            <a:r>
+              <a:rPr lang="ru-RU" dirty="0">
+                <a:latin typeface="Times New Roman" panose="02020603050405020304" pitchFamily="18" charset="0"/>
+                <a:cs typeface="Times New Roman" panose="02020603050405020304" pitchFamily="18" charset="0"/>
+              </a:rPr>
+              <a:t>Новые показатели начисления и списания бонусов, и их производные, благоприятно сказались на метриках моделей.</a:t>
+            </a:r>
+          </a:p>
+          <a:p>
+            <a:endParaRPr lang="ru-RU" dirty="0">
+              <a:latin typeface="Times New Roman" panose="02020603050405020304" pitchFamily="18" charset="0"/>
+              <a:cs typeface="Times New Roman" panose="02020603050405020304" pitchFamily="18" charset="0"/>
+            </a:endParaRPr>
+          </a:p>
+          <a:p>
+            <a:r>
+              <a:rPr lang="ru-RU" dirty="0">
+                <a:latin typeface="Times New Roman" panose="02020603050405020304" pitchFamily="18" charset="0"/>
+                <a:cs typeface="Times New Roman" panose="02020603050405020304" pitchFamily="18" charset="0"/>
+              </a:rPr>
+              <a:t>Качество модели очень зависит от ее архитектуры и </a:t>
+            </a:r>
+            <a:r>
+              <a:rPr lang="ru-RU" dirty="0" err="1">
+                <a:latin typeface="Times New Roman" panose="02020603050405020304" pitchFamily="18" charset="0"/>
+                <a:cs typeface="Times New Roman" panose="02020603050405020304" pitchFamily="18" charset="0"/>
+              </a:rPr>
+              <a:t>гипер</a:t>
+            </a:r>
+            <a:r>
+              <a:rPr lang="ru-RU" dirty="0">
+                <a:latin typeface="Times New Roman" panose="02020603050405020304" pitchFamily="18" charset="0"/>
+                <a:cs typeface="Times New Roman" panose="02020603050405020304" pitchFamily="18" charset="0"/>
+              </a:rPr>
+              <a:t>-параметров.</a:t>
+            </a:r>
+          </a:p>
+          <a:p>
+            <a:endParaRPr lang="ru-RU" dirty="0">
+              <a:latin typeface="Times New Roman" panose="02020603050405020304" pitchFamily="18" charset="0"/>
+              <a:cs typeface="Times New Roman" panose="02020603050405020304" pitchFamily="18" charset="0"/>
+            </a:endParaRPr>
+          </a:p>
+          <a:p>
+            <a:r>
+              <a:rPr lang="ru-RU" dirty="0">
+                <a:latin typeface="Times New Roman" panose="02020603050405020304" pitchFamily="18" charset="0"/>
+                <a:cs typeface="Times New Roman" panose="02020603050405020304" pitchFamily="18" charset="0"/>
+              </a:rPr>
+              <a:t>Для дальнейшего улучшения модели нужно модернизировать автоматический поиск наилучшей архитектуры и оптимизации </a:t>
+            </a:r>
+            <a:r>
+              <a:rPr lang="ru-RU" dirty="0" err="1">
+                <a:latin typeface="Times New Roman" panose="02020603050405020304" pitchFamily="18" charset="0"/>
+                <a:cs typeface="Times New Roman" panose="02020603050405020304" pitchFamily="18" charset="0"/>
+              </a:rPr>
+              <a:t>гипер</a:t>
+            </a:r>
+            <a:r>
+              <a:rPr lang="ru-RU" dirty="0">
+                <a:latin typeface="Times New Roman" panose="02020603050405020304" pitchFamily="18" charset="0"/>
+                <a:cs typeface="Times New Roman" panose="02020603050405020304" pitchFamily="18" charset="0"/>
+              </a:rPr>
+              <a:t>-параметров под задачу </a:t>
+            </a:r>
+            <a:r>
+              <a:rPr lang="en-US" dirty="0" err="1">
+                <a:latin typeface="Times New Roman" panose="02020603050405020304" pitchFamily="18" charset="0"/>
+                <a:cs typeface="Times New Roman" panose="02020603050405020304" pitchFamily="18" charset="0"/>
+              </a:rPr>
+              <a:t>UpLift</a:t>
+            </a:r>
+            <a:endParaRPr lang="ru-RU" dirty="0">
+              <a:latin typeface="Times New Roman" panose="02020603050405020304" pitchFamily="18" charset="0"/>
+              <a:cs typeface="Times New Roman" panose="02020603050405020304" pitchFamily="18" charset="0"/>
+            </a:endParaRPr>
+          </a:p>
+        </p:txBody>
+      </p:sp>
+      <p:sp>
+        <p:nvSpPr>
+          <p:cNvPr id="4" name="Номер слайда 3">
+            <a:extLst>
+              <a:ext uri="{FF2B5EF4-FFF2-40B4-BE49-F238E27FC236}">
+                <a16:creationId xmlns:a16="http://schemas.microsoft.com/office/drawing/2014/main" id="{CE52B047-EF3A-1656-1980-42A1D1F09BBE}"/>
+              </a:ext>
+            </a:extLst>
+          </p:cNvPr>
+          <p:cNvSpPr>
+            <a:spLocks noGrp="1"/>
+          </p:cNvSpPr>
+          <p:nvPr>
+            <p:ph type="sldNum" sz="quarter" idx="12"/>
+          </p:nvPr>
+        </p:nvSpPr>
+        <p:spPr/>
+        <p:txBody>
+          <a:bodyPr/>
+          <a:lstStyle/>
+          <a:p>
+            <a:fld id="{DD52A6CB-90DA-4351-BF49-99661FABD7B0}" type="slidenum">
+              <a:rPr lang="ru-RU" sz="2000" smtClean="0"/>
+              <a:t>8</a:t>
+            </a:fld>
+            <a:endParaRPr lang="ru-RU" sz="2000" dirty="0"/>
+          </a:p>
+        </p:txBody>
+      </p:sp>
+    </p:spTree>
+    <p:extLst>
+      <p:ext uri="{BB962C8B-B14F-4D97-AF65-F5344CB8AC3E}">
+        <p14:creationId xmlns:p14="http://schemas.microsoft.com/office/powerpoint/2010/main" val="879443761"/>
+      </p:ext>
+    </p:extLst>
+  </p:cSld>
+  <p:clrMapOvr>
+    <a:masterClrMapping/>
+  </p:clrMapOvr>
+</p:sld>
+</file>
+
+<file path=ppt/slides/slide9.xml><?xml version="1.0" encoding="utf-8"?>
+<p:sld xmlns:a="http://schemas.openxmlformats.org/drawingml/2006/main" xmlns:r="http://schemas.openxmlformats.org/officeDocument/2006/relationships" xmlns:p="http://schemas.openxmlformats.org/presentationml/2006/main">
+  <p:cSld>
+    <p:spTree>
+      <p:nvGrpSpPr>
+        <p:cNvPr id="1" name=""/>
+        <p:cNvGrpSpPr/>
+        <p:nvPr/>
+      </p:nvGrpSpPr>
+      <p:grpSpPr>
+        <a:xfrm>
+          <a:off x="0" y="0"/>
+          <a:ext cx="0" cy="0"/>
+          <a:chOff x="0" y="0"/>
+          <a:chExt cx="0" cy="0"/>
+        </a:xfrm>
+      </p:grpSpPr>
+      <p:sp>
+        <p:nvSpPr>
+          <p:cNvPr id="2" name="Заголовок 1">
+            <a:extLst>
+              <a:ext uri="{FF2B5EF4-FFF2-40B4-BE49-F238E27FC236}">
+                <a16:creationId xmlns:a16="http://schemas.microsoft.com/office/drawing/2014/main" id="{6BFE0A30-4D38-85F2-D995-15FB88B9C96C}"/>
+              </a:ext>
+            </a:extLst>
+          </p:cNvPr>
+          <p:cNvSpPr>
+            <a:spLocks noGrp="1"/>
+          </p:cNvSpPr>
+          <p:nvPr>
+            <p:ph type="title"/>
+          </p:nvPr>
+        </p:nvSpPr>
+        <p:spPr>
+          <a:xfrm>
+            <a:off x="908538" y="2615956"/>
+            <a:ext cx="10515600" cy="1325563"/>
+          </a:xfrm>
+        </p:spPr>
+        <p:txBody>
+          <a:bodyPr/>
+          <a:lstStyle/>
+          <a:p>
+            <a:pPr algn="ctr"/>
+            <a:r>
+              <a:rPr lang="ru-RU" dirty="0">
+                <a:latin typeface="Times New Roman" panose="02020603050405020304" pitchFamily="18" charset="0"/>
+                <a:cs typeface="Times New Roman" panose="02020603050405020304" pitchFamily="18" charset="0"/>
+              </a:rPr>
+              <a:t>Спасибо за внимание !</a:t>
+            </a:r>
+          </a:p>
+        </p:txBody>
+      </p:sp>
+    </p:spTree>
+    <p:extLst>
+      <p:ext uri="{BB962C8B-B14F-4D97-AF65-F5344CB8AC3E}">
+        <p14:creationId xmlns:p14="http://schemas.microsoft.com/office/powerpoint/2010/main" val="1726137589"/>
       </p:ext>
     </p:extLst>
   </p:cSld>
